--- a/presentation/bit Composer2.pptx
+++ b/presentation/bit Composer2.pptx
@@ -2,7 +2,7 @@
 <file path=ppt/presentation.xml><?xml version="1.0" encoding="utf-8"?>
 <p:presentation xmlns:a="http://schemas.openxmlformats.org/drawingml/2006/main" xmlns:r="http://schemas.openxmlformats.org/officeDocument/2006/relationships" xmlns:p="http://schemas.openxmlformats.org/presentationml/2006/main" saveSubsetFonts="1">
   <p:sldMasterIdLst>
-    <p:sldMasterId id="2147483696" r:id="rId1"/>
+    <p:sldMasterId id="2147483936" r:id="rId1"/>
   </p:sldMasterIdLst>
   <p:notesMasterIdLst>
     <p:notesMasterId r:id="rId18"/>
@@ -13,11 +13,11 @@
     <p:sldId id="282" r:id="rId4"/>
     <p:sldId id="276" r:id="rId5"/>
     <p:sldId id="283" r:id="rId6"/>
-    <p:sldId id="287" r:id="rId7"/>
+    <p:sldId id="289" r:id="rId7"/>
     <p:sldId id="284" r:id="rId8"/>
-    <p:sldId id="286" r:id="rId9"/>
-    <p:sldId id="288" r:id="rId10"/>
-    <p:sldId id="289" r:id="rId11"/>
+    <p:sldId id="287" r:id="rId9"/>
+    <p:sldId id="286" r:id="rId10"/>
+    <p:sldId id="288" r:id="rId11"/>
     <p:sldId id="290" r:id="rId12"/>
     <p:sldId id="291" r:id="rId13"/>
     <p:sldId id="292" r:id="rId14"/>
@@ -781,48 +781,167 @@
           <a:lstStyle/>
           <a:p>
             <a:r>
+              <a:rPr kumimoji="1" lang="en-US" altLang="ja-JP" sz="1200" b="1" dirty="0"/>
+              <a:t>bit composer</a:t>
+            </a:r>
+            <a:r>
+              <a:rPr kumimoji="1" lang="ja-JP" altLang="en-US" sz="1200" b="1" dirty="0"/>
+              <a:t>の概要</a:t>
+            </a:r>
+            <a:endParaRPr kumimoji="1" lang="en-US" altLang="ja-JP" sz="1200" b="1" dirty="0"/>
+          </a:p>
+          <a:p>
+            <a:r>
+              <a:rPr lang="ja-JP" altLang="en-US" sz="1200" dirty="0"/>
+              <a:t>ユーザが作った短いメロディからゲーム音楽風の曲を作曲してくれる</a:t>
+            </a:r>
+            <a:endParaRPr kumimoji="1" lang="en-US" altLang="ja-JP" sz="1200" b="1" dirty="0"/>
+          </a:p>
+          <a:p>
+            <a:endParaRPr kumimoji="1" lang="ja-JP" altLang="en-US" dirty="0"/>
+          </a:p>
+        </p:txBody>
+      </p:sp>
+      <p:sp>
+        <p:nvSpPr>
+          <p:cNvPr id="4" name="スライド番号プレースホルダー 3"/>
+          <p:cNvSpPr>
+            <a:spLocks noGrp="1"/>
+          </p:cNvSpPr>
+          <p:nvPr>
+            <p:ph type="sldNum" sz="quarter" idx="5"/>
+          </p:nvPr>
+        </p:nvSpPr>
+        <p:spPr/>
+        <p:txBody>
+          <a:bodyPr/>
+          <a:lstStyle/>
+          <a:p>
+            <a:fld id="{FD808316-81CD-4B36-BDD1-D6460C124C29}" type="slidenum">
+              <a:rPr kumimoji="1" lang="ja-JP" altLang="en-US" smtClean="0"/>
+              <a:t>3</a:t>
+            </a:fld>
+            <a:endParaRPr kumimoji="1" lang="ja-JP" altLang="en-US"/>
+          </a:p>
+        </p:txBody>
+      </p:sp>
+    </p:spTree>
+    <p:extLst>
+      <p:ext uri="{BB962C8B-B14F-4D97-AF65-F5344CB8AC3E}">
+        <p14:creationId xmlns:p14="http://schemas.microsoft.com/office/powerpoint/2010/main" val="1636698905"/>
+      </p:ext>
+    </p:extLst>
+  </p:cSld>
+  <p:clrMapOvr>
+    <a:masterClrMapping/>
+  </p:clrMapOvr>
+</p:notes>
+</file>
+
+<file path=ppt/notesSlides/notesSlide4.xml><?xml version="1.0" encoding="utf-8"?>
+<p:notes xmlns:a="http://schemas.openxmlformats.org/drawingml/2006/main" xmlns:r="http://schemas.openxmlformats.org/officeDocument/2006/relationships" xmlns:p="http://schemas.openxmlformats.org/presentationml/2006/main">
+  <p:cSld>
+    <p:spTree>
+      <p:nvGrpSpPr>
+        <p:cNvPr id="1" name=""/>
+        <p:cNvGrpSpPr/>
+        <p:nvPr/>
+      </p:nvGrpSpPr>
+      <p:grpSpPr>
+        <a:xfrm>
+          <a:off x="0" y="0"/>
+          <a:ext cx="0" cy="0"/>
+          <a:chOff x="0" y="0"/>
+          <a:chExt cx="0" cy="0"/>
+        </a:xfrm>
+      </p:grpSpPr>
+      <p:sp>
+        <p:nvSpPr>
+          <p:cNvPr id="2" name="スライド イメージ プレースホルダー 1"/>
+          <p:cNvSpPr>
+            <a:spLocks noGrp="1" noRot="1" noChangeAspect="1"/>
+          </p:cNvSpPr>
+          <p:nvPr>
+            <p:ph type="sldImg"/>
+          </p:nvPr>
+        </p:nvSpPr>
+        <p:spPr/>
+      </p:sp>
+      <p:sp>
+        <p:nvSpPr>
+          <p:cNvPr id="3" name="ノート プレースホルダー 2"/>
+          <p:cNvSpPr>
+            <a:spLocks noGrp="1"/>
+          </p:cNvSpPr>
+          <p:nvPr>
+            <p:ph type="body" idx="1"/>
+          </p:nvPr>
+        </p:nvSpPr>
+        <p:spPr/>
+        <p:txBody>
+          <a:bodyPr/>
+          <a:lstStyle/>
+          <a:p>
+            <a:r>
+              <a:rPr kumimoji="1" lang="ja-JP" altLang="en-US" dirty="0"/>
+              <a:t>システム構成図は</a:t>
+            </a:r>
+            <a:endParaRPr kumimoji="1" lang="en-US" altLang="ja-JP" dirty="0"/>
+          </a:p>
+          <a:p>
+            <a:r>
               <a:rPr kumimoji="1" lang="en-US" altLang="ja-JP" dirty="0"/>
               <a:t>Web</a:t>
             </a:r>
             <a:r>
               <a:rPr kumimoji="1" lang="ja-JP" altLang="en-US" dirty="0"/>
-              <a:t>アプリケーションとして配布しているのでユーザはサーバにアクセスしてアプリケーションを使います。</a:t>
+              <a:t>フレームワークは</a:t>
+            </a:r>
+            <a:r>
+              <a:rPr kumimoji="1" lang="en-US" altLang="ja-JP" dirty="0"/>
+              <a:t>FLASK</a:t>
+            </a:r>
+            <a:r>
+              <a:rPr kumimoji="1" lang="ja-JP" altLang="en-US" dirty="0"/>
+              <a:t>を使用しています</a:t>
             </a:r>
             <a:endParaRPr kumimoji="1" lang="en-US" altLang="ja-JP" dirty="0"/>
           </a:p>
           <a:p>
             <a:r>
               <a:rPr kumimoji="1" lang="en-US" altLang="ja-JP" dirty="0"/>
-              <a:t>Web</a:t>
+              <a:t>JavaScript</a:t>
+            </a:r>
+            <a:r>
+              <a:rPr kumimoji="1" lang="ja-JP" altLang="en-US" dirty="0" err="1"/>
+              <a:t>での</a:t>
             </a:r>
             <a:r>
               <a:rPr kumimoji="1" lang="ja-JP" altLang="en-US" dirty="0"/>
-              <a:t>ページの表示やユーザとのやり取りをするサーバプログラムは</a:t>
+              <a:t>ライブラリは</a:t>
             </a:r>
             <a:r>
               <a:rPr kumimoji="1" lang="en-US" altLang="ja-JP" dirty="0"/>
-              <a:t>Flask</a:t>
+              <a:t>abc.js</a:t>
             </a:r>
             <a:r>
               <a:rPr kumimoji="1" lang="ja-JP" altLang="en-US" dirty="0"/>
-              <a:t>という</a:t>
-            </a:r>
+              <a:t>を使用しています。</a:t>
+            </a:r>
+            <a:endParaRPr kumimoji="1" lang="en-US" altLang="ja-JP" dirty="0"/>
+          </a:p>
+          <a:p>
             <a:r>
               <a:rPr kumimoji="1" lang="en-US" altLang="ja-JP" dirty="0"/>
-              <a:t>Web</a:t>
+              <a:t>Python</a:t>
             </a:r>
             <a:r>
               <a:rPr kumimoji="1" lang="ja-JP" altLang="en-US" dirty="0"/>
-              <a:t>フレームワークを使った</a:t>
-            </a:r>
-            <a:r>
-              <a:rPr kumimoji="1" lang="en-US" altLang="ja-JP" dirty="0"/>
-              <a:t>python</a:t>
-            </a:r>
-            <a:r>
-              <a:rPr kumimoji="1" lang="ja-JP" altLang="en-US" dirty="0"/>
-              <a:t>のプログラムで作っており、アプリとして成り立っています。</a:t>
-            </a:r>
+              <a:t>のライブラリは</a:t>
+            </a:r>
+            <a:endParaRPr kumimoji="1" lang="en-US" altLang="ja-JP" dirty="0"/>
+          </a:p>
+          <a:p>
             <a:endParaRPr kumimoji="1" lang="en-US" altLang="ja-JP" dirty="0"/>
           </a:p>
         </p:txBody>
@@ -885,7 +1004,7 @@
           <p:cNvPr id="2" name="タイトル 1">
             <a:extLst>
               <a:ext uri="{FF2B5EF4-FFF2-40B4-BE49-F238E27FC236}">
-                <a16:creationId xmlns:a16="http://schemas.microsoft.com/office/drawing/2014/main" id="{31C50D3B-3CE7-409B-AA8F-2C5A1592CE83}"/>
+                <a16:creationId xmlns:a16="http://schemas.microsoft.com/office/drawing/2014/main" id="{DABF48C3-94FB-406B-8474-26949C034EBA}"/>
               </a:ext>
             </a:extLst>
           </p:cNvPr>
@@ -922,7 +1041,7 @@
           <p:cNvPr id="3" name="字幕 2">
             <a:extLst>
               <a:ext uri="{FF2B5EF4-FFF2-40B4-BE49-F238E27FC236}">
-                <a16:creationId xmlns:a16="http://schemas.microsoft.com/office/drawing/2014/main" id="{070284BD-26A3-4C54-A875-F4D5F379AC41}"/>
+                <a16:creationId xmlns:a16="http://schemas.microsoft.com/office/drawing/2014/main" id="{CD1342D8-752C-4735-88D6-39C2FF89E736}"/>
               </a:ext>
             </a:extLst>
           </p:cNvPr>
@@ -992,7 +1111,7 @@
           <p:cNvPr id="4" name="日付プレースホルダー 3">
             <a:extLst>
               <a:ext uri="{FF2B5EF4-FFF2-40B4-BE49-F238E27FC236}">
-                <a16:creationId xmlns:a16="http://schemas.microsoft.com/office/drawing/2014/main" id="{8B1AA708-5DDF-4C3C-A4F2-7A697011D8B0}"/>
+                <a16:creationId xmlns:a16="http://schemas.microsoft.com/office/drawing/2014/main" id="{2C8A293F-E7A9-41C2-A6AD-A18FF163C53A}"/>
               </a:ext>
             </a:extLst>
           </p:cNvPr>
@@ -1021,7 +1140,7 @@
           <p:cNvPr id="5" name="フッター プレースホルダー 4">
             <a:extLst>
               <a:ext uri="{FF2B5EF4-FFF2-40B4-BE49-F238E27FC236}">
-                <a16:creationId xmlns:a16="http://schemas.microsoft.com/office/drawing/2014/main" id="{D49B66A9-E4E1-4E63-AE72-721196E899A3}"/>
+                <a16:creationId xmlns:a16="http://schemas.microsoft.com/office/drawing/2014/main" id="{92DE76AE-ED32-409D-A64C-FE698E644D3A}"/>
               </a:ext>
             </a:extLst>
           </p:cNvPr>
@@ -1046,7 +1165,7 @@
           <p:cNvPr id="6" name="スライド番号プレースホルダー 5">
             <a:extLst>
               <a:ext uri="{FF2B5EF4-FFF2-40B4-BE49-F238E27FC236}">
-                <a16:creationId xmlns:a16="http://schemas.microsoft.com/office/drawing/2014/main" id="{05AB7561-DCF0-4567-9045-F6CE3D744C1D}"/>
+                <a16:creationId xmlns:a16="http://schemas.microsoft.com/office/drawing/2014/main" id="{B8167C86-55BF-4DDD-99A4-CC2D0A373A52}"/>
               </a:ext>
             </a:extLst>
           </p:cNvPr>
@@ -1073,7 +1192,7 @@
     </p:spTree>
     <p:extLst>
       <p:ext uri="{BB962C8B-B14F-4D97-AF65-F5344CB8AC3E}">
-        <p14:creationId xmlns:p14="http://schemas.microsoft.com/office/powerpoint/2010/main" val="2731108401"/>
+        <p14:creationId xmlns:p14="http://schemas.microsoft.com/office/powerpoint/2010/main" val="3459674719"/>
       </p:ext>
     </p:extLst>
   </p:cSld>
@@ -1117,7 +1236,7 @@
           <p:cNvPr id="2" name="タイトル 1">
             <a:extLst>
               <a:ext uri="{FF2B5EF4-FFF2-40B4-BE49-F238E27FC236}">
-                <a16:creationId xmlns:a16="http://schemas.microsoft.com/office/drawing/2014/main" id="{33C4ECF0-49CE-4F49-8F22-2BE9483CA8F0}"/>
+                <a16:creationId xmlns:a16="http://schemas.microsoft.com/office/drawing/2014/main" id="{E7DFE0C2-65F7-45ED-B70E-BF2AC47A3327}"/>
               </a:ext>
             </a:extLst>
           </p:cNvPr>
@@ -1145,7 +1264,7 @@
           <p:cNvPr id="3" name="縦書きテキスト プレースホルダー 2">
             <a:extLst>
               <a:ext uri="{FF2B5EF4-FFF2-40B4-BE49-F238E27FC236}">
-                <a16:creationId xmlns:a16="http://schemas.microsoft.com/office/drawing/2014/main" id="{598C2499-11ED-4AD8-9F83-CC98B075B4CA}"/>
+                <a16:creationId xmlns:a16="http://schemas.microsoft.com/office/drawing/2014/main" id="{1E761142-C0DF-4AD3-8CD8-494E1E8C554D}"/>
               </a:ext>
             </a:extLst>
           </p:cNvPr>
@@ -1234,7 +1353,7 @@
           <p:cNvPr id="4" name="日付プレースホルダー 3">
             <a:extLst>
               <a:ext uri="{FF2B5EF4-FFF2-40B4-BE49-F238E27FC236}">
-                <a16:creationId xmlns:a16="http://schemas.microsoft.com/office/drawing/2014/main" id="{53C3339D-41AF-4092-B587-3634E5AF3B89}"/>
+                <a16:creationId xmlns:a16="http://schemas.microsoft.com/office/drawing/2014/main" id="{C7527004-1F8E-461E-8466-D08D41354165}"/>
               </a:ext>
             </a:extLst>
           </p:cNvPr>
@@ -1263,7 +1382,7 @@
           <p:cNvPr id="5" name="フッター プレースホルダー 4">
             <a:extLst>
               <a:ext uri="{FF2B5EF4-FFF2-40B4-BE49-F238E27FC236}">
-                <a16:creationId xmlns:a16="http://schemas.microsoft.com/office/drawing/2014/main" id="{6F54B73C-13CE-4904-B121-B6E212A46396}"/>
+                <a16:creationId xmlns:a16="http://schemas.microsoft.com/office/drawing/2014/main" id="{99935CE1-92D6-409F-8352-D4FC13CF7A54}"/>
               </a:ext>
             </a:extLst>
           </p:cNvPr>
@@ -1288,7 +1407,7 @@
           <p:cNvPr id="6" name="スライド番号プレースホルダー 5">
             <a:extLst>
               <a:ext uri="{FF2B5EF4-FFF2-40B4-BE49-F238E27FC236}">
-                <a16:creationId xmlns:a16="http://schemas.microsoft.com/office/drawing/2014/main" id="{F0417CAB-5F42-4B4B-9C9B-E26540F49F7E}"/>
+                <a16:creationId xmlns:a16="http://schemas.microsoft.com/office/drawing/2014/main" id="{C46230D3-99D4-48F1-AC5B-F8D5C57940A6}"/>
               </a:ext>
             </a:extLst>
           </p:cNvPr>
@@ -1315,7 +1434,7 @@
     </p:spTree>
     <p:extLst>
       <p:ext uri="{BB962C8B-B14F-4D97-AF65-F5344CB8AC3E}">
-        <p14:creationId xmlns:p14="http://schemas.microsoft.com/office/powerpoint/2010/main" val="1613027288"/>
+        <p14:creationId xmlns:p14="http://schemas.microsoft.com/office/powerpoint/2010/main" val="2067879075"/>
       </p:ext>
     </p:extLst>
   </p:cSld>
@@ -1359,7 +1478,7 @@
           <p:cNvPr id="2" name="縦書きタイトル 1">
             <a:extLst>
               <a:ext uri="{FF2B5EF4-FFF2-40B4-BE49-F238E27FC236}">
-                <a16:creationId xmlns:a16="http://schemas.microsoft.com/office/drawing/2014/main" id="{5594DBBD-D62F-4633-9945-743B37BE6E50}"/>
+                <a16:creationId xmlns:a16="http://schemas.microsoft.com/office/drawing/2014/main" id="{166FEFEA-E38F-4380-AE6B-01CFCDF3301D}"/>
               </a:ext>
             </a:extLst>
           </p:cNvPr>
@@ -1392,7 +1511,7 @@
           <p:cNvPr id="3" name="縦書きテキスト プレースホルダー 2">
             <a:extLst>
               <a:ext uri="{FF2B5EF4-FFF2-40B4-BE49-F238E27FC236}">
-                <a16:creationId xmlns:a16="http://schemas.microsoft.com/office/drawing/2014/main" id="{AC1021CA-1942-4E1F-8775-EC32883482F4}"/>
+                <a16:creationId xmlns:a16="http://schemas.microsoft.com/office/drawing/2014/main" id="{9CB70057-CA33-4899-BA2A-820ECF49E669}"/>
               </a:ext>
             </a:extLst>
           </p:cNvPr>
@@ -1486,7 +1605,7 @@
           <p:cNvPr id="4" name="日付プレースホルダー 3">
             <a:extLst>
               <a:ext uri="{FF2B5EF4-FFF2-40B4-BE49-F238E27FC236}">
-                <a16:creationId xmlns:a16="http://schemas.microsoft.com/office/drawing/2014/main" id="{BB165640-6B86-4BD0-B85A-F6271360F522}"/>
+                <a16:creationId xmlns:a16="http://schemas.microsoft.com/office/drawing/2014/main" id="{05C7FD8A-AF49-408C-B51F-A07CFEDC62FE}"/>
               </a:ext>
             </a:extLst>
           </p:cNvPr>
@@ -1515,7 +1634,7 @@
           <p:cNvPr id="5" name="フッター プレースホルダー 4">
             <a:extLst>
               <a:ext uri="{FF2B5EF4-FFF2-40B4-BE49-F238E27FC236}">
-                <a16:creationId xmlns:a16="http://schemas.microsoft.com/office/drawing/2014/main" id="{F62E95DE-469B-4D38-9210-41E2B92C2EA6}"/>
+                <a16:creationId xmlns:a16="http://schemas.microsoft.com/office/drawing/2014/main" id="{4D2386A6-B117-4759-B92A-D3D8123CC9B7}"/>
               </a:ext>
             </a:extLst>
           </p:cNvPr>
@@ -1540,7 +1659,7 @@
           <p:cNvPr id="6" name="スライド番号プレースホルダー 5">
             <a:extLst>
               <a:ext uri="{FF2B5EF4-FFF2-40B4-BE49-F238E27FC236}">
-                <a16:creationId xmlns:a16="http://schemas.microsoft.com/office/drawing/2014/main" id="{6ADE2F70-3EBC-4139-8ED7-56D9CA464FE7}"/>
+                <a16:creationId xmlns:a16="http://schemas.microsoft.com/office/drawing/2014/main" id="{A425F35C-1FA5-4242-BC6D-38E6D231844E}"/>
               </a:ext>
             </a:extLst>
           </p:cNvPr>
@@ -1567,7 +1686,7 @@
     </p:spTree>
     <p:extLst>
       <p:ext uri="{BB962C8B-B14F-4D97-AF65-F5344CB8AC3E}">
-        <p14:creationId xmlns:p14="http://schemas.microsoft.com/office/powerpoint/2010/main" val="334087593"/>
+        <p14:creationId xmlns:p14="http://schemas.microsoft.com/office/powerpoint/2010/main" val="2686864069"/>
       </p:ext>
     </p:extLst>
   </p:cSld>
@@ -1611,7 +1730,7 @@
           <p:cNvPr id="2" name="タイトル 1">
             <a:extLst>
               <a:ext uri="{FF2B5EF4-FFF2-40B4-BE49-F238E27FC236}">
-                <a16:creationId xmlns:a16="http://schemas.microsoft.com/office/drawing/2014/main" id="{C42AE5DF-1154-41F0-A209-9B18E6CF6024}"/>
+                <a16:creationId xmlns:a16="http://schemas.microsoft.com/office/drawing/2014/main" id="{21E984DE-3DAF-4E17-AA4B-89B4577EF6E7}"/>
               </a:ext>
             </a:extLst>
           </p:cNvPr>
@@ -1639,7 +1758,7 @@
           <p:cNvPr id="3" name="コンテンツ プレースホルダー 2">
             <a:extLst>
               <a:ext uri="{FF2B5EF4-FFF2-40B4-BE49-F238E27FC236}">
-                <a16:creationId xmlns:a16="http://schemas.microsoft.com/office/drawing/2014/main" id="{EE69D7FE-A350-4ABE-AF60-814E333266CD}"/>
+                <a16:creationId xmlns:a16="http://schemas.microsoft.com/office/drawing/2014/main" id="{5B7E9E66-1B78-4288-BDB9-EE5519EA5B59}"/>
               </a:ext>
             </a:extLst>
           </p:cNvPr>
@@ -1728,7 +1847,7 @@
           <p:cNvPr id="4" name="日付プレースホルダー 3">
             <a:extLst>
               <a:ext uri="{FF2B5EF4-FFF2-40B4-BE49-F238E27FC236}">
-                <a16:creationId xmlns:a16="http://schemas.microsoft.com/office/drawing/2014/main" id="{48066FC9-CA48-4354-A2A8-E888E04F6926}"/>
+                <a16:creationId xmlns:a16="http://schemas.microsoft.com/office/drawing/2014/main" id="{14FF9C27-40AE-4569-AAE6-45ECC61FB005}"/>
               </a:ext>
             </a:extLst>
           </p:cNvPr>
@@ -1757,7 +1876,7 @@
           <p:cNvPr id="5" name="フッター プレースホルダー 4">
             <a:extLst>
               <a:ext uri="{FF2B5EF4-FFF2-40B4-BE49-F238E27FC236}">
-                <a16:creationId xmlns:a16="http://schemas.microsoft.com/office/drawing/2014/main" id="{5E352B8B-BF25-4E15-B6DC-3E507B7CB9F5}"/>
+                <a16:creationId xmlns:a16="http://schemas.microsoft.com/office/drawing/2014/main" id="{AAD74B8C-C32D-42B9-9C21-ADCB998BA6E7}"/>
               </a:ext>
             </a:extLst>
           </p:cNvPr>
@@ -1782,7 +1901,7 @@
           <p:cNvPr id="6" name="スライド番号プレースホルダー 5">
             <a:extLst>
               <a:ext uri="{FF2B5EF4-FFF2-40B4-BE49-F238E27FC236}">
-                <a16:creationId xmlns:a16="http://schemas.microsoft.com/office/drawing/2014/main" id="{A36014E1-1484-4C27-82CA-89207094CADF}"/>
+                <a16:creationId xmlns:a16="http://schemas.microsoft.com/office/drawing/2014/main" id="{C85ED7CC-B4C1-4D0D-9D3D-ADA9D9899B95}"/>
               </a:ext>
             </a:extLst>
           </p:cNvPr>
@@ -1809,7 +1928,7 @@
     </p:spTree>
     <p:extLst>
       <p:ext uri="{BB962C8B-B14F-4D97-AF65-F5344CB8AC3E}">
-        <p14:creationId xmlns:p14="http://schemas.microsoft.com/office/powerpoint/2010/main" val="1039791463"/>
+        <p14:creationId xmlns:p14="http://schemas.microsoft.com/office/powerpoint/2010/main" val="407508847"/>
       </p:ext>
     </p:extLst>
   </p:cSld>
@@ -1853,7 +1972,7 @@
           <p:cNvPr id="2" name="タイトル 1">
             <a:extLst>
               <a:ext uri="{FF2B5EF4-FFF2-40B4-BE49-F238E27FC236}">
-                <a16:creationId xmlns:a16="http://schemas.microsoft.com/office/drawing/2014/main" id="{259499E4-232B-4151-B941-112DFECCE5E3}"/>
+                <a16:creationId xmlns:a16="http://schemas.microsoft.com/office/drawing/2014/main" id="{481FA0B1-DCE7-4BD1-9F37-1AE84AFD2620}"/>
               </a:ext>
             </a:extLst>
           </p:cNvPr>
@@ -1890,7 +2009,7 @@
           <p:cNvPr id="3" name="テキスト プレースホルダー 2">
             <a:extLst>
               <a:ext uri="{FF2B5EF4-FFF2-40B4-BE49-F238E27FC236}">
-                <a16:creationId xmlns:a16="http://schemas.microsoft.com/office/drawing/2014/main" id="{866E92F8-C641-43EB-87C6-5E18BDEC5ECF}"/>
+                <a16:creationId xmlns:a16="http://schemas.microsoft.com/office/drawing/2014/main" id="{C5505014-19D3-4469-A3B9-1F8EE95E277F}"/>
               </a:ext>
             </a:extLst>
           </p:cNvPr>
@@ -2015,7 +2134,7 @@
           <p:cNvPr id="4" name="日付プレースホルダー 3">
             <a:extLst>
               <a:ext uri="{FF2B5EF4-FFF2-40B4-BE49-F238E27FC236}">
-                <a16:creationId xmlns:a16="http://schemas.microsoft.com/office/drawing/2014/main" id="{FC32853B-3EF0-4D33-B7AC-4667D621FB66}"/>
+                <a16:creationId xmlns:a16="http://schemas.microsoft.com/office/drawing/2014/main" id="{2E1DBE54-B5DD-4E79-906D-DF4C37404542}"/>
               </a:ext>
             </a:extLst>
           </p:cNvPr>
@@ -2044,7 +2163,7 @@
           <p:cNvPr id="5" name="フッター プレースホルダー 4">
             <a:extLst>
               <a:ext uri="{FF2B5EF4-FFF2-40B4-BE49-F238E27FC236}">
-                <a16:creationId xmlns:a16="http://schemas.microsoft.com/office/drawing/2014/main" id="{103FF07C-14AF-4656-8063-3050FBFF49A6}"/>
+                <a16:creationId xmlns:a16="http://schemas.microsoft.com/office/drawing/2014/main" id="{6A125791-9A59-4F9D-8BB6-6E0C28BD5C0D}"/>
               </a:ext>
             </a:extLst>
           </p:cNvPr>
@@ -2069,7 +2188,7 @@
           <p:cNvPr id="6" name="スライド番号プレースホルダー 5">
             <a:extLst>
               <a:ext uri="{FF2B5EF4-FFF2-40B4-BE49-F238E27FC236}">
-                <a16:creationId xmlns:a16="http://schemas.microsoft.com/office/drawing/2014/main" id="{4C1B8801-7250-4C8F-95A0-D929747C99B6}"/>
+                <a16:creationId xmlns:a16="http://schemas.microsoft.com/office/drawing/2014/main" id="{FB975E5E-611C-4484-A722-71734083A997}"/>
               </a:ext>
             </a:extLst>
           </p:cNvPr>
@@ -2096,7 +2215,7 @@
     </p:spTree>
     <p:extLst>
       <p:ext uri="{BB962C8B-B14F-4D97-AF65-F5344CB8AC3E}">
-        <p14:creationId xmlns:p14="http://schemas.microsoft.com/office/powerpoint/2010/main" val="4168528056"/>
+        <p14:creationId xmlns:p14="http://schemas.microsoft.com/office/powerpoint/2010/main" val="2108309869"/>
       </p:ext>
     </p:extLst>
   </p:cSld>
@@ -2140,7 +2259,7 @@
           <p:cNvPr id="2" name="タイトル 1">
             <a:extLst>
               <a:ext uri="{FF2B5EF4-FFF2-40B4-BE49-F238E27FC236}">
-                <a16:creationId xmlns:a16="http://schemas.microsoft.com/office/drawing/2014/main" id="{B5C6114A-D914-46B0-9604-B594BDD892FF}"/>
+                <a16:creationId xmlns:a16="http://schemas.microsoft.com/office/drawing/2014/main" id="{FCAEE60E-1264-4307-8077-1485270E7E25}"/>
               </a:ext>
             </a:extLst>
           </p:cNvPr>
@@ -2168,7 +2287,7 @@
           <p:cNvPr id="3" name="コンテンツ プレースホルダー 2">
             <a:extLst>
               <a:ext uri="{FF2B5EF4-FFF2-40B4-BE49-F238E27FC236}">
-                <a16:creationId xmlns:a16="http://schemas.microsoft.com/office/drawing/2014/main" id="{FAB68CFE-F2AE-436D-A7E7-7D32FE847E1E}"/>
+                <a16:creationId xmlns:a16="http://schemas.microsoft.com/office/drawing/2014/main" id="{E0FAF83E-CD5E-4F3F-B177-69240A988F19}"/>
               </a:ext>
             </a:extLst>
           </p:cNvPr>
@@ -2262,7 +2381,7 @@
           <p:cNvPr id="4" name="コンテンツ プレースホルダー 3">
             <a:extLst>
               <a:ext uri="{FF2B5EF4-FFF2-40B4-BE49-F238E27FC236}">
-                <a16:creationId xmlns:a16="http://schemas.microsoft.com/office/drawing/2014/main" id="{53369CBB-72CD-4199-96D0-CD235134EDC8}"/>
+                <a16:creationId xmlns:a16="http://schemas.microsoft.com/office/drawing/2014/main" id="{999DF1C6-1E59-4F0F-A8D5-1D44069EE1A9}"/>
               </a:ext>
             </a:extLst>
           </p:cNvPr>
@@ -2356,7 +2475,7 @@
           <p:cNvPr id="5" name="日付プレースホルダー 4">
             <a:extLst>
               <a:ext uri="{FF2B5EF4-FFF2-40B4-BE49-F238E27FC236}">
-                <a16:creationId xmlns:a16="http://schemas.microsoft.com/office/drawing/2014/main" id="{57A3D94F-8854-48B6-B204-6DB9B0AA2AEE}"/>
+                <a16:creationId xmlns:a16="http://schemas.microsoft.com/office/drawing/2014/main" id="{94ABA899-AAFF-4629-9177-12B0D674943C}"/>
               </a:ext>
             </a:extLst>
           </p:cNvPr>
@@ -2385,7 +2504,7 @@
           <p:cNvPr id="6" name="フッター プレースホルダー 5">
             <a:extLst>
               <a:ext uri="{FF2B5EF4-FFF2-40B4-BE49-F238E27FC236}">
-                <a16:creationId xmlns:a16="http://schemas.microsoft.com/office/drawing/2014/main" id="{DE2FFA91-C733-484F-85E1-A86EB31F6244}"/>
+                <a16:creationId xmlns:a16="http://schemas.microsoft.com/office/drawing/2014/main" id="{C2D8F8A7-C2E6-408D-8EBF-6074495218BC}"/>
               </a:ext>
             </a:extLst>
           </p:cNvPr>
@@ -2410,7 +2529,7 @@
           <p:cNvPr id="7" name="スライド番号プレースホルダー 6">
             <a:extLst>
               <a:ext uri="{FF2B5EF4-FFF2-40B4-BE49-F238E27FC236}">
-                <a16:creationId xmlns:a16="http://schemas.microsoft.com/office/drawing/2014/main" id="{043505BD-9488-4DD3-A0E9-A546E889C500}"/>
+                <a16:creationId xmlns:a16="http://schemas.microsoft.com/office/drawing/2014/main" id="{4C51A17D-4FFE-4F9C-8722-22F8890601A2}"/>
               </a:ext>
             </a:extLst>
           </p:cNvPr>
@@ -2437,7 +2556,7 @@
     </p:spTree>
     <p:extLst>
       <p:ext uri="{BB962C8B-B14F-4D97-AF65-F5344CB8AC3E}">
-        <p14:creationId xmlns:p14="http://schemas.microsoft.com/office/powerpoint/2010/main" val="3502750800"/>
+        <p14:creationId xmlns:p14="http://schemas.microsoft.com/office/powerpoint/2010/main" val="3923169735"/>
       </p:ext>
     </p:extLst>
   </p:cSld>
@@ -2481,7 +2600,7 @@
           <p:cNvPr id="2" name="タイトル 1">
             <a:extLst>
               <a:ext uri="{FF2B5EF4-FFF2-40B4-BE49-F238E27FC236}">
-                <a16:creationId xmlns:a16="http://schemas.microsoft.com/office/drawing/2014/main" id="{81631888-B9A0-401C-A446-B29E29294337}"/>
+                <a16:creationId xmlns:a16="http://schemas.microsoft.com/office/drawing/2014/main" id="{03E5947A-3326-4C20-A307-307D99BD6CFB}"/>
               </a:ext>
             </a:extLst>
           </p:cNvPr>
@@ -2514,7 +2633,7 @@
           <p:cNvPr id="3" name="テキスト プレースホルダー 2">
             <a:extLst>
               <a:ext uri="{FF2B5EF4-FFF2-40B4-BE49-F238E27FC236}">
-                <a16:creationId xmlns:a16="http://schemas.microsoft.com/office/drawing/2014/main" id="{6E14A78E-B742-460F-A863-E08104B08EE0}"/>
+                <a16:creationId xmlns:a16="http://schemas.microsoft.com/office/drawing/2014/main" id="{F7FD3804-40C8-4B0C-AE85-B21C2ECA7B63}"/>
               </a:ext>
             </a:extLst>
           </p:cNvPr>
@@ -2585,7 +2704,7 @@
           <p:cNvPr id="4" name="コンテンツ プレースホルダー 3">
             <a:extLst>
               <a:ext uri="{FF2B5EF4-FFF2-40B4-BE49-F238E27FC236}">
-                <a16:creationId xmlns:a16="http://schemas.microsoft.com/office/drawing/2014/main" id="{4AEF71A6-CFE2-4EEB-9798-C933DDCD03C7}"/>
+                <a16:creationId xmlns:a16="http://schemas.microsoft.com/office/drawing/2014/main" id="{7DAE0297-EDDC-4335-9FBE-9979B2B943E7}"/>
               </a:ext>
             </a:extLst>
           </p:cNvPr>
@@ -2679,7 +2798,7 @@
           <p:cNvPr id="5" name="テキスト プレースホルダー 4">
             <a:extLst>
               <a:ext uri="{FF2B5EF4-FFF2-40B4-BE49-F238E27FC236}">
-                <a16:creationId xmlns:a16="http://schemas.microsoft.com/office/drawing/2014/main" id="{3A02CD2F-C198-4E6E-ADDF-8D13F3728ACD}"/>
+                <a16:creationId xmlns:a16="http://schemas.microsoft.com/office/drawing/2014/main" id="{9B1F54D1-E1F8-46C8-8E4F-3EE553413CEC}"/>
               </a:ext>
             </a:extLst>
           </p:cNvPr>
@@ -2750,7 +2869,7 @@
           <p:cNvPr id="6" name="コンテンツ プレースホルダー 5">
             <a:extLst>
               <a:ext uri="{FF2B5EF4-FFF2-40B4-BE49-F238E27FC236}">
-                <a16:creationId xmlns:a16="http://schemas.microsoft.com/office/drawing/2014/main" id="{81BF5680-809D-4DBD-9100-EEF3F6ED07EB}"/>
+                <a16:creationId xmlns:a16="http://schemas.microsoft.com/office/drawing/2014/main" id="{8D990995-F53C-4EC2-B8B3-134B1096C69F}"/>
               </a:ext>
             </a:extLst>
           </p:cNvPr>
@@ -2844,7 +2963,7 @@
           <p:cNvPr id="7" name="日付プレースホルダー 6">
             <a:extLst>
               <a:ext uri="{FF2B5EF4-FFF2-40B4-BE49-F238E27FC236}">
-                <a16:creationId xmlns:a16="http://schemas.microsoft.com/office/drawing/2014/main" id="{A05892CA-392E-4981-81EB-79EDF2FAE421}"/>
+                <a16:creationId xmlns:a16="http://schemas.microsoft.com/office/drawing/2014/main" id="{84BDC9C1-BDBF-470D-A40E-E1A17D5946F7}"/>
               </a:ext>
             </a:extLst>
           </p:cNvPr>
@@ -2873,7 +2992,7 @@
           <p:cNvPr id="8" name="フッター プレースホルダー 7">
             <a:extLst>
               <a:ext uri="{FF2B5EF4-FFF2-40B4-BE49-F238E27FC236}">
-                <a16:creationId xmlns:a16="http://schemas.microsoft.com/office/drawing/2014/main" id="{5BEDDAE1-46FC-406F-B0A0-B150FEAF1EAE}"/>
+                <a16:creationId xmlns:a16="http://schemas.microsoft.com/office/drawing/2014/main" id="{B64E0FAC-7A35-4BF1-BD6C-493E136DFAFD}"/>
               </a:ext>
             </a:extLst>
           </p:cNvPr>
@@ -2898,7 +3017,7 @@
           <p:cNvPr id="9" name="スライド番号プレースホルダー 8">
             <a:extLst>
               <a:ext uri="{FF2B5EF4-FFF2-40B4-BE49-F238E27FC236}">
-                <a16:creationId xmlns:a16="http://schemas.microsoft.com/office/drawing/2014/main" id="{45357B3C-3388-4768-8A4E-EE95EFACE681}"/>
+                <a16:creationId xmlns:a16="http://schemas.microsoft.com/office/drawing/2014/main" id="{4ECE2184-DE0D-4E6D-8EA9-CDFC3E79EF85}"/>
               </a:ext>
             </a:extLst>
           </p:cNvPr>
@@ -2925,7 +3044,7 @@
     </p:spTree>
     <p:extLst>
       <p:ext uri="{BB962C8B-B14F-4D97-AF65-F5344CB8AC3E}">
-        <p14:creationId xmlns:p14="http://schemas.microsoft.com/office/powerpoint/2010/main" val="3106966838"/>
+        <p14:creationId xmlns:p14="http://schemas.microsoft.com/office/powerpoint/2010/main" val="1331444339"/>
       </p:ext>
     </p:extLst>
   </p:cSld>
@@ -2969,7 +3088,7 @@
           <p:cNvPr id="2" name="タイトル 1">
             <a:extLst>
               <a:ext uri="{FF2B5EF4-FFF2-40B4-BE49-F238E27FC236}">
-                <a16:creationId xmlns:a16="http://schemas.microsoft.com/office/drawing/2014/main" id="{261446DC-ED15-421C-91C4-472DFEC60025}"/>
+                <a16:creationId xmlns:a16="http://schemas.microsoft.com/office/drawing/2014/main" id="{4268F423-DA24-4CC9-AD36-31D500AA4334}"/>
               </a:ext>
             </a:extLst>
           </p:cNvPr>
@@ -2997,7 +3116,7 @@
           <p:cNvPr id="3" name="日付プレースホルダー 2">
             <a:extLst>
               <a:ext uri="{FF2B5EF4-FFF2-40B4-BE49-F238E27FC236}">
-                <a16:creationId xmlns:a16="http://schemas.microsoft.com/office/drawing/2014/main" id="{EA88A274-CCED-4379-A370-352A4F6F0A85}"/>
+                <a16:creationId xmlns:a16="http://schemas.microsoft.com/office/drawing/2014/main" id="{6F659561-87BE-4011-A901-1A812EA6DFEB}"/>
               </a:ext>
             </a:extLst>
           </p:cNvPr>
@@ -3026,7 +3145,7 @@
           <p:cNvPr id="4" name="フッター プレースホルダー 3">
             <a:extLst>
               <a:ext uri="{FF2B5EF4-FFF2-40B4-BE49-F238E27FC236}">
-                <a16:creationId xmlns:a16="http://schemas.microsoft.com/office/drawing/2014/main" id="{66F90BCA-8F23-48BC-A39C-95F7EB0C38F0}"/>
+                <a16:creationId xmlns:a16="http://schemas.microsoft.com/office/drawing/2014/main" id="{6CE10F13-B3D5-480F-A317-6FB33FB4B6FC}"/>
               </a:ext>
             </a:extLst>
           </p:cNvPr>
@@ -3051,7 +3170,7 @@
           <p:cNvPr id="5" name="スライド番号プレースホルダー 4">
             <a:extLst>
               <a:ext uri="{FF2B5EF4-FFF2-40B4-BE49-F238E27FC236}">
-                <a16:creationId xmlns:a16="http://schemas.microsoft.com/office/drawing/2014/main" id="{54F399A0-4D4C-4AC6-9AA7-1351B24C7C57}"/>
+                <a16:creationId xmlns:a16="http://schemas.microsoft.com/office/drawing/2014/main" id="{AC18D338-7814-41EE-BD9C-CFE3F331D706}"/>
               </a:ext>
             </a:extLst>
           </p:cNvPr>
@@ -3078,7 +3197,7 @@
     </p:spTree>
     <p:extLst>
       <p:ext uri="{BB962C8B-B14F-4D97-AF65-F5344CB8AC3E}">
-        <p14:creationId xmlns:p14="http://schemas.microsoft.com/office/powerpoint/2010/main" val="4005431021"/>
+        <p14:creationId xmlns:p14="http://schemas.microsoft.com/office/powerpoint/2010/main" val="3180923277"/>
       </p:ext>
     </p:extLst>
   </p:cSld>
@@ -3122,7 +3241,7 @@
           <p:cNvPr id="2" name="日付プレースホルダー 1">
             <a:extLst>
               <a:ext uri="{FF2B5EF4-FFF2-40B4-BE49-F238E27FC236}">
-                <a16:creationId xmlns:a16="http://schemas.microsoft.com/office/drawing/2014/main" id="{F037A2A8-1AE2-4559-B7F2-93D0444AA5A3}"/>
+                <a16:creationId xmlns:a16="http://schemas.microsoft.com/office/drawing/2014/main" id="{74D13194-7BCB-4565-B388-EA5417D0BF15}"/>
               </a:ext>
             </a:extLst>
           </p:cNvPr>
@@ -3151,7 +3270,7 @@
           <p:cNvPr id="3" name="フッター プレースホルダー 2">
             <a:extLst>
               <a:ext uri="{FF2B5EF4-FFF2-40B4-BE49-F238E27FC236}">
-                <a16:creationId xmlns:a16="http://schemas.microsoft.com/office/drawing/2014/main" id="{96888DA0-EC05-49FE-8659-BA98A5223403}"/>
+                <a16:creationId xmlns:a16="http://schemas.microsoft.com/office/drawing/2014/main" id="{517A282A-6901-49D4-ACCF-305FA2BC16BB}"/>
               </a:ext>
             </a:extLst>
           </p:cNvPr>
@@ -3176,7 +3295,7 @@
           <p:cNvPr id="4" name="スライド番号プレースホルダー 3">
             <a:extLst>
               <a:ext uri="{FF2B5EF4-FFF2-40B4-BE49-F238E27FC236}">
-                <a16:creationId xmlns:a16="http://schemas.microsoft.com/office/drawing/2014/main" id="{743D3206-5FC1-4A67-9D8D-A948370F91E7}"/>
+                <a16:creationId xmlns:a16="http://schemas.microsoft.com/office/drawing/2014/main" id="{61E71137-A1AE-4E6A-9C35-B911095EB054}"/>
               </a:ext>
             </a:extLst>
           </p:cNvPr>
@@ -3203,7 +3322,7 @@
     </p:spTree>
     <p:extLst>
       <p:ext uri="{BB962C8B-B14F-4D97-AF65-F5344CB8AC3E}">
-        <p14:creationId xmlns:p14="http://schemas.microsoft.com/office/powerpoint/2010/main" val="1878847294"/>
+        <p14:creationId xmlns:p14="http://schemas.microsoft.com/office/powerpoint/2010/main" val="736516704"/>
       </p:ext>
     </p:extLst>
   </p:cSld>
@@ -3247,7 +3366,7 @@
           <p:cNvPr id="2" name="タイトル 1">
             <a:extLst>
               <a:ext uri="{FF2B5EF4-FFF2-40B4-BE49-F238E27FC236}">
-                <a16:creationId xmlns:a16="http://schemas.microsoft.com/office/drawing/2014/main" id="{C2E8C8E1-1FC8-48B8-9F79-827FF19A45B0}"/>
+                <a16:creationId xmlns:a16="http://schemas.microsoft.com/office/drawing/2014/main" id="{ACAA53CC-66F0-4D5C-AB9E-C83571818D08}"/>
               </a:ext>
             </a:extLst>
           </p:cNvPr>
@@ -3284,7 +3403,7 @@
           <p:cNvPr id="3" name="コンテンツ プレースホルダー 2">
             <a:extLst>
               <a:ext uri="{FF2B5EF4-FFF2-40B4-BE49-F238E27FC236}">
-                <a16:creationId xmlns:a16="http://schemas.microsoft.com/office/drawing/2014/main" id="{6FD8947F-A297-44AE-BBA0-D8CCC73089EF}"/>
+                <a16:creationId xmlns:a16="http://schemas.microsoft.com/office/drawing/2014/main" id="{7DFEFA31-450A-4BEC-9790-98D63C7A21AA}"/>
               </a:ext>
             </a:extLst>
           </p:cNvPr>
@@ -3406,7 +3525,7 @@
           <p:cNvPr id="4" name="テキスト プレースホルダー 3">
             <a:extLst>
               <a:ext uri="{FF2B5EF4-FFF2-40B4-BE49-F238E27FC236}">
-                <a16:creationId xmlns:a16="http://schemas.microsoft.com/office/drawing/2014/main" id="{EE9CB033-3B56-44B2-B00D-DBFC9DEDC4C9}"/>
+                <a16:creationId xmlns:a16="http://schemas.microsoft.com/office/drawing/2014/main" id="{436B4EF5-9382-4E9D-95B0-6D1FAB225803}"/>
               </a:ext>
             </a:extLst>
           </p:cNvPr>
@@ -3477,7 +3596,7 @@
           <p:cNvPr id="5" name="日付プレースホルダー 4">
             <a:extLst>
               <a:ext uri="{FF2B5EF4-FFF2-40B4-BE49-F238E27FC236}">
-                <a16:creationId xmlns:a16="http://schemas.microsoft.com/office/drawing/2014/main" id="{E094DD6E-5F75-41C5-BE79-80CB7F5022F7}"/>
+                <a16:creationId xmlns:a16="http://schemas.microsoft.com/office/drawing/2014/main" id="{7D468E9B-1DC4-4ED8-8C61-F176674872EB}"/>
               </a:ext>
             </a:extLst>
           </p:cNvPr>
@@ -3506,7 +3625,7 @@
           <p:cNvPr id="6" name="フッター プレースホルダー 5">
             <a:extLst>
               <a:ext uri="{FF2B5EF4-FFF2-40B4-BE49-F238E27FC236}">
-                <a16:creationId xmlns:a16="http://schemas.microsoft.com/office/drawing/2014/main" id="{C95C2757-72CA-4B9B-9F80-675E00FE0113}"/>
+                <a16:creationId xmlns:a16="http://schemas.microsoft.com/office/drawing/2014/main" id="{D8315AC6-56FE-427E-AC71-C483C04431AC}"/>
               </a:ext>
             </a:extLst>
           </p:cNvPr>
@@ -3531,7 +3650,7 @@
           <p:cNvPr id="7" name="スライド番号プレースホルダー 6">
             <a:extLst>
               <a:ext uri="{FF2B5EF4-FFF2-40B4-BE49-F238E27FC236}">
-                <a16:creationId xmlns:a16="http://schemas.microsoft.com/office/drawing/2014/main" id="{EED1F584-7743-499D-BD0C-9E9173CEB6C6}"/>
+                <a16:creationId xmlns:a16="http://schemas.microsoft.com/office/drawing/2014/main" id="{C069353A-D6FC-401F-B4AC-BFE861656BDC}"/>
               </a:ext>
             </a:extLst>
           </p:cNvPr>
@@ -3558,7 +3677,7 @@
     </p:spTree>
     <p:extLst>
       <p:ext uri="{BB962C8B-B14F-4D97-AF65-F5344CB8AC3E}">
-        <p14:creationId xmlns:p14="http://schemas.microsoft.com/office/powerpoint/2010/main" val="3120081590"/>
+        <p14:creationId xmlns:p14="http://schemas.microsoft.com/office/powerpoint/2010/main" val="3661942884"/>
       </p:ext>
     </p:extLst>
   </p:cSld>
@@ -3602,7 +3721,7 @@
           <p:cNvPr id="2" name="タイトル 1">
             <a:extLst>
               <a:ext uri="{FF2B5EF4-FFF2-40B4-BE49-F238E27FC236}">
-                <a16:creationId xmlns:a16="http://schemas.microsoft.com/office/drawing/2014/main" id="{86FB4BBF-893B-4E5F-BFD1-C018D03C2EEB}"/>
+                <a16:creationId xmlns:a16="http://schemas.microsoft.com/office/drawing/2014/main" id="{D8FF409F-13B3-4D85-A220-5212B16D05E7}"/>
               </a:ext>
             </a:extLst>
           </p:cNvPr>
@@ -3639,7 +3758,7 @@
           <p:cNvPr id="3" name="図プレースホルダー 2">
             <a:extLst>
               <a:ext uri="{FF2B5EF4-FFF2-40B4-BE49-F238E27FC236}">
-                <a16:creationId xmlns:a16="http://schemas.microsoft.com/office/drawing/2014/main" id="{6058DAA5-5AE3-4452-8FA3-5E4D691FA20F}"/>
+                <a16:creationId xmlns:a16="http://schemas.microsoft.com/office/drawing/2014/main" id="{A37982A2-F46C-441C-A82A-201A5B1FFCBD}"/>
               </a:ext>
             </a:extLst>
           </p:cNvPr>
@@ -3706,7 +3825,7 @@
           <p:cNvPr id="4" name="テキスト プレースホルダー 3">
             <a:extLst>
               <a:ext uri="{FF2B5EF4-FFF2-40B4-BE49-F238E27FC236}">
-                <a16:creationId xmlns:a16="http://schemas.microsoft.com/office/drawing/2014/main" id="{5DB110E4-F842-4C23-9EF0-EDB503079F7D}"/>
+                <a16:creationId xmlns:a16="http://schemas.microsoft.com/office/drawing/2014/main" id="{721A4F52-9A85-4780-846C-1719B57E53C8}"/>
               </a:ext>
             </a:extLst>
           </p:cNvPr>
@@ -3777,7 +3896,7 @@
           <p:cNvPr id="5" name="日付プレースホルダー 4">
             <a:extLst>
               <a:ext uri="{FF2B5EF4-FFF2-40B4-BE49-F238E27FC236}">
-                <a16:creationId xmlns:a16="http://schemas.microsoft.com/office/drawing/2014/main" id="{F7585FC5-2AF8-486A-B853-CBC6480F7B40}"/>
+                <a16:creationId xmlns:a16="http://schemas.microsoft.com/office/drawing/2014/main" id="{80A4608A-C600-459A-871A-298F5A9B9498}"/>
               </a:ext>
             </a:extLst>
           </p:cNvPr>
@@ -3806,7 +3925,7 @@
           <p:cNvPr id="6" name="フッター プレースホルダー 5">
             <a:extLst>
               <a:ext uri="{FF2B5EF4-FFF2-40B4-BE49-F238E27FC236}">
-                <a16:creationId xmlns:a16="http://schemas.microsoft.com/office/drawing/2014/main" id="{CAA75C11-6E9B-4E28-BC07-452B7CEE0E92}"/>
+                <a16:creationId xmlns:a16="http://schemas.microsoft.com/office/drawing/2014/main" id="{6CA1001D-BEF1-4855-9336-C15C2882B6D9}"/>
               </a:ext>
             </a:extLst>
           </p:cNvPr>
@@ -3831,7 +3950,7 @@
           <p:cNvPr id="7" name="スライド番号プレースホルダー 6">
             <a:extLst>
               <a:ext uri="{FF2B5EF4-FFF2-40B4-BE49-F238E27FC236}">
-                <a16:creationId xmlns:a16="http://schemas.microsoft.com/office/drawing/2014/main" id="{F54173BA-3852-4697-BD92-6793003B5032}"/>
+                <a16:creationId xmlns:a16="http://schemas.microsoft.com/office/drawing/2014/main" id="{EFD47054-31F9-4F1E-AE93-4501CAE061EA}"/>
               </a:ext>
             </a:extLst>
           </p:cNvPr>
@@ -3858,7 +3977,7 @@
     </p:spTree>
     <p:extLst>
       <p:ext uri="{BB962C8B-B14F-4D97-AF65-F5344CB8AC3E}">
-        <p14:creationId xmlns:p14="http://schemas.microsoft.com/office/powerpoint/2010/main" val="3765143402"/>
+        <p14:creationId xmlns:p14="http://schemas.microsoft.com/office/powerpoint/2010/main" val="4075236668"/>
       </p:ext>
     </p:extLst>
   </p:cSld>
@@ -3907,7 +4026,7 @@
           <p:cNvPr id="2" name="タイトル プレースホルダー 1">
             <a:extLst>
               <a:ext uri="{FF2B5EF4-FFF2-40B4-BE49-F238E27FC236}">
-                <a16:creationId xmlns:a16="http://schemas.microsoft.com/office/drawing/2014/main" id="{54EC263B-1424-4CF7-8B49-A84C5A72089D}"/>
+                <a16:creationId xmlns:a16="http://schemas.microsoft.com/office/drawing/2014/main" id="{180C59BC-04FF-4EA2-B333-78FFA0D09A16}"/>
               </a:ext>
             </a:extLst>
           </p:cNvPr>
@@ -3945,7 +4064,7 @@
           <p:cNvPr id="3" name="テキスト プレースホルダー 2">
             <a:extLst>
               <a:ext uri="{FF2B5EF4-FFF2-40B4-BE49-F238E27FC236}">
-                <a16:creationId xmlns:a16="http://schemas.microsoft.com/office/drawing/2014/main" id="{E5A9A152-1C48-4B40-9961-25350E6F24FD}"/>
+                <a16:creationId xmlns:a16="http://schemas.microsoft.com/office/drawing/2014/main" id="{4AD9F650-C0AA-445F-9711-100656A5EB04}"/>
               </a:ext>
             </a:extLst>
           </p:cNvPr>
@@ -4044,7 +4163,7 @@
           <p:cNvPr id="4" name="日付プレースホルダー 3">
             <a:extLst>
               <a:ext uri="{FF2B5EF4-FFF2-40B4-BE49-F238E27FC236}">
-                <a16:creationId xmlns:a16="http://schemas.microsoft.com/office/drawing/2014/main" id="{6E836DC4-2349-4529-B33A-BD9F04051E65}"/>
+                <a16:creationId xmlns:a16="http://schemas.microsoft.com/office/drawing/2014/main" id="{3446951A-7CD5-49D7-A2F9-6566ECEC9E49}"/>
               </a:ext>
             </a:extLst>
           </p:cNvPr>
@@ -4091,7 +4210,7 @@
           <p:cNvPr id="5" name="フッター プレースホルダー 4">
             <a:extLst>
               <a:ext uri="{FF2B5EF4-FFF2-40B4-BE49-F238E27FC236}">
-                <a16:creationId xmlns:a16="http://schemas.microsoft.com/office/drawing/2014/main" id="{FB1416BE-88C9-4884-A3C0-2019C2F4BE50}"/>
+                <a16:creationId xmlns:a16="http://schemas.microsoft.com/office/drawing/2014/main" id="{AA5DEDDB-72C5-4455-B568-CA6B15D4D703}"/>
               </a:ext>
             </a:extLst>
           </p:cNvPr>
@@ -4134,7 +4253,7 @@
           <p:cNvPr id="6" name="スライド番号プレースホルダー 5">
             <a:extLst>
               <a:ext uri="{FF2B5EF4-FFF2-40B4-BE49-F238E27FC236}">
-                <a16:creationId xmlns:a16="http://schemas.microsoft.com/office/drawing/2014/main" id="{3A636D91-BC92-4517-8365-522689219206}"/>
+                <a16:creationId xmlns:a16="http://schemas.microsoft.com/office/drawing/2014/main" id="{2CACE888-140A-4366-A024-A05DA239B76E}"/>
               </a:ext>
             </a:extLst>
           </p:cNvPr>
@@ -4179,23 +4298,23 @@
     </p:spTree>
     <p:extLst>
       <p:ext uri="{BB962C8B-B14F-4D97-AF65-F5344CB8AC3E}">
-        <p14:creationId xmlns:p14="http://schemas.microsoft.com/office/powerpoint/2010/main" val="4279658709"/>
+        <p14:creationId xmlns:p14="http://schemas.microsoft.com/office/powerpoint/2010/main" val="213414411"/>
       </p:ext>
     </p:extLst>
   </p:cSld>
   <p:clrMap bg1="lt1" tx1="dk1" bg2="lt2" tx2="dk2" accent1="accent1" accent2="accent2" accent3="accent3" accent4="accent4" accent5="accent5" accent6="accent6" hlink="hlink" folHlink="folHlink"/>
   <p:sldLayoutIdLst>
-    <p:sldLayoutId id="2147483697" r:id="rId1"/>
-    <p:sldLayoutId id="2147483698" r:id="rId2"/>
-    <p:sldLayoutId id="2147483699" r:id="rId3"/>
-    <p:sldLayoutId id="2147483700" r:id="rId4"/>
-    <p:sldLayoutId id="2147483701" r:id="rId5"/>
-    <p:sldLayoutId id="2147483702" r:id="rId6"/>
-    <p:sldLayoutId id="2147483703" r:id="rId7"/>
-    <p:sldLayoutId id="2147483704" r:id="rId8"/>
-    <p:sldLayoutId id="2147483705" r:id="rId9"/>
-    <p:sldLayoutId id="2147483706" r:id="rId10"/>
-    <p:sldLayoutId id="2147483707" r:id="rId11"/>
+    <p:sldLayoutId id="2147483937" r:id="rId1"/>
+    <p:sldLayoutId id="2147483938" r:id="rId2"/>
+    <p:sldLayoutId id="2147483939" r:id="rId3"/>
+    <p:sldLayoutId id="2147483940" r:id="rId4"/>
+    <p:sldLayoutId id="2147483941" r:id="rId5"/>
+    <p:sldLayoutId id="2147483942" r:id="rId6"/>
+    <p:sldLayoutId id="2147483943" r:id="rId7"/>
+    <p:sldLayoutId id="2147483944" r:id="rId8"/>
+    <p:sldLayoutId id="2147483945" r:id="rId9"/>
+    <p:sldLayoutId id="2147483946" r:id="rId10"/>
+    <p:sldLayoutId id="2147483947" r:id="rId11"/>
   </p:sldLayoutIdLst>
   <mc:AlternateContent xmlns:mc="http://schemas.openxmlformats.org/markup-compatibility/2006" xmlns:p14="http://schemas.microsoft.com/office/powerpoint/2010/main">
     <mc:Choice Requires="p14">
@@ -4509,6 +4628,77 @@
           <a:chExt cx="0" cy="0"/>
         </a:xfrm>
       </p:grpSpPr>
+      <p:sp>
+        <p:nvSpPr>
+          <p:cNvPr id="3" name="タイトル 2">
+            <a:extLst>
+              <a:ext uri="{FF2B5EF4-FFF2-40B4-BE49-F238E27FC236}">
+                <a16:creationId xmlns:a16="http://schemas.microsoft.com/office/drawing/2014/main" id="{85AE313F-C27B-4496-937E-35B11C5D3755}"/>
+              </a:ext>
+            </a:extLst>
+          </p:cNvPr>
+          <p:cNvSpPr>
+            <a:spLocks noGrp="1"/>
+          </p:cNvSpPr>
+          <p:nvPr>
+            <p:ph type="title"/>
+          </p:nvPr>
+        </p:nvSpPr>
+        <p:spPr>
+          <a:xfrm>
+            <a:off x="482600" y="482600"/>
+            <a:ext cx="8225972" cy="889000"/>
+          </a:xfrm>
+        </p:spPr>
+        <p:txBody>
+          <a:bodyPr>
+            <a:noAutofit/>
+          </a:bodyPr>
+          <a:lstStyle/>
+          <a:p>
+            <a:pPr rtl="0" eaLnBrk="1" latinLnBrk="0" hangingPunct="1"/>
+            <a:r>
+              <a:rPr kumimoji="1" lang="en-US" altLang="ja-JP" sz="6000" b="1" kern="1200" dirty="0">
+                <a:solidFill>
+                  <a:srgbClr val="000000"/>
+                </a:solidFill>
+                <a:effectLst/>
+                <a:latin typeface="游ゴシック" panose="020B0400000000000000" pitchFamily="50" charset="-128"/>
+                <a:ea typeface="游ゴシック" panose="020B0400000000000000" pitchFamily="50" charset="-128"/>
+                <a:cs typeface="+mn-cs"/>
+              </a:rPr>
+              <a:t>bit composer</a:t>
+            </a:r>
+            <a:r>
+              <a:rPr kumimoji="1" lang="ja-JP" altLang="ja-JP" sz="6000" b="1" kern="1200" dirty="0">
+                <a:solidFill>
+                  <a:srgbClr val="000000"/>
+                </a:solidFill>
+                <a:effectLst/>
+                <a:latin typeface="游ゴシック" panose="020B0400000000000000" pitchFamily="50" charset="-128"/>
+                <a:ea typeface="游ゴシック" panose="020B0400000000000000" pitchFamily="50" charset="-128"/>
+                <a:cs typeface="+mn-cs"/>
+              </a:rPr>
+              <a:t>開発状況</a:t>
+            </a:r>
+            <a:r>
+              <a:rPr kumimoji="1" lang="en-US" altLang="ja-JP" sz="6000" b="1" kern="1200" dirty="0">
+                <a:solidFill>
+                  <a:srgbClr val="000000"/>
+                </a:solidFill>
+                <a:effectLst/>
+                <a:latin typeface="游ゴシック" panose="020B0400000000000000" pitchFamily="50" charset="-128"/>
+                <a:ea typeface="游ゴシック" panose="020B0400000000000000" pitchFamily="50" charset="-128"/>
+                <a:cs typeface="+mn-cs"/>
+              </a:rPr>
+              <a:t>  </a:t>
+            </a:r>
+            <a:endParaRPr lang="ja-JP" altLang="ja-JP" sz="6000" b="1" dirty="0">
+              <a:effectLst/>
+            </a:endParaRPr>
+          </a:p>
+        </p:txBody>
+      </p:sp>
       <p:pic>
         <p:nvPicPr>
           <p:cNvPr id="8" name="コンテンツ プレースホルダー 7">
@@ -4539,8 +4729,8 @@
         </p:blipFill>
         <p:spPr>
           <a:xfrm>
-            <a:off x="2736887" y="1574800"/>
-            <a:ext cx="6718225" cy="5143425"/>
+            <a:off x="5143367" y="3048661"/>
+            <a:ext cx="1905266" cy="1905266"/>
           </a:xfrm>
         </p:spPr>
       </p:pic>
@@ -4597,77 +4787,6 @@
               <a:rPr kumimoji="1" lang="ja-JP" altLang="en-US" sz="3200" dirty="0"/>
               <a:t>長島　光琉</a:t>
             </a:r>
-          </a:p>
-        </p:txBody>
-      </p:sp>
-      <p:sp>
-        <p:nvSpPr>
-          <p:cNvPr id="3" name="タイトル 2">
-            <a:extLst>
-              <a:ext uri="{FF2B5EF4-FFF2-40B4-BE49-F238E27FC236}">
-                <a16:creationId xmlns:a16="http://schemas.microsoft.com/office/drawing/2014/main" id="{85AE313F-C27B-4496-937E-35B11C5D3755}"/>
-              </a:ext>
-            </a:extLst>
-          </p:cNvPr>
-          <p:cNvSpPr>
-            <a:spLocks noGrp="1"/>
-          </p:cNvSpPr>
-          <p:nvPr>
-            <p:ph type="title"/>
-          </p:nvPr>
-        </p:nvSpPr>
-        <p:spPr>
-          <a:xfrm>
-            <a:off x="482599" y="482600"/>
-            <a:ext cx="8972513" cy="889000"/>
-          </a:xfrm>
-        </p:spPr>
-        <p:txBody>
-          <a:bodyPr>
-            <a:noAutofit/>
-          </a:bodyPr>
-          <a:lstStyle/>
-          <a:p>
-            <a:pPr rtl="0" eaLnBrk="1" latinLnBrk="0" hangingPunct="1"/>
-            <a:r>
-              <a:rPr kumimoji="1" lang="en-US" altLang="ja-JP" sz="5400" b="1" kern="1200" dirty="0">
-                <a:solidFill>
-                  <a:srgbClr val="000000"/>
-                </a:solidFill>
-                <a:effectLst/>
-                <a:latin typeface="游ゴシック" panose="020B0400000000000000" pitchFamily="50" charset="-128"/>
-                <a:ea typeface="游ゴシック" panose="020B0400000000000000" pitchFamily="50" charset="-128"/>
-                <a:cs typeface="+mn-cs"/>
-              </a:rPr>
-              <a:t>bit composer</a:t>
-            </a:r>
-            <a:r>
-              <a:rPr kumimoji="1" lang="ja-JP" altLang="ja-JP" sz="5400" b="1" kern="1200" dirty="0">
-                <a:solidFill>
-                  <a:srgbClr val="000000"/>
-                </a:solidFill>
-                <a:effectLst/>
-                <a:latin typeface="游ゴシック" panose="020B0400000000000000" pitchFamily="50" charset="-128"/>
-                <a:ea typeface="游ゴシック" panose="020B0400000000000000" pitchFamily="50" charset="-128"/>
-                <a:cs typeface="+mn-cs"/>
-              </a:rPr>
-              <a:t>開発状況</a:t>
-            </a:r>
-            <a:r>
-              <a:rPr kumimoji="1" lang="en-US" altLang="ja-JP" sz="5400" b="1" kern="1200" dirty="0">
-                <a:solidFill>
-                  <a:srgbClr val="000000"/>
-                </a:solidFill>
-                <a:effectLst/>
-                <a:latin typeface="游ゴシック" panose="020B0400000000000000" pitchFamily="50" charset="-128"/>
-                <a:ea typeface="游ゴシック" panose="020B0400000000000000" pitchFamily="50" charset="-128"/>
-                <a:cs typeface="+mn-cs"/>
-              </a:rPr>
-              <a:t>  </a:t>
-            </a:r>
-            <a:endParaRPr lang="ja-JP" altLang="ja-JP" sz="5400" b="1" dirty="0">
-              <a:effectLst/>
-            </a:endParaRPr>
           </a:p>
         </p:txBody>
       </p:sp>
@@ -4718,7 +4837,7 @@
           <p:cNvPr id="2" name="タイトル 1">
             <a:extLst>
               <a:ext uri="{FF2B5EF4-FFF2-40B4-BE49-F238E27FC236}">
-                <a16:creationId xmlns:a16="http://schemas.microsoft.com/office/drawing/2014/main" id="{561E2F2A-38C3-4B00-B326-851C4881AE03}"/>
+                <a16:creationId xmlns:a16="http://schemas.microsoft.com/office/drawing/2014/main" id="{18F0CC66-E5ED-4F1F-9896-8EB2C725114E}"/>
               </a:ext>
             </a:extLst>
           </p:cNvPr>
@@ -4736,17 +4855,60 @@
           <a:p>
             <a:r>
               <a:rPr kumimoji="1" lang="ja-JP" altLang="en-US" dirty="0"/>
-              <a:t>学習データの作り方</a:t>
-            </a:r>
-          </a:p>
-        </p:txBody>
-      </p:sp>
-      <p:sp>
-        <p:nvSpPr>
-          <p:cNvPr id="3" name="テキスト ボックス 2">
-            <a:extLst>
-              <a:ext uri="{FF2B5EF4-FFF2-40B4-BE49-F238E27FC236}">
-                <a16:creationId xmlns:a16="http://schemas.microsoft.com/office/drawing/2014/main" id="{CF7CB75F-85AC-496C-9B04-A94CBD01B4B8}"/>
+              <a:t>実際に学習させたもの</a:t>
+            </a:r>
+            <a:r>
+              <a:rPr kumimoji="1" lang="en-US" altLang="ja-JP" dirty="0"/>
+              <a:t>2</a:t>
+            </a:r>
+            <a:endParaRPr kumimoji="1" lang="ja-JP" altLang="en-US" dirty="0"/>
+          </a:p>
+        </p:txBody>
+      </p:sp>
+      <p:pic>
+        <p:nvPicPr>
+          <p:cNvPr id="3" name="test_output2">
+            <a:hlinkClick r:id="" action="ppaction://media"/>
+            <a:extLst>
+              <a:ext uri="{FF2B5EF4-FFF2-40B4-BE49-F238E27FC236}">
+                <a16:creationId xmlns:a16="http://schemas.microsoft.com/office/drawing/2014/main" id="{FE06A747-B449-4823-9B78-1E25F9C859B9}"/>
+              </a:ext>
+            </a:extLst>
+          </p:cNvPr>
+          <p:cNvPicPr>
+            <a:picLocks noChangeAspect="1"/>
+          </p:cNvPicPr>
+          <p:nvPr>
+            <a:audioFile r:link="rId2"/>
+            <p:extLst>
+              <p:ext uri="{DAA4B4D4-6D71-4841-9C94-3DE7FCFB9230}">
+                <p14:media xmlns:p14="http://schemas.microsoft.com/office/powerpoint/2010/main" r:embed="rId1"/>
+              </p:ext>
+            </p:extLst>
+          </p:nvPr>
+        </p:nvPicPr>
+        <p:blipFill>
+          <a:blip r:embed="rId4"/>
+          <a:stretch>
+            <a:fillRect/>
+          </a:stretch>
+        </p:blipFill>
+        <p:spPr>
+          <a:xfrm>
+            <a:off x="1150375" y="3989438"/>
+            <a:ext cx="2448232" cy="1629696"/>
+          </a:xfrm>
+          <a:prstGeom prst="rect">
+            <a:avLst/>
+          </a:prstGeom>
+        </p:spPr>
+      </p:pic>
+      <p:sp>
+        <p:nvSpPr>
+          <p:cNvPr id="4" name="テキスト ボックス 3">
+            <a:extLst>
+              <a:ext uri="{FF2B5EF4-FFF2-40B4-BE49-F238E27FC236}">
+                <a16:creationId xmlns:a16="http://schemas.microsoft.com/office/drawing/2014/main" id="{D3BFC2FA-6912-4A9A-B878-15BFDC33F917}"/>
               </a:ext>
             </a:extLst>
           </p:cNvPr>
@@ -4755,8 +4917,8 @@
         </p:nvSpPr>
         <p:spPr>
           <a:xfrm>
-            <a:off x="359228" y="3349037"/>
-            <a:ext cx="1556657" cy="769441"/>
+            <a:off x="838201" y="1690688"/>
+            <a:ext cx="3881284" cy="1754326"/>
           </a:xfrm>
           <a:prstGeom prst="rect">
             <a:avLst/>
@@ -4770,131 +4932,35 @@
           <a:lstStyle/>
           <a:p>
             <a:r>
-              <a:rPr kumimoji="1" lang="en-US" altLang="ja-JP" sz="4400" dirty="0"/>
-              <a:t>MIDI</a:t>
-            </a:r>
-            <a:endParaRPr kumimoji="1" lang="ja-JP" altLang="en-US" sz="4400" dirty="0"/>
-          </a:p>
-        </p:txBody>
-      </p:sp>
-      <p:sp>
-        <p:nvSpPr>
-          <p:cNvPr id="4" name="テキスト ボックス 3">
-            <a:extLst>
-              <a:ext uri="{FF2B5EF4-FFF2-40B4-BE49-F238E27FC236}">
-                <a16:creationId xmlns:a16="http://schemas.microsoft.com/office/drawing/2014/main" id="{D8E55622-76AC-4FC6-9ED8-6643879D7EE5}"/>
-              </a:ext>
-            </a:extLst>
-          </p:cNvPr>
-          <p:cNvSpPr txBox="1"/>
-          <p:nvPr/>
-        </p:nvSpPr>
-        <p:spPr>
-          <a:xfrm>
-            <a:off x="2318657" y="3349037"/>
-            <a:ext cx="2558143" cy="769441"/>
-          </a:xfrm>
-          <a:prstGeom prst="rect">
-            <a:avLst/>
-          </a:prstGeom>
-          <a:noFill/>
-        </p:spPr>
-        <p:txBody>
-          <a:bodyPr wrap="square" rtlCol="0">
-            <a:spAutoFit/>
-          </a:bodyPr>
-          <a:lstStyle/>
-          <a:p>
-            <a:r>
-              <a:rPr kumimoji="1" lang="ja-JP" altLang="en-US" sz="4400" dirty="0"/>
-              <a:t>連想配列</a:t>
-            </a:r>
-          </a:p>
-        </p:txBody>
-      </p:sp>
-      <p:sp>
-        <p:nvSpPr>
-          <p:cNvPr id="5" name="テキスト ボックス 4">
-            <a:extLst>
-              <a:ext uri="{FF2B5EF4-FFF2-40B4-BE49-F238E27FC236}">
-                <a16:creationId xmlns:a16="http://schemas.microsoft.com/office/drawing/2014/main" id="{C45DA1FF-47A1-4DB7-9F2C-FDA36DC22C04}"/>
-              </a:ext>
-            </a:extLst>
-          </p:cNvPr>
-          <p:cNvSpPr txBox="1"/>
-          <p:nvPr/>
-        </p:nvSpPr>
-        <p:spPr>
-          <a:xfrm>
-            <a:off x="5105399" y="3349037"/>
-            <a:ext cx="2667001" cy="769441"/>
-          </a:xfrm>
-          <a:prstGeom prst="rect">
-            <a:avLst/>
-          </a:prstGeom>
-          <a:noFill/>
-        </p:spPr>
-        <p:txBody>
-          <a:bodyPr wrap="square" rtlCol="0">
-            <a:spAutoFit/>
-          </a:bodyPr>
-          <a:lstStyle/>
-          <a:p>
-            <a:r>
-              <a:rPr kumimoji="1" lang="ja-JP" altLang="en-US" sz="4400" dirty="0"/>
-              <a:t>数値</a:t>
-            </a:r>
-            <a:r>
-              <a:rPr kumimoji="1" lang="ja-JP" altLang="en-US" sz="3200" dirty="0"/>
-              <a:t>ベース</a:t>
-            </a:r>
-          </a:p>
-        </p:txBody>
-      </p:sp>
-      <p:sp>
-        <p:nvSpPr>
-          <p:cNvPr id="6" name="テキスト ボックス 5">
-            <a:extLst>
-              <a:ext uri="{FF2B5EF4-FFF2-40B4-BE49-F238E27FC236}">
-                <a16:creationId xmlns:a16="http://schemas.microsoft.com/office/drawing/2014/main" id="{EDE7806E-6A3B-47C1-8D94-A8B6440F4AA2}"/>
-              </a:ext>
-            </a:extLst>
-          </p:cNvPr>
-          <p:cNvSpPr txBox="1"/>
-          <p:nvPr/>
-        </p:nvSpPr>
-        <p:spPr>
-          <a:xfrm>
-            <a:off x="8365671" y="3472147"/>
-            <a:ext cx="3015343" cy="707886"/>
-          </a:xfrm>
-          <a:prstGeom prst="rect">
-            <a:avLst/>
-          </a:prstGeom>
-          <a:noFill/>
-        </p:spPr>
-        <p:txBody>
-          <a:bodyPr wrap="square" rtlCol="0">
-            <a:spAutoFit/>
-          </a:bodyPr>
-          <a:lstStyle/>
-          <a:p>
-            <a:r>
-              <a:rPr lang="en-US" altLang="ja-JP" sz="4000" dirty="0"/>
-              <a:t>T</a:t>
-            </a:r>
-            <a:r>
-              <a:rPr kumimoji="1" lang="en-US" altLang="ja-JP" sz="4000" dirty="0"/>
-              <a:t>ensorFlow</a:t>
-            </a:r>
-            <a:endParaRPr kumimoji="1" lang="ja-JP" altLang="en-US" sz="4000" dirty="0"/>
+              <a:rPr kumimoji="1" lang="en-US" altLang="ja-JP" sz="5400" dirty="0"/>
+              <a:t>12</a:t>
+            </a:r>
+            <a:r>
+              <a:rPr kumimoji="1" lang="ja-JP" altLang="en-US" sz="5400" dirty="0"/>
+              <a:t>月</a:t>
+            </a:r>
+            <a:r>
+              <a:rPr kumimoji="1" lang="en-US" altLang="ja-JP" sz="5400" dirty="0"/>
+              <a:t>08</a:t>
+            </a:r>
+            <a:r>
+              <a:rPr kumimoji="1" lang="ja-JP" altLang="en-US" sz="5400" dirty="0"/>
+              <a:t>日</a:t>
+            </a:r>
+            <a:endParaRPr kumimoji="1" lang="en-US" altLang="ja-JP" sz="5400" dirty="0"/>
+          </a:p>
+          <a:p>
+            <a:r>
+              <a:rPr kumimoji="1" lang="ja-JP" altLang="en-US" sz="5400" dirty="0"/>
+              <a:t>現在</a:t>
+            </a:r>
           </a:p>
         </p:txBody>
       </p:sp>
     </p:spTree>
     <p:extLst>
       <p:ext uri="{BB962C8B-B14F-4D97-AF65-F5344CB8AC3E}">
-        <p14:creationId xmlns:p14="http://schemas.microsoft.com/office/powerpoint/2010/main" val="3100620085"/>
+        <p14:creationId xmlns:p14="http://schemas.microsoft.com/office/powerpoint/2010/main" val="3285759774"/>
       </p:ext>
     </p:extLst>
   </p:cSld>
@@ -4913,6 +4979,90 @@
       </p:transition>
     </mc:Fallback>
   </mc:AlternateContent>
+  <p:timing>
+    <p:tnLst>
+      <p:par>
+        <p:cTn id="1" dur="indefinite" restart="never" nodeType="tmRoot">
+          <p:childTnLst>
+            <p:seq concurrent="1" nextAc="seek">
+              <p:cTn id="2" dur="indefinite" nodeType="mainSeq">
+                <p:childTnLst>
+                  <p:par>
+                    <p:cTn id="3" fill="hold">
+                      <p:stCondLst>
+                        <p:cond delay="indefinite"/>
+                      </p:stCondLst>
+                      <p:childTnLst>
+                        <p:par>
+                          <p:cTn id="4" fill="hold">
+                            <p:stCondLst>
+                              <p:cond delay="0"/>
+                            </p:stCondLst>
+                            <p:childTnLst>
+                              <p:par>
+                                <p:cTn id="5" presetID="1" presetClass="mediacall" presetSubtype="0" fill="hold" nodeType="clickEffect">
+                                  <p:stCondLst>
+                                    <p:cond delay="0"/>
+                                  </p:stCondLst>
+                                  <p:childTnLst>
+                                    <p:cmd type="call" cmd="playFrom(0.0)">
+                                      <p:cBhvr>
+                                        <p:cTn id="6" dur="64824" fill="hold"/>
+                                        <p:tgtEl>
+                                          <p:spTgt spid="3"/>
+                                        </p:tgtEl>
+                                      </p:cBhvr>
+                                    </p:cmd>
+                                  </p:childTnLst>
+                                </p:cTn>
+                              </p:par>
+                            </p:childTnLst>
+                          </p:cTn>
+                        </p:par>
+                      </p:childTnLst>
+                    </p:cTn>
+                  </p:par>
+                </p:childTnLst>
+              </p:cTn>
+              <p:prevCondLst>
+                <p:cond evt="onPrev" delay="0">
+                  <p:tgtEl>
+                    <p:sldTgt/>
+                  </p:tgtEl>
+                </p:cond>
+              </p:prevCondLst>
+              <p:nextCondLst>
+                <p:cond evt="onNext" delay="0">
+                  <p:tgtEl>
+                    <p:sldTgt/>
+                  </p:tgtEl>
+                </p:cond>
+              </p:nextCondLst>
+            </p:seq>
+            <p:audio>
+              <p:cMediaNode vol="80000">
+                <p:cTn id="7" fill="hold" display="0">
+                  <p:stCondLst>
+                    <p:cond delay="indefinite"/>
+                  </p:stCondLst>
+                  <p:endCondLst>
+                    <p:cond evt="onStopAudio" delay="0">
+                      <p:tgtEl>
+                        <p:sldTgt/>
+                      </p:tgtEl>
+                    </p:cond>
+                  </p:endCondLst>
+                </p:cTn>
+                <p:tgtEl>
+                  <p:spTgt spid="3"/>
+                </p:tgtEl>
+              </p:cMediaNode>
+            </p:audio>
+          </p:childTnLst>
+        </p:cTn>
+      </p:par>
+    </p:tnLst>
+  </p:timing>
 </p:sld>
 </file>
 
@@ -4949,19 +5099,575 @@
             <p:ph type="title"/>
           </p:nvPr>
         </p:nvSpPr>
-        <p:spPr/>
-        <p:txBody>
-          <a:bodyPr/>
-          <a:lstStyle/>
-          <a:p>
-            <a:r>
-              <a:rPr kumimoji="1" lang="en-US" altLang="ja-JP" dirty="0"/>
+        <p:spPr>
+          <a:xfrm>
+            <a:off x="838200" y="365125"/>
+            <a:ext cx="10482943" cy="1325563"/>
+          </a:xfrm>
+        </p:spPr>
+        <p:txBody>
+          <a:bodyPr>
+            <a:noAutofit/>
+          </a:bodyPr>
+          <a:lstStyle/>
+          <a:p>
+            <a:r>
+              <a:rPr kumimoji="1" lang="en-US" altLang="ja-JP" sz="6600" dirty="0"/>
               <a:t>Web</a:t>
             </a:r>
             <a:r>
-              <a:rPr kumimoji="1" lang="ja-JP" altLang="en-US" dirty="0"/>
+              <a:rPr kumimoji="1" lang="ja-JP" altLang="en-US" sz="6600" dirty="0"/>
               <a:t>サイトの構成について</a:t>
             </a:r>
+          </a:p>
+        </p:txBody>
+      </p:sp>
+      <p:sp>
+        <p:nvSpPr>
+          <p:cNvPr id="3" name="正方形/長方形 2">
+            <a:extLst>
+              <a:ext uri="{FF2B5EF4-FFF2-40B4-BE49-F238E27FC236}">
+                <a16:creationId xmlns:a16="http://schemas.microsoft.com/office/drawing/2014/main" id="{8BFBF496-0324-4510-9534-07196A3786A4}"/>
+              </a:ext>
+            </a:extLst>
+          </p:cNvPr>
+          <p:cNvSpPr/>
+          <p:nvPr/>
+        </p:nvSpPr>
+        <p:spPr>
+          <a:xfrm>
+            <a:off x="533400" y="2766218"/>
+            <a:ext cx="2939142" cy="1325563"/>
+          </a:xfrm>
+          <a:prstGeom prst="rect">
+            <a:avLst/>
+          </a:prstGeom>
+          <a:solidFill>
+            <a:srgbClr val="30C4D8"/>
+          </a:solidFill>
+        </p:spPr>
+        <p:style>
+          <a:lnRef idx="2">
+            <a:schemeClr val="accent1">
+              <a:shade val="50000"/>
+            </a:schemeClr>
+          </a:lnRef>
+          <a:fillRef idx="1">
+            <a:schemeClr val="accent1"/>
+          </a:fillRef>
+          <a:effectRef idx="0">
+            <a:schemeClr val="accent1"/>
+          </a:effectRef>
+          <a:fontRef idx="minor">
+            <a:schemeClr val="lt1"/>
+          </a:fontRef>
+        </p:style>
+        <p:txBody>
+          <a:bodyPr rtlCol="0" anchor="ctr"/>
+          <a:lstStyle/>
+          <a:p>
+            <a:pPr algn="ctr"/>
+            <a:r>
+              <a:rPr lang="ja-JP" altLang="en-US" sz="3600" dirty="0">
+                <a:solidFill>
+                  <a:srgbClr val="FF0000"/>
+                </a:solidFill>
+              </a:rPr>
+              <a:t>メインページ</a:t>
+            </a:r>
+            <a:endParaRPr kumimoji="1" lang="ja-JP" altLang="en-US" sz="3600" dirty="0">
+              <a:solidFill>
+                <a:srgbClr val="FF0000"/>
+              </a:solidFill>
+            </a:endParaRPr>
+          </a:p>
+        </p:txBody>
+      </p:sp>
+      <p:sp>
+        <p:nvSpPr>
+          <p:cNvPr id="13" name="正方形/長方形 12">
+            <a:extLst>
+              <a:ext uri="{FF2B5EF4-FFF2-40B4-BE49-F238E27FC236}">
+                <a16:creationId xmlns:a16="http://schemas.microsoft.com/office/drawing/2014/main" id="{C85F75CC-95B2-4956-A3CF-4A1F18BD1473}"/>
+              </a:ext>
+            </a:extLst>
+          </p:cNvPr>
+          <p:cNvSpPr/>
+          <p:nvPr/>
+        </p:nvSpPr>
+        <p:spPr>
+          <a:xfrm>
+            <a:off x="8866417" y="2766217"/>
+            <a:ext cx="2939142" cy="1325563"/>
+          </a:xfrm>
+          <a:prstGeom prst="rect">
+            <a:avLst/>
+          </a:prstGeom>
+          <a:solidFill>
+            <a:srgbClr val="30C4D8"/>
+          </a:solidFill>
+        </p:spPr>
+        <p:style>
+          <a:lnRef idx="2">
+            <a:schemeClr val="accent1">
+              <a:shade val="50000"/>
+            </a:schemeClr>
+          </a:lnRef>
+          <a:fillRef idx="1">
+            <a:schemeClr val="accent1"/>
+          </a:fillRef>
+          <a:effectRef idx="0">
+            <a:schemeClr val="accent1"/>
+          </a:effectRef>
+          <a:fontRef idx="minor">
+            <a:schemeClr val="lt1"/>
+          </a:fontRef>
+        </p:style>
+        <p:txBody>
+          <a:bodyPr rtlCol="0" anchor="ctr"/>
+          <a:lstStyle/>
+          <a:p>
+            <a:pPr algn="ctr"/>
+            <a:r>
+              <a:rPr lang="en-US" altLang="ja-JP" sz="3600" dirty="0">
+                <a:solidFill>
+                  <a:srgbClr val="FF0000"/>
+                </a:solidFill>
+              </a:rPr>
+              <a:t>MP3</a:t>
+            </a:r>
+            <a:r>
+              <a:rPr lang="ja-JP" altLang="en-US" sz="3600" dirty="0">
+                <a:solidFill>
+                  <a:srgbClr val="FF0000"/>
+                </a:solidFill>
+              </a:rPr>
+              <a:t>再生</a:t>
+            </a:r>
+          </a:p>
+        </p:txBody>
+      </p:sp>
+      <p:sp>
+        <p:nvSpPr>
+          <p:cNvPr id="14" name="正方形/長方形 13">
+            <a:extLst>
+              <a:ext uri="{FF2B5EF4-FFF2-40B4-BE49-F238E27FC236}">
+                <a16:creationId xmlns:a16="http://schemas.microsoft.com/office/drawing/2014/main" id="{03F592F8-5A4E-42C8-9DED-C3983CF34C3B}"/>
+              </a:ext>
+            </a:extLst>
+          </p:cNvPr>
+          <p:cNvSpPr/>
+          <p:nvPr/>
+        </p:nvSpPr>
+        <p:spPr>
+          <a:xfrm>
+            <a:off x="4626429" y="2766218"/>
+            <a:ext cx="2939142" cy="1325563"/>
+          </a:xfrm>
+          <a:prstGeom prst="rect">
+            <a:avLst/>
+          </a:prstGeom>
+          <a:solidFill>
+            <a:srgbClr val="30C4D8"/>
+          </a:solidFill>
+        </p:spPr>
+        <p:style>
+          <a:lnRef idx="2">
+            <a:schemeClr val="accent1">
+              <a:shade val="50000"/>
+            </a:schemeClr>
+          </a:lnRef>
+          <a:fillRef idx="1">
+            <a:schemeClr val="accent1"/>
+          </a:fillRef>
+          <a:effectRef idx="0">
+            <a:schemeClr val="accent1"/>
+          </a:effectRef>
+          <a:fontRef idx="minor">
+            <a:schemeClr val="lt1"/>
+          </a:fontRef>
+        </p:style>
+        <p:txBody>
+          <a:bodyPr rtlCol="0" anchor="ctr"/>
+          <a:lstStyle/>
+          <a:p>
+            <a:pPr algn="ctr"/>
+            <a:r>
+              <a:rPr lang="ja-JP" altLang="en-US" sz="3600" dirty="0">
+                <a:solidFill>
+                  <a:srgbClr val="FF0000"/>
+                </a:solidFill>
+              </a:rPr>
+              <a:t>鍵盤で作る</a:t>
+            </a:r>
+          </a:p>
+        </p:txBody>
+      </p:sp>
+      <p:sp>
+        <p:nvSpPr>
+          <p:cNvPr id="15" name="矢印: 右 14">
+            <a:extLst>
+              <a:ext uri="{FF2B5EF4-FFF2-40B4-BE49-F238E27FC236}">
+                <a16:creationId xmlns:a16="http://schemas.microsoft.com/office/drawing/2014/main" id="{40939430-E76D-45E6-BE05-E7A6BF664EA9}"/>
+              </a:ext>
+            </a:extLst>
+          </p:cNvPr>
+          <p:cNvSpPr/>
+          <p:nvPr/>
+        </p:nvSpPr>
+        <p:spPr>
+          <a:xfrm>
+            <a:off x="3608614" y="3048000"/>
+            <a:ext cx="881744" cy="849086"/>
+          </a:xfrm>
+          <a:prstGeom prst="rightArrow">
+            <a:avLst/>
+          </a:prstGeom>
+        </p:spPr>
+        <p:style>
+          <a:lnRef idx="2">
+            <a:schemeClr val="accent1">
+              <a:shade val="50000"/>
+            </a:schemeClr>
+          </a:lnRef>
+          <a:fillRef idx="1">
+            <a:schemeClr val="accent1"/>
+          </a:fillRef>
+          <a:effectRef idx="0">
+            <a:schemeClr val="accent1"/>
+          </a:effectRef>
+          <a:fontRef idx="minor">
+            <a:schemeClr val="lt1"/>
+          </a:fontRef>
+        </p:style>
+        <p:txBody>
+          <a:bodyPr rtlCol="0" anchor="ctr"/>
+          <a:lstStyle/>
+          <a:p>
+            <a:pPr algn="ctr"/>
+            <a:endParaRPr kumimoji="1" lang="ja-JP" altLang="en-US"/>
+          </a:p>
+        </p:txBody>
+      </p:sp>
+      <p:sp>
+        <p:nvSpPr>
+          <p:cNvPr id="16" name="矢印: 右 15">
+            <a:extLst>
+              <a:ext uri="{FF2B5EF4-FFF2-40B4-BE49-F238E27FC236}">
+                <a16:creationId xmlns:a16="http://schemas.microsoft.com/office/drawing/2014/main" id="{97068B83-2819-4185-ACE0-ECECE755B373}"/>
+              </a:ext>
+            </a:extLst>
+          </p:cNvPr>
+          <p:cNvSpPr/>
+          <p:nvPr/>
+        </p:nvSpPr>
+        <p:spPr>
+          <a:xfrm>
+            <a:off x="7775122" y="3048000"/>
+            <a:ext cx="881744" cy="849086"/>
+          </a:xfrm>
+          <a:prstGeom prst="rightArrow">
+            <a:avLst/>
+          </a:prstGeom>
+        </p:spPr>
+        <p:style>
+          <a:lnRef idx="2">
+            <a:schemeClr val="accent1">
+              <a:shade val="50000"/>
+            </a:schemeClr>
+          </a:lnRef>
+          <a:fillRef idx="1">
+            <a:schemeClr val="accent1"/>
+          </a:fillRef>
+          <a:effectRef idx="0">
+            <a:schemeClr val="accent1"/>
+          </a:effectRef>
+          <a:fontRef idx="minor">
+            <a:schemeClr val="lt1"/>
+          </a:fontRef>
+        </p:style>
+        <p:txBody>
+          <a:bodyPr rtlCol="0" anchor="ctr"/>
+          <a:lstStyle/>
+          <a:p>
+            <a:pPr algn="ctr"/>
+            <a:endParaRPr kumimoji="1" lang="ja-JP" altLang="en-US"/>
+          </a:p>
+        </p:txBody>
+      </p:sp>
+      <p:sp>
+        <p:nvSpPr>
+          <p:cNvPr id="25" name="正方形/長方形 24">
+            <a:extLst>
+              <a:ext uri="{FF2B5EF4-FFF2-40B4-BE49-F238E27FC236}">
+                <a16:creationId xmlns:a16="http://schemas.microsoft.com/office/drawing/2014/main" id="{D9CB968F-149F-4CE3-AAF8-F9D9FFB4B230}"/>
+              </a:ext>
+            </a:extLst>
+          </p:cNvPr>
+          <p:cNvSpPr/>
+          <p:nvPr/>
+        </p:nvSpPr>
+        <p:spPr>
+          <a:xfrm>
+            <a:off x="9974039" y="4091780"/>
+            <a:ext cx="723898" cy="1525249"/>
+          </a:xfrm>
+          <a:prstGeom prst="rect">
+            <a:avLst/>
+          </a:prstGeom>
+        </p:spPr>
+        <p:style>
+          <a:lnRef idx="2">
+            <a:schemeClr val="accent1">
+              <a:shade val="50000"/>
+            </a:schemeClr>
+          </a:lnRef>
+          <a:fillRef idx="1">
+            <a:schemeClr val="accent1"/>
+          </a:fillRef>
+          <a:effectRef idx="0">
+            <a:schemeClr val="accent1"/>
+          </a:effectRef>
+          <a:fontRef idx="minor">
+            <a:schemeClr val="lt1"/>
+          </a:fontRef>
+        </p:style>
+        <p:txBody>
+          <a:bodyPr rtlCol="0" anchor="ctr"/>
+          <a:lstStyle/>
+          <a:p>
+            <a:pPr algn="ctr"/>
+            <a:endParaRPr kumimoji="1" lang="ja-JP" altLang="en-US"/>
+          </a:p>
+        </p:txBody>
+      </p:sp>
+      <p:sp>
+        <p:nvSpPr>
+          <p:cNvPr id="26" name="矢印: 左 25">
+            <a:extLst>
+              <a:ext uri="{FF2B5EF4-FFF2-40B4-BE49-F238E27FC236}">
+                <a16:creationId xmlns:a16="http://schemas.microsoft.com/office/drawing/2014/main" id="{7A781439-AD8B-404D-8818-3F86741E86D7}"/>
+              </a:ext>
+            </a:extLst>
+          </p:cNvPr>
+          <p:cNvSpPr/>
+          <p:nvPr/>
+        </p:nvSpPr>
+        <p:spPr>
+          <a:xfrm>
+            <a:off x="7565571" y="4929072"/>
+            <a:ext cx="3132366" cy="1102862"/>
+          </a:xfrm>
+          <a:prstGeom prst="leftArrow">
+            <a:avLst/>
+          </a:prstGeom>
+        </p:spPr>
+        <p:style>
+          <a:lnRef idx="2">
+            <a:schemeClr val="accent1">
+              <a:shade val="50000"/>
+            </a:schemeClr>
+          </a:lnRef>
+          <a:fillRef idx="1">
+            <a:schemeClr val="accent1"/>
+          </a:fillRef>
+          <a:effectRef idx="0">
+            <a:schemeClr val="accent1"/>
+          </a:effectRef>
+          <a:fontRef idx="minor">
+            <a:schemeClr val="lt1"/>
+          </a:fontRef>
+        </p:style>
+        <p:txBody>
+          <a:bodyPr rtlCol="0" anchor="ctr"/>
+          <a:lstStyle/>
+          <a:p>
+            <a:pPr algn="ctr"/>
+            <a:endParaRPr kumimoji="1" lang="ja-JP" altLang="en-US"/>
+          </a:p>
+        </p:txBody>
+      </p:sp>
+      <p:sp>
+        <p:nvSpPr>
+          <p:cNvPr id="27" name="矢印: 左 26">
+            <a:extLst>
+              <a:ext uri="{FF2B5EF4-FFF2-40B4-BE49-F238E27FC236}">
+                <a16:creationId xmlns:a16="http://schemas.microsoft.com/office/drawing/2014/main" id="{49D6383B-8DB8-4205-813B-D33095FF7CB0}"/>
+              </a:ext>
+            </a:extLst>
+          </p:cNvPr>
+          <p:cNvSpPr/>
+          <p:nvPr/>
+        </p:nvSpPr>
+        <p:spPr>
+          <a:xfrm>
+            <a:off x="3766457" y="4929072"/>
+            <a:ext cx="3585486" cy="1102862"/>
+          </a:xfrm>
+          <a:prstGeom prst="leftArrow">
+            <a:avLst/>
+          </a:prstGeom>
+        </p:spPr>
+        <p:style>
+          <a:lnRef idx="2">
+            <a:schemeClr val="accent1">
+              <a:shade val="50000"/>
+            </a:schemeClr>
+          </a:lnRef>
+          <a:fillRef idx="1">
+            <a:schemeClr val="accent1"/>
+          </a:fillRef>
+          <a:effectRef idx="0">
+            <a:schemeClr val="accent1"/>
+          </a:effectRef>
+          <a:fontRef idx="minor">
+            <a:schemeClr val="lt1"/>
+          </a:fontRef>
+        </p:style>
+        <p:txBody>
+          <a:bodyPr rtlCol="0" anchor="ctr"/>
+          <a:lstStyle/>
+          <a:p>
+            <a:pPr algn="ctr"/>
+            <a:endParaRPr kumimoji="1" lang="ja-JP" altLang="en-US"/>
+          </a:p>
+        </p:txBody>
+      </p:sp>
+      <p:sp>
+        <p:nvSpPr>
+          <p:cNvPr id="28" name="正方形/長方形 27">
+            <a:extLst>
+              <a:ext uri="{FF2B5EF4-FFF2-40B4-BE49-F238E27FC236}">
+                <a16:creationId xmlns:a16="http://schemas.microsoft.com/office/drawing/2014/main" id="{52CDD50E-6F4B-4FBB-A4AB-FBBD5E067F09}"/>
+              </a:ext>
+            </a:extLst>
+          </p:cNvPr>
+          <p:cNvSpPr/>
+          <p:nvPr/>
+        </p:nvSpPr>
+        <p:spPr>
+          <a:xfrm>
+            <a:off x="1623058" y="5254398"/>
+            <a:ext cx="1978479" cy="565107"/>
+          </a:xfrm>
+          <a:prstGeom prst="rect">
+            <a:avLst/>
+          </a:prstGeom>
+        </p:spPr>
+        <p:style>
+          <a:lnRef idx="2">
+            <a:schemeClr val="accent1">
+              <a:shade val="50000"/>
+            </a:schemeClr>
+          </a:lnRef>
+          <a:fillRef idx="1">
+            <a:schemeClr val="accent1"/>
+          </a:fillRef>
+          <a:effectRef idx="0">
+            <a:schemeClr val="accent1"/>
+          </a:effectRef>
+          <a:fontRef idx="minor">
+            <a:schemeClr val="lt1"/>
+          </a:fontRef>
+        </p:style>
+        <p:txBody>
+          <a:bodyPr rtlCol="0" anchor="ctr"/>
+          <a:lstStyle/>
+          <a:p>
+            <a:pPr algn="ctr"/>
+            <a:endParaRPr kumimoji="1" lang="ja-JP" altLang="en-US" dirty="0"/>
+          </a:p>
+        </p:txBody>
+      </p:sp>
+      <p:sp>
+        <p:nvSpPr>
+          <p:cNvPr id="29" name="矢印: 上 28">
+            <a:extLst>
+              <a:ext uri="{FF2B5EF4-FFF2-40B4-BE49-F238E27FC236}">
+                <a16:creationId xmlns:a16="http://schemas.microsoft.com/office/drawing/2014/main" id="{E1B3789C-0DC5-458F-BDFB-B2F810F4A6E9}"/>
+              </a:ext>
+            </a:extLst>
+          </p:cNvPr>
+          <p:cNvSpPr/>
+          <p:nvPr/>
+        </p:nvSpPr>
+        <p:spPr>
+          <a:xfrm>
+            <a:off x="1494063" y="5617029"/>
+            <a:ext cx="45719" cy="45719"/>
+          </a:xfrm>
+          <a:prstGeom prst="upArrow">
+            <a:avLst/>
+          </a:prstGeom>
+        </p:spPr>
+        <p:style>
+          <a:lnRef idx="2">
+            <a:schemeClr val="accent1">
+              <a:shade val="50000"/>
+            </a:schemeClr>
+          </a:lnRef>
+          <a:fillRef idx="1">
+            <a:schemeClr val="accent1"/>
+          </a:fillRef>
+          <a:effectRef idx="0">
+            <a:schemeClr val="accent1"/>
+          </a:effectRef>
+          <a:fontRef idx="minor">
+            <a:schemeClr val="lt1"/>
+          </a:fontRef>
+        </p:style>
+        <p:txBody>
+          <a:bodyPr rtlCol="0" anchor="ctr"/>
+          <a:lstStyle/>
+          <a:p>
+            <a:pPr algn="ctr"/>
+            <a:endParaRPr kumimoji="1" lang="ja-JP" altLang="en-US"/>
+          </a:p>
+        </p:txBody>
+      </p:sp>
+      <p:sp>
+        <p:nvSpPr>
+          <p:cNvPr id="30" name="矢印: 上 29">
+            <a:extLst>
+              <a:ext uri="{FF2B5EF4-FFF2-40B4-BE49-F238E27FC236}">
+                <a16:creationId xmlns:a16="http://schemas.microsoft.com/office/drawing/2014/main" id="{06E37884-62F8-44A2-AF20-5568E580D08B}"/>
+              </a:ext>
+            </a:extLst>
+          </p:cNvPr>
+          <p:cNvSpPr/>
+          <p:nvPr/>
+        </p:nvSpPr>
+        <p:spPr>
+          <a:xfrm>
+            <a:off x="1297711" y="4294256"/>
+            <a:ext cx="1157698" cy="1525249"/>
+          </a:xfrm>
+          <a:prstGeom prst="upArrow">
+            <a:avLst/>
+          </a:prstGeom>
+        </p:spPr>
+        <p:style>
+          <a:lnRef idx="2">
+            <a:schemeClr val="accent1">
+              <a:shade val="50000"/>
+            </a:schemeClr>
+          </a:lnRef>
+          <a:fillRef idx="1">
+            <a:schemeClr val="accent1"/>
+          </a:fillRef>
+          <a:effectRef idx="0">
+            <a:schemeClr val="accent1"/>
+          </a:effectRef>
+          <a:fontRef idx="minor">
+            <a:schemeClr val="lt1"/>
+          </a:fontRef>
+        </p:style>
+        <p:txBody>
+          <a:bodyPr rtlCol="0" anchor="ctr"/>
+          <a:lstStyle/>
+          <a:p>
+            <a:pPr algn="ctr"/>
+            <a:endParaRPr kumimoji="1" lang="ja-JP" altLang="en-US"/>
           </a:p>
         </p:txBody>
       </p:sp>
@@ -5025,17 +5731,92 @@
         </p:nvSpPr>
         <p:spPr/>
         <p:txBody>
-          <a:bodyPr/>
-          <a:lstStyle/>
-          <a:p>
-            <a:r>
-              <a:rPr kumimoji="1" lang="en-US" altLang="ja-JP" dirty="0" err="1"/>
+          <a:bodyPr>
+            <a:normAutofit/>
+          </a:bodyPr>
+          <a:lstStyle/>
+          <a:p>
+            <a:r>
+              <a:rPr kumimoji="1" lang="en-US" altLang="ja-JP" sz="8000" dirty="0" err="1"/>
               <a:t>WebGUI</a:t>
             </a:r>
             <a:r>
-              <a:rPr kumimoji="1" lang="ja-JP" altLang="en-US" dirty="0"/>
+              <a:rPr kumimoji="1" lang="ja-JP" altLang="en-US" sz="8000" dirty="0"/>
               <a:t>について</a:t>
             </a:r>
+          </a:p>
+        </p:txBody>
+      </p:sp>
+      <p:sp>
+        <p:nvSpPr>
+          <p:cNvPr id="3" name="テキスト ボックス 2">
+            <a:extLst>
+              <a:ext uri="{FF2B5EF4-FFF2-40B4-BE49-F238E27FC236}">
+                <a16:creationId xmlns:a16="http://schemas.microsoft.com/office/drawing/2014/main" id="{64F2259B-12D6-4332-A37C-E9C000C8D82B}"/>
+              </a:ext>
+            </a:extLst>
+          </p:cNvPr>
+          <p:cNvSpPr txBox="1"/>
+          <p:nvPr/>
+        </p:nvSpPr>
+        <p:spPr>
+          <a:xfrm>
+            <a:off x="1023257" y="1690688"/>
+            <a:ext cx="7467600" cy="3724096"/>
+          </a:xfrm>
+          <a:prstGeom prst="rect">
+            <a:avLst/>
+          </a:prstGeom>
+          <a:noFill/>
+        </p:spPr>
+        <p:txBody>
+          <a:bodyPr wrap="square" rtlCol="0">
+            <a:spAutoFit/>
+          </a:bodyPr>
+          <a:lstStyle/>
+          <a:p>
+            <a:r>
+              <a:rPr kumimoji="1" lang="en-US" altLang="ja-JP" sz="4400" dirty="0"/>
+              <a:t>HTML  </a:t>
+            </a:r>
+            <a:r>
+              <a:rPr kumimoji="1" lang="en-US" altLang="ja-JP" sz="6000" dirty="0" err="1"/>
+              <a:t>css</a:t>
+            </a:r>
+            <a:r>
+              <a:rPr kumimoji="1" lang="en-US" altLang="ja-JP" sz="4400" dirty="0"/>
+              <a:t> </a:t>
+            </a:r>
+            <a:r>
+              <a:rPr kumimoji="1" lang="ja-JP" altLang="en-US" sz="4400" dirty="0"/>
+              <a:t>で</a:t>
+            </a:r>
+            <a:endParaRPr kumimoji="1" lang="en-US" altLang="ja-JP" sz="4400" dirty="0"/>
+          </a:p>
+          <a:p>
+            <a:r>
+              <a:rPr kumimoji="1" lang="ja-JP" altLang="en-US" sz="4400" dirty="0"/>
+              <a:t>ピアノを表記させて</a:t>
+            </a:r>
+            <a:r>
+              <a:rPr lang="ja-JP" altLang="en-US" sz="4400" dirty="0"/>
+              <a:t>います。</a:t>
+            </a:r>
+            <a:endParaRPr lang="en-US" altLang="ja-JP" sz="4400" dirty="0"/>
+          </a:p>
+          <a:p>
+            <a:endParaRPr kumimoji="1" lang="en-US" altLang="ja-JP" sz="4400" dirty="0"/>
+          </a:p>
+          <a:p>
+            <a:r>
+              <a:rPr lang="en-US" altLang="ja-JP" sz="4400" dirty="0"/>
+              <a:t>JavaScript</a:t>
+            </a:r>
+            <a:r>
+              <a:rPr lang="ja-JP" altLang="en-US" sz="4400" dirty="0"/>
+              <a:t>で楽譜やリアルタイム処理をしています。</a:t>
+            </a:r>
+            <a:endParaRPr kumimoji="1" lang="ja-JP" altLang="en-US" sz="4400" dirty="0"/>
           </a:p>
         </p:txBody>
       </p:sp>
@@ -5097,144 +5878,230 @@
             <p:ph type="title"/>
           </p:nvPr>
         </p:nvSpPr>
-        <p:spPr/>
-        <p:txBody>
-          <a:bodyPr/>
-          <a:lstStyle/>
-          <a:p>
-            <a:r>
-              <a:rPr kumimoji="1" lang="ja-JP" altLang="en-US" dirty="0"/>
-              <a:t>アプリの使い方</a:t>
-            </a:r>
-            <a:r>
-              <a:rPr kumimoji="1" lang="en-US" altLang="ja-JP" dirty="0"/>
-              <a:t>(</a:t>
-            </a:r>
-            <a:r>
-              <a:rPr kumimoji="1" lang="ja-JP" altLang="en-US" dirty="0"/>
-              <a:t>デモンストレーション</a:t>
-            </a:r>
-            <a:r>
-              <a:rPr kumimoji="1" lang="en-US" altLang="ja-JP" dirty="0"/>
-              <a:t>)</a:t>
-            </a:r>
-            <a:endParaRPr kumimoji="1" lang="ja-JP" altLang="en-US" dirty="0"/>
-          </a:p>
-        </p:txBody>
-      </p:sp>
-      <p:sp>
-        <p:nvSpPr>
-          <p:cNvPr id="3" name="四角形: 角を丸くする 2">
-            <a:extLst>
-              <a:ext uri="{FF2B5EF4-FFF2-40B4-BE49-F238E27FC236}">
-                <a16:creationId xmlns:a16="http://schemas.microsoft.com/office/drawing/2014/main" id="{D1978711-7356-4551-821F-8DC7AD37E972}"/>
-              </a:ext>
-            </a:extLst>
-          </p:cNvPr>
-          <p:cNvSpPr/>
-          <p:nvPr/>
-        </p:nvSpPr>
         <p:spPr>
           <a:xfrm>
-            <a:off x="1074057" y="1690688"/>
-            <a:ext cx="2599949" cy="2400892"/>
+            <a:off x="838201" y="365125"/>
+            <a:ext cx="7391400" cy="1325563"/>
           </a:xfrm>
-          <a:prstGeom prst="roundRect">
+        </p:spPr>
+        <p:txBody>
+          <a:bodyPr>
+            <a:normAutofit/>
+          </a:bodyPr>
+          <a:lstStyle/>
+          <a:p>
+            <a:r>
+              <a:rPr kumimoji="1" lang="ja-JP" altLang="en-US" sz="3200" b="1" dirty="0"/>
+              <a:t>アプリの使い方</a:t>
+            </a:r>
+            <a:r>
+              <a:rPr kumimoji="1" lang="en-US" altLang="ja-JP" sz="3200" b="1" dirty="0"/>
+              <a:t>(</a:t>
+            </a:r>
+            <a:r>
+              <a:rPr kumimoji="1" lang="ja-JP" altLang="en-US" sz="3200" b="1" dirty="0"/>
+              <a:t>デモンストレーション</a:t>
+            </a:r>
+            <a:r>
+              <a:rPr kumimoji="1" lang="en-US" altLang="ja-JP" sz="3200" dirty="0"/>
+              <a:t>)</a:t>
+            </a:r>
+            <a:endParaRPr kumimoji="1" lang="ja-JP" altLang="en-US" sz="3200" dirty="0"/>
+          </a:p>
+        </p:txBody>
+      </p:sp>
+      <p:sp>
+        <p:nvSpPr>
+          <p:cNvPr id="3" name="テキスト ボックス 2">
+            <a:extLst>
+              <a:ext uri="{FF2B5EF4-FFF2-40B4-BE49-F238E27FC236}">
+                <a16:creationId xmlns:a16="http://schemas.microsoft.com/office/drawing/2014/main" id="{5A11D7B1-58DD-4CF5-A1C5-3743A5F603E7}"/>
+              </a:ext>
+            </a:extLst>
+          </p:cNvPr>
+          <p:cNvSpPr txBox="1"/>
+          <p:nvPr/>
+        </p:nvSpPr>
+        <p:spPr>
+          <a:xfrm>
+            <a:off x="838200" y="2121262"/>
+            <a:ext cx="4677229" cy="584775"/>
+          </a:xfrm>
+          <a:prstGeom prst="rect">
             <a:avLst/>
           </a:prstGeom>
+          <a:noFill/>
         </p:spPr>
-        <p:style>
-          <a:lnRef idx="2">
-            <a:schemeClr val="accent5">
-              <a:shade val="50000"/>
-            </a:schemeClr>
-          </a:lnRef>
-          <a:fillRef idx="1">
-            <a:schemeClr val="accent5"/>
-          </a:fillRef>
-          <a:effectRef idx="0">
-            <a:schemeClr val="accent5"/>
-          </a:effectRef>
-          <a:fontRef idx="minor">
-            <a:schemeClr val="lt1"/>
-          </a:fontRef>
-        </p:style>
-        <p:txBody>
-          <a:bodyPr rtlCol="0" anchor="ctr"/>
-          <a:lstStyle/>
-          <a:p>
-            <a:pPr algn="ctr"/>
-            <a:endParaRPr kumimoji="1" lang="en-US" altLang="ja-JP" b="1" dirty="0"/>
-          </a:p>
-          <a:p>
-            <a:pPr algn="ctr"/>
-            <a:r>
-              <a:rPr kumimoji="1" lang="en-US" altLang="ja-JP" b="1" dirty="0"/>
-              <a:t>Web</a:t>
-            </a:r>
-            <a:r>
-              <a:rPr kumimoji="1" lang="ja-JP" altLang="en-US" b="1" dirty="0"/>
-              <a:t>ページ</a:t>
-            </a:r>
-            <a:endParaRPr lang="en-US" altLang="ja-JP" b="1" dirty="0"/>
-          </a:p>
-          <a:p>
-            <a:pPr algn="ctr"/>
-            <a:endParaRPr lang="en-US" altLang="ja-JP" dirty="0"/>
-          </a:p>
-          <a:p>
-            <a:pPr marL="285750" indent="-285750">
-              <a:buFont typeface="Arial" panose="020B0604020202020204" pitchFamily="34" charset="0"/>
-              <a:buChar char="•"/>
-            </a:pPr>
-            <a:r>
-              <a:rPr kumimoji="1" lang="ja-JP" altLang="en-US" dirty="0"/>
-              <a:t>タイトル</a:t>
-            </a:r>
-            <a:endParaRPr kumimoji="1" lang="en-US" altLang="ja-JP" dirty="0"/>
-          </a:p>
-          <a:p>
-            <a:pPr marL="285750" indent="-285750">
-              <a:buFont typeface="Arial" panose="020B0604020202020204" pitchFamily="34" charset="0"/>
-              <a:buChar char="•"/>
-            </a:pPr>
-            <a:endParaRPr kumimoji="1" lang="en-US" altLang="ja-JP" dirty="0"/>
-          </a:p>
-          <a:p>
-            <a:pPr marL="285750" indent="-285750">
-              <a:buFont typeface="Arial" panose="020B0604020202020204" pitchFamily="34" charset="0"/>
-              <a:buChar char="•"/>
-            </a:pPr>
-            <a:r>
-              <a:rPr lang="ja-JP" altLang="en-US" dirty="0"/>
-              <a:t>入力画面</a:t>
-            </a:r>
-            <a:endParaRPr lang="en-US" altLang="ja-JP" dirty="0"/>
-          </a:p>
-          <a:p>
-            <a:pPr marL="285750" indent="-285750">
-              <a:buFont typeface="Arial" panose="020B0604020202020204" pitchFamily="34" charset="0"/>
-              <a:buChar char="•"/>
-            </a:pPr>
-            <a:endParaRPr lang="en-US" altLang="ja-JP" dirty="0"/>
-          </a:p>
-          <a:p>
-            <a:pPr marL="285750" indent="-285750">
-              <a:buFont typeface="Arial" panose="020B0604020202020204" pitchFamily="34" charset="0"/>
-              <a:buChar char="•"/>
-            </a:pPr>
-            <a:r>
-              <a:rPr kumimoji="1" lang="ja-JP" altLang="en-US" dirty="0"/>
-              <a:t>結果出力画面</a:t>
-            </a:r>
-            <a:endParaRPr kumimoji="1" lang="en-US" altLang="ja-JP" dirty="0"/>
-          </a:p>
-          <a:p>
-            <a:pPr marL="285750" indent="-285750" algn="ctr">
-              <a:buFont typeface="Arial" panose="020B0604020202020204" pitchFamily="34" charset="0"/>
-              <a:buChar char="•"/>
-            </a:pPr>
-            <a:endParaRPr kumimoji="1" lang="ja-JP" altLang="en-US" dirty="0"/>
+        <p:txBody>
+          <a:bodyPr wrap="square" rtlCol="0">
+            <a:spAutoFit/>
+          </a:bodyPr>
+          <a:lstStyle/>
+          <a:p>
+            <a:r>
+              <a:rPr lang="en-US" altLang="ja-JP" sz="3200" b="1" dirty="0"/>
+              <a:t>URL</a:t>
+            </a:r>
+            <a:r>
+              <a:rPr lang="ja-JP" altLang="en-US" sz="3200" b="1" dirty="0"/>
+              <a:t>から参加できます。</a:t>
+            </a:r>
+            <a:endParaRPr kumimoji="1" lang="en-US" altLang="ja-JP" sz="3200" b="1" dirty="0"/>
+          </a:p>
+        </p:txBody>
+      </p:sp>
+      <p:sp>
+        <p:nvSpPr>
+          <p:cNvPr id="4" name="テキスト ボックス 3">
+            <a:extLst>
+              <a:ext uri="{FF2B5EF4-FFF2-40B4-BE49-F238E27FC236}">
+                <a16:creationId xmlns:a16="http://schemas.microsoft.com/office/drawing/2014/main" id="{5B9F156B-941C-4BAA-A811-5A1B36BA1A82}"/>
+              </a:ext>
+            </a:extLst>
+          </p:cNvPr>
+          <p:cNvSpPr txBox="1"/>
+          <p:nvPr/>
+        </p:nvSpPr>
+        <p:spPr>
+          <a:xfrm>
+            <a:off x="838200" y="3136612"/>
+            <a:ext cx="5693229" cy="584775"/>
+          </a:xfrm>
+          <a:prstGeom prst="rect">
+            <a:avLst/>
+          </a:prstGeom>
+          <a:noFill/>
+        </p:spPr>
+        <p:txBody>
+          <a:bodyPr wrap="square" rtlCol="0">
+            <a:spAutoFit/>
+          </a:bodyPr>
+          <a:lstStyle/>
+          <a:p>
+            <a:r>
+              <a:rPr lang="en-US" altLang="ja-JP" sz="3200" dirty="0"/>
+              <a:t>http://172.16.220.149:5000/</a:t>
+            </a:r>
+            <a:endParaRPr kumimoji="1" lang="ja-JP" altLang="en-US" sz="3200" dirty="0"/>
+          </a:p>
+        </p:txBody>
+      </p:sp>
+      <p:sp>
+        <p:nvSpPr>
+          <p:cNvPr id="5" name="テキスト ボックス 4">
+            <a:extLst>
+              <a:ext uri="{FF2B5EF4-FFF2-40B4-BE49-F238E27FC236}">
+                <a16:creationId xmlns:a16="http://schemas.microsoft.com/office/drawing/2014/main" id="{4BE0FAFE-D088-40D5-95FA-AD210674E3BC}"/>
+              </a:ext>
+            </a:extLst>
+          </p:cNvPr>
+          <p:cNvSpPr txBox="1"/>
+          <p:nvPr/>
+        </p:nvSpPr>
+        <p:spPr>
+          <a:xfrm>
+            <a:off x="838200" y="4151961"/>
+            <a:ext cx="4992915" cy="954107"/>
+          </a:xfrm>
+          <a:prstGeom prst="rect">
+            <a:avLst/>
+          </a:prstGeom>
+          <a:noFill/>
+        </p:spPr>
+        <p:txBody>
+          <a:bodyPr wrap="square" rtlCol="0">
+            <a:spAutoFit/>
+          </a:bodyPr>
+          <a:lstStyle/>
+          <a:p>
+            <a:r>
+              <a:rPr lang="ja-JP" altLang="en-US" sz="2800" dirty="0"/>
+              <a:t>音楽を</a:t>
+            </a:r>
+            <a:r>
+              <a:rPr kumimoji="1" lang="ja-JP" altLang="en-US" sz="2800" dirty="0"/>
+              <a:t>作成できたら</a:t>
+            </a:r>
+            <a:endParaRPr kumimoji="1" lang="en-US" altLang="ja-JP" sz="2800" dirty="0"/>
+          </a:p>
+          <a:p>
+            <a:r>
+              <a:rPr kumimoji="1" lang="en-US" altLang="ja-JP" sz="2800" dirty="0">
+                <a:solidFill>
+                  <a:srgbClr val="FF0000"/>
+                </a:solidFill>
+                <a:highlight>
+                  <a:srgbClr val="FFFF00"/>
+                </a:highlight>
+              </a:rPr>
+              <a:t>Enter</a:t>
+            </a:r>
+            <a:r>
+              <a:rPr lang="ja-JP" altLang="en-US" sz="2800" dirty="0"/>
+              <a:t>を押してください</a:t>
+            </a:r>
+            <a:endParaRPr kumimoji="1" lang="ja-JP" altLang="en-US" sz="2800" dirty="0"/>
+          </a:p>
+        </p:txBody>
+      </p:sp>
+      <p:sp>
+        <p:nvSpPr>
+          <p:cNvPr id="6" name="テキスト ボックス 5">
+            <a:extLst>
+              <a:ext uri="{FF2B5EF4-FFF2-40B4-BE49-F238E27FC236}">
+                <a16:creationId xmlns:a16="http://schemas.microsoft.com/office/drawing/2014/main" id="{1EED7E17-895F-498A-AB79-2986A9065572}"/>
+              </a:ext>
+            </a:extLst>
+          </p:cNvPr>
+          <p:cNvSpPr txBox="1"/>
+          <p:nvPr/>
+        </p:nvSpPr>
+        <p:spPr>
+          <a:xfrm>
+            <a:off x="5515429" y="5136532"/>
+            <a:ext cx="3443515" cy="400110"/>
+          </a:xfrm>
+          <a:prstGeom prst="rect">
+            <a:avLst/>
+          </a:prstGeom>
+          <a:noFill/>
+        </p:spPr>
+        <p:txBody>
+          <a:bodyPr wrap="square" rtlCol="0">
+            <a:spAutoFit/>
+          </a:bodyPr>
+          <a:lstStyle/>
+          <a:p>
+            <a:r>
+              <a:rPr kumimoji="1" lang="ja-JP" altLang="en-US" sz="2000" dirty="0">
+                <a:solidFill>
+                  <a:srgbClr val="FF0000"/>
+                </a:solidFill>
+                <a:highlight>
+                  <a:srgbClr val="FFFF00"/>
+                </a:highlight>
+              </a:rPr>
+              <a:t>生成に約一分掛かります</a:t>
+            </a:r>
+            <a:r>
+              <a:rPr lang="ja-JP" altLang="en-US" sz="2000" dirty="0">
+                <a:solidFill>
+                  <a:srgbClr val="FF0000"/>
+                </a:solidFill>
+                <a:highlight>
+                  <a:srgbClr val="FFFF00"/>
+                </a:highlight>
+              </a:rPr>
+              <a:t>。</a:t>
+            </a:r>
+            <a:endParaRPr kumimoji="1" lang="ja-JP" altLang="en-US" sz="2000" dirty="0">
+              <a:solidFill>
+                <a:srgbClr val="FF0000"/>
+              </a:solidFill>
+              <a:highlight>
+                <a:srgbClr val="FFFF00"/>
+              </a:highlight>
+            </a:endParaRPr>
           </a:p>
         </p:txBody>
       </p:sp>
@@ -5296,15 +6163,97 @@
             <p:ph type="title"/>
           </p:nvPr>
         </p:nvSpPr>
-        <p:spPr/>
-        <p:txBody>
-          <a:bodyPr/>
-          <a:lstStyle/>
-          <a:p>
-            <a:r>
-              <a:rPr kumimoji="1" lang="ja-JP" altLang="en-US" dirty="0"/>
-              <a:t>今後のスケジュール</a:t>
-            </a:r>
+        <p:spPr>
+          <a:xfrm>
+            <a:off x="838200" y="365125"/>
+            <a:ext cx="8799286" cy="1325563"/>
+          </a:xfrm>
+        </p:spPr>
+        <p:txBody>
+          <a:bodyPr>
+            <a:normAutofit/>
+          </a:bodyPr>
+          <a:lstStyle/>
+          <a:p>
+            <a:r>
+              <a:rPr lang="ja-JP" altLang="en-US" sz="4000" b="1" dirty="0"/>
+              <a:t>今後どのようなシステムにしていくか</a:t>
+            </a:r>
+            <a:endParaRPr kumimoji="1" lang="ja-JP" altLang="en-US" sz="4000" b="1" dirty="0"/>
+          </a:p>
+        </p:txBody>
+      </p:sp>
+      <p:sp>
+        <p:nvSpPr>
+          <p:cNvPr id="3" name="テキスト ボックス 2">
+            <a:extLst>
+              <a:ext uri="{FF2B5EF4-FFF2-40B4-BE49-F238E27FC236}">
+                <a16:creationId xmlns:a16="http://schemas.microsoft.com/office/drawing/2014/main" id="{813742B4-FF8E-410D-95A7-5F318CC4E72A}"/>
+              </a:ext>
+            </a:extLst>
+          </p:cNvPr>
+          <p:cNvSpPr txBox="1"/>
+          <p:nvPr/>
+        </p:nvSpPr>
+        <p:spPr>
+          <a:xfrm>
+            <a:off x="740229" y="2394857"/>
+            <a:ext cx="10624457" cy="2062103"/>
+          </a:xfrm>
+          <a:prstGeom prst="rect">
+            <a:avLst/>
+          </a:prstGeom>
+          <a:noFill/>
+        </p:spPr>
+        <p:txBody>
+          <a:bodyPr wrap="square" rtlCol="0">
+            <a:spAutoFit/>
+          </a:bodyPr>
+          <a:lstStyle/>
+          <a:p>
+            <a:r>
+              <a:rPr lang="ja-JP" altLang="en-US" sz="3200" dirty="0"/>
+              <a:t> 　伴奏などを加えたりしてより</a:t>
+            </a:r>
+            <a:r>
+              <a:rPr lang="en-US" altLang="ja-JP" sz="3200" dirty="0"/>
+              <a:t>AI</a:t>
+            </a:r>
+            <a:r>
+              <a:rPr lang="ja-JP" altLang="en-US" sz="3200" dirty="0"/>
+              <a:t>の作曲をよりゲーム音楽に近づけていく</a:t>
+            </a:r>
+            <a:endParaRPr lang="en-US" altLang="ja-JP" sz="3200" dirty="0"/>
+          </a:p>
+          <a:p>
+            <a:r>
+              <a:rPr lang="ja-JP" altLang="en-US" sz="3200" dirty="0"/>
+              <a:t>　</a:t>
+            </a:r>
+            <a:r>
+              <a:rPr lang="en-US" altLang="ja-JP" sz="3200" dirty="0"/>
+              <a:t>Web</a:t>
+            </a:r>
+            <a:r>
+              <a:rPr lang="ja-JP" altLang="en-US" sz="3200" dirty="0"/>
+              <a:t>ページのユーザビリティの向上</a:t>
+            </a:r>
+            <a:endParaRPr lang="en-US" altLang="ja-JP" sz="3200" dirty="0"/>
+          </a:p>
+          <a:p>
+            <a:r>
+              <a:rPr lang="ja-JP" altLang="en-US" sz="3200" dirty="0"/>
+              <a:t>　</a:t>
+            </a:r>
+            <a:r>
+              <a:rPr lang="en-US" altLang="ja-JP" sz="3200" dirty="0"/>
+              <a:t>8</a:t>
+            </a:r>
+            <a:r>
+              <a:rPr lang="ja-JP" altLang="en-US" sz="3200" dirty="0"/>
+              <a:t>分音符以外の入力もできるようにする</a:t>
+            </a:r>
+            <a:endParaRPr kumimoji="1" lang="ja-JP" altLang="en-US" sz="3200" dirty="0"/>
           </a:p>
         </p:txBody>
       </p:sp>
@@ -5366,7 +6315,12 @@
             <p:ph type="title"/>
           </p:nvPr>
         </p:nvSpPr>
-        <p:spPr/>
+        <p:spPr>
+          <a:xfrm>
+            <a:off x="838200" y="365125"/>
+            <a:ext cx="9757229" cy="1325563"/>
+          </a:xfrm>
+        </p:spPr>
         <p:txBody>
           <a:bodyPr/>
           <a:lstStyle/>
@@ -5513,8 +6467,8 @@
         </p:nvSpPr>
         <p:spPr>
           <a:xfrm>
-            <a:off x="508000" y="1512888"/>
-            <a:ext cx="8851900" cy="800219"/>
+            <a:off x="680356" y="1512888"/>
+            <a:ext cx="8679544" cy="2031325"/>
           </a:xfrm>
           <a:prstGeom prst="rect">
             <a:avLst/>
@@ -5528,20 +6482,24 @@
           <a:lstStyle/>
           <a:p>
             <a:r>
-              <a:rPr lang="en-US" altLang="ja-JP" sz="2800" dirty="0"/>
+              <a:rPr lang="en-US" altLang="ja-JP" sz="5400" dirty="0"/>
               <a:t>AI</a:t>
             </a:r>
             <a:r>
+              <a:rPr lang="ja-JP" altLang="en-US" sz="5400" dirty="0"/>
+              <a:t>を使った自動作曲</a:t>
+            </a:r>
+            <a:r>
+              <a:rPr lang="en-US" altLang="ja-JP" sz="5400" dirty="0"/>
+              <a:t>Web</a:t>
+            </a:r>
+            <a:r>
+              <a:rPr lang="ja-JP" altLang="en-US" sz="5400" dirty="0"/>
+              <a:t>アプリケーションです</a:t>
+            </a:r>
+            <a:r>
               <a:rPr lang="ja-JP" altLang="en-US" sz="2800" dirty="0"/>
-              <a:t>を使った自動作曲</a:t>
-            </a:r>
-            <a:r>
-              <a:rPr lang="en-US" altLang="ja-JP" sz="2800" dirty="0"/>
-              <a:t>Web</a:t>
-            </a:r>
-            <a:r>
-              <a:rPr lang="ja-JP" altLang="en-US" sz="2800" dirty="0"/>
-              <a:t>アプリケーションです。</a:t>
+              <a:t>。</a:t>
             </a:r>
             <a:endParaRPr lang="en-US" altLang="ja-JP" sz="2800" dirty="0"/>
           </a:p>
@@ -5568,18 +6526,18 @@
         </p:nvSpPr>
         <p:spPr>
           <a:xfrm>
-            <a:off x="508000" y="551542"/>
-            <a:ext cx="6879771" cy="961345"/>
+            <a:off x="0" y="550863"/>
+            <a:ext cx="8678863" cy="962025"/>
           </a:xfrm>
         </p:spPr>
         <p:txBody>
           <a:bodyPr>
-            <a:normAutofit/>
+            <a:noAutofit/>
           </a:bodyPr>
           <a:lstStyle/>
           <a:p>
             <a:r>
-              <a:rPr kumimoji="1" lang="en-US" altLang="ja-JP" sz="6000" kern="1200" dirty="0">
+              <a:rPr kumimoji="1" lang="en-US" altLang="ja-JP" sz="8000" kern="1200" dirty="0">
                 <a:solidFill>
                   <a:srgbClr val="000000"/>
                 </a:solidFill>
@@ -5591,7 +6549,7 @@
               <a:t>bit composer</a:t>
             </a:r>
             <a:r>
-              <a:rPr kumimoji="1" lang="ja-JP" altLang="ja-JP" sz="6000" kern="1200" dirty="0">
+              <a:rPr kumimoji="1" lang="ja-JP" altLang="ja-JP" sz="8000" kern="1200" dirty="0">
                 <a:solidFill>
                   <a:srgbClr val="000000"/>
                 </a:solidFill>
@@ -5602,7 +6560,7 @@
               </a:rPr>
               <a:t>とは</a:t>
             </a:r>
-            <a:endParaRPr kumimoji="1" lang="ja-JP" altLang="en-US" dirty="0"/>
+            <a:endParaRPr kumimoji="1" lang="ja-JP" altLang="en-US" sz="8000" dirty="0"/>
           </a:p>
         </p:txBody>
       </p:sp>
@@ -5666,20 +6624,22 @@
         </p:nvSpPr>
         <p:spPr>
           <a:xfrm>
-            <a:off x="206829" y="185056"/>
-            <a:ext cx="6985000" cy="1300162"/>
+            <a:off x="206828" y="185056"/>
+            <a:ext cx="7362371" cy="1300162"/>
           </a:xfrm>
         </p:spPr>
         <p:txBody>
-          <a:bodyPr/>
-          <a:lstStyle/>
-          <a:p>
-            <a:r>
-              <a:rPr kumimoji="1" lang="en-US" altLang="ja-JP" b="1" dirty="0"/>
+          <a:bodyPr>
+            <a:noAutofit/>
+          </a:bodyPr>
+          <a:lstStyle/>
+          <a:p>
+            <a:r>
+              <a:rPr kumimoji="1" lang="en-US" altLang="ja-JP" sz="6600" b="1" dirty="0"/>
               <a:t>bit composer</a:t>
             </a:r>
             <a:r>
-              <a:rPr kumimoji="1" lang="ja-JP" altLang="en-US" b="1" dirty="0"/>
+              <a:rPr kumimoji="1" lang="ja-JP" altLang="en-US" sz="6600" b="1" dirty="0"/>
               <a:t>の概要</a:t>
             </a:r>
           </a:p>
@@ -5703,22 +6663,22 @@
         </p:nvSpPr>
         <p:spPr>
           <a:xfrm>
-            <a:off x="863600" y="1790019"/>
-            <a:ext cx="6705600" cy="1041400"/>
+            <a:off x="653143" y="1790018"/>
+            <a:ext cx="9514114" cy="2934381"/>
           </a:xfrm>
         </p:spPr>
         <p:txBody>
           <a:bodyPr>
-            <a:normAutofit/>
+            <a:noAutofit/>
           </a:bodyPr>
           <a:lstStyle/>
           <a:p>
             <a:pPr algn="l"/>
             <a:r>
-              <a:rPr lang="ja-JP" altLang="en-US" sz="2800" dirty="0"/>
+              <a:rPr lang="ja-JP" altLang="en-US" sz="5400" dirty="0"/>
               <a:t>ユーザが作った短いメロディからゲーム音楽風の曲を作曲してくれる。</a:t>
             </a:r>
-            <a:endParaRPr kumimoji="1" lang="ja-JP" altLang="en-US" sz="2800" dirty="0"/>
+            <a:endParaRPr kumimoji="1" lang="ja-JP" altLang="en-US" sz="5400" dirty="0"/>
           </a:p>
         </p:txBody>
       </p:sp>
@@ -5766,6 +6726,52 @@
       </p:grpSpPr>
       <p:sp>
         <p:nvSpPr>
+          <p:cNvPr id="5" name="正方形/長方形 4">
+            <a:extLst>
+              <a:ext uri="{FF2B5EF4-FFF2-40B4-BE49-F238E27FC236}">
+                <a16:creationId xmlns:a16="http://schemas.microsoft.com/office/drawing/2014/main" id="{B301D2CF-881D-4E48-A3E7-3AAFA19004AC}"/>
+              </a:ext>
+            </a:extLst>
+          </p:cNvPr>
+          <p:cNvSpPr/>
+          <p:nvPr/>
+        </p:nvSpPr>
+        <p:spPr>
+          <a:xfrm>
+            <a:off x="239486" y="1719942"/>
+            <a:ext cx="11800114" cy="4941077"/>
+          </a:xfrm>
+          <a:prstGeom prst="rect">
+            <a:avLst/>
+          </a:prstGeom>
+        </p:spPr>
+        <p:style>
+          <a:lnRef idx="2">
+            <a:schemeClr val="accent1">
+              <a:shade val="50000"/>
+            </a:schemeClr>
+          </a:lnRef>
+          <a:fillRef idx="1">
+            <a:schemeClr val="accent1"/>
+          </a:fillRef>
+          <a:effectRef idx="0">
+            <a:schemeClr val="accent1"/>
+          </a:effectRef>
+          <a:fontRef idx="minor">
+            <a:schemeClr val="lt1"/>
+          </a:fontRef>
+        </p:style>
+        <p:txBody>
+          <a:bodyPr rtlCol="0" anchor="ctr"/>
+          <a:lstStyle/>
+          <a:p>
+            <a:pPr algn="ctr"/>
+            <a:endParaRPr kumimoji="1" lang="ja-JP" altLang="en-US" dirty="0"/>
+          </a:p>
+        </p:txBody>
+      </p:sp>
+      <p:sp>
+        <p:nvSpPr>
           <p:cNvPr id="4" name="タイトル 3">
             <a:extLst>
               <a:ext uri="{FF2B5EF4-FFF2-40B4-BE49-F238E27FC236}">
@@ -5799,48 +6805,44 @@
           </a:p>
         </p:txBody>
       </p:sp>
-      <p:pic>
-        <p:nvPicPr>
-          <p:cNvPr id="8" name="図 7">
-            <a:extLst>
-              <a:ext uri="{FF2B5EF4-FFF2-40B4-BE49-F238E27FC236}">
-                <a16:creationId xmlns:a16="http://schemas.microsoft.com/office/drawing/2014/main" id="{7ECD8D03-A540-4384-92DB-DC4154AD12EB}"/>
-              </a:ext>
-            </a:extLst>
-          </p:cNvPr>
-          <p:cNvPicPr>
-            <a:picLocks noChangeAspect="1"/>
-          </p:cNvPicPr>
+      <p:sp>
+        <p:nvSpPr>
+          <p:cNvPr id="13" name="テキスト ボックス 12">
+            <a:extLst>
+              <a:ext uri="{FF2B5EF4-FFF2-40B4-BE49-F238E27FC236}">
+                <a16:creationId xmlns:a16="http://schemas.microsoft.com/office/drawing/2014/main" id="{D2EC5B4D-3CEA-45D4-8A0C-A52B40544298}"/>
+              </a:ext>
+            </a:extLst>
+          </p:cNvPr>
+          <p:cNvSpPr txBox="1"/>
           <p:nvPr/>
-        </p:nvPicPr>
-        <p:blipFill>
-          <a:blip r:embed="rId3">
-            <a:extLst>
-              <a:ext uri="{28A0092B-C50C-407E-A947-70E740481C1C}">
-                <a14:useLocalDpi xmlns:a14="http://schemas.microsoft.com/office/drawing/2010/main" val="0"/>
-              </a:ext>
-            </a:extLst>
-          </a:blip>
-          <a:stretch>
-            <a:fillRect/>
-          </a:stretch>
-        </p:blipFill>
+        </p:nvSpPr>
         <p:spPr>
           <a:xfrm>
-            <a:off x="873933" y="1954361"/>
-            <a:ext cx="1718456" cy="1293028"/>
+            <a:off x="8843391" y="3429000"/>
+            <a:ext cx="2294021" cy="621341"/>
           </a:xfrm>
           <a:prstGeom prst="rect">
             <a:avLst/>
           </a:prstGeom>
+          <a:noFill/>
         </p:spPr>
-      </p:pic>
-      <p:sp>
-        <p:nvSpPr>
-          <p:cNvPr id="9" name="矢印: 右 8">
-            <a:extLst>
-              <a:ext uri="{FF2B5EF4-FFF2-40B4-BE49-F238E27FC236}">
-                <a16:creationId xmlns:a16="http://schemas.microsoft.com/office/drawing/2014/main" id="{22232900-CF15-42ED-B61D-004E36DA459A}"/>
+        <p:txBody>
+          <a:bodyPr wrap="square" rtlCol="0">
+            <a:spAutoFit/>
+          </a:bodyPr>
+          <a:lstStyle/>
+          <a:p>
+            <a:endParaRPr kumimoji="1" lang="ja-JP" altLang="en-US" dirty="0"/>
+          </a:p>
+        </p:txBody>
+      </p:sp>
+      <p:sp>
+        <p:nvSpPr>
+          <p:cNvPr id="2" name="正方形/長方形 1">
+            <a:extLst>
+              <a:ext uri="{FF2B5EF4-FFF2-40B4-BE49-F238E27FC236}">
+                <a16:creationId xmlns:a16="http://schemas.microsoft.com/office/drawing/2014/main" id="{8294C958-F9B8-4D3C-A12E-9B965052F961}"/>
               </a:ext>
             </a:extLst>
           </p:cNvPr>
@@ -5849,14 +6851,111 @@
         </p:nvSpPr>
         <p:spPr>
           <a:xfrm>
-            <a:off x="3144254" y="2318133"/>
-            <a:ext cx="930442" cy="565484"/>
+            <a:off x="5661974" y="2116810"/>
+            <a:ext cx="6097578" cy="4309355"/>
           </a:xfrm>
-          <a:prstGeom prst="rightArrow">
+          <a:prstGeom prst="rect">
             <a:avLst/>
           </a:prstGeom>
           <a:solidFill>
-            <a:srgbClr val="00B050"/>
+            <a:schemeClr val="tx2">
+              <a:lumMod val="50000"/>
+            </a:schemeClr>
+          </a:solidFill>
+          <a:ln>
+            <a:solidFill>
+              <a:schemeClr val="bg1"/>
+            </a:solidFill>
+          </a:ln>
+        </p:spPr>
+        <p:style>
+          <a:lnRef idx="2">
+            <a:schemeClr val="accent1">
+              <a:shade val="50000"/>
+            </a:schemeClr>
+          </a:lnRef>
+          <a:fillRef idx="1">
+            <a:schemeClr val="accent1"/>
+          </a:fillRef>
+          <a:effectRef idx="0">
+            <a:schemeClr val="accent1"/>
+          </a:effectRef>
+          <a:fontRef idx="minor">
+            <a:schemeClr val="lt1"/>
+          </a:fontRef>
+        </p:style>
+        <p:txBody>
+          <a:bodyPr rtlCol="0" anchor="ctr"/>
+          <a:lstStyle/>
+          <a:p>
+            <a:r>
+              <a:rPr lang="en-US" altLang="ja-JP" sz="5400" dirty="0">
+                <a:solidFill>
+                  <a:schemeClr val="bg1"/>
+                </a:solidFill>
+              </a:rPr>
+              <a:t>Python</a:t>
+            </a:r>
+            <a:endParaRPr kumimoji="1" lang="en-US" altLang="ja-JP" sz="5400" dirty="0">
+              <a:solidFill>
+                <a:schemeClr val="bg1"/>
+              </a:solidFill>
+            </a:endParaRPr>
+          </a:p>
+          <a:p>
+            <a:r>
+              <a:rPr kumimoji="1" lang="en-US" altLang="ja-JP" sz="3600" dirty="0"/>
+              <a:t>TensorFlow</a:t>
+            </a:r>
+            <a:endParaRPr lang="en-US" altLang="ja-JP" sz="3600" dirty="0"/>
+          </a:p>
+          <a:p>
+            <a:r>
+              <a:rPr lang="en-US" altLang="ja-JP" sz="3600" dirty="0"/>
+              <a:t>m</a:t>
+            </a:r>
+            <a:r>
+              <a:rPr kumimoji="1" lang="en-US" altLang="ja-JP" sz="3600" dirty="0"/>
+              <a:t>usic21</a:t>
+            </a:r>
+          </a:p>
+          <a:p>
+            <a:r>
+              <a:rPr lang="en-US" altLang="ja-JP" sz="3600" dirty="0"/>
+              <a:t>Midi2 to mp3</a:t>
+            </a:r>
+          </a:p>
+          <a:p>
+            <a:pPr algn="ctr"/>
+            <a:endParaRPr kumimoji="1" lang="ja-JP" altLang="en-US" dirty="0"/>
+          </a:p>
+        </p:txBody>
+      </p:sp>
+      <p:sp>
+        <p:nvSpPr>
+          <p:cNvPr id="3" name="四角形: 角を丸くする 2">
+            <a:extLst>
+              <a:ext uri="{FF2B5EF4-FFF2-40B4-BE49-F238E27FC236}">
+                <a16:creationId xmlns:a16="http://schemas.microsoft.com/office/drawing/2014/main" id="{F9BFAB24-AA19-418A-BCF7-55AA79F71904}"/>
+              </a:ext>
+            </a:extLst>
+          </p:cNvPr>
+          <p:cNvSpPr/>
+          <p:nvPr/>
+        </p:nvSpPr>
+        <p:spPr>
+          <a:xfrm>
+            <a:off x="561497" y="4271487"/>
+            <a:ext cx="4008136" cy="1872344"/>
+          </a:xfrm>
+          <a:prstGeom prst="roundRect">
+            <a:avLst/>
+          </a:prstGeom>
+          <a:solidFill>
+            <a:schemeClr val="tx1">
+              <a:lumMod val="95000"/>
+              <a:lumOff val="5000"/>
+            </a:schemeClr>
           </a:solidFill>
         </p:spPr>
         <p:style>
@@ -5879,54 +6978,77 @@
           <a:bodyPr rtlCol="0" anchor="ctr"/>
           <a:lstStyle/>
           <a:p>
-            <a:pPr algn="ctr"/>
-            <a:endParaRPr kumimoji="1" lang="ja-JP" altLang="en-US"/>
-          </a:p>
-        </p:txBody>
-      </p:sp>
-      <p:sp>
-        <p:nvSpPr>
-          <p:cNvPr id="13" name="テキスト ボックス 12">
-            <a:extLst>
-              <a:ext uri="{FF2B5EF4-FFF2-40B4-BE49-F238E27FC236}">
-                <a16:creationId xmlns:a16="http://schemas.microsoft.com/office/drawing/2014/main" id="{D2EC5B4D-3CEA-45D4-8A0C-A52B40544298}"/>
-              </a:ext>
-            </a:extLst>
-          </p:cNvPr>
-          <p:cNvSpPr txBox="1"/>
+            <a:r>
+              <a:rPr kumimoji="1" lang="en-US" altLang="ja-JP" sz="4400" dirty="0"/>
+              <a:t>JavaScript</a:t>
+            </a:r>
+          </a:p>
+          <a:p>
+            <a:r>
+              <a:rPr lang="en-US" altLang="ja-JP" sz="3600" dirty="0"/>
+              <a:t>abc.js</a:t>
+            </a:r>
+          </a:p>
+        </p:txBody>
+      </p:sp>
+      <p:pic>
+        <p:nvPicPr>
+          <p:cNvPr id="1026" name="Picture 2" descr="Flaskへようこそ — Flask Documentation (2.0.x)">
+            <a:extLst>
+              <a:ext uri="{FF2B5EF4-FFF2-40B4-BE49-F238E27FC236}">
+                <a16:creationId xmlns:a16="http://schemas.microsoft.com/office/drawing/2014/main" id="{8BCA5665-EFC2-4062-8FC9-AF6E97AC2CBE}"/>
+              </a:ext>
+            </a:extLst>
+          </p:cNvPr>
+          <p:cNvPicPr>
+            <a:picLocks noChangeAspect="1" noChangeArrowheads="1"/>
+          </p:cNvPicPr>
           <p:nvPr/>
-        </p:nvSpPr>
-        <p:spPr>
+        </p:nvPicPr>
+        <p:blipFill>
+          <a:blip r:embed="rId3">
+            <a:extLst>
+              <a:ext uri="{28A0092B-C50C-407E-A947-70E740481C1C}">
+                <a14:useLocalDpi xmlns:a14="http://schemas.microsoft.com/office/drawing/2010/main" val="0"/>
+              </a:ext>
+            </a:extLst>
+          </a:blip>
+          <a:srcRect/>
+          <a:stretch>
+            <a:fillRect/>
+          </a:stretch>
+        </p:blipFill>
+        <p:spPr bwMode="auto">
           <a:xfrm>
-            <a:off x="8843391" y="3429000"/>
-            <a:ext cx="2294021" cy="621341"/>
+            <a:off x="855827" y="2406170"/>
+            <a:ext cx="3419475" cy="1333500"/>
           </a:xfrm>
           <a:prstGeom prst="rect">
             <a:avLst/>
           </a:prstGeom>
           <a:noFill/>
+          <a:extLst>
+            <a:ext uri="{909E8E84-426E-40DD-AFC4-6F175D3DCCD1}">
+              <a14:hiddenFill xmlns:a14="http://schemas.microsoft.com/office/drawing/2010/main">
+                <a:solidFill>
+                  <a:srgbClr val="FFFFFF"/>
+                </a:solidFill>
+              </a14:hiddenFill>
+            </a:ext>
+          </a:extLst>
         </p:spPr>
-        <p:txBody>
-          <a:bodyPr wrap="square" rtlCol="0">
-            <a:spAutoFit/>
-          </a:bodyPr>
-          <a:lstStyle/>
-          <a:p>
-            <a:endParaRPr kumimoji="1" lang="ja-JP" altLang="en-US" dirty="0"/>
-          </a:p>
-        </p:txBody>
-      </p:sp>
+      </p:pic>
       <p:pic>
         <p:nvPicPr>
-          <p:cNvPr id="17" name="図 16">
-            <a:extLst>
-              <a:ext uri="{FF2B5EF4-FFF2-40B4-BE49-F238E27FC236}">
-                <a16:creationId xmlns:a16="http://schemas.microsoft.com/office/drawing/2014/main" id="{F635ED6F-6CE3-4C81-B91F-622759D54AF4}"/>
+          <p:cNvPr id="1030" name="Picture 6" descr="tf_logo_social.png?hl=ja">
+            <a:extLst>
+              <a:ext uri="{FF2B5EF4-FFF2-40B4-BE49-F238E27FC236}">
+                <a16:creationId xmlns:a16="http://schemas.microsoft.com/office/drawing/2014/main" id="{B608E2C0-C4E1-4194-8C74-7708D8DBB3D4}"/>
               </a:ext>
             </a:extLst>
           </p:cNvPr>
           <p:cNvPicPr>
-            <a:picLocks noChangeAspect="1"/>
+            <a:picLocks noChangeAspect="1" noChangeArrowheads="1"/>
           </p:cNvPicPr>
           <p:nvPr/>
         </p:nvPicPr>
@@ -5938,604 +7060,78 @@
               </a:ext>
             </a:extLst>
           </a:blip>
+          <a:srcRect/>
           <a:stretch>
             <a:fillRect/>
           </a:stretch>
         </p:blipFill>
-        <p:spPr>
+        <p:spPr bwMode="auto">
           <a:xfrm>
-            <a:off x="4216978" y="1954361"/>
-            <a:ext cx="1167864" cy="1167864"/>
-          </a:xfrm>
-          <a:prstGeom prst="rect">
-            <a:avLst/>
-          </a:prstGeom>
-        </p:spPr>
-      </p:pic>
-      <p:cxnSp>
-        <p:nvCxnSpPr>
-          <p:cNvPr id="19" name="直線コネクタ 18">
-            <a:extLst>
-              <a:ext uri="{FF2B5EF4-FFF2-40B4-BE49-F238E27FC236}">
-                <a16:creationId xmlns:a16="http://schemas.microsoft.com/office/drawing/2014/main" id="{A0D37746-D309-40AE-A0C0-3A39F14887DA}"/>
-              </a:ext>
-            </a:extLst>
-          </p:cNvPr>
-          <p:cNvCxnSpPr>
-            <a:cxnSpLocks/>
-            <a:stCxn id="17" idx="3"/>
-          </p:cNvCxnSpPr>
-          <p:nvPr/>
-        </p:nvCxnSpPr>
-        <p:spPr>
-          <a:xfrm>
-            <a:off x="5384842" y="2538293"/>
-            <a:ext cx="546907" cy="0"/>
-          </a:xfrm>
-          <a:prstGeom prst="line">
-            <a:avLst/>
-          </a:prstGeom>
-        </p:spPr>
-        <p:style>
-          <a:lnRef idx="1">
-            <a:schemeClr val="accent6"/>
-          </a:lnRef>
-          <a:fillRef idx="0">
-            <a:schemeClr val="accent6"/>
-          </a:fillRef>
-          <a:effectRef idx="0">
-            <a:schemeClr val="accent6"/>
-          </a:effectRef>
-          <a:fontRef idx="minor">
-            <a:schemeClr val="tx1"/>
-          </a:fontRef>
-        </p:style>
-      </p:cxnSp>
-      <p:sp>
-        <p:nvSpPr>
-          <p:cNvPr id="20" name="テキスト ボックス 19">
-            <a:extLst>
-              <a:ext uri="{FF2B5EF4-FFF2-40B4-BE49-F238E27FC236}">
-                <a16:creationId xmlns:a16="http://schemas.microsoft.com/office/drawing/2014/main" id="{EE46EACE-71CE-49D5-8C38-4DEC4EDA1C9E}"/>
-              </a:ext>
-            </a:extLst>
-          </p:cNvPr>
-          <p:cNvSpPr txBox="1"/>
-          <p:nvPr/>
-        </p:nvSpPr>
-        <p:spPr>
-          <a:xfrm>
-            <a:off x="873933" y="3555004"/>
-            <a:ext cx="1718456" cy="369332"/>
+            <a:off x="8795251" y="2504109"/>
+            <a:ext cx="2256249" cy="1702192"/>
           </a:xfrm>
           <a:prstGeom prst="rect">
             <a:avLst/>
           </a:prstGeom>
           <a:noFill/>
+          <a:extLst>
+            <a:ext uri="{909E8E84-426E-40DD-AFC4-6F175D3DCCD1}">
+              <a14:hiddenFill xmlns:a14="http://schemas.microsoft.com/office/drawing/2010/main">
+                <a:solidFill>
+                  <a:srgbClr val="FFFFFF"/>
+                </a:solidFill>
+              </a14:hiddenFill>
+            </a:ext>
+          </a:extLst>
         </p:spPr>
-        <p:txBody>
-          <a:bodyPr wrap="square" rtlCol="0">
-            <a:spAutoFit/>
-          </a:bodyPr>
-          <a:lstStyle/>
-          <a:p>
-            <a:pPr algn="ctr"/>
-            <a:r>
-              <a:rPr kumimoji="1" lang="ja-JP" altLang="en-US" dirty="0"/>
-              <a:t>ユーザ</a:t>
-            </a:r>
-          </a:p>
-        </p:txBody>
-      </p:sp>
-      <p:grpSp>
-        <p:nvGrpSpPr>
-          <p:cNvPr id="23" name="グループ化 22">
-            <a:extLst>
-              <a:ext uri="{FF2B5EF4-FFF2-40B4-BE49-F238E27FC236}">
-                <a16:creationId xmlns:a16="http://schemas.microsoft.com/office/drawing/2014/main" id="{413CACD0-2EF9-40DA-A533-DF471D753942}"/>
-              </a:ext>
-            </a:extLst>
-          </p:cNvPr>
-          <p:cNvGrpSpPr/>
+      </p:pic>
+      <p:pic>
+        <p:nvPicPr>
+          <p:cNvPr id="1032" name="Picture 8" descr="Music21.com (@music21com) | Twitter">
+            <a:extLst>
+              <a:ext uri="{FF2B5EF4-FFF2-40B4-BE49-F238E27FC236}">
+                <a16:creationId xmlns:a16="http://schemas.microsoft.com/office/drawing/2014/main" id="{9973C0B2-5232-4036-AD05-7E2E889F8ED3}"/>
+              </a:ext>
+            </a:extLst>
+          </p:cNvPr>
+          <p:cNvPicPr>
+            <a:picLocks noChangeAspect="1" noChangeArrowheads="1"/>
+          </p:cNvPicPr>
           <p:nvPr/>
-        </p:nvGrpSpPr>
-        <p:grpSpPr>
+        </p:nvPicPr>
+        <p:blipFill>
+          <a:blip r:embed="rId5">
+            <a:extLst>
+              <a:ext uri="{28A0092B-C50C-407E-A947-70E740481C1C}">
+                <a14:useLocalDpi xmlns:a14="http://schemas.microsoft.com/office/drawing/2010/main" val="0"/>
+              </a:ext>
+            </a:extLst>
+          </a:blip>
+          <a:srcRect/>
+          <a:stretch>
+            <a:fillRect/>
+          </a:stretch>
+        </p:blipFill>
+        <p:spPr bwMode="auto">
           <a:xfrm>
-            <a:off x="5901561" y="1914305"/>
-            <a:ext cx="5823283" cy="4620397"/>
-            <a:chOff x="5968773" y="1443511"/>
-            <a:chExt cx="5823283" cy="4620397"/>
-          </a:xfrm>
-        </p:grpSpPr>
-        <p:sp>
-          <p:nvSpPr>
-            <p:cNvPr id="10" name="四角形: 角を丸くする 9">
-              <a:extLst>
-                <a:ext uri="{FF2B5EF4-FFF2-40B4-BE49-F238E27FC236}">
-                  <a16:creationId xmlns:a16="http://schemas.microsoft.com/office/drawing/2014/main" id="{0409614C-F3D0-40A0-86DF-1580DDD8E79B}"/>
-                </a:ext>
-              </a:extLst>
-            </p:cNvPr>
-            <p:cNvSpPr/>
-            <p:nvPr/>
-          </p:nvSpPr>
-          <p:spPr>
-            <a:xfrm>
-              <a:off x="5968773" y="1443511"/>
-              <a:ext cx="5823283" cy="4620397"/>
-            </a:xfrm>
-            <a:prstGeom prst="roundRect">
-              <a:avLst/>
-            </a:prstGeom>
-          </p:spPr>
-          <p:style>
-            <a:lnRef idx="2">
-              <a:schemeClr val="accent6"/>
-            </a:lnRef>
-            <a:fillRef idx="1">
-              <a:schemeClr val="lt1"/>
-            </a:fillRef>
-            <a:effectRef idx="0">
-              <a:schemeClr val="accent6"/>
-            </a:effectRef>
-            <a:fontRef idx="minor">
-              <a:schemeClr val="dk1"/>
-            </a:fontRef>
-          </p:style>
-          <p:txBody>
-            <a:bodyPr rtlCol="0" anchor="ctr"/>
-            <a:lstStyle/>
-            <a:p>
-              <a:pPr algn="ctr"/>
-              <a:endParaRPr kumimoji="1" lang="ja-JP" altLang="en-US"/>
-            </a:p>
-          </p:txBody>
-        </p:sp>
-        <p:grpSp>
-          <p:nvGrpSpPr>
-            <p:cNvPr id="15" name="グループ化 14">
-              <a:extLst>
-                <a:ext uri="{FF2B5EF4-FFF2-40B4-BE49-F238E27FC236}">
-                  <a16:creationId xmlns:a16="http://schemas.microsoft.com/office/drawing/2014/main" id="{B130732D-09B9-4E65-ADEE-5983671C3596}"/>
-                </a:ext>
-              </a:extLst>
-            </p:cNvPr>
-            <p:cNvGrpSpPr/>
-            <p:nvPr/>
-          </p:nvGrpSpPr>
-          <p:grpSpPr>
-            <a:xfrm>
-              <a:off x="8889566" y="1852717"/>
-              <a:ext cx="2655330" cy="2391295"/>
-              <a:chOff x="8662737" y="2189802"/>
-              <a:chExt cx="2655330" cy="2391295"/>
-            </a:xfrm>
-          </p:grpSpPr>
-          <p:sp>
-            <p:nvSpPr>
-              <p:cNvPr id="11" name="四角形: 角を丸くする 10">
-                <a:extLst>
-                  <a:ext uri="{FF2B5EF4-FFF2-40B4-BE49-F238E27FC236}">
-                    <a16:creationId xmlns:a16="http://schemas.microsoft.com/office/drawing/2014/main" id="{93A19059-D052-447A-924F-5E9291ABD726}"/>
-                  </a:ext>
-                </a:extLst>
-              </p:cNvPr>
-              <p:cNvSpPr/>
-              <p:nvPr/>
-            </p:nvSpPr>
-            <p:spPr>
-              <a:xfrm>
-                <a:off x="8662737" y="2189802"/>
-                <a:ext cx="2655330" cy="2391295"/>
-              </a:xfrm>
-              <a:prstGeom prst="roundRect">
-                <a:avLst/>
-              </a:prstGeom>
-              <a:solidFill>
-                <a:schemeClr val="accent2"/>
-              </a:solidFill>
-            </p:spPr>
-            <p:style>
-              <a:lnRef idx="2">
-                <a:schemeClr val="accent1">
-                  <a:shade val="50000"/>
-                </a:schemeClr>
-              </a:lnRef>
-              <a:fillRef idx="1">
-                <a:schemeClr val="accent1"/>
-              </a:fillRef>
-              <a:effectRef idx="0">
-                <a:schemeClr val="accent1"/>
-              </a:effectRef>
-              <a:fontRef idx="minor">
-                <a:schemeClr val="lt1"/>
-              </a:fontRef>
-            </p:style>
-            <p:txBody>
-              <a:bodyPr rtlCol="0" anchor="ctr"/>
-              <a:lstStyle/>
-              <a:p>
-                <a:pPr algn="ctr"/>
-                <a:endParaRPr kumimoji="1" lang="en-US" altLang="ja-JP" dirty="0"/>
-              </a:p>
-            </p:txBody>
-          </p:sp>
-          <p:sp>
-            <p:nvSpPr>
-              <p:cNvPr id="12" name="テキスト ボックス 11">
-                <a:extLst>
-                  <a:ext uri="{FF2B5EF4-FFF2-40B4-BE49-F238E27FC236}">
-                    <a16:creationId xmlns:a16="http://schemas.microsoft.com/office/drawing/2014/main" id="{D0E94323-8F75-4A70-A78E-EEA688500E66}"/>
-                  </a:ext>
-                </a:extLst>
-              </p:cNvPr>
-              <p:cNvSpPr txBox="1"/>
-              <p:nvPr/>
-            </p:nvSpPr>
-            <p:spPr>
-              <a:xfrm>
-                <a:off x="8843391" y="2562052"/>
-                <a:ext cx="2294021" cy="369332"/>
-              </a:xfrm>
-              <a:prstGeom prst="rect">
-                <a:avLst/>
-              </a:prstGeom>
-              <a:noFill/>
-            </p:spPr>
-            <p:txBody>
-              <a:bodyPr wrap="square" rtlCol="0">
-                <a:spAutoFit/>
-              </a:bodyPr>
-              <a:lstStyle/>
-              <a:p>
-                <a:r>
-                  <a:rPr kumimoji="1" lang="ja-JP" altLang="en-US" b="1" dirty="0">
-                    <a:solidFill>
-                      <a:schemeClr val="bg1"/>
-                    </a:solidFill>
-                  </a:rPr>
-                  <a:t>自動作曲</a:t>
-                </a:r>
-                <a:r>
-                  <a:rPr lang="ja-JP" altLang="en-US" b="1" dirty="0">
-                    <a:solidFill>
-                      <a:schemeClr val="bg1"/>
-                    </a:solidFill>
-                  </a:rPr>
-                  <a:t>システム</a:t>
-                </a:r>
-                <a:endParaRPr kumimoji="1" lang="ja-JP" altLang="en-US" b="1" dirty="0">
-                  <a:solidFill>
-                    <a:schemeClr val="bg1"/>
-                  </a:solidFill>
-                </a:endParaRPr>
-              </a:p>
-            </p:txBody>
-          </p:sp>
-          <p:sp>
-            <p:nvSpPr>
-              <p:cNvPr id="14" name="テキスト ボックス 13">
-                <a:extLst>
-                  <a:ext uri="{FF2B5EF4-FFF2-40B4-BE49-F238E27FC236}">
-                    <a16:creationId xmlns:a16="http://schemas.microsoft.com/office/drawing/2014/main" id="{50709B28-BB3F-4A94-BF79-DC5A4E45E897}"/>
-                  </a:ext>
-                </a:extLst>
-              </p:cNvPr>
-              <p:cNvSpPr txBox="1"/>
-              <p:nvPr/>
-            </p:nvSpPr>
-            <p:spPr>
-              <a:xfrm>
-                <a:off x="8853752" y="2966019"/>
-                <a:ext cx="2294021" cy="1015663"/>
-              </a:xfrm>
-              <a:prstGeom prst="rect">
-                <a:avLst/>
-              </a:prstGeom>
-              <a:noFill/>
-            </p:spPr>
-            <p:txBody>
-              <a:bodyPr wrap="square" rtlCol="0">
-                <a:spAutoFit/>
-              </a:bodyPr>
-              <a:lstStyle/>
-              <a:p>
-                <a:r>
-                  <a:rPr kumimoji="1" lang="ja-JP" altLang="en-US" sz="2400" dirty="0">
-                    <a:solidFill>
-                      <a:schemeClr val="bg1"/>
-                    </a:solidFill>
-                  </a:rPr>
-                  <a:t>・</a:t>
-                </a:r>
-                <a:r>
-                  <a:rPr lang="en-US" altLang="ja-JP" dirty="0"/>
-                  <a:t>TensorFlow</a:t>
-                </a:r>
-              </a:p>
-              <a:p>
-                <a:r>
-                  <a:rPr lang="en-US" altLang="ja-JP" dirty="0"/>
-                  <a:t> </a:t>
-                </a:r>
-                <a:r>
-                  <a:rPr lang="ja-JP" altLang="en-US" dirty="0"/>
-                  <a:t>・</a:t>
-                </a:r>
-                <a:r>
-                  <a:rPr lang="en-US" altLang="ja-JP" dirty="0"/>
-                  <a:t>music21</a:t>
-                </a:r>
-              </a:p>
-              <a:p>
-                <a:r>
-                  <a:rPr lang="en-US" altLang="ja-JP" dirty="0"/>
-                  <a:t> </a:t>
-                </a:r>
-              </a:p>
-            </p:txBody>
-          </p:sp>
-        </p:grpSp>
-        <p:sp>
-          <p:nvSpPr>
-            <p:cNvPr id="21" name="四角形: 角を丸くする 20">
-              <a:extLst>
-                <a:ext uri="{FF2B5EF4-FFF2-40B4-BE49-F238E27FC236}">
-                  <a16:creationId xmlns:a16="http://schemas.microsoft.com/office/drawing/2014/main" id="{C29707AB-F090-4A48-B64A-2FF4BBC21EE0}"/>
-                </a:ext>
-              </a:extLst>
-            </p:cNvPr>
-            <p:cNvSpPr/>
-            <p:nvPr/>
-          </p:nvSpPr>
-          <p:spPr>
-            <a:xfrm>
-              <a:off x="6163212" y="1843119"/>
-              <a:ext cx="2599949" cy="3972585"/>
-            </a:xfrm>
-            <a:prstGeom prst="roundRect">
-              <a:avLst/>
-            </a:prstGeom>
-          </p:spPr>
-          <p:style>
-            <a:lnRef idx="2">
-              <a:schemeClr val="accent5">
-                <a:shade val="50000"/>
-              </a:schemeClr>
-            </a:lnRef>
-            <a:fillRef idx="1">
-              <a:schemeClr val="accent5"/>
-            </a:fillRef>
-            <a:effectRef idx="0">
-              <a:schemeClr val="accent5"/>
-            </a:effectRef>
-            <a:fontRef idx="minor">
-              <a:schemeClr val="lt1"/>
-            </a:fontRef>
-          </p:style>
-          <p:txBody>
-            <a:bodyPr rtlCol="0" anchor="ctr"/>
-            <a:lstStyle/>
-            <a:p>
-              <a:pPr algn="ctr"/>
-              <a:endParaRPr kumimoji="1" lang="en-US" altLang="ja-JP" b="1" dirty="0"/>
-            </a:p>
-            <a:p>
-              <a:pPr algn="ctr"/>
-              <a:r>
-                <a:rPr kumimoji="1" lang="en-US" altLang="ja-JP" b="1" dirty="0"/>
-                <a:t>Web</a:t>
-              </a:r>
-              <a:r>
-                <a:rPr kumimoji="1" lang="ja-JP" altLang="en-US" b="1" dirty="0"/>
-                <a:t>ページ</a:t>
-              </a:r>
-              <a:endParaRPr lang="en-US" altLang="ja-JP" b="1" dirty="0"/>
-            </a:p>
-            <a:p>
-              <a:pPr algn="ctr"/>
-              <a:endParaRPr lang="en-US" altLang="ja-JP" dirty="0"/>
-            </a:p>
-            <a:p>
-              <a:pPr marL="285750" indent="-285750">
-                <a:buFont typeface="Arial" panose="020B0604020202020204" pitchFamily="34" charset="0"/>
-                <a:buChar char="•"/>
-              </a:pPr>
-              <a:r>
-                <a:rPr kumimoji="1" lang="ja-JP" altLang="en-US" dirty="0"/>
-                <a:t>タイトル</a:t>
-              </a:r>
-              <a:endParaRPr kumimoji="1" lang="en-US" altLang="ja-JP" dirty="0"/>
-            </a:p>
-            <a:p>
-              <a:pPr marL="285750" indent="-285750">
-                <a:buFont typeface="Arial" panose="020B0604020202020204" pitchFamily="34" charset="0"/>
-                <a:buChar char="•"/>
-              </a:pPr>
-              <a:endParaRPr kumimoji="1" lang="en-US" altLang="ja-JP" dirty="0"/>
-            </a:p>
-            <a:p>
-              <a:pPr marL="285750" indent="-285750">
-                <a:buFont typeface="Arial" panose="020B0604020202020204" pitchFamily="34" charset="0"/>
-                <a:buChar char="•"/>
-              </a:pPr>
-              <a:r>
-                <a:rPr lang="ja-JP" altLang="en-US" dirty="0"/>
-                <a:t>入力画面</a:t>
-              </a:r>
-              <a:endParaRPr lang="en-US" altLang="ja-JP" dirty="0"/>
-            </a:p>
-            <a:p>
-              <a:r>
-                <a:rPr lang="en-US" altLang="ja-JP" dirty="0"/>
-                <a:t>           abc.js</a:t>
-              </a:r>
-            </a:p>
-            <a:p>
-              <a:endParaRPr lang="en-US" altLang="ja-JP" dirty="0"/>
-            </a:p>
-            <a:p>
-              <a:endParaRPr lang="en-US" altLang="ja-JP" dirty="0"/>
-            </a:p>
-            <a:p>
-              <a:pPr marL="285750" indent="-285750">
-                <a:buFont typeface="Arial" panose="020B0604020202020204" pitchFamily="34" charset="0"/>
-                <a:buChar char="•"/>
-              </a:pPr>
-              <a:r>
-                <a:rPr kumimoji="1" lang="ja-JP" altLang="en-US" dirty="0"/>
-                <a:t>結果出力画面</a:t>
-              </a:r>
-              <a:endParaRPr lang="en-US" altLang="ja-JP" dirty="0"/>
-            </a:p>
-            <a:p>
-              <a:pPr marL="285750" indent="-285750">
-                <a:buFont typeface="Arial" panose="020B0604020202020204" pitchFamily="34" charset="0"/>
-                <a:buChar char="•"/>
-              </a:pPr>
-              <a:endParaRPr kumimoji="1" lang="en-US" altLang="ja-JP" dirty="0"/>
-            </a:p>
-          </p:txBody>
-        </p:sp>
-        <p:sp>
-          <p:nvSpPr>
-            <p:cNvPr id="22" name="四角形: 角を丸くする 21">
-              <a:extLst>
-                <a:ext uri="{FF2B5EF4-FFF2-40B4-BE49-F238E27FC236}">
-                  <a16:creationId xmlns:a16="http://schemas.microsoft.com/office/drawing/2014/main" id="{1788D82B-806B-416D-9A81-8E0269B32405}"/>
-                </a:ext>
-              </a:extLst>
-            </p:cNvPr>
-            <p:cNvSpPr/>
-            <p:nvPr/>
-          </p:nvSpPr>
-          <p:spPr>
-            <a:xfrm>
-              <a:off x="8880415" y="4460688"/>
-              <a:ext cx="2599949" cy="1159544"/>
-            </a:xfrm>
-            <a:prstGeom prst="roundRect">
-              <a:avLst/>
-            </a:prstGeom>
-          </p:spPr>
-          <p:style>
-            <a:lnRef idx="2">
-              <a:schemeClr val="accent3">
-                <a:shade val="50000"/>
-              </a:schemeClr>
-            </a:lnRef>
-            <a:fillRef idx="1">
-              <a:schemeClr val="accent3"/>
-            </a:fillRef>
-            <a:effectRef idx="0">
-              <a:schemeClr val="accent3"/>
-            </a:effectRef>
-            <a:fontRef idx="minor">
-              <a:schemeClr val="lt1"/>
-            </a:fontRef>
-          </p:style>
-          <p:txBody>
-            <a:bodyPr rtlCol="0" anchor="ctr"/>
-            <a:lstStyle/>
-            <a:p>
-              <a:pPr algn="ctr"/>
-              <a:r>
-                <a:rPr lang="ja-JP" altLang="en-US" dirty="0"/>
-                <a:t>データ保存フォルダ</a:t>
-              </a:r>
-              <a:endParaRPr lang="en-US" altLang="ja-JP" dirty="0"/>
-            </a:p>
-          </p:txBody>
-        </p:sp>
-      </p:grpSp>
-      <p:sp>
-        <p:nvSpPr>
-          <p:cNvPr id="25" name="正方形/長方形 24">
-            <a:extLst>
-              <a:ext uri="{FF2B5EF4-FFF2-40B4-BE49-F238E27FC236}">
-                <a16:creationId xmlns:a16="http://schemas.microsoft.com/office/drawing/2014/main" id="{D52DBE5E-357C-44BA-8EB1-4B61BEF4DE22}"/>
-              </a:ext>
-            </a:extLst>
-          </p:cNvPr>
-          <p:cNvSpPr/>
-          <p:nvPr/>
-        </p:nvSpPr>
-        <p:spPr>
-          <a:xfrm>
-            <a:off x="6577263" y="1700463"/>
-            <a:ext cx="1138990" cy="433137"/>
-          </a:xfrm>
-          <a:prstGeom prst="rect">
-            <a:avLst/>
-          </a:prstGeom>
-        </p:spPr>
-        <p:style>
-          <a:lnRef idx="2">
-            <a:schemeClr val="accent6"/>
-          </a:lnRef>
-          <a:fillRef idx="1">
-            <a:schemeClr val="lt1"/>
-          </a:fillRef>
-          <a:effectRef idx="0">
-            <a:schemeClr val="accent6"/>
-          </a:effectRef>
-          <a:fontRef idx="minor">
-            <a:schemeClr val="dk1"/>
-          </a:fontRef>
-        </p:style>
-        <p:txBody>
-          <a:bodyPr rtlCol="0" anchor="ctr"/>
-          <a:lstStyle/>
-          <a:p>
-            <a:pPr algn="ctr"/>
-            <a:r>
-              <a:rPr kumimoji="1" lang="en-US" altLang="ja-JP" sz="2400" dirty="0">
-                <a:latin typeface="Arial Black" panose="020B0A04020102020204" pitchFamily="34" charset="0"/>
-              </a:rPr>
-              <a:t>Flask</a:t>
-            </a:r>
-            <a:endParaRPr kumimoji="1" lang="ja-JP" altLang="en-US" sz="2400" dirty="0">
-              <a:latin typeface="Arial Black" panose="020B0A04020102020204" pitchFamily="34" charset="0"/>
-            </a:endParaRPr>
-          </a:p>
-        </p:txBody>
-      </p:sp>
-      <p:sp>
-        <p:nvSpPr>
-          <p:cNvPr id="27" name="テキスト ボックス 26">
-            <a:extLst>
-              <a:ext uri="{FF2B5EF4-FFF2-40B4-BE49-F238E27FC236}">
-                <a16:creationId xmlns:a16="http://schemas.microsoft.com/office/drawing/2014/main" id="{4BA03AC9-8821-48AC-BA65-0549CDC13148}"/>
-              </a:ext>
-            </a:extLst>
-          </p:cNvPr>
-          <p:cNvSpPr txBox="1"/>
-          <p:nvPr/>
-        </p:nvSpPr>
-        <p:spPr>
-          <a:xfrm>
-            <a:off x="3939840" y="3578097"/>
-            <a:ext cx="1718456" cy="369332"/>
+            <a:off x="8749023" y="4606107"/>
+            <a:ext cx="2256249" cy="1512847"/>
           </a:xfrm>
           <a:prstGeom prst="rect">
             <a:avLst/>
           </a:prstGeom>
           <a:noFill/>
+          <a:extLst>
+            <a:ext uri="{909E8E84-426E-40DD-AFC4-6F175D3DCCD1}">
+              <a14:hiddenFill xmlns:a14="http://schemas.microsoft.com/office/drawing/2010/main">
+                <a:solidFill>
+                  <a:srgbClr val="FFFFFF"/>
+                </a:solidFill>
+              </a14:hiddenFill>
+            </a:ext>
+          </a:extLst>
         </p:spPr>
-        <p:txBody>
-          <a:bodyPr wrap="square" rtlCol="0">
-            <a:spAutoFit/>
-          </a:bodyPr>
-          <a:lstStyle/>
-          <a:p>
-            <a:pPr algn="ctr"/>
-            <a:r>
-              <a:rPr kumimoji="1" lang="ja-JP" altLang="en-US" dirty="0"/>
-              <a:t>サーバ</a:t>
-            </a:r>
-          </a:p>
-        </p:txBody>
-      </p:sp>
+      </p:pic>
     </p:spTree>
     <p:extLst>
       <p:ext uri="{BB962C8B-B14F-4D97-AF65-F5344CB8AC3E}">
@@ -6755,7 +7351,7 @@
           <p:cNvPr id="2" name="タイトル 1">
             <a:extLst>
               <a:ext uri="{FF2B5EF4-FFF2-40B4-BE49-F238E27FC236}">
-                <a16:creationId xmlns:a16="http://schemas.microsoft.com/office/drawing/2014/main" id="{D51E3965-A530-4102-8752-1AA7020ACD8C}"/>
+                <a16:creationId xmlns:a16="http://schemas.microsoft.com/office/drawing/2014/main" id="{561E2F2A-38C3-4B00-B326-851C4881AE03}"/>
               </a:ext>
             </a:extLst>
           </p:cNvPr>
@@ -6768,22 +7364,24 @@
         </p:nvSpPr>
         <p:spPr/>
         <p:txBody>
-          <a:bodyPr/>
-          <a:lstStyle/>
-          <a:p>
-            <a:r>
-              <a:rPr kumimoji="1" lang="ja-JP" altLang="en-US" dirty="0"/>
-              <a:t>単語の予測の例</a:t>
-            </a:r>
-          </a:p>
-        </p:txBody>
-      </p:sp>
-      <p:sp>
-        <p:nvSpPr>
-          <p:cNvPr id="4" name="テキスト ボックス 3">
-            <a:extLst>
-              <a:ext uri="{FF2B5EF4-FFF2-40B4-BE49-F238E27FC236}">
-                <a16:creationId xmlns:a16="http://schemas.microsoft.com/office/drawing/2014/main" id="{8E354F14-52B1-454E-AF25-7900CAB26773}"/>
+          <a:bodyPr>
+            <a:normAutofit/>
+          </a:bodyPr>
+          <a:lstStyle/>
+          <a:p>
+            <a:r>
+              <a:rPr kumimoji="1" lang="ja-JP" altLang="en-US" sz="6600" dirty="0"/>
+              <a:t>学習データの作り方</a:t>
+            </a:r>
+          </a:p>
+        </p:txBody>
+      </p:sp>
+      <p:sp>
+        <p:nvSpPr>
+          <p:cNvPr id="7" name="テキスト ボックス 6">
+            <a:extLst>
+              <a:ext uri="{FF2B5EF4-FFF2-40B4-BE49-F238E27FC236}">
+                <a16:creationId xmlns:a16="http://schemas.microsoft.com/office/drawing/2014/main" id="{80684AC9-3C35-4A89-989F-ADE63A16DA23}"/>
               </a:ext>
             </a:extLst>
           </p:cNvPr>
@@ -6792,8 +7390,8 @@
         </p:nvSpPr>
         <p:spPr>
           <a:xfrm>
-            <a:off x="838200" y="1480457"/>
-            <a:ext cx="7892143" cy="2308324"/>
+            <a:off x="1066800" y="1460500"/>
+            <a:ext cx="7175500" cy="4832092"/>
           </a:xfrm>
           <a:prstGeom prst="rect">
             <a:avLst/>
@@ -6807,32 +7405,44 @@
           <a:lstStyle/>
           <a:p>
             <a:r>
-              <a:rPr kumimoji="1" lang="en-US" altLang="ja-JP" sz="2400" dirty="0"/>
-              <a:t>ABCDEFG</a:t>
-            </a:r>
-            <a:br>
-              <a:rPr lang="en-US" altLang="ja-JP" sz="2400" dirty="0"/>
-            </a:br>
-            <a:br>
-              <a:rPr lang="en-US" altLang="ja-JP" sz="2400" dirty="0"/>
-            </a:br>
-            <a:br>
-              <a:rPr lang="en-US" altLang="ja-JP" sz="2400" dirty="0"/>
-            </a:br>
-            <a:br>
-              <a:rPr lang="en-US" altLang="ja-JP" sz="2400" dirty="0"/>
-            </a:br>
-            <a:br>
-              <a:rPr lang="en-US" altLang="ja-JP" sz="2400" dirty="0"/>
-            </a:br>
-            <a:endParaRPr kumimoji="1" lang="en-US" altLang="ja-JP" sz="2400" dirty="0"/>
+              <a:rPr kumimoji="1" lang="ja-JP" altLang="en-US" sz="4400" dirty="0"/>
+              <a:t>音の種類ラベルづくり</a:t>
+            </a:r>
+            <a:endParaRPr kumimoji="1" lang="en-US" altLang="ja-JP" sz="4400" dirty="0"/>
+          </a:p>
+          <a:p>
+            <a:endParaRPr kumimoji="1" lang="en-US" altLang="ja-JP" sz="4400" dirty="0"/>
+          </a:p>
+          <a:p>
+            <a:r>
+              <a:rPr lang="ja-JP" altLang="en-US" sz="4400" dirty="0"/>
+              <a:t>出てくる音を</a:t>
+            </a:r>
+            <a:endParaRPr lang="en-US" altLang="ja-JP" sz="4400" dirty="0"/>
+          </a:p>
+          <a:p>
+            <a:r>
+              <a:rPr lang="ja-JP" altLang="en-US" sz="4400" dirty="0"/>
+              <a:t>一定の長さに区切って</a:t>
+            </a:r>
+            <a:endParaRPr lang="en-US" altLang="ja-JP" sz="4400" dirty="0"/>
+          </a:p>
+          <a:p>
+            <a:r>
+              <a:rPr lang="ja-JP" altLang="en-US" sz="4400" dirty="0"/>
+              <a:t>学習データと正解データを作る</a:t>
+            </a:r>
+            <a:endParaRPr kumimoji="1" lang="en-US" altLang="ja-JP" sz="4400" dirty="0"/>
+          </a:p>
+          <a:p>
+            <a:endParaRPr lang="en-US" altLang="ja-JP" sz="4400" dirty="0"/>
           </a:p>
         </p:txBody>
       </p:sp>
     </p:spTree>
     <p:extLst>
       <p:ext uri="{BB962C8B-B14F-4D97-AF65-F5344CB8AC3E}">
-        <p14:creationId xmlns:p14="http://schemas.microsoft.com/office/powerpoint/2010/main" val="1295552973"/>
+        <p14:creationId xmlns:p14="http://schemas.microsoft.com/office/powerpoint/2010/main" val="3100620085"/>
       </p:ext>
     </p:extLst>
   </p:cSld>
@@ -6885,7 +7495,7 @@
         </p:nvSpPr>
         <p:spPr>
           <a:xfrm>
-            <a:off x="522514" y="1383767"/>
+            <a:off x="478971" y="1383768"/>
             <a:ext cx="7779657" cy="5245631"/>
           </a:xfrm>
           <a:prstGeom prst="rect">
@@ -6933,30 +7543,30 @@
         </p:nvSpPr>
         <p:spPr>
           <a:xfrm>
-            <a:off x="838200" y="275772"/>
-            <a:ext cx="7173686" cy="1107996"/>
+            <a:off x="250371" y="228601"/>
+            <a:ext cx="9111343" cy="1107996"/>
           </a:xfrm>
         </p:spPr>
         <p:txBody>
           <a:bodyPr>
-            <a:normAutofit fontScale="90000"/>
+            <a:noAutofit/>
           </a:bodyPr>
           <a:lstStyle/>
           <a:p>
             <a:r>
-              <a:rPr lang="ja-JP" altLang="en-US" dirty="0"/>
+              <a:rPr lang="ja-JP" altLang="en-US" sz="5400" dirty="0"/>
               <a:t>これを音の予測に対応すると</a:t>
             </a:r>
-            <a:endParaRPr kumimoji="1" lang="ja-JP" altLang="en-US" dirty="0"/>
-          </a:p>
-        </p:txBody>
-      </p:sp>
-      <p:sp>
-        <p:nvSpPr>
-          <p:cNvPr id="18" name="テキスト ボックス 17">
-            <a:extLst>
-              <a:ext uri="{FF2B5EF4-FFF2-40B4-BE49-F238E27FC236}">
-                <a16:creationId xmlns:a16="http://schemas.microsoft.com/office/drawing/2014/main" id="{CC8FA410-669E-457C-BA09-A97DA2A5D5A4}"/>
+            <a:endParaRPr kumimoji="1" lang="ja-JP" altLang="en-US" sz="5400" dirty="0"/>
+          </a:p>
+        </p:txBody>
+      </p:sp>
+      <p:sp>
+        <p:nvSpPr>
+          <p:cNvPr id="28" name="テキスト ボックス 27">
+            <a:extLst>
+              <a:ext uri="{FF2B5EF4-FFF2-40B4-BE49-F238E27FC236}">
+                <a16:creationId xmlns:a16="http://schemas.microsoft.com/office/drawing/2014/main" id="{EC601037-F89D-4003-AC3A-FDE20FFDDA37}"/>
               </a:ext>
             </a:extLst>
           </p:cNvPr>
@@ -6965,124 +7575,8 @@
         </p:nvSpPr>
         <p:spPr>
           <a:xfrm>
-            <a:off x="934932" y="4906786"/>
-            <a:ext cx="7918782" cy="1015663"/>
-          </a:xfrm>
-          <a:prstGeom prst="rect">
-            <a:avLst/>
-          </a:prstGeom>
-          <a:noFill/>
-        </p:spPr>
-        <p:txBody>
-          <a:bodyPr wrap="square" rtlCol="0">
-            <a:spAutoFit/>
-          </a:bodyPr>
-          <a:lstStyle/>
-          <a:p>
-            <a:r>
-              <a:rPr lang="ja-JP" altLang="en-US" sz="6000" dirty="0">
-                <a:ln>
-                  <a:solidFill>
-                    <a:srgbClr val="002060"/>
-                  </a:solidFill>
-                </a:ln>
-                <a:solidFill>
-                  <a:srgbClr val="FF0000"/>
-                </a:solidFill>
-              </a:rPr>
-              <a:t>ドレミフ</a:t>
-            </a:r>
-            <a:r>
-              <a:rPr lang="ja-JP" altLang="en-US" sz="3600" dirty="0">
-                <a:ln>
-                  <a:solidFill>
-                    <a:srgbClr val="002060"/>
-                  </a:solidFill>
-                </a:ln>
-                <a:solidFill>
-                  <a:srgbClr val="FF0000"/>
-                </a:solidFill>
-              </a:rPr>
-              <a:t>ァ</a:t>
-            </a:r>
-            <a:r>
-              <a:rPr lang="ja-JP" altLang="en-US" sz="6000" dirty="0">
-                <a:ln>
-                  <a:solidFill>
-                    <a:srgbClr val="002060"/>
-                  </a:solidFill>
-                </a:ln>
-                <a:solidFill>
-                  <a:srgbClr val="00FF00"/>
-                </a:solidFill>
-              </a:rPr>
-              <a:t>ソ</a:t>
-            </a:r>
-            <a:r>
-              <a:rPr lang="ja-JP" altLang="en-US" sz="6000" dirty="0">
-                <a:ln>
-                  <a:solidFill>
-                    <a:srgbClr val="002060"/>
-                  </a:solidFill>
-                </a:ln>
-                <a:solidFill>
-                  <a:srgbClr val="0070C0"/>
-                </a:solidFill>
-              </a:rPr>
-              <a:t>ラ</a:t>
-            </a:r>
-            <a:r>
-              <a:rPr lang="ja-JP" altLang="en-US" sz="6000" dirty="0">
-                <a:ln>
-                  <a:solidFill>
-                    <a:srgbClr val="002060"/>
-                  </a:solidFill>
-                </a:ln>
-                <a:solidFill>
-                  <a:srgbClr val="00FF00"/>
-                </a:solidFill>
-              </a:rPr>
-              <a:t>シ</a:t>
-            </a:r>
-            <a:r>
-              <a:rPr lang="ja-JP" altLang="en-US" sz="6000" dirty="0">
-                <a:ln>
-                  <a:solidFill>
-                    <a:srgbClr val="002060"/>
-                  </a:solidFill>
-                </a:ln>
-                <a:solidFill>
-                  <a:srgbClr val="0070C0"/>
-                </a:solidFill>
-              </a:rPr>
-              <a:t>ド</a:t>
-            </a:r>
-            <a:endParaRPr kumimoji="1" lang="ja-JP" altLang="en-US" sz="6000" dirty="0">
-              <a:ln>
-                <a:solidFill>
-                  <a:srgbClr val="002060"/>
-                </a:solidFill>
-              </a:ln>
-            </a:endParaRPr>
-          </a:p>
-        </p:txBody>
-      </p:sp>
-      <p:sp>
-        <p:nvSpPr>
-          <p:cNvPr id="28" name="テキスト ボックス 27">
-            <a:extLst>
-              <a:ext uri="{FF2B5EF4-FFF2-40B4-BE49-F238E27FC236}">
-                <a16:creationId xmlns:a16="http://schemas.microsoft.com/office/drawing/2014/main" id="{EC601037-F89D-4003-AC3A-FDE20FFDDA37}"/>
-              </a:ext>
-            </a:extLst>
-          </p:cNvPr>
-          <p:cNvSpPr txBox="1"/>
-          <p:nvPr/>
-        </p:nvSpPr>
-        <p:spPr>
-          <a:xfrm>
-            <a:off x="936436" y="1571802"/>
-            <a:ext cx="4122058" cy="400110"/>
+            <a:off x="1219465" y="1606008"/>
+            <a:ext cx="4122058" cy="584775"/>
           </a:xfrm>
           <a:prstGeom prst="rect">
             <a:avLst/>
@@ -7098,185 +7592,29 @@
           <a:lstStyle/>
           <a:p>
             <a:r>
-              <a:rPr lang="ja-JP" altLang="en-US" sz="2000" dirty="0"/>
+              <a:rPr lang="ja-JP" altLang="en-US" sz="3200" dirty="0"/>
               <a:t>ユーザーが入力</a:t>
             </a:r>
-            <a:endParaRPr kumimoji="1" lang="ja-JP" altLang="en-US" sz="2000" dirty="0"/>
-          </a:p>
-        </p:txBody>
-      </p:sp>
-      <p:cxnSp>
-        <p:nvCxnSpPr>
-          <p:cNvPr id="48" name="直線矢印コネクタ 47">
-            <a:extLst>
-              <a:ext uri="{FF2B5EF4-FFF2-40B4-BE49-F238E27FC236}">
-                <a16:creationId xmlns:a16="http://schemas.microsoft.com/office/drawing/2014/main" id="{7FE5E33B-D256-4187-BD83-2B5063E2CA9A}"/>
-              </a:ext>
-            </a:extLst>
-          </p:cNvPr>
-          <p:cNvCxnSpPr/>
+            <a:endParaRPr kumimoji="1" lang="ja-JP" altLang="en-US" sz="3200" dirty="0"/>
+          </a:p>
+        </p:txBody>
+      </p:sp>
+      <p:sp>
+        <p:nvSpPr>
+          <p:cNvPr id="53" name="テキスト ボックス 52">
+            <a:extLst>
+              <a:ext uri="{FF2B5EF4-FFF2-40B4-BE49-F238E27FC236}">
+                <a16:creationId xmlns:a16="http://schemas.microsoft.com/office/drawing/2014/main" id="{3C93B009-FBD3-4B4D-80C4-2DA7D46C4F8F}"/>
+              </a:ext>
+            </a:extLst>
+          </p:cNvPr>
+          <p:cNvSpPr txBox="1"/>
           <p:nvPr/>
-        </p:nvCxnSpPr>
+        </p:nvSpPr>
         <p:spPr>
           <a:xfrm>
-            <a:off x="2075543" y="3178552"/>
-            <a:ext cx="2598057" cy="1728234"/>
-          </a:xfrm>
-          <a:prstGeom prst="straightConnector1">
-            <a:avLst/>
-          </a:prstGeom>
-          <a:ln>
-            <a:tailEnd type="triangle"/>
-          </a:ln>
-        </p:spPr>
-        <p:style>
-          <a:lnRef idx="1">
-            <a:schemeClr val="accent1"/>
-          </a:lnRef>
-          <a:fillRef idx="0">
-            <a:schemeClr val="accent1"/>
-          </a:fillRef>
-          <a:effectRef idx="0">
-            <a:schemeClr val="accent1"/>
-          </a:effectRef>
-          <a:fontRef idx="minor">
-            <a:schemeClr val="tx1"/>
-          </a:fontRef>
-        </p:style>
-      </p:cxnSp>
-      <p:cxnSp>
-        <p:nvCxnSpPr>
-          <p:cNvPr id="49" name="直線矢印コネクタ 48">
-            <a:extLst>
-              <a:ext uri="{FF2B5EF4-FFF2-40B4-BE49-F238E27FC236}">
-                <a16:creationId xmlns:a16="http://schemas.microsoft.com/office/drawing/2014/main" id="{106416EF-41E2-40EC-B12F-39F71A5FBDF8}"/>
-              </a:ext>
-            </a:extLst>
-          </p:cNvPr>
-          <p:cNvCxnSpPr/>
-          <p:nvPr/>
-        </p:nvCxnSpPr>
-        <p:spPr>
-          <a:xfrm>
-            <a:off x="2685143" y="3178552"/>
-            <a:ext cx="2873828" cy="1728234"/>
-          </a:xfrm>
-          <a:prstGeom prst="straightConnector1">
-            <a:avLst/>
-          </a:prstGeom>
-          <a:ln>
-            <a:tailEnd type="triangle"/>
-          </a:ln>
-        </p:spPr>
-        <p:style>
-          <a:lnRef idx="1">
-            <a:schemeClr val="accent1"/>
-          </a:lnRef>
-          <a:fillRef idx="0">
-            <a:schemeClr val="accent1"/>
-          </a:fillRef>
-          <a:effectRef idx="0">
-            <a:schemeClr val="accent1"/>
-          </a:effectRef>
-          <a:fontRef idx="minor">
-            <a:schemeClr val="tx1"/>
-          </a:fontRef>
-        </p:style>
-      </p:cxnSp>
-      <p:cxnSp>
-        <p:nvCxnSpPr>
-          <p:cNvPr id="50" name="直線矢印コネクタ 49">
-            <a:extLst>
-              <a:ext uri="{FF2B5EF4-FFF2-40B4-BE49-F238E27FC236}">
-                <a16:creationId xmlns:a16="http://schemas.microsoft.com/office/drawing/2014/main" id="{BBCE7B88-CF22-42BF-8EC4-FEBF3BF14EAD}"/>
-              </a:ext>
-            </a:extLst>
-          </p:cNvPr>
-          <p:cNvCxnSpPr/>
-          <p:nvPr/>
-        </p:nvCxnSpPr>
-        <p:spPr>
-          <a:xfrm>
-            <a:off x="3427761" y="3178552"/>
-            <a:ext cx="3023839" cy="1762913"/>
-          </a:xfrm>
-          <a:prstGeom prst="straightConnector1">
-            <a:avLst/>
-          </a:prstGeom>
-          <a:ln>
-            <a:tailEnd type="triangle"/>
-          </a:ln>
-        </p:spPr>
-        <p:style>
-          <a:lnRef idx="1">
-            <a:schemeClr val="accent1"/>
-          </a:lnRef>
-          <a:fillRef idx="0">
-            <a:schemeClr val="accent1"/>
-          </a:fillRef>
-          <a:effectRef idx="0">
-            <a:schemeClr val="accent1"/>
-          </a:effectRef>
-          <a:fontRef idx="minor">
-            <a:schemeClr val="tx1"/>
-          </a:fontRef>
-        </p:style>
-      </p:cxnSp>
-      <p:cxnSp>
-        <p:nvCxnSpPr>
-          <p:cNvPr id="51" name="直線矢印コネクタ 50">
-            <a:extLst>
-              <a:ext uri="{FF2B5EF4-FFF2-40B4-BE49-F238E27FC236}">
-                <a16:creationId xmlns:a16="http://schemas.microsoft.com/office/drawing/2014/main" id="{07165D00-F7A2-4608-9735-FE26483E225C}"/>
-              </a:ext>
-            </a:extLst>
-          </p:cNvPr>
-          <p:cNvCxnSpPr/>
-          <p:nvPr/>
-        </p:nvCxnSpPr>
-        <p:spPr>
-          <a:xfrm>
-            <a:off x="4230914" y="3093201"/>
-            <a:ext cx="2780725" cy="1778906"/>
-          </a:xfrm>
-          <a:prstGeom prst="straightConnector1">
-            <a:avLst/>
-          </a:prstGeom>
-          <a:ln>
-            <a:tailEnd type="triangle"/>
-          </a:ln>
-        </p:spPr>
-        <p:style>
-          <a:lnRef idx="1">
-            <a:schemeClr val="accent1"/>
-          </a:lnRef>
-          <a:fillRef idx="0">
-            <a:schemeClr val="accent1"/>
-          </a:fillRef>
-          <a:effectRef idx="0">
-            <a:schemeClr val="accent1"/>
-          </a:effectRef>
-          <a:fontRef idx="minor">
-            <a:schemeClr val="tx1"/>
-          </a:fontRef>
-        </p:style>
-      </p:cxnSp>
-      <p:sp>
-        <p:nvSpPr>
-          <p:cNvPr id="53" name="テキスト ボックス 52">
-            <a:extLst>
-              <a:ext uri="{FF2B5EF4-FFF2-40B4-BE49-F238E27FC236}">
-                <a16:creationId xmlns:a16="http://schemas.microsoft.com/office/drawing/2014/main" id="{3C93B009-FBD3-4B4D-80C4-2DA7D46C4F8F}"/>
-              </a:ext>
-            </a:extLst>
-          </p:cNvPr>
-          <p:cNvSpPr txBox="1"/>
-          <p:nvPr/>
-        </p:nvSpPr>
-        <p:spPr>
-          <a:xfrm>
-            <a:off x="934932" y="4484914"/>
-            <a:ext cx="1932790" cy="461665"/>
+            <a:off x="934931" y="4484914"/>
+            <a:ext cx="2613811" cy="584775"/>
           </a:xfrm>
           <a:prstGeom prst="rect">
             <a:avLst/>
@@ -7293,14 +7631,14 @@
           <a:p>
             <a:pPr lvl="1"/>
             <a:r>
-              <a:rPr lang="en-US" altLang="ja-JP" sz="2400" dirty="0"/>
+              <a:rPr lang="en-US" altLang="ja-JP" sz="3200" dirty="0"/>
               <a:t>AI</a:t>
             </a:r>
             <a:r>
-              <a:rPr lang="ja-JP" altLang="en-US" sz="2400" dirty="0"/>
+              <a:rPr lang="ja-JP" altLang="en-US" sz="3200" dirty="0"/>
               <a:t>が予測</a:t>
             </a:r>
-            <a:endParaRPr kumimoji="1" lang="ja-JP" altLang="en-US" sz="2400" dirty="0"/>
+            <a:endParaRPr kumimoji="1" lang="ja-JP" altLang="en-US" sz="3200" dirty="0"/>
           </a:p>
         </p:txBody>
       </p:sp>
@@ -7318,8 +7656,8 @@
         </p:nvSpPr>
         <p:spPr>
           <a:xfrm>
-            <a:off x="522514" y="2386251"/>
-            <a:ext cx="5457372" cy="923330"/>
+            <a:off x="398784" y="2368843"/>
+            <a:ext cx="7859844" cy="1015663"/>
           </a:xfrm>
           <a:prstGeom prst="rect">
             <a:avLst/>
@@ -7334,7 +7672,7 @@
           <a:p>
             <a:pPr algn="ctr"/>
             <a:r>
-              <a:rPr lang="ja-JP" altLang="en-US" sz="5400" b="1" cap="none" spc="0" dirty="0">
+              <a:rPr lang="ja-JP" altLang="en-US" sz="6000" b="1" dirty="0">
                 <a:ln w="6600">
                   <a:solidFill>
                     <a:schemeClr val="accent2"/>
@@ -7350,7 +7688,78 @@
                   </a:outerShdw>
                 </a:effectLst>
               </a:rPr>
-              <a:t>ドレミファ</a:t>
+              <a:t>ドレミファソラシド</a:t>
+            </a:r>
+            <a:endParaRPr lang="ja-JP" altLang="en-US" sz="6000" b="1" cap="none" spc="0" dirty="0">
+              <a:ln w="6600">
+                <a:solidFill>
+                  <a:schemeClr val="accent2"/>
+                </a:solidFill>
+                <a:prstDash val="solid"/>
+              </a:ln>
+              <a:solidFill>
+                <a:srgbClr val="FFFFFF"/>
+              </a:solidFill>
+              <a:effectLst>
+                <a:outerShdw dist="38100" dir="2700000" algn="tl" rotWithShape="0">
+                  <a:schemeClr val="accent2"/>
+                </a:outerShdw>
+              </a:effectLst>
+            </a:endParaRPr>
+          </a:p>
+        </p:txBody>
+      </p:sp>
+      <p:sp>
+        <p:nvSpPr>
+          <p:cNvPr id="30" name="正方形/長方形 29">
+            <a:extLst>
+              <a:ext uri="{FF2B5EF4-FFF2-40B4-BE49-F238E27FC236}">
+                <a16:creationId xmlns:a16="http://schemas.microsoft.com/office/drawing/2014/main" id="{FD67B9DA-CBBD-4250-B071-9D24B668CFBE}"/>
+              </a:ext>
+            </a:extLst>
+          </p:cNvPr>
+          <p:cNvSpPr/>
+          <p:nvPr/>
+        </p:nvSpPr>
+        <p:spPr>
+          <a:xfrm>
+            <a:off x="398783" y="5215990"/>
+            <a:ext cx="7606763" cy="1015663"/>
+          </a:xfrm>
+          <a:prstGeom prst="rect">
+            <a:avLst/>
+          </a:prstGeom>
+          <a:noFill/>
+        </p:spPr>
+        <p:txBody>
+          <a:bodyPr wrap="square" lIns="91440" tIns="45720" rIns="91440" bIns="45720">
+            <a:spAutoFit/>
+          </a:bodyPr>
+          <a:lstStyle/>
+          <a:p>
+            <a:pPr algn="ctr"/>
+            <a:r>
+              <a:rPr lang="ja-JP" altLang="en-US" sz="6000" b="1" cap="none" spc="50" dirty="0">
+                <a:ln w="9525" cmpd="sng">
+                  <a:solidFill>
+                    <a:schemeClr val="accent1"/>
+                  </a:solidFill>
+                  <a:prstDash val="solid"/>
+                </a:ln>
+                <a:solidFill>
+                  <a:srgbClr val="70AD47">
+                    <a:tint val="1000"/>
+                  </a:srgbClr>
+                </a:solidFill>
+                <a:effectLst>
+                  <a:glow rad="38100">
+                    <a:schemeClr val="accent1">
+                      <a:alpha val="40000"/>
+                    </a:schemeClr>
+                  </a:glow>
+                </a:effectLst>
+              </a:rPr>
+              <a:t>ドシラソファミレド</a:t>
             </a:r>
           </a:p>
         </p:txBody>
@@ -7402,6 +7811,186 @@
           <p:cNvPr id="2" name="タイトル 1">
             <a:extLst>
               <a:ext uri="{FF2B5EF4-FFF2-40B4-BE49-F238E27FC236}">
+                <a16:creationId xmlns:a16="http://schemas.microsoft.com/office/drawing/2014/main" id="{D51E3965-A530-4102-8752-1AA7020ACD8C}"/>
+              </a:ext>
+            </a:extLst>
+          </p:cNvPr>
+          <p:cNvSpPr>
+            <a:spLocks noGrp="1"/>
+          </p:cNvSpPr>
+          <p:nvPr>
+            <p:ph type="title"/>
+          </p:nvPr>
+        </p:nvSpPr>
+        <p:spPr/>
+        <p:txBody>
+          <a:bodyPr/>
+          <a:lstStyle/>
+          <a:p>
+            <a:r>
+              <a:rPr kumimoji="1" lang="ja-JP" altLang="en-US" dirty="0"/>
+              <a:t>単語の予測の例</a:t>
+            </a:r>
+          </a:p>
+        </p:txBody>
+      </p:sp>
+      <p:sp>
+        <p:nvSpPr>
+          <p:cNvPr id="4" name="テキスト ボックス 3">
+            <a:extLst>
+              <a:ext uri="{FF2B5EF4-FFF2-40B4-BE49-F238E27FC236}">
+                <a16:creationId xmlns:a16="http://schemas.microsoft.com/office/drawing/2014/main" id="{8E354F14-52B1-454E-AF25-7900CAB26773}"/>
+              </a:ext>
+            </a:extLst>
+          </p:cNvPr>
+          <p:cNvSpPr txBox="1"/>
+          <p:nvPr/>
+        </p:nvSpPr>
+        <p:spPr>
+          <a:xfrm>
+            <a:off x="838201" y="1480457"/>
+            <a:ext cx="5678714" cy="3416320"/>
+          </a:xfrm>
+          <a:prstGeom prst="rect">
+            <a:avLst/>
+          </a:prstGeom>
+          <a:noFill/>
+        </p:spPr>
+        <p:txBody>
+          <a:bodyPr wrap="square" rtlCol="0">
+            <a:spAutoFit/>
+          </a:bodyPr>
+          <a:lstStyle/>
+          <a:p>
+            <a:r>
+              <a:rPr lang="en-US" altLang="ja-JP" sz="4000" dirty="0"/>
+              <a:t>[</a:t>
+            </a:r>
+            <a:r>
+              <a:rPr lang="en-US" altLang="ja-JP" sz="3200" b="1" dirty="0"/>
+              <a:t>I have a Dream </a:t>
+            </a:r>
+            <a:r>
+              <a:rPr lang="en-US" altLang="ja-JP" sz="3200" dirty="0"/>
+              <a:t>.]</a:t>
+            </a:r>
+          </a:p>
+          <a:p>
+            <a:r>
+              <a:rPr lang="en-US" altLang="ja-JP" sz="3200" dirty="0"/>
+              <a:t>[</a:t>
+            </a:r>
+            <a:r>
+              <a:rPr lang="en-US" altLang="ja-JP" sz="2800" b="1" dirty="0"/>
+              <a:t>Every day is a new day</a:t>
+            </a:r>
+            <a:r>
+              <a:rPr lang="en-US" altLang="ja-JP" sz="2800" dirty="0"/>
+              <a:t> </a:t>
+            </a:r>
+            <a:r>
+              <a:rPr lang="en-US" altLang="ja-JP" sz="3200" dirty="0"/>
+              <a:t>.]</a:t>
+            </a:r>
+          </a:p>
+          <a:p>
+            <a:br>
+              <a:rPr lang="en-US" altLang="ja-JP" sz="2400" dirty="0"/>
+            </a:br>
+            <a:r>
+              <a:rPr lang="en-US" altLang="ja-JP" sz="2400" dirty="0"/>
+              <a:t>[a → Dream </a:t>
+            </a:r>
+            <a:r>
+              <a:rPr lang="ja-JP" altLang="en-US" sz="2400" dirty="0"/>
+              <a:t>か</a:t>
+            </a:r>
+            <a:r>
+              <a:rPr lang="en-US" altLang="ja-JP" sz="2400" dirty="0"/>
+              <a:t>,  new day]</a:t>
+            </a:r>
+          </a:p>
+          <a:p>
+            <a:endParaRPr lang="en-US" altLang="ja-JP" sz="2400" dirty="0"/>
+          </a:p>
+          <a:p>
+            <a:r>
+              <a:rPr lang="ja-JP" altLang="en-US" sz="2400" dirty="0"/>
+              <a:t>前の入力を現在の入力に加えることで</a:t>
+            </a:r>
+          </a:p>
+          <a:p>
+            <a:r>
+              <a:rPr lang="en-US" altLang="ja-JP" sz="2400" b="1" dirty="0"/>
+              <a:t>‘I' , ‘have' , ‘a' </a:t>
+            </a:r>
+            <a:r>
+              <a:rPr lang="en-US" altLang="ja-JP" sz="2400" dirty="0"/>
+              <a:t>→ ‘</a:t>
+            </a:r>
+            <a:r>
+              <a:rPr lang="en-US" altLang="ja-JP" sz="2400" b="1" dirty="0"/>
+              <a:t>Dream</a:t>
+            </a:r>
+            <a:r>
+              <a:rPr lang="en-US" altLang="ja-JP" sz="2400" dirty="0"/>
+              <a:t>' </a:t>
+            </a:r>
+            <a:r>
+              <a:rPr lang="ja-JP" altLang="en-US" sz="2400" dirty="0"/>
+              <a:t>と予測できる</a:t>
+            </a:r>
+            <a:endParaRPr kumimoji="1" lang="en-US" altLang="ja-JP" sz="2400" dirty="0"/>
+          </a:p>
+        </p:txBody>
+      </p:sp>
+    </p:spTree>
+    <p:extLst>
+      <p:ext uri="{BB962C8B-B14F-4D97-AF65-F5344CB8AC3E}">
+        <p14:creationId xmlns:p14="http://schemas.microsoft.com/office/powerpoint/2010/main" val="1295552973"/>
+      </p:ext>
+    </p:extLst>
+  </p:cSld>
+  <p:clrMapOvr>
+    <a:masterClrMapping/>
+  </p:clrMapOvr>
+  <mc:AlternateContent xmlns:mc="http://schemas.openxmlformats.org/markup-compatibility/2006" xmlns:p14="http://schemas.microsoft.com/office/powerpoint/2010/main">
+    <mc:Choice Requires="p14">
+      <p:transition spd="slow" p14:dur="800">
+        <p:circle/>
+      </p:transition>
+    </mc:Choice>
+    <mc:Fallback xmlns="">
+      <p:transition spd="slow">
+        <p:circle/>
+      </p:transition>
+    </mc:Fallback>
+  </mc:AlternateContent>
+</p:sld>
+</file>
+
+<file path=ppt/slides/slide9.xml><?xml version="1.0" encoding="utf-8"?>
+<p:sld xmlns:a="http://schemas.openxmlformats.org/drawingml/2006/main" xmlns:r="http://schemas.openxmlformats.org/officeDocument/2006/relationships" xmlns:p="http://schemas.openxmlformats.org/presentationml/2006/main">
+  <p:cSld>
+    <p:spTree>
+      <p:nvGrpSpPr>
+        <p:cNvPr id="1" name=""/>
+        <p:cNvGrpSpPr/>
+        <p:nvPr/>
+      </p:nvGrpSpPr>
+      <p:grpSpPr>
+        <a:xfrm>
+          <a:off x="0" y="0"/>
+          <a:ext cx="0" cy="0"/>
+          <a:chOff x="0" y="0"/>
+          <a:chExt cx="0" cy="0"/>
+        </a:xfrm>
+      </p:grpSpPr>
+      <p:sp>
+        <p:nvSpPr>
+          <p:cNvPr id="2" name="タイトル 1">
+            <a:extLst>
+              <a:ext uri="{FF2B5EF4-FFF2-40B4-BE49-F238E27FC236}">
                 <a16:creationId xmlns:a16="http://schemas.microsoft.com/office/drawing/2014/main" id="{3C38C6E0-D8E5-4DEB-AC30-7CA3744F23AE}"/>
               </a:ext>
             </a:extLst>
@@ -7415,18 +8004,20 @@
         </p:nvSpPr>
         <p:spPr/>
         <p:txBody>
-          <a:bodyPr/>
-          <a:lstStyle/>
-          <a:p>
-            <a:r>
-              <a:rPr kumimoji="1" lang="ja-JP" altLang="en-US" dirty="0"/>
+          <a:bodyPr>
+            <a:noAutofit/>
+          </a:bodyPr>
+          <a:lstStyle/>
+          <a:p>
+            <a:r>
+              <a:rPr kumimoji="1" lang="ja-JP" altLang="en-US" sz="6000" dirty="0"/>
               <a:t>実際に学習させたもの</a:t>
             </a:r>
             <a:r>
-              <a:rPr kumimoji="1" lang="en-US" altLang="ja-JP" dirty="0"/>
+              <a:rPr kumimoji="1" lang="en-US" altLang="ja-JP" sz="6000" dirty="0"/>
               <a:t>1</a:t>
             </a:r>
-            <a:endParaRPr kumimoji="1" lang="ja-JP" altLang="en-US" dirty="0"/>
+            <a:endParaRPr kumimoji="1" lang="ja-JP" altLang="en-US" sz="6000" dirty="0"/>
           </a:p>
         </p:txBody>
       </p:sp>
@@ -7460,8 +8051,8 @@
         </p:blipFill>
         <p:spPr>
           <a:xfrm>
-            <a:off x="838200" y="3824288"/>
-            <a:ext cx="3233057" cy="1575026"/>
+            <a:off x="838201" y="3824288"/>
+            <a:ext cx="2140974" cy="1575026"/>
           </a:xfrm>
           <a:prstGeom prst="rect">
             <a:avLst/>
@@ -7482,7 +8073,7 @@
         </p:nvSpPr>
         <p:spPr>
           <a:xfrm>
-            <a:off x="838200" y="1458686"/>
+            <a:off x="838200" y="1752600"/>
             <a:ext cx="5638800" cy="1754326"/>
           </a:xfrm>
           <a:prstGeom prst="rect">
@@ -7634,85 +8225,10 @@
 </p:sld>
 </file>
 
-<file path=ppt/slides/slide9.xml><?xml version="1.0" encoding="utf-8"?>
-<p:sld xmlns:a="http://schemas.openxmlformats.org/drawingml/2006/main" xmlns:r="http://schemas.openxmlformats.org/officeDocument/2006/relationships" xmlns:p="http://schemas.openxmlformats.org/presentationml/2006/main">
-  <p:cSld>
-    <p:spTree>
-      <p:nvGrpSpPr>
-        <p:cNvPr id="1" name=""/>
-        <p:cNvGrpSpPr/>
-        <p:nvPr/>
-      </p:nvGrpSpPr>
-      <p:grpSpPr>
-        <a:xfrm>
-          <a:off x="0" y="0"/>
-          <a:ext cx="0" cy="0"/>
-          <a:chOff x="0" y="0"/>
-          <a:chExt cx="0" cy="0"/>
-        </a:xfrm>
-      </p:grpSpPr>
-      <p:sp>
-        <p:nvSpPr>
-          <p:cNvPr id="2" name="タイトル 1">
-            <a:extLst>
-              <a:ext uri="{FF2B5EF4-FFF2-40B4-BE49-F238E27FC236}">
-                <a16:creationId xmlns:a16="http://schemas.microsoft.com/office/drawing/2014/main" id="{18F0CC66-E5ED-4F1F-9896-8EB2C725114E}"/>
-              </a:ext>
-            </a:extLst>
-          </p:cNvPr>
-          <p:cNvSpPr>
-            <a:spLocks noGrp="1"/>
-          </p:cNvSpPr>
-          <p:nvPr>
-            <p:ph type="title"/>
-          </p:nvPr>
-        </p:nvSpPr>
-        <p:spPr/>
-        <p:txBody>
-          <a:bodyPr/>
-          <a:lstStyle/>
-          <a:p>
-            <a:r>
-              <a:rPr kumimoji="1" lang="ja-JP" altLang="en-US" dirty="0"/>
-              <a:t>実際に学習させたもの</a:t>
-            </a:r>
-            <a:r>
-              <a:rPr kumimoji="1" lang="en-US" altLang="ja-JP" dirty="0"/>
-              <a:t>2</a:t>
-            </a:r>
-            <a:endParaRPr kumimoji="1" lang="ja-JP" altLang="en-US" dirty="0"/>
-          </a:p>
-        </p:txBody>
-      </p:sp>
-    </p:spTree>
-    <p:extLst>
-      <p:ext uri="{BB962C8B-B14F-4D97-AF65-F5344CB8AC3E}">
-        <p14:creationId xmlns:p14="http://schemas.microsoft.com/office/powerpoint/2010/main" val="3285759774"/>
-      </p:ext>
-    </p:extLst>
-  </p:cSld>
-  <p:clrMapOvr>
-    <a:masterClrMapping/>
-  </p:clrMapOvr>
-  <mc:AlternateContent xmlns:mc="http://schemas.openxmlformats.org/markup-compatibility/2006" xmlns:p14="http://schemas.microsoft.com/office/powerpoint/2010/main">
-    <mc:Choice Requires="p14">
-      <p:transition spd="slow" p14:dur="800">
-        <p:circle/>
-      </p:transition>
-    </mc:Choice>
-    <mc:Fallback xmlns="">
-      <p:transition spd="slow">
-        <p:circle/>
-      </p:transition>
-    </mc:Fallback>
-  </mc:AlternateContent>
-</p:sld>
-</file>
-
 <file path=ppt/theme/theme1.xml><?xml version="1.0" encoding="utf-8"?>
 <a:theme xmlns:a="http://schemas.openxmlformats.org/drawingml/2006/main" name="Office テーマ">
   <a:themeElements>
-    <a:clrScheme name="Office">
+    <a:clrScheme name="青">
       <a:dk1>
         <a:sysClr val="windowText" lastClr="000000"/>
       </a:dk1>
@@ -7720,34 +8236,34 @@
         <a:sysClr val="window" lastClr="FFFFFF"/>
       </a:lt1>
       <a:dk2>
-        <a:srgbClr val="44546A"/>
+        <a:srgbClr val="17406D"/>
       </a:dk2>
       <a:lt2>
-        <a:srgbClr val="E7E6E6"/>
+        <a:srgbClr val="DBEFF9"/>
       </a:lt2>
       <a:accent1>
-        <a:srgbClr val="4472C4"/>
+        <a:srgbClr val="0F6FC6"/>
       </a:accent1>
       <a:accent2>
-        <a:srgbClr val="ED7D31"/>
+        <a:srgbClr val="009DD9"/>
       </a:accent2>
       <a:accent3>
-        <a:srgbClr val="A5A5A5"/>
+        <a:srgbClr val="0BD0D9"/>
       </a:accent3>
       <a:accent4>
-        <a:srgbClr val="FFC000"/>
+        <a:srgbClr val="10CF9B"/>
       </a:accent4>
       <a:accent5>
-        <a:srgbClr val="5B9BD5"/>
+        <a:srgbClr val="7CCA62"/>
       </a:accent5>
       <a:accent6>
-        <a:srgbClr val="70AD47"/>
+        <a:srgbClr val="A5C249"/>
       </a:accent6>
       <a:hlink>
-        <a:srgbClr val="0563C1"/>
+        <a:srgbClr val="F49100"/>
       </a:hlink>
       <a:folHlink>
-        <a:srgbClr val="954F72"/>
+        <a:srgbClr val="85DFD0"/>
       </a:folHlink>
     </a:clrScheme>
     <a:fontScheme name="Office">

--- a/presentation/bit Composer2.pptx
+++ b/presentation/bit Composer2.pptx
@@ -2,28 +2,22 @@
 <file path=ppt/presentation.xml><?xml version="1.0" encoding="utf-8"?>
 <p:presentation xmlns:a="http://schemas.openxmlformats.org/drawingml/2006/main" xmlns:r="http://schemas.openxmlformats.org/officeDocument/2006/relationships" xmlns:p="http://schemas.openxmlformats.org/presentationml/2006/main" saveSubsetFonts="1">
   <p:sldMasterIdLst>
-    <p:sldMasterId id="2147483936" r:id="rId1"/>
+    <p:sldMasterId id="2147483696" r:id="rId1"/>
   </p:sldMasterIdLst>
   <p:notesMasterIdLst>
-    <p:notesMasterId r:id="rId18"/>
+    <p:notesMasterId r:id="rId12"/>
   </p:notesMasterIdLst>
   <p:sldIdLst>
     <p:sldId id="259" r:id="rId2"/>
     <p:sldId id="260" r:id="rId3"/>
-    <p:sldId id="282" r:id="rId4"/>
+    <p:sldId id="295" r:id="rId4"/>
     <p:sldId id="276" r:id="rId5"/>
     <p:sldId id="283" r:id="rId6"/>
-    <p:sldId id="289" r:id="rId7"/>
-    <p:sldId id="284" r:id="rId8"/>
-    <p:sldId id="287" r:id="rId9"/>
-    <p:sldId id="286" r:id="rId10"/>
-    <p:sldId id="288" r:id="rId11"/>
-    <p:sldId id="290" r:id="rId12"/>
-    <p:sldId id="291" r:id="rId13"/>
-    <p:sldId id="292" r:id="rId14"/>
-    <p:sldId id="293" r:id="rId15"/>
-    <p:sldId id="294" r:id="rId16"/>
-    <p:sldId id="266" r:id="rId17"/>
+    <p:sldId id="287" r:id="rId7"/>
+    <p:sldId id="286" r:id="rId8"/>
+    <p:sldId id="288" r:id="rId9"/>
+    <p:sldId id="296" r:id="rId10"/>
+    <p:sldId id="266" r:id="rId11"/>
   </p:sldIdLst>
   <p:sldSz cx="12192000" cy="6858000"/>
   <p:notesSz cx="6858000" cy="9144000"/>
@@ -238,7 +232,7 @@
           <a:p>
             <a:fld id="{CFE7C3F7-5C92-45C1-81B6-3020317CA2CB}" type="datetimeFigureOut">
               <a:rPr kumimoji="1" lang="ja-JP" altLang="en-US" smtClean="0"/>
-              <a:t>2021/12/7</a:t>
+              <a:t>2021/12/8</a:t>
             </a:fld>
             <a:endParaRPr kumimoji="1" lang="ja-JP" altLang="en-US"/>
           </a:p>
@@ -591,7 +585,7 @@
             </a:r>
             <a:r>
               <a:rPr kumimoji="1" lang="ja-JP" altLang="en-US" dirty="0"/>
-              <a:t>というシステムのご提案をします。</a:t>
+              <a:t>の発表します。</a:t>
             </a:r>
             <a:r>
               <a:rPr kumimoji="1" lang="en-US" altLang="ja-JP" dirty="0"/>
@@ -628,6 +622,94 @@
     <p:extLst>
       <p:ext uri="{BB962C8B-B14F-4D97-AF65-F5344CB8AC3E}">
         <p14:creationId xmlns:p14="http://schemas.microsoft.com/office/powerpoint/2010/main" val="3250241302"/>
+      </p:ext>
+    </p:extLst>
+  </p:cSld>
+  <p:clrMapOvr>
+    <a:masterClrMapping/>
+  </p:clrMapOvr>
+</p:notes>
+</file>
+
+<file path=ppt/notesSlides/notesSlide10.xml><?xml version="1.0" encoding="utf-8"?>
+<p:notes xmlns:a="http://schemas.openxmlformats.org/drawingml/2006/main" xmlns:r="http://schemas.openxmlformats.org/officeDocument/2006/relationships" xmlns:p="http://schemas.openxmlformats.org/presentationml/2006/main">
+  <p:cSld>
+    <p:spTree>
+      <p:nvGrpSpPr>
+        <p:cNvPr id="1" name=""/>
+        <p:cNvGrpSpPr/>
+        <p:nvPr/>
+      </p:nvGrpSpPr>
+      <p:grpSpPr>
+        <a:xfrm>
+          <a:off x="0" y="0"/>
+          <a:ext cx="0" cy="0"/>
+          <a:chOff x="0" y="0"/>
+          <a:chExt cx="0" cy="0"/>
+        </a:xfrm>
+      </p:grpSpPr>
+      <p:sp>
+        <p:nvSpPr>
+          <p:cNvPr id="2" name="スライド イメージ プレースホルダー 1"/>
+          <p:cNvSpPr>
+            <a:spLocks noGrp="1" noRot="1" noChangeAspect="1"/>
+          </p:cNvSpPr>
+          <p:nvPr>
+            <p:ph type="sldImg"/>
+          </p:nvPr>
+        </p:nvSpPr>
+        <p:spPr/>
+      </p:sp>
+      <p:sp>
+        <p:nvSpPr>
+          <p:cNvPr id="3" name="ノート プレースホルダー 2"/>
+          <p:cNvSpPr>
+            <a:spLocks noGrp="1"/>
+          </p:cNvSpPr>
+          <p:nvPr>
+            <p:ph type="body" idx="1"/>
+          </p:nvPr>
+        </p:nvSpPr>
+        <p:spPr/>
+        <p:txBody>
+          <a:bodyPr/>
+          <a:lstStyle/>
+          <a:p>
+            <a:r>
+              <a:rPr lang="ja-JP" altLang="en-US" sz="1200" b="1" dirty="0"/>
+              <a:t>ご清聴ありがとうございました</a:t>
+            </a:r>
+            <a:endParaRPr kumimoji="1" lang="ja-JP" altLang="en-US" dirty="0"/>
+          </a:p>
+        </p:txBody>
+      </p:sp>
+      <p:sp>
+        <p:nvSpPr>
+          <p:cNvPr id="4" name="スライド番号プレースホルダー 3"/>
+          <p:cNvSpPr>
+            <a:spLocks noGrp="1"/>
+          </p:cNvSpPr>
+          <p:nvPr>
+            <p:ph type="sldNum" sz="quarter" idx="5"/>
+          </p:nvPr>
+        </p:nvSpPr>
+        <p:spPr/>
+        <p:txBody>
+          <a:bodyPr/>
+          <a:lstStyle/>
+          <a:p>
+            <a:fld id="{FD808316-81CD-4B36-BDD1-D6460C124C29}" type="slidenum">
+              <a:rPr kumimoji="1" lang="ja-JP" altLang="en-US" smtClean="0"/>
+              <a:t>10</a:t>
+            </a:fld>
+            <a:endParaRPr kumimoji="1" lang="ja-JP" altLang="en-US"/>
+          </a:p>
+        </p:txBody>
+      </p:sp>
+    </p:spTree>
+    <p:extLst>
+      <p:ext uri="{BB962C8B-B14F-4D97-AF65-F5344CB8AC3E}">
+        <p14:creationId xmlns:p14="http://schemas.microsoft.com/office/powerpoint/2010/main" val="895368357"/>
       </p:ext>
     </p:extLst>
   </p:cSld>
@@ -695,7 +777,7 @@
             </a:r>
             <a:r>
               <a:rPr kumimoji="1" lang="ja-JP" altLang="en-US" dirty="0"/>
-              <a:t>を使った自動作曲アプリです。例えばスーパーマリオブラザーズやドラゴンクエストの曲などをイメージできるような曲を作曲します。</a:t>
+              <a:t>を使った自動作曲アプリです。ゲーム音楽をイメージできるような曲を作曲します。</a:t>
             </a:r>
           </a:p>
         </p:txBody>
@@ -781,24 +863,70 @@
           <a:lstStyle/>
           <a:p>
             <a:r>
-              <a:rPr kumimoji="1" lang="en-US" altLang="ja-JP" sz="1200" b="1" dirty="0"/>
-              <a:t>bit composer</a:t>
-            </a:r>
-            <a:r>
-              <a:rPr kumimoji="1" lang="ja-JP" altLang="en-US" sz="1200" b="1" dirty="0"/>
-              <a:t>の概要</a:t>
-            </a:r>
-            <a:endParaRPr kumimoji="1" lang="en-US" altLang="ja-JP" sz="1200" b="1" dirty="0"/>
-          </a:p>
-          <a:p>
-            <a:r>
-              <a:rPr lang="ja-JP" altLang="en-US" sz="1200" dirty="0"/>
-              <a:t>ユーザが作った短いメロディからゲーム音楽風の曲を作曲してくれる</a:t>
-            </a:r>
-            <a:endParaRPr kumimoji="1" lang="en-US" altLang="ja-JP" sz="1200" b="1" dirty="0"/>
-          </a:p>
-          <a:p>
-            <a:endParaRPr kumimoji="1" lang="ja-JP" altLang="en-US" dirty="0"/>
+              <a:rPr kumimoji="1" lang="en-US" altLang="ja-JP" dirty="0"/>
+              <a:t>1 </a:t>
+            </a:r>
+            <a:r>
+              <a:rPr kumimoji="1" lang="ja-JP" altLang="en-US" dirty="0"/>
+              <a:t>作る</a:t>
+            </a:r>
+            <a:r>
+              <a:rPr kumimoji="1" lang="ja-JP" altLang="en-US" dirty="0" err="1"/>
+              <a:t>を</a:t>
+            </a:r>
+            <a:r>
+              <a:rPr kumimoji="1" lang="ja-JP" altLang="en-US" dirty="0"/>
+              <a:t>クリック</a:t>
+            </a:r>
+            <a:endParaRPr kumimoji="1" lang="en-US" altLang="ja-JP" dirty="0"/>
+          </a:p>
+          <a:p>
+            <a:r>
+              <a:rPr kumimoji="1" lang="en-US" altLang="ja-JP" dirty="0"/>
+              <a:t>2 </a:t>
+            </a:r>
+            <a:r>
+              <a:rPr kumimoji="1" lang="ja-JP" altLang="en-US" dirty="0"/>
+              <a:t>キーボードで鍵盤を弾いてください</a:t>
+            </a:r>
+            <a:endParaRPr kumimoji="1" lang="en-US" altLang="ja-JP" dirty="0"/>
+          </a:p>
+          <a:p>
+            <a:r>
+              <a:rPr kumimoji="1" lang="en-US" altLang="ja-JP" dirty="0"/>
+              <a:t>3</a:t>
+            </a:r>
+            <a:r>
+              <a:rPr kumimoji="1" lang="ja-JP" altLang="en-US" dirty="0"/>
+              <a:t>　送信ボタンを押したら</a:t>
+            </a:r>
+            <a:endParaRPr kumimoji="1" lang="en-US" altLang="ja-JP" dirty="0"/>
+          </a:p>
+          <a:p>
+            <a:r>
+              <a:rPr kumimoji="1" lang="en-US" altLang="ja-JP" dirty="0"/>
+              <a:t>4</a:t>
+            </a:r>
+            <a:r>
+              <a:rPr kumimoji="1" lang="ja-JP" altLang="en-US" dirty="0"/>
+              <a:t>　曲が流れます。</a:t>
+            </a:r>
+            <a:endParaRPr kumimoji="1" lang="en-US" altLang="ja-JP" dirty="0"/>
+          </a:p>
+          <a:p>
+            <a:r>
+              <a:rPr kumimoji="1" lang="ja-JP" altLang="en-US" dirty="0"/>
+              <a:t>注意</a:t>
+            </a:r>
+            <a:r>
+              <a:rPr kumimoji="1" lang="en-US" altLang="ja-JP" dirty="0"/>
+              <a:t>AI</a:t>
+            </a:r>
+            <a:r>
+              <a:rPr kumimoji="1" lang="ja-JP" altLang="en-US" dirty="0"/>
+              <a:t>が入っていなかった場合次のバージョンで入れる予定と発表</a:t>
+            </a:r>
+            <a:endParaRPr kumimoji="1" lang="en-US" altLang="ja-JP" dirty="0"/>
           </a:p>
         </p:txBody>
       </p:sp>
@@ -828,7 +956,7 @@
     </p:spTree>
     <p:extLst>
       <p:ext uri="{BB962C8B-B14F-4D97-AF65-F5344CB8AC3E}">
-        <p14:creationId xmlns:p14="http://schemas.microsoft.com/office/powerpoint/2010/main" val="1636698905"/>
+        <p14:creationId xmlns:p14="http://schemas.microsoft.com/office/powerpoint/2010/main" val="3836402520"/>
       </p:ext>
     </p:extLst>
   </p:cSld>
@@ -883,65 +1011,53 @@
           <a:lstStyle/>
           <a:p>
             <a:r>
-              <a:rPr kumimoji="1" lang="ja-JP" altLang="en-US" dirty="0"/>
-              <a:t>システム構成図は</a:t>
-            </a:r>
-            <a:endParaRPr kumimoji="1" lang="en-US" altLang="ja-JP" dirty="0"/>
-          </a:p>
-          <a:p>
-            <a:r>
               <a:rPr kumimoji="1" lang="en-US" altLang="ja-JP" dirty="0"/>
               <a:t>Web</a:t>
             </a:r>
             <a:r>
               <a:rPr kumimoji="1" lang="ja-JP" altLang="en-US" dirty="0"/>
-              <a:t>フレームワークは</a:t>
-            </a:r>
-            <a:r>
-              <a:rPr kumimoji="1" lang="en-US" altLang="ja-JP" dirty="0"/>
-              <a:t>FLASK</a:t>
+              <a:t>アプリケーションとして</a:t>
+            </a:r>
+            <a:r>
+              <a:rPr kumimoji="1" lang="ja-JP" altLang="en-US" sz="1200" b="0" i="0" kern="1200" dirty="0">
+                <a:solidFill>
+                  <a:schemeClr val="tx1"/>
+                </a:solidFill>
+                <a:effectLst/>
+                <a:latin typeface="+mn-lt"/>
+                <a:ea typeface="+mn-ea"/>
+                <a:cs typeface="+mn-cs"/>
+              </a:rPr>
+              <a:t>ローカル</a:t>
+            </a:r>
+            <a:r>
+              <a:rPr kumimoji="1" lang="en-US" altLang="ja-JP" sz="1200" b="0" i="0" kern="1200" dirty="0">
+                <a:solidFill>
+                  <a:schemeClr val="tx1"/>
+                </a:solidFill>
+                <a:effectLst/>
+                <a:latin typeface="+mn-lt"/>
+                <a:ea typeface="+mn-ea"/>
+                <a:cs typeface="+mn-cs"/>
+              </a:rPr>
+              <a:t>IP</a:t>
+            </a:r>
+            <a:r>
+              <a:rPr kumimoji="1" lang="ja-JP" altLang="en-US" sz="1200" b="0" i="0" kern="1200" dirty="0">
+                <a:solidFill>
+                  <a:schemeClr val="tx1"/>
+                </a:solidFill>
+                <a:effectLst/>
+                <a:latin typeface="+mn-lt"/>
+                <a:ea typeface="+mn-ea"/>
+                <a:cs typeface="+mn-cs"/>
+              </a:rPr>
+              <a:t>アドレスを</a:t>
             </a:r>
             <a:r>
               <a:rPr kumimoji="1" lang="ja-JP" altLang="en-US" dirty="0"/>
-              <a:t>を使用しています</a:t>
-            </a:r>
-            <a:endParaRPr kumimoji="1" lang="en-US" altLang="ja-JP" dirty="0"/>
-          </a:p>
-          <a:p>
-            <a:r>
-              <a:rPr kumimoji="1" lang="en-US" altLang="ja-JP" dirty="0"/>
-              <a:t>JavaScript</a:t>
-            </a:r>
-            <a:r>
-              <a:rPr kumimoji="1" lang="ja-JP" altLang="en-US" dirty="0" err="1"/>
-              <a:t>での</a:t>
-            </a:r>
-            <a:r>
-              <a:rPr kumimoji="1" lang="ja-JP" altLang="en-US" dirty="0"/>
-              <a:t>ライブラリは</a:t>
-            </a:r>
-            <a:r>
-              <a:rPr kumimoji="1" lang="en-US" altLang="ja-JP" dirty="0"/>
-              <a:t>abc.js</a:t>
-            </a:r>
-            <a:r>
-              <a:rPr kumimoji="1" lang="ja-JP" altLang="en-US" dirty="0"/>
-              <a:t>を使用しています。</a:t>
-            </a:r>
-            <a:endParaRPr kumimoji="1" lang="en-US" altLang="ja-JP" dirty="0"/>
-          </a:p>
-          <a:p>
-            <a:r>
-              <a:rPr kumimoji="1" lang="en-US" altLang="ja-JP" dirty="0"/>
-              <a:t>Python</a:t>
-            </a:r>
-            <a:r>
-              <a:rPr kumimoji="1" lang="ja-JP" altLang="en-US" dirty="0"/>
-              <a:t>のライブラリは</a:t>
-            </a:r>
-            <a:endParaRPr kumimoji="1" lang="en-US" altLang="ja-JP" dirty="0"/>
-          </a:p>
-          <a:p>
+              <a:t>公開しているのでユーザはサーバにアクセスしてアプリケーションを使います。</a:t>
+            </a:r>
             <a:endParaRPr kumimoji="1" lang="en-US" altLang="ja-JP" dirty="0"/>
           </a:p>
         </p:txBody>
@@ -973,6 +1089,619 @@
     <p:extLst>
       <p:ext uri="{BB962C8B-B14F-4D97-AF65-F5344CB8AC3E}">
         <p14:creationId xmlns:p14="http://schemas.microsoft.com/office/powerpoint/2010/main" val="810124780"/>
+      </p:ext>
+    </p:extLst>
+  </p:cSld>
+  <p:clrMapOvr>
+    <a:masterClrMapping/>
+  </p:clrMapOvr>
+</p:notes>
+</file>
+
+<file path=ppt/notesSlides/notesSlide5.xml><?xml version="1.0" encoding="utf-8"?>
+<p:notes xmlns:a="http://schemas.openxmlformats.org/drawingml/2006/main" xmlns:r="http://schemas.openxmlformats.org/officeDocument/2006/relationships" xmlns:p="http://schemas.openxmlformats.org/presentationml/2006/main">
+  <p:cSld>
+    <p:spTree>
+      <p:nvGrpSpPr>
+        <p:cNvPr id="1" name=""/>
+        <p:cNvGrpSpPr/>
+        <p:nvPr/>
+      </p:nvGrpSpPr>
+      <p:grpSpPr>
+        <a:xfrm>
+          <a:off x="0" y="0"/>
+          <a:ext cx="0" cy="0"/>
+          <a:chOff x="0" y="0"/>
+          <a:chExt cx="0" cy="0"/>
+        </a:xfrm>
+      </p:grpSpPr>
+      <p:sp>
+        <p:nvSpPr>
+          <p:cNvPr id="2" name="スライド イメージ プレースホルダー 1"/>
+          <p:cNvSpPr>
+            <a:spLocks noGrp="1" noRot="1" noChangeAspect="1"/>
+          </p:cNvSpPr>
+          <p:nvPr>
+            <p:ph type="sldImg"/>
+          </p:nvPr>
+        </p:nvSpPr>
+        <p:spPr/>
+      </p:sp>
+      <p:sp>
+        <p:nvSpPr>
+          <p:cNvPr id="3" name="ノート プレースホルダー 2"/>
+          <p:cNvSpPr>
+            <a:spLocks noGrp="1"/>
+          </p:cNvSpPr>
+          <p:nvPr>
+            <p:ph type="body" idx="1"/>
+          </p:nvPr>
+        </p:nvSpPr>
+        <p:spPr/>
+        <p:txBody>
+          <a:bodyPr/>
+          <a:lstStyle/>
+          <a:p>
+            <a:r>
+              <a:rPr lang="ja-JP" altLang="en-US" sz="1200" dirty="0"/>
+              <a:t>機械学習としてリカレントニューラルネットワーク</a:t>
+            </a:r>
+            <a:r>
+              <a:rPr lang="en-US" altLang="ja-JP" sz="1200" dirty="0"/>
+              <a:t>(RNN)</a:t>
+            </a:r>
+            <a:r>
+              <a:rPr lang="ja-JP" altLang="en-US" sz="1200" dirty="0"/>
+              <a:t>を使用しています。</a:t>
+            </a:r>
+            <a:endParaRPr kumimoji="1" lang="en-US" altLang="ja-JP" dirty="0"/>
+          </a:p>
+          <a:p>
+            <a:r>
+              <a:rPr kumimoji="1" lang="ja-JP" altLang="en-US" dirty="0"/>
+              <a:t>中間層から展開をして次の単語を繰り返して予測します。</a:t>
+            </a:r>
+          </a:p>
+        </p:txBody>
+      </p:sp>
+      <p:sp>
+        <p:nvSpPr>
+          <p:cNvPr id="4" name="スライド番号プレースホルダー 3"/>
+          <p:cNvSpPr>
+            <a:spLocks noGrp="1"/>
+          </p:cNvSpPr>
+          <p:nvPr>
+            <p:ph type="sldNum" sz="quarter" idx="5"/>
+          </p:nvPr>
+        </p:nvSpPr>
+        <p:spPr/>
+        <p:txBody>
+          <a:bodyPr/>
+          <a:lstStyle/>
+          <a:p>
+            <a:fld id="{FD808316-81CD-4B36-BDD1-D6460C124C29}" type="slidenum">
+              <a:rPr kumimoji="1" lang="ja-JP" altLang="en-US" smtClean="0"/>
+              <a:t>5</a:t>
+            </a:fld>
+            <a:endParaRPr kumimoji="1" lang="ja-JP" altLang="en-US"/>
+          </a:p>
+        </p:txBody>
+      </p:sp>
+    </p:spTree>
+    <p:extLst>
+      <p:ext uri="{BB962C8B-B14F-4D97-AF65-F5344CB8AC3E}">
+        <p14:creationId xmlns:p14="http://schemas.microsoft.com/office/powerpoint/2010/main" val="3280372040"/>
+      </p:ext>
+    </p:extLst>
+  </p:cSld>
+  <p:clrMapOvr>
+    <a:masterClrMapping/>
+  </p:clrMapOvr>
+</p:notes>
+</file>
+
+<file path=ppt/notesSlides/notesSlide6.xml><?xml version="1.0" encoding="utf-8"?>
+<p:notes xmlns:a="http://schemas.openxmlformats.org/drawingml/2006/main" xmlns:r="http://schemas.openxmlformats.org/officeDocument/2006/relationships" xmlns:p="http://schemas.openxmlformats.org/presentationml/2006/main">
+  <p:cSld>
+    <p:spTree>
+      <p:nvGrpSpPr>
+        <p:cNvPr id="1" name=""/>
+        <p:cNvGrpSpPr/>
+        <p:nvPr/>
+      </p:nvGrpSpPr>
+      <p:grpSpPr>
+        <a:xfrm>
+          <a:off x="0" y="0"/>
+          <a:ext cx="0" cy="0"/>
+          <a:chOff x="0" y="0"/>
+          <a:chExt cx="0" cy="0"/>
+        </a:xfrm>
+      </p:grpSpPr>
+      <p:sp>
+        <p:nvSpPr>
+          <p:cNvPr id="2" name="スライド イメージ プレースホルダー 1"/>
+          <p:cNvSpPr>
+            <a:spLocks noGrp="1" noRot="1" noChangeAspect="1"/>
+          </p:cNvSpPr>
+          <p:nvPr>
+            <p:ph type="sldImg"/>
+          </p:nvPr>
+        </p:nvSpPr>
+        <p:spPr/>
+      </p:sp>
+      <p:sp>
+        <p:nvSpPr>
+          <p:cNvPr id="3" name="ノート プレースホルダー 2"/>
+          <p:cNvSpPr>
+            <a:spLocks noGrp="1"/>
+          </p:cNvSpPr>
+          <p:nvPr>
+            <p:ph type="body" idx="1"/>
+          </p:nvPr>
+        </p:nvSpPr>
+        <p:spPr/>
+        <p:txBody>
+          <a:bodyPr/>
+          <a:lstStyle/>
+          <a:p>
+            <a:r>
+              <a:rPr kumimoji="1" lang="ja-JP" altLang="en-US" dirty="0"/>
+              <a:t>単語の予測で</a:t>
+            </a:r>
+            <a:endParaRPr kumimoji="1" lang="en-US" altLang="ja-JP" dirty="0"/>
+          </a:p>
+          <a:p>
+            <a:r>
+              <a:rPr kumimoji="1" lang="en-US" altLang="ja-JP" dirty="0"/>
+              <a:t>I have dream</a:t>
+            </a:r>
+            <a:r>
+              <a:rPr kumimoji="1" lang="ja-JP" altLang="en-US" dirty="0"/>
+              <a:t>　</a:t>
+            </a:r>
+            <a:endParaRPr kumimoji="1" lang="en-US" altLang="ja-JP" dirty="0"/>
+          </a:p>
+          <a:p>
+            <a:r>
+              <a:rPr kumimoji="1" lang="en-US" altLang="ja-JP" dirty="0"/>
+              <a:t>Every</a:t>
+            </a:r>
+            <a:r>
+              <a:rPr kumimoji="1" lang="ja-JP" altLang="en-US" dirty="0"/>
+              <a:t>　</a:t>
+            </a:r>
+            <a:r>
+              <a:rPr kumimoji="1" lang="en-US" altLang="ja-JP" dirty="0"/>
+              <a:t>day is a new day</a:t>
+            </a:r>
+            <a:r>
+              <a:rPr kumimoji="1" lang="ja-JP" altLang="en-US" dirty="0"/>
+              <a:t>を学習したとして</a:t>
+            </a:r>
+            <a:endParaRPr kumimoji="1" lang="en-US" altLang="ja-JP" dirty="0"/>
+          </a:p>
+          <a:p>
+            <a:endParaRPr kumimoji="1" lang="en-US" altLang="ja-JP" dirty="0"/>
+          </a:p>
+          <a:p>
+            <a:r>
+              <a:rPr lang="ja-JP" altLang="en-US" sz="1200" dirty="0"/>
+              <a:t>前の入力を現在の入力に加えることで</a:t>
+            </a:r>
+          </a:p>
+          <a:p>
+            <a:r>
+              <a:rPr lang="en-US" altLang="ja-JP" sz="1200" b="1" dirty="0"/>
+              <a:t>Every` , `day` , `is ` </a:t>
+            </a:r>
+            <a:r>
+              <a:rPr lang="ja-JP" altLang="en-US" sz="1200" b="1" dirty="0"/>
+              <a:t>の単語で</a:t>
+            </a:r>
+            <a:r>
+              <a:rPr lang="en-US" altLang="ja-JP" sz="1200" b="1" dirty="0"/>
+              <a:t>new</a:t>
+            </a:r>
+            <a:r>
+              <a:rPr lang="ja-JP" altLang="en-US" sz="1200" b="1" dirty="0"/>
+              <a:t>と予測できます</a:t>
+            </a:r>
+            <a:endParaRPr kumimoji="1" lang="en-US" altLang="ja-JP" dirty="0"/>
+          </a:p>
+          <a:p>
+            <a:r>
+              <a:rPr kumimoji="1" lang="ja-JP" altLang="en-US" dirty="0"/>
+              <a:t>これを繰り返すと</a:t>
+            </a:r>
+            <a:r>
+              <a:rPr lang="en-US" altLang="ja-JP" sz="1200" b="1" dirty="0"/>
+              <a:t>Every day is </a:t>
+            </a:r>
+            <a:r>
+              <a:rPr lang="en-US" altLang="ja-JP" sz="1200" b="1" dirty="0">
+                <a:solidFill>
+                  <a:srgbClr val="FF0000"/>
+                </a:solidFill>
+              </a:rPr>
+              <a:t>a </a:t>
+            </a:r>
+            <a:r>
+              <a:rPr lang="en-US" altLang="ja-JP" sz="1200" b="1" dirty="0"/>
+              <a:t>new day</a:t>
+            </a:r>
+            <a:r>
+              <a:rPr lang="en-US" altLang="ja-JP" sz="1200" dirty="0"/>
+              <a:t> </a:t>
+            </a:r>
+            <a:endParaRPr kumimoji="1" lang="en-US" altLang="ja-JP" dirty="0"/>
+          </a:p>
+          <a:p>
+            <a:r>
+              <a:rPr kumimoji="1" lang="ja-JP" altLang="en-US" dirty="0"/>
+              <a:t>と予測できます。</a:t>
+            </a:r>
+            <a:endParaRPr kumimoji="1" lang="en-US" altLang="ja-JP" dirty="0"/>
+          </a:p>
+          <a:p>
+            <a:endParaRPr kumimoji="1" lang="en-US" altLang="ja-JP" dirty="0"/>
+          </a:p>
+          <a:p>
+            <a:endParaRPr kumimoji="1" lang="en-US" altLang="ja-JP" dirty="0"/>
+          </a:p>
+          <a:p>
+            <a:endParaRPr kumimoji="1" lang="en-US" altLang="ja-JP" dirty="0"/>
+          </a:p>
+        </p:txBody>
+      </p:sp>
+      <p:sp>
+        <p:nvSpPr>
+          <p:cNvPr id="4" name="スライド番号プレースホルダー 3"/>
+          <p:cNvSpPr>
+            <a:spLocks noGrp="1"/>
+          </p:cNvSpPr>
+          <p:nvPr>
+            <p:ph type="sldNum" sz="quarter" idx="5"/>
+          </p:nvPr>
+        </p:nvSpPr>
+        <p:spPr/>
+        <p:txBody>
+          <a:bodyPr/>
+          <a:lstStyle/>
+          <a:p>
+            <a:fld id="{FD808316-81CD-4B36-BDD1-D6460C124C29}" type="slidenum">
+              <a:rPr kumimoji="1" lang="ja-JP" altLang="en-US" smtClean="0"/>
+              <a:t>6</a:t>
+            </a:fld>
+            <a:endParaRPr kumimoji="1" lang="ja-JP" altLang="en-US"/>
+          </a:p>
+        </p:txBody>
+      </p:sp>
+    </p:spTree>
+    <p:extLst>
+      <p:ext uri="{BB962C8B-B14F-4D97-AF65-F5344CB8AC3E}">
+        <p14:creationId xmlns:p14="http://schemas.microsoft.com/office/powerpoint/2010/main" val="583582838"/>
+      </p:ext>
+    </p:extLst>
+  </p:cSld>
+  <p:clrMapOvr>
+    <a:masterClrMapping/>
+  </p:clrMapOvr>
+</p:notes>
+</file>
+
+<file path=ppt/notesSlides/notesSlide7.xml><?xml version="1.0" encoding="utf-8"?>
+<p:notes xmlns:a="http://schemas.openxmlformats.org/drawingml/2006/main" xmlns:r="http://schemas.openxmlformats.org/officeDocument/2006/relationships" xmlns:p="http://schemas.openxmlformats.org/presentationml/2006/main">
+  <p:cSld>
+    <p:spTree>
+      <p:nvGrpSpPr>
+        <p:cNvPr id="1" name=""/>
+        <p:cNvGrpSpPr/>
+        <p:nvPr/>
+      </p:nvGrpSpPr>
+      <p:grpSpPr>
+        <a:xfrm>
+          <a:off x="0" y="0"/>
+          <a:ext cx="0" cy="0"/>
+          <a:chOff x="0" y="0"/>
+          <a:chExt cx="0" cy="0"/>
+        </a:xfrm>
+      </p:grpSpPr>
+      <p:sp>
+        <p:nvSpPr>
+          <p:cNvPr id="2" name="スライド イメージ プレースホルダー 1"/>
+          <p:cNvSpPr>
+            <a:spLocks noGrp="1" noRot="1" noChangeAspect="1"/>
+          </p:cNvSpPr>
+          <p:nvPr>
+            <p:ph type="sldImg"/>
+          </p:nvPr>
+        </p:nvSpPr>
+        <p:spPr/>
+      </p:sp>
+      <p:sp>
+        <p:nvSpPr>
+          <p:cNvPr id="3" name="ノート プレースホルダー 2"/>
+          <p:cNvSpPr>
+            <a:spLocks noGrp="1"/>
+          </p:cNvSpPr>
+          <p:nvPr>
+            <p:ph type="body" idx="1"/>
+          </p:nvPr>
+        </p:nvSpPr>
+        <p:spPr/>
+        <p:txBody>
+          <a:bodyPr/>
+          <a:lstStyle/>
+          <a:p>
+            <a:r>
+              <a:rPr kumimoji="1" lang="ja-JP" altLang="en-US" dirty="0"/>
+              <a:t>音楽生成にすると</a:t>
+            </a:r>
+            <a:endParaRPr kumimoji="1" lang="en-US" altLang="ja-JP" dirty="0"/>
+          </a:p>
+          <a:p>
+            <a:r>
+              <a:rPr kumimoji="1" lang="ja-JP" altLang="en-US" dirty="0"/>
+              <a:t>単語のみで生成されたショパンの曲です。</a:t>
+            </a:r>
+          </a:p>
+        </p:txBody>
+      </p:sp>
+      <p:sp>
+        <p:nvSpPr>
+          <p:cNvPr id="4" name="スライド番号プレースホルダー 3"/>
+          <p:cNvSpPr>
+            <a:spLocks noGrp="1"/>
+          </p:cNvSpPr>
+          <p:nvPr>
+            <p:ph type="sldNum" sz="quarter" idx="5"/>
+          </p:nvPr>
+        </p:nvSpPr>
+        <p:spPr/>
+        <p:txBody>
+          <a:bodyPr/>
+          <a:lstStyle/>
+          <a:p>
+            <a:fld id="{FD808316-81CD-4B36-BDD1-D6460C124C29}" type="slidenum">
+              <a:rPr kumimoji="1" lang="ja-JP" altLang="en-US" smtClean="0"/>
+              <a:t>7</a:t>
+            </a:fld>
+            <a:endParaRPr kumimoji="1" lang="ja-JP" altLang="en-US"/>
+          </a:p>
+        </p:txBody>
+      </p:sp>
+    </p:spTree>
+    <p:extLst>
+      <p:ext uri="{BB962C8B-B14F-4D97-AF65-F5344CB8AC3E}">
+        <p14:creationId xmlns:p14="http://schemas.microsoft.com/office/powerpoint/2010/main" val="1543091431"/>
+      </p:ext>
+    </p:extLst>
+  </p:cSld>
+  <p:clrMapOvr>
+    <a:masterClrMapping/>
+  </p:clrMapOvr>
+</p:notes>
+</file>
+
+<file path=ppt/notesSlides/notesSlide8.xml><?xml version="1.0" encoding="utf-8"?>
+<p:notes xmlns:a="http://schemas.openxmlformats.org/drawingml/2006/main" xmlns:r="http://schemas.openxmlformats.org/officeDocument/2006/relationships" xmlns:p="http://schemas.openxmlformats.org/presentationml/2006/main">
+  <p:cSld>
+    <p:spTree>
+      <p:nvGrpSpPr>
+        <p:cNvPr id="1" name=""/>
+        <p:cNvGrpSpPr/>
+        <p:nvPr/>
+      </p:nvGrpSpPr>
+      <p:grpSpPr>
+        <a:xfrm>
+          <a:off x="0" y="0"/>
+          <a:ext cx="0" cy="0"/>
+          <a:chOff x="0" y="0"/>
+          <a:chExt cx="0" cy="0"/>
+        </a:xfrm>
+      </p:grpSpPr>
+      <p:sp>
+        <p:nvSpPr>
+          <p:cNvPr id="2" name="スライド イメージ プレースホルダー 1"/>
+          <p:cNvSpPr>
+            <a:spLocks noGrp="1" noRot="1" noChangeAspect="1"/>
+          </p:cNvSpPr>
+          <p:nvPr>
+            <p:ph type="sldImg"/>
+          </p:nvPr>
+        </p:nvSpPr>
+        <p:spPr/>
+      </p:sp>
+      <p:sp>
+        <p:nvSpPr>
+          <p:cNvPr id="3" name="ノート プレースホルダー 2"/>
+          <p:cNvSpPr>
+            <a:spLocks noGrp="1"/>
+          </p:cNvSpPr>
+          <p:nvPr>
+            <p:ph type="body" idx="1"/>
+          </p:nvPr>
+        </p:nvSpPr>
+        <p:spPr/>
+        <p:txBody>
+          <a:bodyPr/>
+          <a:lstStyle/>
+          <a:p>
+            <a:pPr marL="0" marR="0" lvl="0" indent="0" algn="l" defTabSz="914400" rtl="0" eaLnBrk="1" fontAlgn="auto" latinLnBrk="0" hangingPunct="1">
+              <a:lnSpc>
+                <a:spcPct val="100000"/>
+              </a:lnSpc>
+              <a:spcBef>
+                <a:spcPts val="0"/>
+              </a:spcBef>
+              <a:spcAft>
+                <a:spcPts val="0"/>
+              </a:spcAft>
+              <a:buClrTx/>
+              <a:buSzTx/>
+              <a:buFontTx/>
+              <a:buNone/>
+              <a:tabLst/>
+              <a:defRPr/>
+            </a:pPr>
+            <a:r>
+              <a:rPr kumimoji="1" lang="ja-JP" altLang="en-US" dirty="0"/>
+              <a:t>現在は長さを生成できるようになりました。</a:t>
+            </a:r>
+          </a:p>
+          <a:p>
+            <a:endParaRPr kumimoji="1" lang="ja-JP" altLang="en-US" dirty="0"/>
+          </a:p>
+        </p:txBody>
+      </p:sp>
+      <p:sp>
+        <p:nvSpPr>
+          <p:cNvPr id="4" name="スライド番号プレースホルダー 3"/>
+          <p:cNvSpPr>
+            <a:spLocks noGrp="1"/>
+          </p:cNvSpPr>
+          <p:nvPr>
+            <p:ph type="sldNum" sz="quarter" idx="5"/>
+          </p:nvPr>
+        </p:nvSpPr>
+        <p:spPr/>
+        <p:txBody>
+          <a:bodyPr/>
+          <a:lstStyle/>
+          <a:p>
+            <a:fld id="{FD808316-81CD-4B36-BDD1-D6460C124C29}" type="slidenum">
+              <a:rPr kumimoji="1" lang="ja-JP" altLang="en-US" smtClean="0"/>
+              <a:t>8</a:t>
+            </a:fld>
+            <a:endParaRPr kumimoji="1" lang="ja-JP" altLang="en-US"/>
+          </a:p>
+        </p:txBody>
+      </p:sp>
+    </p:spTree>
+    <p:extLst>
+      <p:ext uri="{BB962C8B-B14F-4D97-AF65-F5344CB8AC3E}">
+        <p14:creationId xmlns:p14="http://schemas.microsoft.com/office/powerpoint/2010/main" val="2041038370"/>
+      </p:ext>
+    </p:extLst>
+  </p:cSld>
+  <p:clrMapOvr>
+    <a:masterClrMapping/>
+  </p:clrMapOvr>
+</p:notes>
+</file>
+
+<file path=ppt/notesSlides/notesSlide9.xml><?xml version="1.0" encoding="utf-8"?>
+<p:notes xmlns:a="http://schemas.openxmlformats.org/drawingml/2006/main" xmlns:r="http://schemas.openxmlformats.org/officeDocument/2006/relationships" xmlns:p="http://schemas.openxmlformats.org/presentationml/2006/main">
+  <p:cSld>
+    <p:spTree>
+      <p:nvGrpSpPr>
+        <p:cNvPr id="1" name=""/>
+        <p:cNvGrpSpPr/>
+        <p:nvPr/>
+      </p:nvGrpSpPr>
+      <p:grpSpPr>
+        <a:xfrm>
+          <a:off x="0" y="0"/>
+          <a:ext cx="0" cy="0"/>
+          <a:chOff x="0" y="0"/>
+          <a:chExt cx="0" cy="0"/>
+        </a:xfrm>
+      </p:grpSpPr>
+      <p:sp>
+        <p:nvSpPr>
+          <p:cNvPr id="2" name="スライド イメージ プレースホルダー 1"/>
+          <p:cNvSpPr>
+            <a:spLocks noGrp="1" noRot="1" noChangeAspect="1"/>
+          </p:cNvSpPr>
+          <p:nvPr>
+            <p:ph type="sldImg"/>
+          </p:nvPr>
+        </p:nvSpPr>
+        <p:spPr/>
+      </p:sp>
+      <p:sp>
+        <p:nvSpPr>
+          <p:cNvPr id="3" name="ノート プレースホルダー 2"/>
+          <p:cNvSpPr>
+            <a:spLocks noGrp="1"/>
+          </p:cNvSpPr>
+          <p:nvPr>
+            <p:ph type="body" idx="1"/>
+          </p:nvPr>
+        </p:nvSpPr>
+        <p:spPr/>
+        <p:txBody>
+          <a:bodyPr/>
+          <a:lstStyle/>
+          <a:p>
+            <a:r>
+              <a:rPr lang="ja-JP" altLang="en-US" sz="1200" dirty="0"/>
+              <a:t>・伴奏を加えてより音楽風に近づける。</a:t>
+            </a:r>
+            <a:endParaRPr lang="en-US" altLang="ja-JP" sz="1200" dirty="0"/>
+          </a:p>
+          <a:p>
+            <a:r>
+              <a:rPr lang="ja-JP" altLang="en-US" sz="1200" dirty="0"/>
+              <a:t>・</a:t>
+            </a:r>
+            <a:r>
+              <a:rPr lang="en-US" altLang="ja-JP" sz="1200" dirty="0"/>
+              <a:t>Web</a:t>
+            </a:r>
+            <a:r>
+              <a:rPr lang="ja-JP" altLang="en-US" sz="1200" dirty="0"/>
+              <a:t>ページのユーザビリティの向上</a:t>
+            </a:r>
+            <a:endParaRPr lang="en-US" altLang="ja-JP" sz="1200" dirty="0"/>
+          </a:p>
+          <a:p>
+            <a:r>
+              <a:rPr lang="ja-JP" altLang="en-US" sz="1200" dirty="0"/>
+              <a:t>・</a:t>
+            </a:r>
+            <a:r>
+              <a:rPr lang="en-US" altLang="ja-JP" sz="1200" dirty="0"/>
+              <a:t>8</a:t>
+            </a:r>
+            <a:r>
+              <a:rPr lang="ja-JP" altLang="en-US" sz="1200" dirty="0"/>
+              <a:t>分音符以外の入力もできるようにします。</a:t>
+            </a:r>
+            <a:endParaRPr kumimoji="1" lang="ja-JP" altLang="en-US" sz="1200" dirty="0"/>
+          </a:p>
+          <a:p>
+            <a:endParaRPr kumimoji="1" lang="ja-JP" altLang="en-US" dirty="0"/>
+          </a:p>
+        </p:txBody>
+      </p:sp>
+      <p:sp>
+        <p:nvSpPr>
+          <p:cNvPr id="4" name="スライド番号プレースホルダー 3"/>
+          <p:cNvSpPr>
+            <a:spLocks noGrp="1"/>
+          </p:cNvSpPr>
+          <p:nvPr>
+            <p:ph type="sldNum" sz="quarter" idx="5"/>
+          </p:nvPr>
+        </p:nvSpPr>
+        <p:spPr/>
+        <p:txBody>
+          <a:bodyPr/>
+          <a:lstStyle/>
+          <a:p>
+            <a:fld id="{FD808316-81CD-4B36-BDD1-D6460C124C29}" type="slidenum">
+              <a:rPr kumimoji="1" lang="ja-JP" altLang="en-US" smtClean="0"/>
+              <a:t>9</a:t>
+            </a:fld>
+            <a:endParaRPr kumimoji="1" lang="ja-JP" altLang="en-US"/>
+          </a:p>
+        </p:txBody>
+      </p:sp>
+    </p:spTree>
+    <p:extLst>
+      <p:ext uri="{BB962C8B-B14F-4D97-AF65-F5344CB8AC3E}">
+        <p14:creationId xmlns:p14="http://schemas.microsoft.com/office/powerpoint/2010/main" val="203302926"/>
       </p:ext>
     </p:extLst>
   </p:cSld>
@@ -1004,7 +1733,7 @@
           <p:cNvPr id="2" name="タイトル 1">
             <a:extLst>
               <a:ext uri="{FF2B5EF4-FFF2-40B4-BE49-F238E27FC236}">
-                <a16:creationId xmlns:a16="http://schemas.microsoft.com/office/drawing/2014/main" id="{DABF48C3-94FB-406B-8474-26949C034EBA}"/>
+                <a16:creationId xmlns:a16="http://schemas.microsoft.com/office/drawing/2014/main" id="{31C50D3B-3CE7-409B-AA8F-2C5A1592CE83}"/>
               </a:ext>
             </a:extLst>
           </p:cNvPr>
@@ -1041,7 +1770,7 @@
           <p:cNvPr id="3" name="字幕 2">
             <a:extLst>
               <a:ext uri="{FF2B5EF4-FFF2-40B4-BE49-F238E27FC236}">
-                <a16:creationId xmlns:a16="http://schemas.microsoft.com/office/drawing/2014/main" id="{CD1342D8-752C-4735-88D6-39C2FF89E736}"/>
+                <a16:creationId xmlns:a16="http://schemas.microsoft.com/office/drawing/2014/main" id="{070284BD-26A3-4C54-A875-F4D5F379AC41}"/>
               </a:ext>
             </a:extLst>
           </p:cNvPr>
@@ -1111,7 +1840,7 @@
           <p:cNvPr id="4" name="日付プレースホルダー 3">
             <a:extLst>
               <a:ext uri="{FF2B5EF4-FFF2-40B4-BE49-F238E27FC236}">
-                <a16:creationId xmlns:a16="http://schemas.microsoft.com/office/drawing/2014/main" id="{2C8A293F-E7A9-41C2-A6AD-A18FF163C53A}"/>
+                <a16:creationId xmlns:a16="http://schemas.microsoft.com/office/drawing/2014/main" id="{8B1AA708-5DDF-4C3C-A4F2-7A697011D8B0}"/>
               </a:ext>
             </a:extLst>
           </p:cNvPr>
@@ -1129,7 +1858,7 @@
           <a:p>
             <a:fld id="{4A6B28F3-BB62-4EA0-99DF-EF5932BC4FCF}" type="datetimeFigureOut">
               <a:rPr kumimoji="1" lang="ja-JP" altLang="en-US" smtClean="0"/>
-              <a:t>2021/12/7</a:t>
+              <a:t>2021/12/8</a:t>
             </a:fld>
             <a:endParaRPr kumimoji="1" lang="ja-JP" altLang="en-US"/>
           </a:p>
@@ -1140,7 +1869,7 @@
           <p:cNvPr id="5" name="フッター プレースホルダー 4">
             <a:extLst>
               <a:ext uri="{FF2B5EF4-FFF2-40B4-BE49-F238E27FC236}">
-                <a16:creationId xmlns:a16="http://schemas.microsoft.com/office/drawing/2014/main" id="{92DE76AE-ED32-409D-A64C-FE698E644D3A}"/>
+                <a16:creationId xmlns:a16="http://schemas.microsoft.com/office/drawing/2014/main" id="{D49B66A9-E4E1-4E63-AE72-721196E899A3}"/>
               </a:ext>
             </a:extLst>
           </p:cNvPr>
@@ -1165,7 +1894,7 @@
           <p:cNvPr id="6" name="スライド番号プレースホルダー 5">
             <a:extLst>
               <a:ext uri="{FF2B5EF4-FFF2-40B4-BE49-F238E27FC236}">
-                <a16:creationId xmlns:a16="http://schemas.microsoft.com/office/drawing/2014/main" id="{B8167C86-55BF-4DDD-99A4-CC2D0A373A52}"/>
+                <a16:creationId xmlns:a16="http://schemas.microsoft.com/office/drawing/2014/main" id="{05AB7561-DCF0-4567-9045-F6CE3D744C1D}"/>
               </a:ext>
             </a:extLst>
           </p:cNvPr>
@@ -1192,7 +1921,7 @@
     </p:spTree>
     <p:extLst>
       <p:ext uri="{BB962C8B-B14F-4D97-AF65-F5344CB8AC3E}">
-        <p14:creationId xmlns:p14="http://schemas.microsoft.com/office/powerpoint/2010/main" val="3459674719"/>
+        <p14:creationId xmlns:p14="http://schemas.microsoft.com/office/powerpoint/2010/main" val="2731108401"/>
       </p:ext>
     </p:extLst>
   </p:cSld>
@@ -1236,7 +1965,7 @@
           <p:cNvPr id="2" name="タイトル 1">
             <a:extLst>
               <a:ext uri="{FF2B5EF4-FFF2-40B4-BE49-F238E27FC236}">
-                <a16:creationId xmlns:a16="http://schemas.microsoft.com/office/drawing/2014/main" id="{E7DFE0C2-65F7-45ED-B70E-BF2AC47A3327}"/>
+                <a16:creationId xmlns:a16="http://schemas.microsoft.com/office/drawing/2014/main" id="{33C4ECF0-49CE-4F49-8F22-2BE9483CA8F0}"/>
               </a:ext>
             </a:extLst>
           </p:cNvPr>
@@ -1264,7 +1993,7 @@
           <p:cNvPr id="3" name="縦書きテキスト プレースホルダー 2">
             <a:extLst>
               <a:ext uri="{FF2B5EF4-FFF2-40B4-BE49-F238E27FC236}">
-                <a16:creationId xmlns:a16="http://schemas.microsoft.com/office/drawing/2014/main" id="{1E761142-C0DF-4AD3-8CD8-494E1E8C554D}"/>
+                <a16:creationId xmlns:a16="http://schemas.microsoft.com/office/drawing/2014/main" id="{598C2499-11ED-4AD8-9F83-CC98B075B4CA}"/>
               </a:ext>
             </a:extLst>
           </p:cNvPr>
@@ -1353,7 +2082,7 @@
           <p:cNvPr id="4" name="日付プレースホルダー 3">
             <a:extLst>
               <a:ext uri="{FF2B5EF4-FFF2-40B4-BE49-F238E27FC236}">
-                <a16:creationId xmlns:a16="http://schemas.microsoft.com/office/drawing/2014/main" id="{C7527004-1F8E-461E-8466-D08D41354165}"/>
+                <a16:creationId xmlns:a16="http://schemas.microsoft.com/office/drawing/2014/main" id="{53C3339D-41AF-4092-B587-3634E5AF3B89}"/>
               </a:ext>
             </a:extLst>
           </p:cNvPr>
@@ -1371,7 +2100,7 @@
           <a:p>
             <a:fld id="{4A6B28F3-BB62-4EA0-99DF-EF5932BC4FCF}" type="datetimeFigureOut">
               <a:rPr kumimoji="1" lang="ja-JP" altLang="en-US" smtClean="0"/>
-              <a:t>2021/12/7</a:t>
+              <a:t>2021/12/8</a:t>
             </a:fld>
             <a:endParaRPr kumimoji="1" lang="ja-JP" altLang="en-US"/>
           </a:p>
@@ -1382,7 +2111,7 @@
           <p:cNvPr id="5" name="フッター プレースホルダー 4">
             <a:extLst>
               <a:ext uri="{FF2B5EF4-FFF2-40B4-BE49-F238E27FC236}">
-                <a16:creationId xmlns:a16="http://schemas.microsoft.com/office/drawing/2014/main" id="{99935CE1-92D6-409F-8352-D4FC13CF7A54}"/>
+                <a16:creationId xmlns:a16="http://schemas.microsoft.com/office/drawing/2014/main" id="{6F54B73C-13CE-4904-B121-B6E212A46396}"/>
               </a:ext>
             </a:extLst>
           </p:cNvPr>
@@ -1407,7 +2136,7 @@
           <p:cNvPr id="6" name="スライド番号プレースホルダー 5">
             <a:extLst>
               <a:ext uri="{FF2B5EF4-FFF2-40B4-BE49-F238E27FC236}">
-                <a16:creationId xmlns:a16="http://schemas.microsoft.com/office/drawing/2014/main" id="{C46230D3-99D4-48F1-AC5B-F8D5C57940A6}"/>
+                <a16:creationId xmlns:a16="http://schemas.microsoft.com/office/drawing/2014/main" id="{F0417CAB-5F42-4B4B-9C9B-E26540F49F7E}"/>
               </a:ext>
             </a:extLst>
           </p:cNvPr>
@@ -1434,7 +2163,7 @@
     </p:spTree>
     <p:extLst>
       <p:ext uri="{BB962C8B-B14F-4D97-AF65-F5344CB8AC3E}">
-        <p14:creationId xmlns:p14="http://schemas.microsoft.com/office/powerpoint/2010/main" val="2067879075"/>
+        <p14:creationId xmlns:p14="http://schemas.microsoft.com/office/powerpoint/2010/main" val="1613027288"/>
       </p:ext>
     </p:extLst>
   </p:cSld>
@@ -1478,7 +2207,7 @@
           <p:cNvPr id="2" name="縦書きタイトル 1">
             <a:extLst>
               <a:ext uri="{FF2B5EF4-FFF2-40B4-BE49-F238E27FC236}">
-                <a16:creationId xmlns:a16="http://schemas.microsoft.com/office/drawing/2014/main" id="{166FEFEA-E38F-4380-AE6B-01CFCDF3301D}"/>
+                <a16:creationId xmlns:a16="http://schemas.microsoft.com/office/drawing/2014/main" id="{5594DBBD-D62F-4633-9945-743B37BE6E50}"/>
               </a:ext>
             </a:extLst>
           </p:cNvPr>
@@ -1511,7 +2240,7 @@
           <p:cNvPr id="3" name="縦書きテキスト プレースホルダー 2">
             <a:extLst>
               <a:ext uri="{FF2B5EF4-FFF2-40B4-BE49-F238E27FC236}">
-                <a16:creationId xmlns:a16="http://schemas.microsoft.com/office/drawing/2014/main" id="{9CB70057-CA33-4899-BA2A-820ECF49E669}"/>
+                <a16:creationId xmlns:a16="http://schemas.microsoft.com/office/drawing/2014/main" id="{AC1021CA-1942-4E1F-8775-EC32883482F4}"/>
               </a:ext>
             </a:extLst>
           </p:cNvPr>
@@ -1605,7 +2334,7 @@
           <p:cNvPr id="4" name="日付プレースホルダー 3">
             <a:extLst>
               <a:ext uri="{FF2B5EF4-FFF2-40B4-BE49-F238E27FC236}">
-                <a16:creationId xmlns:a16="http://schemas.microsoft.com/office/drawing/2014/main" id="{05C7FD8A-AF49-408C-B51F-A07CFEDC62FE}"/>
+                <a16:creationId xmlns:a16="http://schemas.microsoft.com/office/drawing/2014/main" id="{BB165640-6B86-4BD0-B85A-F6271360F522}"/>
               </a:ext>
             </a:extLst>
           </p:cNvPr>
@@ -1623,7 +2352,7 @@
           <a:p>
             <a:fld id="{4A6B28F3-BB62-4EA0-99DF-EF5932BC4FCF}" type="datetimeFigureOut">
               <a:rPr kumimoji="1" lang="ja-JP" altLang="en-US" smtClean="0"/>
-              <a:t>2021/12/7</a:t>
+              <a:t>2021/12/8</a:t>
             </a:fld>
             <a:endParaRPr kumimoji="1" lang="ja-JP" altLang="en-US"/>
           </a:p>
@@ -1634,7 +2363,7 @@
           <p:cNvPr id="5" name="フッター プレースホルダー 4">
             <a:extLst>
               <a:ext uri="{FF2B5EF4-FFF2-40B4-BE49-F238E27FC236}">
-                <a16:creationId xmlns:a16="http://schemas.microsoft.com/office/drawing/2014/main" id="{4D2386A6-B117-4759-B92A-D3D8123CC9B7}"/>
+                <a16:creationId xmlns:a16="http://schemas.microsoft.com/office/drawing/2014/main" id="{F62E95DE-469B-4D38-9210-41E2B92C2EA6}"/>
               </a:ext>
             </a:extLst>
           </p:cNvPr>
@@ -1659,7 +2388,7 @@
           <p:cNvPr id="6" name="スライド番号プレースホルダー 5">
             <a:extLst>
               <a:ext uri="{FF2B5EF4-FFF2-40B4-BE49-F238E27FC236}">
-                <a16:creationId xmlns:a16="http://schemas.microsoft.com/office/drawing/2014/main" id="{A425F35C-1FA5-4242-BC6D-38E6D231844E}"/>
+                <a16:creationId xmlns:a16="http://schemas.microsoft.com/office/drawing/2014/main" id="{6ADE2F70-3EBC-4139-8ED7-56D9CA464FE7}"/>
               </a:ext>
             </a:extLst>
           </p:cNvPr>
@@ -1686,7 +2415,7 @@
     </p:spTree>
     <p:extLst>
       <p:ext uri="{BB962C8B-B14F-4D97-AF65-F5344CB8AC3E}">
-        <p14:creationId xmlns:p14="http://schemas.microsoft.com/office/powerpoint/2010/main" val="2686864069"/>
+        <p14:creationId xmlns:p14="http://schemas.microsoft.com/office/powerpoint/2010/main" val="334087593"/>
       </p:ext>
     </p:extLst>
   </p:cSld>
@@ -1730,7 +2459,7 @@
           <p:cNvPr id="2" name="タイトル 1">
             <a:extLst>
               <a:ext uri="{FF2B5EF4-FFF2-40B4-BE49-F238E27FC236}">
-                <a16:creationId xmlns:a16="http://schemas.microsoft.com/office/drawing/2014/main" id="{21E984DE-3DAF-4E17-AA4B-89B4577EF6E7}"/>
+                <a16:creationId xmlns:a16="http://schemas.microsoft.com/office/drawing/2014/main" id="{C42AE5DF-1154-41F0-A209-9B18E6CF6024}"/>
               </a:ext>
             </a:extLst>
           </p:cNvPr>
@@ -1758,7 +2487,7 @@
           <p:cNvPr id="3" name="コンテンツ プレースホルダー 2">
             <a:extLst>
               <a:ext uri="{FF2B5EF4-FFF2-40B4-BE49-F238E27FC236}">
-                <a16:creationId xmlns:a16="http://schemas.microsoft.com/office/drawing/2014/main" id="{5B7E9E66-1B78-4288-BDB9-EE5519EA5B59}"/>
+                <a16:creationId xmlns:a16="http://schemas.microsoft.com/office/drawing/2014/main" id="{EE69D7FE-A350-4ABE-AF60-814E333266CD}"/>
               </a:ext>
             </a:extLst>
           </p:cNvPr>
@@ -1847,7 +2576,7 @@
           <p:cNvPr id="4" name="日付プレースホルダー 3">
             <a:extLst>
               <a:ext uri="{FF2B5EF4-FFF2-40B4-BE49-F238E27FC236}">
-                <a16:creationId xmlns:a16="http://schemas.microsoft.com/office/drawing/2014/main" id="{14FF9C27-40AE-4569-AAE6-45ECC61FB005}"/>
+                <a16:creationId xmlns:a16="http://schemas.microsoft.com/office/drawing/2014/main" id="{48066FC9-CA48-4354-A2A8-E888E04F6926}"/>
               </a:ext>
             </a:extLst>
           </p:cNvPr>
@@ -1865,7 +2594,7 @@
           <a:p>
             <a:fld id="{4A6B28F3-BB62-4EA0-99DF-EF5932BC4FCF}" type="datetimeFigureOut">
               <a:rPr kumimoji="1" lang="ja-JP" altLang="en-US" smtClean="0"/>
-              <a:t>2021/12/7</a:t>
+              <a:t>2021/12/8</a:t>
             </a:fld>
             <a:endParaRPr kumimoji="1" lang="ja-JP" altLang="en-US"/>
           </a:p>
@@ -1876,7 +2605,7 @@
           <p:cNvPr id="5" name="フッター プレースホルダー 4">
             <a:extLst>
               <a:ext uri="{FF2B5EF4-FFF2-40B4-BE49-F238E27FC236}">
-                <a16:creationId xmlns:a16="http://schemas.microsoft.com/office/drawing/2014/main" id="{AAD74B8C-C32D-42B9-9C21-ADCB998BA6E7}"/>
+                <a16:creationId xmlns:a16="http://schemas.microsoft.com/office/drawing/2014/main" id="{5E352B8B-BF25-4E15-B6DC-3E507B7CB9F5}"/>
               </a:ext>
             </a:extLst>
           </p:cNvPr>
@@ -1901,7 +2630,7 @@
           <p:cNvPr id="6" name="スライド番号プレースホルダー 5">
             <a:extLst>
               <a:ext uri="{FF2B5EF4-FFF2-40B4-BE49-F238E27FC236}">
-                <a16:creationId xmlns:a16="http://schemas.microsoft.com/office/drawing/2014/main" id="{C85ED7CC-B4C1-4D0D-9D3D-ADA9D9899B95}"/>
+                <a16:creationId xmlns:a16="http://schemas.microsoft.com/office/drawing/2014/main" id="{A36014E1-1484-4C27-82CA-89207094CADF}"/>
               </a:ext>
             </a:extLst>
           </p:cNvPr>
@@ -1928,7 +2657,7 @@
     </p:spTree>
     <p:extLst>
       <p:ext uri="{BB962C8B-B14F-4D97-AF65-F5344CB8AC3E}">
-        <p14:creationId xmlns:p14="http://schemas.microsoft.com/office/powerpoint/2010/main" val="407508847"/>
+        <p14:creationId xmlns:p14="http://schemas.microsoft.com/office/powerpoint/2010/main" val="1039791463"/>
       </p:ext>
     </p:extLst>
   </p:cSld>
@@ -1972,7 +2701,7 @@
           <p:cNvPr id="2" name="タイトル 1">
             <a:extLst>
               <a:ext uri="{FF2B5EF4-FFF2-40B4-BE49-F238E27FC236}">
-                <a16:creationId xmlns:a16="http://schemas.microsoft.com/office/drawing/2014/main" id="{481FA0B1-DCE7-4BD1-9F37-1AE84AFD2620}"/>
+                <a16:creationId xmlns:a16="http://schemas.microsoft.com/office/drawing/2014/main" id="{259499E4-232B-4151-B941-112DFECCE5E3}"/>
               </a:ext>
             </a:extLst>
           </p:cNvPr>
@@ -2009,7 +2738,7 @@
           <p:cNvPr id="3" name="テキスト プレースホルダー 2">
             <a:extLst>
               <a:ext uri="{FF2B5EF4-FFF2-40B4-BE49-F238E27FC236}">
-                <a16:creationId xmlns:a16="http://schemas.microsoft.com/office/drawing/2014/main" id="{C5505014-19D3-4469-A3B9-1F8EE95E277F}"/>
+                <a16:creationId xmlns:a16="http://schemas.microsoft.com/office/drawing/2014/main" id="{866E92F8-C641-43EB-87C6-5E18BDEC5ECF}"/>
               </a:ext>
             </a:extLst>
           </p:cNvPr>
@@ -2134,7 +2863,7 @@
           <p:cNvPr id="4" name="日付プレースホルダー 3">
             <a:extLst>
               <a:ext uri="{FF2B5EF4-FFF2-40B4-BE49-F238E27FC236}">
-                <a16:creationId xmlns:a16="http://schemas.microsoft.com/office/drawing/2014/main" id="{2E1DBE54-B5DD-4E79-906D-DF4C37404542}"/>
+                <a16:creationId xmlns:a16="http://schemas.microsoft.com/office/drawing/2014/main" id="{FC32853B-3EF0-4D33-B7AC-4667D621FB66}"/>
               </a:ext>
             </a:extLst>
           </p:cNvPr>
@@ -2152,7 +2881,7 @@
           <a:p>
             <a:fld id="{4A6B28F3-BB62-4EA0-99DF-EF5932BC4FCF}" type="datetimeFigureOut">
               <a:rPr kumimoji="1" lang="ja-JP" altLang="en-US" smtClean="0"/>
-              <a:t>2021/12/7</a:t>
+              <a:t>2021/12/8</a:t>
             </a:fld>
             <a:endParaRPr kumimoji="1" lang="ja-JP" altLang="en-US"/>
           </a:p>
@@ -2163,7 +2892,7 @@
           <p:cNvPr id="5" name="フッター プレースホルダー 4">
             <a:extLst>
               <a:ext uri="{FF2B5EF4-FFF2-40B4-BE49-F238E27FC236}">
-                <a16:creationId xmlns:a16="http://schemas.microsoft.com/office/drawing/2014/main" id="{6A125791-9A59-4F9D-8BB6-6E0C28BD5C0D}"/>
+                <a16:creationId xmlns:a16="http://schemas.microsoft.com/office/drawing/2014/main" id="{103FF07C-14AF-4656-8063-3050FBFF49A6}"/>
               </a:ext>
             </a:extLst>
           </p:cNvPr>
@@ -2188,7 +2917,7 @@
           <p:cNvPr id="6" name="スライド番号プレースホルダー 5">
             <a:extLst>
               <a:ext uri="{FF2B5EF4-FFF2-40B4-BE49-F238E27FC236}">
-                <a16:creationId xmlns:a16="http://schemas.microsoft.com/office/drawing/2014/main" id="{FB975E5E-611C-4484-A722-71734083A997}"/>
+                <a16:creationId xmlns:a16="http://schemas.microsoft.com/office/drawing/2014/main" id="{4C1B8801-7250-4C8F-95A0-D929747C99B6}"/>
               </a:ext>
             </a:extLst>
           </p:cNvPr>
@@ -2215,7 +2944,7 @@
     </p:spTree>
     <p:extLst>
       <p:ext uri="{BB962C8B-B14F-4D97-AF65-F5344CB8AC3E}">
-        <p14:creationId xmlns:p14="http://schemas.microsoft.com/office/powerpoint/2010/main" val="2108309869"/>
+        <p14:creationId xmlns:p14="http://schemas.microsoft.com/office/powerpoint/2010/main" val="4168528056"/>
       </p:ext>
     </p:extLst>
   </p:cSld>
@@ -2259,7 +2988,7 @@
           <p:cNvPr id="2" name="タイトル 1">
             <a:extLst>
               <a:ext uri="{FF2B5EF4-FFF2-40B4-BE49-F238E27FC236}">
-                <a16:creationId xmlns:a16="http://schemas.microsoft.com/office/drawing/2014/main" id="{FCAEE60E-1264-4307-8077-1485270E7E25}"/>
+                <a16:creationId xmlns:a16="http://schemas.microsoft.com/office/drawing/2014/main" id="{B5C6114A-D914-46B0-9604-B594BDD892FF}"/>
               </a:ext>
             </a:extLst>
           </p:cNvPr>
@@ -2287,7 +3016,7 @@
           <p:cNvPr id="3" name="コンテンツ プレースホルダー 2">
             <a:extLst>
               <a:ext uri="{FF2B5EF4-FFF2-40B4-BE49-F238E27FC236}">
-                <a16:creationId xmlns:a16="http://schemas.microsoft.com/office/drawing/2014/main" id="{E0FAF83E-CD5E-4F3F-B177-69240A988F19}"/>
+                <a16:creationId xmlns:a16="http://schemas.microsoft.com/office/drawing/2014/main" id="{FAB68CFE-F2AE-436D-A7E7-7D32FE847E1E}"/>
               </a:ext>
             </a:extLst>
           </p:cNvPr>
@@ -2381,7 +3110,7 @@
           <p:cNvPr id="4" name="コンテンツ プレースホルダー 3">
             <a:extLst>
               <a:ext uri="{FF2B5EF4-FFF2-40B4-BE49-F238E27FC236}">
-                <a16:creationId xmlns:a16="http://schemas.microsoft.com/office/drawing/2014/main" id="{999DF1C6-1E59-4F0F-A8D5-1D44069EE1A9}"/>
+                <a16:creationId xmlns:a16="http://schemas.microsoft.com/office/drawing/2014/main" id="{53369CBB-72CD-4199-96D0-CD235134EDC8}"/>
               </a:ext>
             </a:extLst>
           </p:cNvPr>
@@ -2475,7 +3204,7 @@
           <p:cNvPr id="5" name="日付プレースホルダー 4">
             <a:extLst>
               <a:ext uri="{FF2B5EF4-FFF2-40B4-BE49-F238E27FC236}">
-                <a16:creationId xmlns:a16="http://schemas.microsoft.com/office/drawing/2014/main" id="{94ABA899-AAFF-4629-9177-12B0D674943C}"/>
+                <a16:creationId xmlns:a16="http://schemas.microsoft.com/office/drawing/2014/main" id="{57A3D94F-8854-48B6-B204-6DB9B0AA2AEE}"/>
               </a:ext>
             </a:extLst>
           </p:cNvPr>
@@ -2493,7 +3222,7 @@
           <a:p>
             <a:fld id="{4A6B28F3-BB62-4EA0-99DF-EF5932BC4FCF}" type="datetimeFigureOut">
               <a:rPr kumimoji="1" lang="ja-JP" altLang="en-US" smtClean="0"/>
-              <a:t>2021/12/7</a:t>
+              <a:t>2021/12/8</a:t>
             </a:fld>
             <a:endParaRPr kumimoji="1" lang="ja-JP" altLang="en-US"/>
           </a:p>
@@ -2504,7 +3233,7 @@
           <p:cNvPr id="6" name="フッター プレースホルダー 5">
             <a:extLst>
               <a:ext uri="{FF2B5EF4-FFF2-40B4-BE49-F238E27FC236}">
-                <a16:creationId xmlns:a16="http://schemas.microsoft.com/office/drawing/2014/main" id="{C2D8F8A7-C2E6-408D-8EBF-6074495218BC}"/>
+                <a16:creationId xmlns:a16="http://schemas.microsoft.com/office/drawing/2014/main" id="{DE2FFA91-C733-484F-85E1-A86EB31F6244}"/>
               </a:ext>
             </a:extLst>
           </p:cNvPr>
@@ -2529,7 +3258,7 @@
           <p:cNvPr id="7" name="スライド番号プレースホルダー 6">
             <a:extLst>
               <a:ext uri="{FF2B5EF4-FFF2-40B4-BE49-F238E27FC236}">
-                <a16:creationId xmlns:a16="http://schemas.microsoft.com/office/drawing/2014/main" id="{4C51A17D-4FFE-4F9C-8722-22F8890601A2}"/>
+                <a16:creationId xmlns:a16="http://schemas.microsoft.com/office/drawing/2014/main" id="{043505BD-9488-4DD3-A0E9-A546E889C500}"/>
               </a:ext>
             </a:extLst>
           </p:cNvPr>
@@ -2556,7 +3285,7 @@
     </p:spTree>
     <p:extLst>
       <p:ext uri="{BB962C8B-B14F-4D97-AF65-F5344CB8AC3E}">
-        <p14:creationId xmlns:p14="http://schemas.microsoft.com/office/powerpoint/2010/main" val="3923169735"/>
+        <p14:creationId xmlns:p14="http://schemas.microsoft.com/office/powerpoint/2010/main" val="3502750800"/>
       </p:ext>
     </p:extLst>
   </p:cSld>
@@ -2600,7 +3329,7 @@
           <p:cNvPr id="2" name="タイトル 1">
             <a:extLst>
               <a:ext uri="{FF2B5EF4-FFF2-40B4-BE49-F238E27FC236}">
-                <a16:creationId xmlns:a16="http://schemas.microsoft.com/office/drawing/2014/main" id="{03E5947A-3326-4C20-A307-307D99BD6CFB}"/>
+                <a16:creationId xmlns:a16="http://schemas.microsoft.com/office/drawing/2014/main" id="{81631888-B9A0-401C-A446-B29E29294337}"/>
               </a:ext>
             </a:extLst>
           </p:cNvPr>
@@ -2633,7 +3362,7 @@
           <p:cNvPr id="3" name="テキスト プレースホルダー 2">
             <a:extLst>
               <a:ext uri="{FF2B5EF4-FFF2-40B4-BE49-F238E27FC236}">
-                <a16:creationId xmlns:a16="http://schemas.microsoft.com/office/drawing/2014/main" id="{F7FD3804-40C8-4B0C-AE85-B21C2ECA7B63}"/>
+                <a16:creationId xmlns:a16="http://schemas.microsoft.com/office/drawing/2014/main" id="{6E14A78E-B742-460F-A863-E08104B08EE0}"/>
               </a:ext>
             </a:extLst>
           </p:cNvPr>
@@ -2704,7 +3433,7 @@
           <p:cNvPr id="4" name="コンテンツ プレースホルダー 3">
             <a:extLst>
               <a:ext uri="{FF2B5EF4-FFF2-40B4-BE49-F238E27FC236}">
-                <a16:creationId xmlns:a16="http://schemas.microsoft.com/office/drawing/2014/main" id="{7DAE0297-EDDC-4335-9FBE-9979B2B943E7}"/>
+                <a16:creationId xmlns:a16="http://schemas.microsoft.com/office/drawing/2014/main" id="{4AEF71A6-CFE2-4EEB-9798-C933DDCD03C7}"/>
               </a:ext>
             </a:extLst>
           </p:cNvPr>
@@ -2798,7 +3527,7 @@
           <p:cNvPr id="5" name="テキスト プレースホルダー 4">
             <a:extLst>
               <a:ext uri="{FF2B5EF4-FFF2-40B4-BE49-F238E27FC236}">
-                <a16:creationId xmlns:a16="http://schemas.microsoft.com/office/drawing/2014/main" id="{9B1F54D1-E1F8-46C8-8E4F-3EE553413CEC}"/>
+                <a16:creationId xmlns:a16="http://schemas.microsoft.com/office/drawing/2014/main" id="{3A02CD2F-C198-4E6E-ADDF-8D13F3728ACD}"/>
               </a:ext>
             </a:extLst>
           </p:cNvPr>
@@ -2869,7 +3598,7 @@
           <p:cNvPr id="6" name="コンテンツ プレースホルダー 5">
             <a:extLst>
               <a:ext uri="{FF2B5EF4-FFF2-40B4-BE49-F238E27FC236}">
-                <a16:creationId xmlns:a16="http://schemas.microsoft.com/office/drawing/2014/main" id="{8D990995-F53C-4EC2-B8B3-134B1096C69F}"/>
+                <a16:creationId xmlns:a16="http://schemas.microsoft.com/office/drawing/2014/main" id="{81BF5680-809D-4DBD-9100-EEF3F6ED07EB}"/>
               </a:ext>
             </a:extLst>
           </p:cNvPr>
@@ -2963,7 +3692,7 @@
           <p:cNvPr id="7" name="日付プレースホルダー 6">
             <a:extLst>
               <a:ext uri="{FF2B5EF4-FFF2-40B4-BE49-F238E27FC236}">
-                <a16:creationId xmlns:a16="http://schemas.microsoft.com/office/drawing/2014/main" id="{84BDC9C1-BDBF-470D-A40E-E1A17D5946F7}"/>
+                <a16:creationId xmlns:a16="http://schemas.microsoft.com/office/drawing/2014/main" id="{A05892CA-392E-4981-81EB-79EDF2FAE421}"/>
               </a:ext>
             </a:extLst>
           </p:cNvPr>
@@ -2981,7 +3710,7 @@
           <a:p>
             <a:fld id="{4A6B28F3-BB62-4EA0-99DF-EF5932BC4FCF}" type="datetimeFigureOut">
               <a:rPr kumimoji="1" lang="ja-JP" altLang="en-US" smtClean="0"/>
-              <a:t>2021/12/7</a:t>
+              <a:t>2021/12/8</a:t>
             </a:fld>
             <a:endParaRPr kumimoji="1" lang="ja-JP" altLang="en-US"/>
           </a:p>
@@ -2992,7 +3721,7 @@
           <p:cNvPr id="8" name="フッター プレースホルダー 7">
             <a:extLst>
               <a:ext uri="{FF2B5EF4-FFF2-40B4-BE49-F238E27FC236}">
-                <a16:creationId xmlns:a16="http://schemas.microsoft.com/office/drawing/2014/main" id="{B64E0FAC-7A35-4BF1-BD6C-493E136DFAFD}"/>
+                <a16:creationId xmlns:a16="http://schemas.microsoft.com/office/drawing/2014/main" id="{5BEDDAE1-46FC-406F-B0A0-B150FEAF1EAE}"/>
               </a:ext>
             </a:extLst>
           </p:cNvPr>
@@ -3017,7 +3746,7 @@
           <p:cNvPr id="9" name="スライド番号プレースホルダー 8">
             <a:extLst>
               <a:ext uri="{FF2B5EF4-FFF2-40B4-BE49-F238E27FC236}">
-                <a16:creationId xmlns:a16="http://schemas.microsoft.com/office/drawing/2014/main" id="{4ECE2184-DE0D-4E6D-8EA9-CDFC3E79EF85}"/>
+                <a16:creationId xmlns:a16="http://schemas.microsoft.com/office/drawing/2014/main" id="{45357B3C-3388-4768-8A4E-EE95EFACE681}"/>
               </a:ext>
             </a:extLst>
           </p:cNvPr>
@@ -3044,7 +3773,7 @@
     </p:spTree>
     <p:extLst>
       <p:ext uri="{BB962C8B-B14F-4D97-AF65-F5344CB8AC3E}">
-        <p14:creationId xmlns:p14="http://schemas.microsoft.com/office/powerpoint/2010/main" val="1331444339"/>
+        <p14:creationId xmlns:p14="http://schemas.microsoft.com/office/powerpoint/2010/main" val="3106966838"/>
       </p:ext>
     </p:extLst>
   </p:cSld>
@@ -3088,7 +3817,7 @@
           <p:cNvPr id="2" name="タイトル 1">
             <a:extLst>
               <a:ext uri="{FF2B5EF4-FFF2-40B4-BE49-F238E27FC236}">
-                <a16:creationId xmlns:a16="http://schemas.microsoft.com/office/drawing/2014/main" id="{4268F423-DA24-4CC9-AD36-31D500AA4334}"/>
+                <a16:creationId xmlns:a16="http://schemas.microsoft.com/office/drawing/2014/main" id="{261446DC-ED15-421C-91C4-472DFEC60025}"/>
               </a:ext>
             </a:extLst>
           </p:cNvPr>
@@ -3116,7 +3845,7 @@
           <p:cNvPr id="3" name="日付プレースホルダー 2">
             <a:extLst>
               <a:ext uri="{FF2B5EF4-FFF2-40B4-BE49-F238E27FC236}">
-                <a16:creationId xmlns:a16="http://schemas.microsoft.com/office/drawing/2014/main" id="{6F659561-87BE-4011-A901-1A812EA6DFEB}"/>
+                <a16:creationId xmlns:a16="http://schemas.microsoft.com/office/drawing/2014/main" id="{EA88A274-CCED-4379-A370-352A4F6F0A85}"/>
               </a:ext>
             </a:extLst>
           </p:cNvPr>
@@ -3134,7 +3863,7 @@
           <a:p>
             <a:fld id="{4A6B28F3-BB62-4EA0-99DF-EF5932BC4FCF}" type="datetimeFigureOut">
               <a:rPr kumimoji="1" lang="ja-JP" altLang="en-US" smtClean="0"/>
-              <a:t>2021/12/7</a:t>
+              <a:t>2021/12/8</a:t>
             </a:fld>
             <a:endParaRPr kumimoji="1" lang="ja-JP" altLang="en-US"/>
           </a:p>
@@ -3145,7 +3874,7 @@
           <p:cNvPr id="4" name="フッター プレースホルダー 3">
             <a:extLst>
               <a:ext uri="{FF2B5EF4-FFF2-40B4-BE49-F238E27FC236}">
-                <a16:creationId xmlns:a16="http://schemas.microsoft.com/office/drawing/2014/main" id="{6CE10F13-B3D5-480F-A317-6FB33FB4B6FC}"/>
+                <a16:creationId xmlns:a16="http://schemas.microsoft.com/office/drawing/2014/main" id="{66F90BCA-8F23-48BC-A39C-95F7EB0C38F0}"/>
               </a:ext>
             </a:extLst>
           </p:cNvPr>
@@ -3170,7 +3899,7 @@
           <p:cNvPr id="5" name="スライド番号プレースホルダー 4">
             <a:extLst>
               <a:ext uri="{FF2B5EF4-FFF2-40B4-BE49-F238E27FC236}">
-                <a16:creationId xmlns:a16="http://schemas.microsoft.com/office/drawing/2014/main" id="{AC18D338-7814-41EE-BD9C-CFE3F331D706}"/>
+                <a16:creationId xmlns:a16="http://schemas.microsoft.com/office/drawing/2014/main" id="{54F399A0-4D4C-4AC6-9AA7-1351B24C7C57}"/>
               </a:ext>
             </a:extLst>
           </p:cNvPr>
@@ -3197,7 +3926,7 @@
     </p:spTree>
     <p:extLst>
       <p:ext uri="{BB962C8B-B14F-4D97-AF65-F5344CB8AC3E}">
-        <p14:creationId xmlns:p14="http://schemas.microsoft.com/office/powerpoint/2010/main" val="3180923277"/>
+        <p14:creationId xmlns:p14="http://schemas.microsoft.com/office/powerpoint/2010/main" val="4005431021"/>
       </p:ext>
     </p:extLst>
   </p:cSld>
@@ -3241,7 +3970,7 @@
           <p:cNvPr id="2" name="日付プレースホルダー 1">
             <a:extLst>
               <a:ext uri="{FF2B5EF4-FFF2-40B4-BE49-F238E27FC236}">
-                <a16:creationId xmlns:a16="http://schemas.microsoft.com/office/drawing/2014/main" id="{74D13194-7BCB-4565-B388-EA5417D0BF15}"/>
+                <a16:creationId xmlns:a16="http://schemas.microsoft.com/office/drawing/2014/main" id="{F037A2A8-1AE2-4559-B7F2-93D0444AA5A3}"/>
               </a:ext>
             </a:extLst>
           </p:cNvPr>
@@ -3259,7 +3988,7 @@
           <a:p>
             <a:fld id="{4A6B28F3-BB62-4EA0-99DF-EF5932BC4FCF}" type="datetimeFigureOut">
               <a:rPr kumimoji="1" lang="ja-JP" altLang="en-US" smtClean="0"/>
-              <a:t>2021/12/7</a:t>
+              <a:t>2021/12/8</a:t>
             </a:fld>
             <a:endParaRPr kumimoji="1" lang="ja-JP" altLang="en-US"/>
           </a:p>
@@ -3270,7 +3999,7 @@
           <p:cNvPr id="3" name="フッター プレースホルダー 2">
             <a:extLst>
               <a:ext uri="{FF2B5EF4-FFF2-40B4-BE49-F238E27FC236}">
-                <a16:creationId xmlns:a16="http://schemas.microsoft.com/office/drawing/2014/main" id="{517A282A-6901-49D4-ACCF-305FA2BC16BB}"/>
+                <a16:creationId xmlns:a16="http://schemas.microsoft.com/office/drawing/2014/main" id="{96888DA0-EC05-49FE-8659-BA98A5223403}"/>
               </a:ext>
             </a:extLst>
           </p:cNvPr>
@@ -3295,7 +4024,7 @@
           <p:cNvPr id="4" name="スライド番号プレースホルダー 3">
             <a:extLst>
               <a:ext uri="{FF2B5EF4-FFF2-40B4-BE49-F238E27FC236}">
-                <a16:creationId xmlns:a16="http://schemas.microsoft.com/office/drawing/2014/main" id="{61E71137-A1AE-4E6A-9C35-B911095EB054}"/>
+                <a16:creationId xmlns:a16="http://schemas.microsoft.com/office/drawing/2014/main" id="{743D3206-5FC1-4A67-9D8D-A948370F91E7}"/>
               </a:ext>
             </a:extLst>
           </p:cNvPr>
@@ -3322,7 +4051,7 @@
     </p:spTree>
     <p:extLst>
       <p:ext uri="{BB962C8B-B14F-4D97-AF65-F5344CB8AC3E}">
-        <p14:creationId xmlns:p14="http://schemas.microsoft.com/office/powerpoint/2010/main" val="736516704"/>
+        <p14:creationId xmlns:p14="http://schemas.microsoft.com/office/powerpoint/2010/main" val="1878847294"/>
       </p:ext>
     </p:extLst>
   </p:cSld>
@@ -3366,7 +4095,7 @@
           <p:cNvPr id="2" name="タイトル 1">
             <a:extLst>
               <a:ext uri="{FF2B5EF4-FFF2-40B4-BE49-F238E27FC236}">
-                <a16:creationId xmlns:a16="http://schemas.microsoft.com/office/drawing/2014/main" id="{ACAA53CC-66F0-4D5C-AB9E-C83571818D08}"/>
+                <a16:creationId xmlns:a16="http://schemas.microsoft.com/office/drawing/2014/main" id="{C2E8C8E1-1FC8-48B8-9F79-827FF19A45B0}"/>
               </a:ext>
             </a:extLst>
           </p:cNvPr>
@@ -3403,7 +4132,7 @@
           <p:cNvPr id="3" name="コンテンツ プレースホルダー 2">
             <a:extLst>
               <a:ext uri="{FF2B5EF4-FFF2-40B4-BE49-F238E27FC236}">
-                <a16:creationId xmlns:a16="http://schemas.microsoft.com/office/drawing/2014/main" id="{7DFEFA31-450A-4BEC-9790-98D63C7A21AA}"/>
+                <a16:creationId xmlns:a16="http://schemas.microsoft.com/office/drawing/2014/main" id="{6FD8947F-A297-44AE-BBA0-D8CCC73089EF}"/>
               </a:ext>
             </a:extLst>
           </p:cNvPr>
@@ -3525,7 +4254,7 @@
           <p:cNvPr id="4" name="テキスト プレースホルダー 3">
             <a:extLst>
               <a:ext uri="{FF2B5EF4-FFF2-40B4-BE49-F238E27FC236}">
-                <a16:creationId xmlns:a16="http://schemas.microsoft.com/office/drawing/2014/main" id="{436B4EF5-9382-4E9D-95B0-6D1FAB225803}"/>
+                <a16:creationId xmlns:a16="http://schemas.microsoft.com/office/drawing/2014/main" id="{EE9CB033-3B56-44B2-B00D-DBFC9DEDC4C9}"/>
               </a:ext>
             </a:extLst>
           </p:cNvPr>
@@ -3596,7 +4325,7 @@
           <p:cNvPr id="5" name="日付プレースホルダー 4">
             <a:extLst>
               <a:ext uri="{FF2B5EF4-FFF2-40B4-BE49-F238E27FC236}">
-                <a16:creationId xmlns:a16="http://schemas.microsoft.com/office/drawing/2014/main" id="{7D468E9B-1DC4-4ED8-8C61-F176674872EB}"/>
+                <a16:creationId xmlns:a16="http://schemas.microsoft.com/office/drawing/2014/main" id="{E094DD6E-5F75-41C5-BE79-80CB7F5022F7}"/>
               </a:ext>
             </a:extLst>
           </p:cNvPr>
@@ -3614,7 +4343,7 @@
           <a:p>
             <a:fld id="{4A6B28F3-BB62-4EA0-99DF-EF5932BC4FCF}" type="datetimeFigureOut">
               <a:rPr kumimoji="1" lang="ja-JP" altLang="en-US" smtClean="0"/>
-              <a:t>2021/12/7</a:t>
+              <a:t>2021/12/8</a:t>
             </a:fld>
             <a:endParaRPr kumimoji="1" lang="ja-JP" altLang="en-US"/>
           </a:p>
@@ -3625,7 +4354,7 @@
           <p:cNvPr id="6" name="フッター プレースホルダー 5">
             <a:extLst>
               <a:ext uri="{FF2B5EF4-FFF2-40B4-BE49-F238E27FC236}">
-                <a16:creationId xmlns:a16="http://schemas.microsoft.com/office/drawing/2014/main" id="{D8315AC6-56FE-427E-AC71-C483C04431AC}"/>
+                <a16:creationId xmlns:a16="http://schemas.microsoft.com/office/drawing/2014/main" id="{C95C2757-72CA-4B9B-9F80-675E00FE0113}"/>
               </a:ext>
             </a:extLst>
           </p:cNvPr>
@@ -3650,7 +4379,7 @@
           <p:cNvPr id="7" name="スライド番号プレースホルダー 6">
             <a:extLst>
               <a:ext uri="{FF2B5EF4-FFF2-40B4-BE49-F238E27FC236}">
-                <a16:creationId xmlns:a16="http://schemas.microsoft.com/office/drawing/2014/main" id="{C069353A-D6FC-401F-B4AC-BFE861656BDC}"/>
+                <a16:creationId xmlns:a16="http://schemas.microsoft.com/office/drawing/2014/main" id="{EED1F584-7743-499D-BD0C-9E9173CEB6C6}"/>
               </a:ext>
             </a:extLst>
           </p:cNvPr>
@@ -3677,7 +4406,7 @@
     </p:spTree>
     <p:extLst>
       <p:ext uri="{BB962C8B-B14F-4D97-AF65-F5344CB8AC3E}">
-        <p14:creationId xmlns:p14="http://schemas.microsoft.com/office/powerpoint/2010/main" val="3661942884"/>
+        <p14:creationId xmlns:p14="http://schemas.microsoft.com/office/powerpoint/2010/main" val="3120081590"/>
       </p:ext>
     </p:extLst>
   </p:cSld>
@@ -3721,7 +4450,7 @@
           <p:cNvPr id="2" name="タイトル 1">
             <a:extLst>
               <a:ext uri="{FF2B5EF4-FFF2-40B4-BE49-F238E27FC236}">
-                <a16:creationId xmlns:a16="http://schemas.microsoft.com/office/drawing/2014/main" id="{D8FF409F-13B3-4D85-A220-5212B16D05E7}"/>
+                <a16:creationId xmlns:a16="http://schemas.microsoft.com/office/drawing/2014/main" id="{86FB4BBF-893B-4E5F-BFD1-C018D03C2EEB}"/>
               </a:ext>
             </a:extLst>
           </p:cNvPr>
@@ -3758,7 +4487,7 @@
           <p:cNvPr id="3" name="図プレースホルダー 2">
             <a:extLst>
               <a:ext uri="{FF2B5EF4-FFF2-40B4-BE49-F238E27FC236}">
-                <a16:creationId xmlns:a16="http://schemas.microsoft.com/office/drawing/2014/main" id="{A37982A2-F46C-441C-A82A-201A5B1FFCBD}"/>
+                <a16:creationId xmlns:a16="http://schemas.microsoft.com/office/drawing/2014/main" id="{6058DAA5-5AE3-4452-8FA3-5E4D691FA20F}"/>
               </a:ext>
             </a:extLst>
           </p:cNvPr>
@@ -3825,7 +4554,7 @@
           <p:cNvPr id="4" name="テキスト プレースホルダー 3">
             <a:extLst>
               <a:ext uri="{FF2B5EF4-FFF2-40B4-BE49-F238E27FC236}">
-                <a16:creationId xmlns:a16="http://schemas.microsoft.com/office/drawing/2014/main" id="{721A4F52-9A85-4780-846C-1719B57E53C8}"/>
+                <a16:creationId xmlns:a16="http://schemas.microsoft.com/office/drawing/2014/main" id="{5DB110E4-F842-4C23-9EF0-EDB503079F7D}"/>
               </a:ext>
             </a:extLst>
           </p:cNvPr>
@@ -3896,7 +4625,7 @@
           <p:cNvPr id="5" name="日付プレースホルダー 4">
             <a:extLst>
               <a:ext uri="{FF2B5EF4-FFF2-40B4-BE49-F238E27FC236}">
-                <a16:creationId xmlns:a16="http://schemas.microsoft.com/office/drawing/2014/main" id="{80A4608A-C600-459A-871A-298F5A9B9498}"/>
+                <a16:creationId xmlns:a16="http://schemas.microsoft.com/office/drawing/2014/main" id="{F7585FC5-2AF8-486A-B853-CBC6480F7B40}"/>
               </a:ext>
             </a:extLst>
           </p:cNvPr>
@@ -3914,7 +4643,7 @@
           <a:p>
             <a:fld id="{4A6B28F3-BB62-4EA0-99DF-EF5932BC4FCF}" type="datetimeFigureOut">
               <a:rPr kumimoji="1" lang="ja-JP" altLang="en-US" smtClean="0"/>
-              <a:t>2021/12/7</a:t>
+              <a:t>2021/12/8</a:t>
             </a:fld>
             <a:endParaRPr kumimoji="1" lang="ja-JP" altLang="en-US"/>
           </a:p>
@@ -3925,7 +4654,7 @@
           <p:cNvPr id="6" name="フッター プレースホルダー 5">
             <a:extLst>
               <a:ext uri="{FF2B5EF4-FFF2-40B4-BE49-F238E27FC236}">
-                <a16:creationId xmlns:a16="http://schemas.microsoft.com/office/drawing/2014/main" id="{6CA1001D-BEF1-4855-9336-C15C2882B6D9}"/>
+                <a16:creationId xmlns:a16="http://schemas.microsoft.com/office/drawing/2014/main" id="{CAA75C11-6E9B-4E28-BC07-452B7CEE0E92}"/>
               </a:ext>
             </a:extLst>
           </p:cNvPr>
@@ -3950,7 +4679,7 @@
           <p:cNvPr id="7" name="スライド番号プレースホルダー 6">
             <a:extLst>
               <a:ext uri="{FF2B5EF4-FFF2-40B4-BE49-F238E27FC236}">
-                <a16:creationId xmlns:a16="http://schemas.microsoft.com/office/drawing/2014/main" id="{EFD47054-31F9-4F1E-AE93-4501CAE061EA}"/>
+                <a16:creationId xmlns:a16="http://schemas.microsoft.com/office/drawing/2014/main" id="{F54173BA-3852-4697-BD92-6793003B5032}"/>
               </a:ext>
             </a:extLst>
           </p:cNvPr>
@@ -3977,7 +4706,7 @@
     </p:spTree>
     <p:extLst>
       <p:ext uri="{BB962C8B-B14F-4D97-AF65-F5344CB8AC3E}">
-        <p14:creationId xmlns:p14="http://schemas.microsoft.com/office/powerpoint/2010/main" val="4075236668"/>
+        <p14:creationId xmlns:p14="http://schemas.microsoft.com/office/powerpoint/2010/main" val="3765143402"/>
       </p:ext>
     </p:extLst>
   </p:cSld>
@@ -4003,9 +4732,30 @@
 <p:sldMaster xmlns:a="http://schemas.openxmlformats.org/drawingml/2006/main" xmlns:r="http://schemas.openxmlformats.org/officeDocument/2006/relationships" xmlns:p="http://schemas.openxmlformats.org/presentationml/2006/main">
   <p:cSld>
     <p:bg>
-      <p:bgRef idx="1001">
-        <a:schemeClr val="bg1"/>
-      </p:bgRef>
+      <p:bgPr>
+        <a:gradFill flip="none" rotWithShape="1">
+          <a:gsLst>
+            <a:gs pos="61000">
+              <a:srgbClr val="DCEBD6"/>
+            </a:gs>
+            <a:gs pos="0">
+              <a:schemeClr val="accent1">
+                <a:lumMod val="5000"/>
+                <a:lumOff val="95000"/>
+              </a:schemeClr>
+            </a:gs>
+            <a:gs pos="96000">
+              <a:schemeClr val="accent6">
+                <a:lumMod val="40000"/>
+                <a:lumOff val="60000"/>
+              </a:schemeClr>
+            </a:gs>
+          </a:gsLst>
+          <a:lin ang="5400000" scaled="1"/>
+          <a:tileRect/>
+        </a:gradFill>
+        <a:effectLst/>
+      </p:bgPr>
     </p:bg>
     <p:spTree>
       <p:nvGrpSpPr>
@@ -4026,7 +4776,7 @@
           <p:cNvPr id="2" name="タイトル プレースホルダー 1">
             <a:extLst>
               <a:ext uri="{FF2B5EF4-FFF2-40B4-BE49-F238E27FC236}">
-                <a16:creationId xmlns:a16="http://schemas.microsoft.com/office/drawing/2014/main" id="{180C59BC-04FF-4EA2-B333-78FFA0D09A16}"/>
+                <a16:creationId xmlns:a16="http://schemas.microsoft.com/office/drawing/2014/main" id="{54EC263B-1424-4CF7-8B49-A84C5A72089D}"/>
               </a:ext>
             </a:extLst>
           </p:cNvPr>
@@ -4064,7 +4814,7 @@
           <p:cNvPr id="3" name="テキスト プレースホルダー 2">
             <a:extLst>
               <a:ext uri="{FF2B5EF4-FFF2-40B4-BE49-F238E27FC236}">
-                <a16:creationId xmlns:a16="http://schemas.microsoft.com/office/drawing/2014/main" id="{4AD9F650-C0AA-445F-9711-100656A5EB04}"/>
+                <a16:creationId xmlns:a16="http://schemas.microsoft.com/office/drawing/2014/main" id="{E5A9A152-1C48-4B40-9961-25350E6F24FD}"/>
               </a:ext>
             </a:extLst>
           </p:cNvPr>
@@ -4163,7 +4913,7 @@
           <p:cNvPr id="4" name="日付プレースホルダー 3">
             <a:extLst>
               <a:ext uri="{FF2B5EF4-FFF2-40B4-BE49-F238E27FC236}">
-                <a16:creationId xmlns:a16="http://schemas.microsoft.com/office/drawing/2014/main" id="{3446951A-7CD5-49D7-A2F9-6566ECEC9E49}"/>
+                <a16:creationId xmlns:a16="http://schemas.microsoft.com/office/drawing/2014/main" id="{6E836DC4-2349-4529-B33A-BD9F04051E65}"/>
               </a:ext>
             </a:extLst>
           </p:cNvPr>
@@ -4199,7 +4949,7 @@
           <a:p>
             <a:fld id="{4A6B28F3-BB62-4EA0-99DF-EF5932BC4FCF}" type="datetimeFigureOut">
               <a:rPr kumimoji="1" lang="ja-JP" altLang="en-US" smtClean="0"/>
-              <a:t>2021/12/7</a:t>
+              <a:t>2021/12/8</a:t>
             </a:fld>
             <a:endParaRPr kumimoji="1" lang="ja-JP" altLang="en-US"/>
           </a:p>
@@ -4210,7 +4960,7 @@
           <p:cNvPr id="5" name="フッター プレースホルダー 4">
             <a:extLst>
               <a:ext uri="{FF2B5EF4-FFF2-40B4-BE49-F238E27FC236}">
-                <a16:creationId xmlns:a16="http://schemas.microsoft.com/office/drawing/2014/main" id="{AA5DEDDB-72C5-4455-B568-CA6B15D4D703}"/>
+                <a16:creationId xmlns:a16="http://schemas.microsoft.com/office/drawing/2014/main" id="{FB1416BE-88C9-4884-A3C0-2019C2F4BE50}"/>
               </a:ext>
             </a:extLst>
           </p:cNvPr>
@@ -4253,7 +5003,7 @@
           <p:cNvPr id="6" name="スライド番号プレースホルダー 5">
             <a:extLst>
               <a:ext uri="{FF2B5EF4-FFF2-40B4-BE49-F238E27FC236}">
-                <a16:creationId xmlns:a16="http://schemas.microsoft.com/office/drawing/2014/main" id="{2CACE888-140A-4366-A024-A05DA239B76E}"/>
+                <a16:creationId xmlns:a16="http://schemas.microsoft.com/office/drawing/2014/main" id="{3A636D91-BC92-4517-8365-522689219206}"/>
               </a:ext>
             </a:extLst>
           </p:cNvPr>
@@ -4298,23 +5048,23 @@
     </p:spTree>
     <p:extLst>
       <p:ext uri="{BB962C8B-B14F-4D97-AF65-F5344CB8AC3E}">
-        <p14:creationId xmlns:p14="http://schemas.microsoft.com/office/powerpoint/2010/main" val="213414411"/>
+        <p14:creationId xmlns:p14="http://schemas.microsoft.com/office/powerpoint/2010/main" val="4279658709"/>
       </p:ext>
     </p:extLst>
   </p:cSld>
   <p:clrMap bg1="lt1" tx1="dk1" bg2="lt2" tx2="dk2" accent1="accent1" accent2="accent2" accent3="accent3" accent4="accent4" accent5="accent5" accent6="accent6" hlink="hlink" folHlink="folHlink"/>
   <p:sldLayoutIdLst>
-    <p:sldLayoutId id="2147483937" r:id="rId1"/>
-    <p:sldLayoutId id="2147483938" r:id="rId2"/>
-    <p:sldLayoutId id="2147483939" r:id="rId3"/>
-    <p:sldLayoutId id="2147483940" r:id="rId4"/>
-    <p:sldLayoutId id="2147483941" r:id="rId5"/>
-    <p:sldLayoutId id="2147483942" r:id="rId6"/>
-    <p:sldLayoutId id="2147483943" r:id="rId7"/>
-    <p:sldLayoutId id="2147483944" r:id="rId8"/>
-    <p:sldLayoutId id="2147483945" r:id="rId9"/>
-    <p:sldLayoutId id="2147483946" r:id="rId10"/>
-    <p:sldLayoutId id="2147483947" r:id="rId11"/>
+    <p:sldLayoutId id="2147483697" r:id="rId1"/>
+    <p:sldLayoutId id="2147483698" r:id="rId2"/>
+    <p:sldLayoutId id="2147483699" r:id="rId3"/>
+    <p:sldLayoutId id="2147483700" r:id="rId4"/>
+    <p:sldLayoutId id="2147483701" r:id="rId5"/>
+    <p:sldLayoutId id="2147483702" r:id="rId6"/>
+    <p:sldLayoutId id="2147483703" r:id="rId7"/>
+    <p:sldLayoutId id="2147483704" r:id="rId8"/>
+    <p:sldLayoutId id="2147483705" r:id="rId9"/>
+    <p:sldLayoutId id="2147483706" r:id="rId10"/>
+    <p:sldLayoutId id="2147483707" r:id="rId11"/>
   </p:sldLayoutIdLst>
   <mc:AlternateContent xmlns:mc="http://schemas.openxmlformats.org/markup-compatibility/2006" xmlns:p14="http://schemas.microsoft.com/office/powerpoint/2010/main">
     <mc:Choice Requires="p14">
@@ -4630,90 +5380,73 @@
       </p:grpSpPr>
       <p:sp>
         <p:nvSpPr>
-          <p:cNvPr id="3" name="タイトル 2">
-            <a:extLst>
-              <a:ext uri="{FF2B5EF4-FFF2-40B4-BE49-F238E27FC236}">
-                <a16:creationId xmlns:a16="http://schemas.microsoft.com/office/drawing/2014/main" id="{85AE313F-C27B-4496-937E-35B11C5D3755}"/>
-              </a:ext>
-            </a:extLst>
-          </p:cNvPr>
-          <p:cNvSpPr>
-            <a:spLocks noGrp="1"/>
-          </p:cNvSpPr>
-          <p:nvPr>
-            <p:ph type="title"/>
-          </p:nvPr>
+          <p:cNvPr id="9" name="テキスト ボックス 8">
+            <a:extLst>
+              <a:ext uri="{FF2B5EF4-FFF2-40B4-BE49-F238E27FC236}">
+                <a16:creationId xmlns:a16="http://schemas.microsoft.com/office/drawing/2014/main" id="{9A1FF739-FC77-4A47-80C8-273F8A86C4BA}"/>
+              </a:ext>
+            </a:extLst>
+          </p:cNvPr>
+          <p:cNvSpPr txBox="1"/>
+          <p:nvPr/>
         </p:nvSpPr>
         <p:spPr>
           <a:xfrm>
-            <a:off x="482600" y="482600"/>
-            <a:ext cx="8225972" cy="889000"/>
+            <a:off x="6666631" y="2305615"/>
+            <a:ext cx="4206649" cy="2246769"/>
           </a:xfrm>
+          <a:prstGeom prst="rect">
+            <a:avLst/>
+          </a:prstGeom>
+          <a:noFill/>
         </p:spPr>
         <p:txBody>
-          <a:bodyPr>
-            <a:noAutofit/>
+          <a:bodyPr wrap="square" rtlCol="0">
+            <a:spAutoFit/>
           </a:bodyPr>
           <a:lstStyle/>
           <a:p>
-            <a:pPr rtl="0" eaLnBrk="1" latinLnBrk="0" hangingPunct="1"/>
-            <a:r>
-              <a:rPr kumimoji="1" lang="en-US" altLang="ja-JP" sz="6000" b="1" kern="1200" dirty="0">
-                <a:solidFill>
-                  <a:srgbClr val="000000"/>
-                </a:solidFill>
-                <a:effectLst/>
-                <a:latin typeface="游ゴシック" panose="020B0400000000000000" pitchFamily="50" charset="-128"/>
-                <a:ea typeface="游ゴシック" panose="020B0400000000000000" pitchFamily="50" charset="-128"/>
-                <a:cs typeface="+mn-cs"/>
-              </a:rPr>
-              <a:t>bit composer</a:t>
-            </a:r>
-            <a:r>
-              <a:rPr kumimoji="1" lang="ja-JP" altLang="ja-JP" sz="6000" b="1" kern="1200" dirty="0">
-                <a:solidFill>
-                  <a:srgbClr val="000000"/>
-                </a:solidFill>
-                <a:effectLst/>
-                <a:latin typeface="游ゴシック" panose="020B0400000000000000" pitchFamily="50" charset="-128"/>
-                <a:ea typeface="游ゴシック" panose="020B0400000000000000" pitchFamily="50" charset="-128"/>
-                <a:cs typeface="+mn-cs"/>
-              </a:rPr>
-              <a:t>開発状況</a:t>
-            </a:r>
-            <a:r>
-              <a:rPr kumimoji="1" lang="en-US" altLang="ja-JP" sz="6000" b="1" kern="1200" dirty="0">
-                <a:solidFill>
-                  <a:srgbClr val="000000"/>
-                </a:solidFill>
-                <a:effectLst/>
-                <a:latin typeface="游ゴシック" panose="020B0400000000000000" pitchFamily="50" charset="-128"/>
-                <a:ea typeface="游ゴシック" panose="020B0400000000000000" pitchFamily="50" charset="-128"/>
-                <a:cs typeface="+mn-cs"/>
-              </a:rPr>
-              <a:t>  </a:t>
-            </a:r>
-            <a:endParaRPr lang="ja-JP" altLang="ja-JP" sz="6000" b="1" dirty="0">
-              <a:effectLst/>
-            </a:endParaRPr>
+            <a:r>
+              <a:rPr kumimoji="1" lang="ja-JP" altLang="en-US" sz="3200" dirty="0"/>
+              <a:t>メンバー</a:t>
+            </a:r>
+            <a:endParaRPr kumimoji="1" lang="en-US" altLang="ja-JP" sz="3200" dirty="0"/>
+          </a:p>
+          <a:p>
+            <a:r>
+              <a:rPr kumimoji="1" lang="ja-JP" altLang="en-US" sz="3600" dirty="0"/>
+              <a:t>野崎　拓海</a:t>
+            </a:r>
+            <a:endParaRPr kumimoji="1" lang="en-US" altLang="ja-JP" sz="3600" dirty="0"/>
+          </a:p>
+          <a:p>
+            <a:r>
+              <a:rPr lang="ja-JP" altLang="en-US" sz="3600" dirty="0"/>
+              <a:t>吉川　孟志</a:t>
+            </a:r>
+            <a:endParaRPr lang="en-US" altLang="ja-JP" sz="3600" dirty="0"/>
+          </a:p>
+          <a:p>
+            <a:r>
+              <a:rPr kumimoji="1" lang="ja-JP" altLang="en-US" sz="3600" dirty="0"/>
+              <a:t>長島　光琉</a:t>
+            </a:r>
           </a:p>
         </p:txBody>
       </p:sp>
       <p:pic>
         <p:nvPicPr>
-          <p:cNvPr id="8" name="コンテンツ プレースホルダー 7">
-            <a:extLst>
-              <a:ext uri="{FF2B5EF4-FFF2-40B4-BE49-F238E27FC236}">
-                <a16:creationId xmlns:a16="http://schemas.microsoft.com/office/drawing/2014/main" id="{850B6B2C-509A-40E5-8D54-6C8B0B225B4D}"/>
+          <p:cNvPr id="4" name="図 3">
+            <a:extLst>
+              <a:ext uri="{FF2B5EF4-FFF2-40B4-BE49-F238E27FC236}">
+                <a16:creationId xmlns:a16="http://schemas.microsoft.com/office/drawing/2014/main" id="{0A9ECB24-C7E6-4BFC-8CCD-BF041ABDCFA8}"/>
               </a:ext>
             </a:extLst>
           </p:cNvPr>
           <p:cNvPicPr>
-            <a:picLocks noGrp="1" noChangeAspect="1"/>
+            <a:picLocks noChangeAspect="1"/>
           </p:cNvPicPr>
-          <p:nvPr>
-            <p:ph idx="1"/>
-          </p:nvPr>
+          <p:nvPr/>
         </p:nvPicPr>
         <p:blipFill>
           <a:blip r:embed="rId3">
@@ -4729,67 +5462,14 @@
         </p:blipFill>
         <p:spPr>
           <a:xfrm>
-            <a:off x="5143367" y="3048661"/>
-            <a:ext cx="1905266" cy="1905266"/>
-          </a:xfrm>
-        </p:spPr>
-      </p:pic>
-      <p:sp>
-        <p:nvSpPr>
-          <p:cNvPr id="9" name="テキスト ボックス 8">
-            <a:extLst>
-              <a:ext uri="{FF2B5EF4-FFF2-40B4-BE49-F238E27FC236}">
-                <a16:creationId xmlns:a16="http://schemas.microsoft.com/office/drawing/2014/main" id="{9A1FF739-FC77-4A47-80C8-273F8A86C4BA}"/>
-              </a:ext>
-            </a:extLst>
-          </p:cNvPr>
-          <p:cNvSpPr txBox="1"/>
-          <p:nvPr/>
-        </p:nvSpPr>
-        <p:spPr>
-          <a:xfrm>
-            <a:off x="482600" y="1574800"/>
-            <a:ext cx="4206649" cy="2062103"/>
+            <a:off x="863200" y="705696"/>
+            <a:ext cx="4662171" cy="4662171"/>
           </a:xfrm>
           <a:prstGeom prst="rect">
             <a:avLst/>
           </a:prstGeom>
-          <a:noFill/>
         </p:spPr>
-        <p:txBody>
-          <a:bodyPr wrap="square" rtlCol="0">
-            <a:spAutoFit/>
-          </a:bodyPr>
-          <a:lstStyle/>
-          <a:p>
-            <a:r>
-              <a:rPr kumimoji="1" lang="ja-JP" altLang="en-US" sz="3200" dirty="0"/>
-              <a:t>メンバー</a:t>
-            </a:r>
-            <a:endParaRPr kumimoji="1" lang="en-US" altLang="ja-JP" sz="3200" dirty="0"/>
-          </a:p>
-          <a:p>
-            <a:r>
-              <a:rPr kumimoji="1" lang="ja-JP" altLang="en-US" sz="3200" dirty="0"/>
-              <a:t>野崎　拓海</a:t>
-            </a:r>
-            <a:endParaRPr kumimoji="1" lang="en-US" altLang="ja-JP" sz="3200" dirty="0"/>
-          </a:p>
-          <a:p>
-            <a:r>
-              <a:rPr lang="ja-JP" altLang="en-US" sz="3200" dirty="0"/>
-              <a:t>吉川　孟志</a:t>
-            </a:r>
-            <a:endParaRPr lang="en-US" altLang="ja-JP" sz="3200" dirty="0"/>
-          </a:p>
-          <a:p>
-            <a:r>
-              <a:rPr kumimoji="1" lang="ja-JP" altLang="en-US" sz="3200" dirty="0"/>
-              <a:t>長島　光琉</a:t>
-            </a:r>
-          </a:p>
-        </p:txBody>
-      </p:sp>
+      </p:pic>
     </p:spTree>
     <p:extLst>
       <p:ext uri="{BB962C8B-B14F-4D97-AF65-F5344CB8AC3E}">
@@ -4837,1548 +5517,6 @@
           <p:cNvPr id="2" name="タイトル 1">
             <a:extLst>
               <a:ext uri="{FF2B5EF4-FFF2-40B4-BE49-F238E27FC236}">
-                <a16:creationId xmlns:a16="http://schemas.microsoft.com/office/drawing/2014/main" id="{18F0CC66-E5ED-4F1F-9896-8EB2C725114E}"/>
-              </a:ext>
-            </a:extLst>
-          </p:cNvPr>
-          <p:cNvSpPr>
-            <a:spLocks noGrp="1"/>
-          </p:cNvSpPr>
-          <p:nvPr>
-            <p:ph type="title"/>
-          </p:nvPr>
-        </p:nvSpPr>
-        <p:spPr/>
-        <p:txBody>
-          <a:bodyPr/>
-          <a:lstStyle/>
-          <a:p>
-            <a:r>
-              <a:rPr kumimoji="1" lang="ja-JP" altLang="en-US" dirty="0"/>
-              <a:t>実際に学習させたもの</a:t>
-            </a:r>
-            <a:r>
-              <a:rPr kumimoji="1" lang="en-US" altLang="ja-JP" dirty="0"/>
-              <a:t>2</a:t>
-            </a:r>
-            <a:endParaRPr kumimoji="1" lang="ja-JP" altLang="en-US" dirty="0"/>
-          </a:p>
-        </p:txBody>
-      </p:sp>
-      <p:pic>
-        <p:nvPicPr>
-          <p:cNvPr id="3" name="test_output2">
-            <a:hlinkClick r:id="" action="ppaction://media"/>
-            <a:extLst>
-              <a:ext uri="{FF2B5EF4-FFF2-40B4-BE49-F238E27FC236}">
-                <a16:creationId xmlns:a16="http://schemas.microsoft.com/office/drawing/2014/main" id="{FE06A747-B449-4823-9B78-1E25F9C859B9}"/>
-              </a:ext>
-            </a:extLst>
-          </p:cNvPr>
-          <p:cNvPicPr>
-            <a:picLocks noChangeAspect="1"/>
-          </p:cNvPicPr>
-          <p:nvPr>
-            <a:audioFile r:link="rId2"/>
-            <p:extLst>
-              <p:ext uri="{DAA4B4D4-6D71-4841-9C94-3DE7FCFB9230}">
-                <p14:media xmlns:p14="http://schemas.microsoft.com/office/powerpoint/2010/main" r:embed="rId1"/>
-              </p:ext>
-            </p:extLst>
-          </p:nvPr>
-        </p:nvPicPr>
-        <p:blipFill>
-          <a:blip r:embed="rId4"/>
-          <a:stretch>
-            <a:fillRect/>
-          </a:stretch>
-        </p:blipFill>
-        <p:spPr>
-          <a:xfrm>
-            <a:off x="1150375" y="3989438"/>
-            <a:ext cx="2448232" cy="1629696"/>
-          </a:xfrm>
-          <a:prstGeom prst="rect">
-            <a:avLst/>
-          </a:prstGeom>
-        </p:spPr>
-      </p:pic>
-      <p:sp>
-        <p:nvSpPr>
-          <p:cNvPr id="4" name="テキスト ボックス 3">
-            <a:extLst>
-              <a:ext uri="{FF2B5EF4-FFF2-40B4-BE49-F238E27FC236}">
-                <a16:creationId xmlns:a16="http://schemas.microsoft.com/office/drawing/2014/main" id="{D3BFC2FA-6912-4A9A-B878-15BFDC33F917}"/>
-              </a:ext>
-            </a:extLst>
-          </p:cNvPr>
-          <p:cNvSpPr txBox="1"/>
-          <p:nvPr/>
-        </p:nvSpPr>
-        <p:spPr>
-          <a:xfrm>
-            <a:off x="838201" y="1690688"/>
-            <a:ext cx="3881284" cy="1754326"/>
-          </a:xfrm>
-          <a:prstGeom prst="rect">
-            <a:avLst/>
-          </a:prstGeom>
-          <a:noFill/>
-        </p:spPr>
-        <p:txBody>
-          <a:bodyPr wrap="square" rtlCol="0">
-            <a:spAutoFit/>
-          </a:bodyPr>
-          <a:lstStyle/>
-          <a:p>
-            <a:r>
-              <a:rPr kumimoji="1" lang="en-US" altLang="ja-JP" sz="5400" dirty="0"/>
-              <a:t>12</a:t>
-            </a:r>
-            <a:r>
-              <a:rPr kumimoji="1" lang="ja-JP" altLang="en-US" sz="5400" dirty="0"/>
-              <a:t>月</a:t>
-            </a:r>
-            <a:r>
-              <a:rPr kumimoji="1" lang="en-US" altLang="ja-JP" sz="5400" dirty="0"/>
-              <a:t>08</a:t>
-            </a:r>
-            <a:r>
-              <a:rPr kumimoji="1" lang="ja-JP" altLang="en-US" sz="5400" dirty="0"/>
-              <a:t>日</a:t>
-            </a:r>
-            <a:endParaRPr kumimoji="1" lang="en-US" altLang="ja-JP" sz="5400" dirty="0"/>
-          </a:p>
-          <a:p>
-            <a:r>
-              <a:rPr kumimoji="1" lang="ja-JP" altLang="en-US" sz="5400" dirty="0"/>
-              <a:t>現在</a:t>
-            </a:r>
-          </a:p>
-        </p:txBody>
-      </p:sp>
-    </p:spTree>
-    <p:extLst>
-      <p:ext uri="{BB962C8B-B14F-4D97-AF65-F5344CB8AC3E}">
-        <p14:creationId xmlns:p14="http://schemas.microsoft.com/office/powerpoint/2010/main" val="3285759774"/>
-      </p:ext>
-    </p:extLst>
-  </p:cSld>
-  <p:clrMapOvr>
-    <a:masterClrMapping/>
-  </p:clrMapOvr>
-  <mc:AlternateContent xmlns:mc="http://schemas.openxmlformats.org/markup-compatibility/2006" xmlns:p14="http://schemas.microsoft.com/office/powerpoint/2010/main">
-    <mc:Choice Requires="p14">
-      <p:transition spd="slow" p14:dur="800">
-        <p:circle/>
-      </p:transition>
-    </mc:Choice>
-    <mc:Fallback xmlns="">
-      <p:transition spd="slow">
-        <p:circle/>
-      </p:transition>
-    </mc:Fallback>
-  </mc:AlternateContent>
-  <p:timing>
-    <p:tnLst>
-      <p:par>
-        <p:cTn id="1" dur="indefinite" restart="never" nodeType="tmRoot">
-          <p:childTnLst>
-            <p:seq concurrent="1" nextAc="seek">
-              <p:cTn id="2" dur="indefinite" nodeType="mainSeq">
-                <p:childTnLst>
-                  <p:par>
-                    <p:cTn id="3" fill="hold">
-                      <p:stCondLst>
-                        <p:cond delay="indefinite"/>
-                      </p:stCondLst>
-                      <p:childTnLst>
-                        <p:par>
-                          <p:cTn id="4" fill="hold">
-                            <p:stCondLst>
-                              <p:cond delay="0"/>
-                            </p:stCondLst>
-                            <p:childTnLst>
-                              <p:par>
-                                <p:cTn id="5" presetID="1" presetClass="mediacall" presetSubtype="0" fill="hold" nodeType="clickEffect">
-                                  <p:stCondLst>
-                                    <p:cond delay="0"/>
-                                  </p:stCondLst>
-                                  <p:childTnLst>
-                                    <p:cmd type="call" cmd="playFrom(0.0)">
-                                      <p:cBhvr>
-                                        <p:cTn id="6" dur="64824" fill="hold"/>
-                                        <p:tgtEl>
-                                          <p:spTgt spid="3"/>
-                                        </p:tgtEl>
-                                      </p:cBhvr>
-                                    </p:cmd>
-                                  </p:childTnLst>
-                                </p:cTn>
-                              </p:par>
-                            </p:childTnLst>
-                          </p:cTn>
-                        </p:par>
-                      </p:childTnLst>
-                    </p:cTn>
-                  </p:par>
-                </p:childTnLst>
-              </p:cTn>
-              <p:prevCondLst>
-                <p:cond evt="onPrev" delay="0">
-                  <p:tgtEl>
-                    <p:sldTgt/>
-                  </p:tgtEl>
-                </p:cond>
-              </p:prevCondLst>
-              <p:nextCondLst>
-                <p:cond evt="onNext" delay="0">
-                  <p:tgtEl>
-                    <p:sldTgt/>
-                  </p:tgtEl>
-                </p:cond>
-              </p:nextCondLst>
-            </p:seq>
-            <p:audio>
-              <p:cMediaNode vol="80000">
-                <p:cTn id="7" fill="hold" display="0">
-                  <p:stCondLst>
-                    <p:cond delay="indefinite"/>
-                  </p:stCondLst>
-                  <p:endCondLst>
-                    <p:cond evt="onStopAudio" delay="0">
-                      <p:tgtEl>
-                        <p:sldTgt/>
-                      </p:tgtEl>
-                    </p:cond>
-                  </p:endCondLst>
-                </p:cTn>
-                <p:tgtEl>
-                  <p:spTgt spid="3"/>
-                </p:tgtEl>
-              </p:cMediaNode>
-            </p:audio>
-          </p:childTnLst>
-        </p:cTn>
-      </p:par>
-    </p:tnLst>
-  </p:timing>
-</p:sld>
-</file>
-
-<file path=ppt/slides/slide11.xml><?xml version="1.0" encoding="utf-8"?>
-<p:sld xmlns:a="http://schemas.openxmlformats.org/drawingml/2006/main" xmlns:r="http://schemas.openxmlformats.org/officeDocument/2006/relationships" xmlns:p="http://schemas.openxmlformats.org/presentationml/2006/main">
-  <p:cSld>
-    <p:spTree>
-      <p:nvGrpSpPr>
-        <p:cNvPr id="1" name=""/>
-        <p:cNvGrpSpPr/>
-        <p:nvPr/>
-      </p:nvGrpSpPr>
-      <p:grpSpPr>
-        <a:xfrm>
-          <a:off x="0" y="0"/>
-          <a:ext cx="0" cy="0"/>
-          <a:chOff x="0" y="0"/>
-          <a:chExt cx="0" cy="0"/>
-        </a:xfrm>
-      </p:grpSpPr>
-      <p:sp>
-        <p:nvSpPr>
-          <p:cNvPr id="2" name="タイトル 1">
-            <a:extLst>
-              <a:ext uri="{FF2B5EF4-FFF2-40B4-BE49-F238E27FC236}">
-                <a16:creationId xmlns:a16="http://schemas.microsoft.com/office/drawing/2014/main" id="{BA9A9219-9278-403A-B8D5-EDCCED046F39}"/>
-              </a:ext>
-            </a:extLst>
-          </p:cNvPr>
-          <p:cNvSpPr>
-            <a:spLocks noGrp="1"/>
-          </p:cNvSpPr>
-          <p:nvPr>
-            <p:ph type="title"/>
-          </p:nvPr>
-        </p:nvSpPr>
-        <p:spPr>
-          <a:xfrm>
-            <a:off x="838200" y="365125"/>
-            <a:ext cx="10482943" cy="1325563"/>
-          </a:xfrm>
-        </p:spPr>
-        <p:txBody>
-          <a:bodyPr>
-            <a:noAutofit/>
-          </a:bodyPr>
-          <a:lstStyle/>
-          <a:p>
-            <a:r>
-              <a:rPr kumimoji="1" lang="en-US" altLang="ja-JP" sz="6600" dirty="0"/>
-              <a:t>Web</a:t>
-            </a:r>
-            <a:r>
-              <a:rPr kumimoji="1" lang="ja-JP" altLang="en-US" sz="6600" dirty="0"/>
-              <a:t>サイトの構成について</a:t>
-            </a:r>
-          </a:p>
-        </p:txBody>
-      </p:sp>
-      <p:sp>
-        <p:nvSpPr>
-          <p:cNvPr id="3" name="正方形/長方形 2">
-            <a:extLst>
-              <a:ext uri="{FF2B5EF4-FFF2-40B4-BE49-F238E27FC236}">
-                <a16:creationId xmlns:a16="http://schemas.microsoft.com/office/drawing/2014/main" id="{8BFBF496-0324-4510-9534-07196A3786A4}"/>
-              </a:ext>
-            </a:extLst>
-          </p:cNvPr>
-          <p:cNvSpPr/>
-          <p:nvPr/>
-        </p:nvSpPr>
-        <p:spPr>
-          <a:xfrm>
-            <a:off x="533400" y="2766218"/>
-            <a:ext cx="2939142" cy="1325563"/>
-          </a:xfrm>
-          <a:prstGeom prst="rect">
-            <a:avLst/>
-          </a:prstGeom>
-          <a:solidFill>
-            <a:srgbClr val="30C4D8"/>
-          </a:solidFill>
-        </p:spPr>
-        <p:style>
-          <a:lnRef idx="2">
-            <a:schemeClr val="accent1">
-              <a:shade val="50000"/>
-            </a:schemeClr>
-          </a:lnRef>
-          <a:fillRef idx="1">
-            <a:schemeClr val="accent1"/>
-          </a:fillRef>
-          <a:effectRef idx="0">
-            <a:schemeClr val="accent1"/>
-          </a:effectRef>
-          <a:fontRef idx="minor">
-            <a:schemeClr val="lt1"/>
-          </a:fontRef>
-        </p:style>
-        <p:txBody>
-          <a:bodyPr rtlCol="0" anchor="ctr"/>
-          <a:lstStyle/>
-          <a:p>
-            <a:pPr algn="ctr"/>
-            <a:r>
-              <a:rPr lang="ja-JP" altLang="en-US" sz="3600" dirty="0">
-                <a:solidFill>
-                  <a:srgbClr val="FF0000"/>
-                </a:solidFill>
-              </a:rPr>
-              <a:t>メインページ</a:t>
-            </a:r>
-            <a:endParaRPr kumimoji="1" lang="ja-JP" altLang="en-US" sz="3600" dirty="0">
-              <a:solidFill>
-                <a:srgbClr val="FF0000"/>
-              </a:solidFill>
-            </a:endParaRPr>
-          </a:p>
-        </p:txBody>
-      </p:sp>
-      <p:sp>
-        <p:nvSpPr>
-          <p:cNvPr id="13" name="正方形/長方形 12">
-            <a:extLst>
-              <a:ext uri="{FF2B5EF4-FFF2-40B4-BE49-F238E27FC236}">
-                <a16:creationId xmlns:a16="http://schemas.microsoft.com/office/drawing/2014/main" id="{C85F75CC-95B2-4956-A3CF-4A1F18BD1473}"/>
-              </a:ext>
-            </a:extLst>
-          </p:cNvPr>
-          <p:cNvSpPr/>
-          <p:nvPr/>
-        </p:nvSpPr>
-        <p:spPr>
-          <a:xfrm>
-            <a:off x="8866417" y="2766217"/>
-            <a:ext cx="2939142" cy="1325563"/>
-          </a:xfrm>
-          <a:prstGeom prst="rect">
-            <a:avLst/>
-          </a:prstGeom>
-          <a:solidFill>
-            <a:srgbClr val="30C4D8"/>
-          </a:solidFill>
-        </p:spPr>
-        <p:style>
-          <a:lnRef idx="2">
-            <a:schemeClr val="accent1">
-              <a:shade val="50000"/>
-            </a:schemeClr>
-          </a:lnRef>
-          <a:fillRef idx="1">
-            <a:schemeClr val="accent1"/>
-          </a:fillRef>
-          <a:effectRef idx="0">
-            <a:schemeClr val="accent1"/>
-          </a:effectRef>
-          <a:fontRef idx="minor">
-            <a:schemeClr val="lt1"/>
-          </a:fontRef>
-        </p:style>
-        <p:txBody>
-          <a:bodyPr rtlCol="0" anchor="ctr"/>
-          <a:lstStyle/>
-          <a:p>
-            <a:pPr algn="ctr"/>
-            <a:r>
-              <a:rPr lang="en-US" altLang="ja-JP" sz="3600" dirty="0">
-                <a:solidFill>
-                  <a:srgbClr val="FF0000"/>
-                </a:solidFill>
-              </a:rPr>
-              <a:t>MP3</a:t>
-            </a:r>
-            <a:r>
-              <a:rPr lang="ja-JP" altLang="en-US" sz="3600" dirty="0">
-                <a:solidFill>
-                  <a:srgbClr val="FF0000"/>
-                </a:solidFill>
-              </a:rPr>
-              <a:t>再生</a:t>
-            </a:r>
-          </a:p>
-        </p:txBody>
-      </p:sp>
-      <p:sp>
-        <p:nvSpPr>
-          <p:cNvPr id="14" name="正方形/長方形 13">
-            <a:extLst>
-              <a:ext uri="{FF2B5EF4-FFF2-40B4-BE49-F238E27FC236}">
-                <a16:creationId xmlns:a16="http://schemas.microsoft.com/office/drawing/2014/main" id="{03F592F8-5A4E-42C8-9DED-C3983CF34C3B}"/>
-              </a:ext>
-            </a:extLst>
-          </p:cNvPr>
-          <p:cNvSpPr/>
-          <p:nvPr/>
-        </p:nvSpPr>
-        <p:spPr>
-          <a:xfrm>
-            <a:off x="4626429" y="2766218"/>
-            <a:ext cx="2939142" cy="1325563"/>
-          </a:xfrm>
-          <a:prstGeom prst="rect">
-            <a:avLst/>
-          </a:prstGeom>
-          <a:solidFill>
-            <a:srgbClr val="30C4D8"/>
-          </a:solidFill>
-        </p:spPr>
-        <p:style>
-          <a:lnRef idx="2">
-            <a:schemeClr val="accent1">
-              <a:shade val="50000"/>
-            </a:schemeClr>
-          </a:lnRef>
-          <a:fillRef idx="1">
-            <a:schemeClr val="accent1"/>
-          </a:fillRef>
-          <a:effectRef idx="0">
-            <a:schemeClr val="accent1"/>
-          </a:effectRef>
-          <a:fontRef idx="minor">
-            <a:schemeClr val="lt1"/>
-          </a:fontRef>
-        </p:style>
-        <p:txBody>
-          <a:bodyPr rtlCol="0" anchor="ctr"/>
-          <a:lstStyle/>
-          <a:p>
-            <a:pPr algn="ctr"/>
-            <a:r>
-              <a:rPr lang="ja-JP" altLang="en-US" sz="3600" dirty="0">
-                <a:solidFill>
-                  <a:srgbClr val="FF0000"/>
-                </a:solidFill>
-              </a:rPr>
-              <a:t>鍵盤で作る</a:t>
-            </a:r>
-          </a:p>
-        </p:txBody>
-      </p:sp>
-      <p:sp>
-        <p:nvSpPr>
-          <p:cNvPr id="15" name="矢印: 右 14">
-            <a:extLst>
-              <a:ext uri="{FF2B5EF4-FFF2-40B4-BE49-F238E27FC236}">
-                <a16:creationId xmlns:a16="http://schemas.microsoft.com/office/drawing/2014/main" id="{40939430-E76D-45E6-BE05-E7A6BF664EA9}"/>
-              </a:ext>
-            </a:extLst>
-          </p:cNvPr>
-          <p:cNvSpPr/>
-          <p:nvPr/>
-        </p:nvSpPr>
-        <p:spPr>
-          <a:xfrm>
-            <a:off x="3608614" y="3048000"/>
-            <a:ext cx="881744" cy="849086"/>
-          </a:xfrm>
-          <a:prstGeom prst="rightArrow">
-            <a:avLst/>
-          </a:prstGeom>
-        </p:spPr>
-        <p:style>
-          <a:lnRef idx="2">
-            <a:schemeClr val="accent1">
-              <a:shade val="50000"/>
-            </a:schemeClr>
-          </a:lnRef>
-          <a:fillRef idx="1">
-            <a:schemeClr val="accent1"/>
-          </a:fillRef>
-          <a:effectRef idx="0">
-            <a:schemeClr val="accent1"/>
-          </a:effectRef>
-          <a:fontRef idx="minor">
-            <a:schemeClr val="lt1"/>
-          </a:fontRef>
-        </p:style>
-        <p:txBody>
-          <a:bodyPr rtlCol="0" anchor="ctr"/>
-          <a:lstStyle/>
-          <a:p>
-            <a:pPr algn="ctr"/>
-            <a:endParaRPr kumimoji="1" lang="ja-JP" altLang="en-US"/>
-          </a:p>
-        </p:txBody>
-      </p:sp>
-      <p:sp>
-        <p:nvSpPr>
-          <p:cNvPr id="16" name="矢印: 右 15">
-            <a:extLst>
-              <a:ext uri="{FF2B5EF4-FFF2-40B4-BE49-F238E27FC236}">
-                <a16:creationId xmlns:a16="http://schemas.microsoft.com/office/drawing/2014/main" id="{97068B83-2819-4185-ACE0-ECECE755B373}"/>
-              </a:ext>
-            </a:extLst>
-          </p:cNvPr>
-          <p:cNvSpPr/>
-          <p:nvPr/>
-        </p:nvSpPr>
-        <p:spPr>
-          <a:xfrm>
-            <a:off x="7775122" y="3048000"/>
-            <a:ext cx="881744" cy="849086"/>
-          </a:xfrm>
-          <a:prstGeom prst="rightArrow">
-            <a:avLst/>
-          </a:prstGeom>
-        </p:spPr>
-        <p:style>
-          <a:lnRef idx="2">
-            <a:schemeClr val="accent1">
-              <a:shade val="50000"/>
-            </a:schemeClr>
-          </a:lnRef>
-          <a:fillRef idx="1">
-            <a:schemeClr val="accent1"/>
-          </a:fillRef>
-          <a:effectRef idx="0">
-            <a:schemeClr val="accent1"/>
-          </a:effectRef>
-          <a:fontRef idx="minor">
-            <a:schemeClr val="lt1"/>
-          </a:fontRef>
-        </p:style>
-        <p:txBody>
-          <a:bodyPr rtlCol="0" anchor="ctr"/>
-          <a:lstStyle/>
-          <a:p>
-            <a:pPr algn="ctr"/>
-            <a:endParaRPr kumimoji="1" lang="ja-JP" altLang="en-US"/>
-          </a:p>
-        </p:txBody>
-      </p:sp>
-      <p:sp>
-        <p:nvSpPr>
-          <p:cNvPr id="25" name="正方形/長方形 24">
-            <a:extLst>
-              <a:ext uri="{FF2B5EF4-FFF2-40B4-BE49-F238E27FC236}">
-                <a16:creationId xmlns:a16="http://schemas.microsoft.com/office/drawing/2014/main" id="{D9CB968F-149F-4CE3-AAF8-F9D9FFB4B230}"/>
-              </a:ext>
-            </a:extLst>
-          </p:cNvPr>
-          <p:cNvSpPr/>
-          <p:nvPr/>
-        </p:nvSpPr>
-        <p:spPr>
-          <a:xfrm>
-            <a:off x="9974039" y="4091780"/>
-            <a:ext cx="723898" cy="1525249"/>
-          </a:xfrm>
-          <a:prstGeom prst="rect">
-            <a:avLst/>
-          </a:prstGeom>
-        </p:spPr>
-        <p:style>
-          <a:lnRef idx="2">
-            <a:schemeClr val="accent1">
-              <a:shade val="50000"/>
-            </a:schemeClr>
-          </a:lnRef>
-          <a:fillRef idx="1">
-            <a:schemeClr val="accent1"/>
-          </a:fillRef>
-          <a:effectRef idx="0">
-            <a:schemeClr val="accent1"/>
-          </a:effectRef>
-          <a:fontRef idx="minor">
-            <a:schemeClr val="lt1"/>
-          </a:fontRef>
-        </p:style>
-        <p:txBody>
-          <a:bodyPr rtlCol="0" anchor="ctr"/>
-          <a:lstStyle/>
-          <a:p>
-            <a:pPr algn="ctr"/>
-            <a:endParaRPr kumimoji="1" lang="ja-JP" altLang="en-US"/>
-          </a:p>
-        </p:txBody>
-      </p:sp>
-      <p:sp>
-        <p:nvSpPr>
-          <p:cNvPr id="26" name="矢印: 左 25">
-            <a:extLst>
-              <a:ext uri="{FF2B5EF4-FFF2-40B4-BE49-F238E27FC236}">
-                <a16:creationId xmlns:a16="http://schemas.microsoft.com/office/drawing/2014/main" id="{7A781439-AD8B-404D-8818-3F86741E86D7}"/>
-              </a:ext>
-            </a:extLst>
-          </p:cNvPr>
-          <p:cNvSpPr/>
-          <p:nvPr/>
-        </p:nvSpPr>
-        <p:spPr>
-          <a:xfrm>
-            <a:off x="7565571" y="4929072"/>
-            <a:ext cx="3132366" cy="1102862"/>
-          </a:xfrm>
-          <a:prstGeom prst="leftArrow">
-            <a:avLst/>
-          </a:prstGeom>
-        </p:spPr>
-        <p:style>
-          <a:lnRef idx="2">
-            <a:schemeClr val="accent1">
-              <a:shade val="50000"/>
-            </a:schemeClr>
-          </a:lnRef>
-          <a:fillRef idx="1">
-            <a:schemeClr val="accent1"/>
-          </a:fillRef>
-          <a:effectRef idx="0">
-            <a:schemeClr val="accent1"/>
-          </a:effectRef>
-          <a:fontRef idx="minor">
-            <a:schemeClr val="lt1"/>
-          </a:fontRef>
-        </p:style>
-        <p:txBody>
-          <a:bodyPr rtlCol="0" anchor="ctr"/>
-          <a:lstStyle/>
-          <a:p>
-            <a:pPr algn="ctr"/>
-            <a:endParaRPr kumimoji="1" lang="ja-JP" altLang="en-US"/>
-          </a:p>
-        </p:txBody>
-      </p:sp>
-      <p:sp>
-        <p:nvSpPr>
-          <p:cNvPr id="27" name="矢印: 左 26">
-            <a:extLst>
-              <a:ext uri="{FF2B5EF4-FFF2-40B4-BE49-F238E27FC236}">
-                <a16:creationId xmlns:a16="http://schemas.microsoft.com/office/drawing/2014/main" id="{49D6383B-8DB8-4205-813B-D33095FF7CB0}"/>
-              </a:ext>
-            </a:extLst>
-          </p:cNvPr>
-          <p:cNvSpPr/>
-          <p:nvPr/>
-        </p:nvSpPr>
-        <p:spPr>
-          <a:xfrm>
-            <a:off x="3766457" y="4929072"/>
-            <a:ext cx="3585486" cy="1102862"/>
-          </a:xfrm>
-          <a:prstGeom prst="leftArrow">
-            <a:avLst/>
-          </a:prstGeom>
-        </p:spPr>
-        <p:style>
-          <a:lnRef idx="2">
-            <a:schemeClr val="accent1">
-              <a:shade val="50000"/>
-            </a:schemeClr>
-          </a:lnRef>
-          <a:fillRef idx="1">
-            <a:schemeClr val="accent1"/>
-          </a:fillRef>
-          <a:effectRef idx="0">
-            <a:schemeClr val="accent1"/>
-          </a:effectRef>
-          <a:fontRef idx="minor">
-            <a:schemeClr val="lt1"/>
-          </a:fontRef>
-        </p:style>
-        <p:txBody>
-          <a:bodyPr rtlCol="0" anchor="ctr"/>
-          <a:lstStyle/>
-          <a:p>
-            <a:pPr algn="ctr"/>
-            <a:endParaRPr kumimoji="1" lang="ja-JP" altLang="en-US"/>
-          </a:p>
-        </p:txBody>
-      </p:sp>
-      <p:sp>
-        <p:nvSpPr>
-          <p:cNvPr id="28" name="正方形/長方形 27">
-            <a:extLst>
-              <a:ext uri="{FF2B5EF4-FFF2-40B4-BE49-F238E27FC236}">
-                <a16:creationId xmlns:a16="http://schemas.microsoft.com/office/drawing/2014/main" id="{52CDD50E-6F4B-4FBB-A4AB-FBBD5E067F09}"/>
-              </a:ext>
-            </a:extLst>
-          </p:cNvPr>
-          <p:cNvSpPr/>
-          <p:nvPr/>
-        </p:nvSpPr>
-        <p:spPr>
-          <a:xfrm>
-            <a:off x="1623058" y="5254398"/>
-            <a:ext cx="1978479" cy="565107"/>
-          </a:xfrm>
-          <a:prstGeom prst="rect">
-            <a:avLst/>
-          </a:prstGeom>
-        </p:spPr>
-        <p:style>
-          <a:lnRef idx="2">
-            <a:schemeClr val="accent1">
-              <a:shade val="50000"/>
-            </a:schemeClr>
-          </a:lnRef>
-          <a:fillRef idx="1">
-            <a:schemeClr val="accent1"/>
-          </a:fillRef>
-          <a:effectRef idx="0">
-            <a:schemeClr val="accent1"/>
-          </a:effectRef>
-          <a:fontRef idx="minor">
-            <a:schemeClr val="lt1"/>
-          </a:fontRef>
-        </p:style>
-        <p:txBody>
-          <a:bodyPr rtlCol="0" anchor="ctr"/>
-          <a:lstStyle/>
-          <a:p>
-            <a:pPr algn="ctr"/>
-            <a:endParaRPr kumimoji="1" lang="ja-JP" altLang="en-US" dirty="0"/>
-          </a:p>
-        </p:txBody>
-      </p:sp>
-      <p:sp>
-        <p:nvSpPr>
-          <p:cNvPr id="29" name="矢印: 上 28">
-            <a:extLst>
-              <a:ext uri="{FF2B5EF4-FFF2-40B4-BE49-F238E27FC236}">
-                <a16:creationId xmlns:a16="http://schemas.microsoft.com/office/drawing/2014/main" id="{E1B3789C-0DC5-458F-BDFB-B2F810F4A6E9}"/>
-              </a:ext>
-            </a:extLst>
-          </p:cNvPr>
-          <p:cNvSpPr/>
-          <p:nvPr/>
-        </p:nvSpPr>
-        <p:spPr>
-          <a:xfrm>
-            <a:off x="1494063" y="5617029"/>
-            <a:ext cx="45719" cy="45719"/>
-          </a:xfrm>
-          <a:prstGeom prst="upArrow">
-            <a:avLst/>
-          </a:prstGeom>
-        </p:spPr>
-        <p:style>
-          <a:lnRef idx="2">
-            <a:schemeClr val="accent1">
-              <a:shade val="50000"/>
-            </a:schemeClr>
-          </a:lnRef>
-          <a:fillRef idx="1">
-            <a:schemeClr val="accent1"/>
-          </a:fillRef>
-          <a:effectRef idx="0">
-            <a:schemeClr val="accent1"/>
-          </a:effectRef>
-          <a:fontRef idx="minor">
-            <a:schemeClr val="lt1"/>
-          </a:fontRef>
-        </p:style>
-        <p:txBody>
-          <a:bodyPr rtlCol="0" anchor="ctr"/>
-          <a:lstStyle/>
-          <a:p>
-            <a:pPr algn="ctr"/>
-            <a:endParaRPr kumimoji="1" lang="ja-JP" altLang="en-US"/>
-          </a:p>
-        </p:txBody>
-      </p:sp>
-      <p:sp>
-        <p:nvSpPr>
-          <p:cNvPr id="30" name="矢印: 上 29">
-            <a:extLst>
-              <a:ext uri="{FF2B5EF4-FFF2-40B4-BE49-F238E27FC236}">
-                <a16:creationId xmlns:a16="http://schemas.microsoft.com/office/drawing/2014/main" id="{06E37884-62F8-44A2-AF20-5568E580D08B}"/>
-              </a:ext>
-            </a:extLst>
-          </p:cNvPr>
-          <p:cNvSpPr/>
-          <p:nvPr/>
-        </p:nvSpPr>
-        <p:spPr>
-          <a:xfrm>
-            <a:off x="1297711" y="4294256"/>
-            <a:ext cx="1157698" cy="1525249"/>
-          </a:xfrm>
-          <a:prstGeom prst="upArrow">
-            <a:avLst/>
-          </a:prstGeom>
-        </p:spPr>
-        <p:style>
-          <a:lnRef idx="2">
-            <a:schemeClr val="accent1">
-              <a:shade val="50000"/>
-            </a:schemeClr>
-          </a:lnRef>
-          <a:fillRef idx="1">
-            <a:schemeClr val="accent1"/>
-          </a:fillRef>
-          <a:effectRef idx="0">
-            <a:schemeClr val="accent1"/>
-          </a:effectRef>
-          <a:fontRef idx="minor">
-            <a:schemeClr val="lt1"/>
-          </a:fontRef>
-        </p:style>
-        <p:txBody>
-          <a:bodyPr rtlCol="0" anchor="ctr"/>
-          <a:lstStyle/>
-          <a:p>
-            <a:pPr algn="ctr"/>
-            <a:endParaRPr kumimoji="1" lang="ja-JP" altLang="en-US"/>
-          </a:p>
-        </p:txBody>
-      </p:sp>
-    </p:spTree>
-    <p:extLst>
-      <p:ext uri="{BB962C8B-B14F-4D97-AF65-F5344CB8AC3E}">
-        <p14:creationId xmlns:p14="http://schemas.microsoft.com/office/powerpoint/2010/main" val="2809634978"/>
-      </p:ext>
-    </p:extLst>
-  </p:cSld>
-  <p:clrMapOvr>
-    <a:masterClrMapping/>
-  </p:clrMapOvr>
-  <mc:AlternateContent xmlns:mc="http://schemas.openxmlformats.org/markup-compatibility/2006" xmlns:p14="http://schemas.microsoft.com/office/powerpoint/2010/main">
-    <mc:Choice Requires="p14">
-      <p:transition spd="slow" p14:dur="800">
-        <p:circle/>
-      </p:transition>
-    </mc:Choice>
-    <mc:Fallback xmlns="">
-      <p:transition spd="slow">
-        <p:circle/>
-      </p:transition>
-    </mc:Fallback>
-  </mc:AlternateContent>
-</p:sld>
-</file>
-
-<file path=ppt/slides/slide12.xml><?xml version="1.0" encoding="utf-8"?>
-<p:sld xmlns:a="http://schemas.openxmlformats.org/drawingml/2006/main" xmlns:r="http://schemas.openxmlformats.org/officeDocument/2006/relationships" xmlns:p="http://schemas.openxmlformats.org/presentationml/2006/main">
-  <p:cSld>
-    <p:spTree>
-      <p:nvGrpSpPr>
-        <p:cNvPr id="1" name=""/>
-        <p:cNvGrpSpPr/>
-        <p:nvPr/>
-      </p:nvGrpSpPr>
-      <p:grpSpPr>
-        <a:xfrm>
-          <a:off x="0" y="0"/>
-          <a:ext cx="0" cy="0"/>
-          <a:chOff x="0" y="0"/>
-          <a:chExt cx="0" cy="0"/>
-        </a:xfrm>
-      </p:grpSpPr>
-      <p:sp>
-        <p:nvSpPr>
-          <p:cNvPr id="2" name="タイトル 1">
-            <a:extLst>
-              <a:ext uri="{FF2B5EF4-FFF2-40B4-BE49-F238E27FC236}">
-                <a16:creationId xmlns:a16="http://schemas.microsoft.com/office/drawing/2014/main" id="{53904E6E-A694-488E-9C0C-2B7BFD5AD725}"/>
-              </a:ext>
-            </a:extLst>
-          </p:cNvPr>
-          <p:cNvSpPr>
-            <a:spLocks noGrp="1"/>
-          </p:cNvSpPr>
-          <p:nvPr>
-            <p:ph type="title"/>
-          </p:nvPr>
-        </p:nvSpPr>
-        <p:spPr/>
-        <p:txBody>
-          <a:bodyPr>
-            <a:normAutofit/>
-          </a:bodyPr>
-          <a:lstStyle/>
-          <a:p>
-            <a:r>
-              <a:rPr kumimoji="1" lang="en-US" altLang="ja-JP" sz="8000" dirty="0" err="1"/>
-              <a:t>WebGUI</a:t>
-            </a:r>
-            <a:r>
-              <a:rPr kumimoji="1" lang="ja-JP" altLang="en-US" sz="8000" dirty="0"/>
-              <a:t>について</a:t>
-            </a:r>
-          </a:p>
-        </p:txBody>
-      </p:sp>
-      <p:sp>
-        <p:nvSpPr>
-          <p:cNvPr id="3" name="テキスト ボックス 2">
-            <a:extLst>
-              <a:ext uri="{FF2B5EF4-FFF2-40B4-BE49-F238E27FC236}">
-                <a16:creationId xmlns:a16="http://schemas.microsoft.com/office/drawing/2014/main" id="{64F2259B-12D6-4332-A37C-E9C000C8D82B}"/>
-              </a:ext>
-            </a:extLst>
-          </p:cNvPr>
-          <p:cNvSpPr txBox="1"/>
-          <p:nvPr/>
-        </p:nvSpPr>
-        <p:spPr>
-          <a:xfrm>
-            <a:off x="1023257" y="1690688"/>
-            <a:ext cx="7467600" cy="3724096"/>
-          </a:xfrm>
-          <a:prstGeom prst="rect">
-            <a:avLst/>
-          </a:prstGeom>
-          <a:noFill/>
-        </p:spPr>
-        <p:txBody>
-          <a:bodyPr wrap="square" rtlCol="0">
-            <a:spAutoFit/>
-          </a:bodyPr>
-          <a:lstStyle/>
-          <a:p>
-            <a:r>
-              <a:rPr kumimoji="1" lang="en-US" altLang="ja-JP" sz="4400" dirty="0"/>
-              <a:t>HTML  </a:t>
-            </a:r>
-            <a:r>
-              <a:rPr kumimoji="1" lang="en-US" altLang="ja-JP" sz="6000" dirty="0" err="1"/>
-              <a:t>css</a:t>
-            </a:r>
-            <a:r>
-              <a:rPr kumimoji="1" lang="en-US" altLang="ja-JP" sz="4400" dirty="0"/>
-              <a:t> </a:t>
-            </a:r>
-            <a:r>
-              <a:rPr kumimoji="1" lang="ja-JP" altLang="en-US" sz="4400" dirty="0"/>
-              <a:t>で</a:t>
-            </a:r>
-            <a:endParaRPr kumimoji="1" lang="en-US" altLang="ja-JP" sz="4400" dirty="0"/>
-          </a:p>
-          <a:p>
-            <a:r>
-              <a:rPr kumimoji="1" lang="ja-JP" altLang="en-US" sz="4400" dirty="0"/>
-              <a:t>ピアノを表記させて</a:t>
-            </a:r>
-            <a:r>
-              <a:rPr lang="ja-JP" altLang="en-US" sz="4400" dirty="0"/>
-              <a:t>います。</a:t>
-            </a:r>
-            <a:endParaRPr lang="en-US" altLang="ja-JP" sz="4400" dirty="0"/>
-          </a:p>
-          <a:p>
-            <a:endParaRPr kumimoji="1" lang="en-US" altLang="ja-JP" sz="4400" dirty="0"/>
-          </a:p>
-          <a:p>
-            <a:r>
-              <a:rPr lang="en-US" altLang="ja-JP" sz="4400" dirty="0"/>
-              <a:t>JavaScript</a:t>
-            </a:r>
-            <a:r>
-              <a:rPr lang="ja-JP" altLang="en-US" sz="4400" dirty="0"/>
-              <a:t>で楽譜やリアルタイム処理をしています。</a:t>
-            </a:r>
-            <a:endParaRPr kumimoji="1" lang="ja-JP" altLang="en-US" sz="4400" dirty="0"/>
-          </a:p>
-        </p:txBody>
-      </p:sp>
-    </p:spTree>
-    <p:extLst>
-      <p:ext uri="{BB962C8B-B14F-4D97-AF65-F5344CB8AC3E}">
-        <p14:creationId xmlns:p14="http://schemas.microsoft.com/office/powerpoint/2010/main" val="780923936"/>
-      </p:ext>
-    </p:extLst>
-  </p:cSld>
-  <p:clrMapOvr>
-    <a:masterClrMapping/>
-  </p:clrMapOvr>
-  <mc:AlternateContent xmlns:mc="http://schemas.openxmlformats.org/markup-compatibility/2006" xmlns:p14="http://schemas.microsoft.com/office/powerpoint/2010/main">
-    <mc:Choice Requires="p14">
-      <p:transition spd="slow" p14:dur="800">
-        <p:circle/>
-      </p:transition>
-    </mc:Choice>
-    <mc:Fallback xmlns="">
-      <p:transition spd="slow">
-        <p:circle/>
-      </p:transition>
-    </mc:Fallback>
-  </mc:AlternateContent>
-</p:sld>
-</file>
-
-<file path=ppt/slides/slide13.xml><?xml version="1.0" encoding="utf-8"?>
-<p:sld xmlns:a="http://schemas.openxmlformats.org/drawingml/2006/main" xmlns:r="http://schemas.openxmlformats.org/officeDocument/2006/relationships" xmlns:p="http://schemas.openxmlformats.org/presentationml/2006/main">
-  <p:cSld>
-    <p:spTree>
-      <p:nvGrpSpPr>
-        <p:cNvPr id="1" name=""/>
-        <p:cNvGrpSpPr/>
-        <p:nvPr/>
-      </p:nvGrpSpPr>
-      <p:grpSpPr>
-        <a:xfrm>
-          <a:off x="0" y="0"/>
-          <a:ext cx="0" cy="0"/>
-          <a:chOff x="0" y="0"/>
-          <a:chExt cx="0" cy="0"/>
-        </a:xfrm>
-      </p:grpSpPr>
-      <p:sp>
-        <p:nvSpPr>
-          <p:cNvPr id="2" name="タイトル 1">
-            <a:extLst>
-              <a:ext uri="{FF2B5EF4-FFF2-40B4-BE49-F238E27FC236}">
-                <a16:creationId xmlns:a16="http://schemas.microsoft.com/office/drawing/2014/main" id="{025C00AC-50C2-4AEE-B119-C8EF0488D58A}"/>
-              </a:ext>
-            </a:extLst>
-          </p:cNvPr>
-          <p:cNvSpPr>
-            <a:spLocks noGrp="1"/>
-          </p:cNvSpPr>
-          <p:nvPr>
-            <p:ph type="title"/>
-          </p:nvPr>
-        </p:nvSpPr>
-        <p:spPr>
-          <a:xfrm>
-            <a:off x="838201" y="365125"/>
-            <a:ext cx="7391400" cy="1325563"/>
-          </a:xfrm>
-        </p:spPr>
-        <p:txBody>
-          <a:bodyPr>
-            <a:normAutofit/>
-          </a:bodyPr>
-          <a:lstStyle/>
-          <a:p>
-            <a:r>
-              <a:rPr kumimoji="1" lang="ja-JP" altLang="en-US" sz="3200" b="1" dirty="0"/>
-              <a:t>アプリの使い方</a:t>
-            </a:r>
-            <a:r>
-              <a:rPr kumimoji="1" lang="en-US" altLang="ja-JP" sz="3200" b="1" dirty="0"/>
-              <a:t>(</a:t>
-            </a:r>
-            <a:r>
-              <a:rPr kumimoji="1" lang="ja-JP" altLang="en-US" sz="3200" b="1" dirty="0"/>
-              <a:t>デモンストレーション</a:t>
-            </a:r>
-            <a:r>
-              <a:rPr kumimoji="1" lang="en-US" altLang="ja-JP" sz="3200" dirty="0"/>
-              <a:t>)</a:t>
-            </a:r>
-            <a:endParaRPr kumimoji="1" lang="ja-JP" altLang="en-US" sz="3200" dirty="0"/>
-          </a:p>
-        </p:txBody>
-      </p:sp>
-      <p:sp>
-        <p:nvSpPr>
-          <p:cNvPr id="3" name="テキスト ボックス 2">
-            <a:extLst>
-              <a:ext uri="{FF2B5EF4-FFF2-40B4-BE49-F238E27FC236}">
-                <a16:creationId xmlns:a16="http://schemas.microsoft.com/office/drawing/2014/main" id="{5A11D7B1-58DD-4CF5-A1C5-3743A5F603E7}"/>
-              </a:ext>
-            </a:extLst>
-          </p:cNvPr>
-          <p:cNvSpPr txBox="1"/>
-          <p:nvPr/>
-        </p:nvSpPr>
-        <p:spPr>
-          <a:xfrm>
-            <a:off x="838200" y="2121262"/>
-            <a:ext cx="4677229" cy="584775"/>
-          </a:xfrm>
-          <a:prstGeom prst="rect">
-            <a:avLst/>
-          </a:prstGeom>
-          <a:noFill/>
-        </p:spPr>
-        <p:txBody>
-          <a:bodyPr wrap="square" rtlCol="0">
-            <a:spAutoFit/>
-          </a:bodyPr>
-          <a:lstStyle/>
-          <a:p>
-            <a:r>
-              <a:rPr lang="en-US" altLang="ja-JP" sz="3200" b="1" dirty="0"/>
-              <a:t>URL</a:t>
-            </a:r>
-            <a:r>
-              <a:rPr lang="ja-JP" altLang="en-US" sz="3200" b="1" dirty="0"/>
-              <a:t>から参加できます。</a:t>
-            </a:r>
-            <a:endParaRPr kumimoji="1" lang="en-US" altLang="ja-JP" sz="3200" b="1" dirty="0"/>
-          </a:p>
-        </p:txBody>
-      </p:sp>
-      <p:sp>
-        <p:nvSpPr>
-          <p:cNvPr id="4" name="テキスト ボックス 3">
-            <a:extLst>
-              <a:ext uri="{FF2B5EF4-FFF2-40B4-BE49-F238E27FC236}">
-                <a16:creationId xmlns:a16="http://schemas.microsoft.com/office/drawing/2014/main" id="{5B9F156B-941C-4BAA-A811-5A1B36BA1A82}"/>
-              </a:ext>
-            </a:extLst>
-          </p:cNvPr>
-          <p:cNvSpPr txBox="1"/>
-          <p:nvPr/>
-        </p:nvSpPr>
-        <p:spPr>
-          <a:xfrm>
-            <a:off x="838200" y="3136612"/>
-            <a:ext cx="5693229" cy="584775"/>
-          </a:xfrm>
-          <a:prstGeom prst="rect">
-            <a:avLst/>
-          </a:prstGeom>
-          <a:noFill/>
-        </p:spPr>
-        <p:txBody>
-          <a:bodyPr wrap="square" rtlCol="0">
-            <a:spAutoFit/>
-          </a:bodyPr>
-          <a:lstStyle/>
-          <a:p>
-            <a:r>
-              <a:rPr lang="en-US" altLang="ja-JP" sz="3200" dirty="0"/>
-              <a:t>http://172.16.220.149:5000/</a:t>
-            </a:r>
-            <a:endParaRPr kumimoji="1" lang="ja-JP" altLang="en-US" sz="3200" dirty="0"/>
-          </a:p>
-        </p:txBody>
-      </p:sp>
-      <p:sp>
-        <p:nvSpPr>
-          <p:cNvPr id="5" name="テキスト ボックス 4">
-            <a:extLst>
-              <a:ext uri="{FF2B5EF4-FFF2-40B4-BE49-F238E27FC236}">
-                <a16:creationId xmlns:a16="http://schemas.microsoft.com/office/drawing/2014/main" id="{4BE0FAFE-D088-40D5-95FA-AD210674E3BC}"/>
-              </a:ext>
-            </a:extLst>
-          </p:cNvPr>
-          <p:cNvSpPr txBox="1"/>
-          <p:nvPr/>
-        </p:nvSpPr>
-        <p:spPr>
-          <a:xfrm>
-            <a:off x="838200" y="4151961"/>
-            <a:ext cx="4992915" cy="954107"/>
-          </a:xfrm>
-          <a:prstGeom prst="rect">
-            <a:avLst/>
-          </a:prstGeom>
-          <a:noFill/>
-        </p:spPr>
-        <p:txBody>
-          <a:bodyPr wrap="square" rtlCol="0">
-            <a:spAutoFit/>
-          </a:bodyPr>
-          <a:lstStyle/>
-          <a:p>
-            <a:r>
-              <a:rPr lang="ja-JP" altLang="en-US" sz="2800" dirty="0"/>
-              <a:t>音楽を</a:t>
-            </a:r>
-            <a:r>
-              <a:rPr kumimoji="1" lang="ja-JP" altLang="en-US" sz="2800" dirty="0"/>
-              <a:t>作成できたら</a:t>
-            </a:r>
-            <a:endParaRPr kumimoji="1" lang="en-US" altLang="ja-JP" sz="2800" dirty="0"/>
-          </a:p>
-          <a:p>
-            <a:r>
-              <a:rPr kumimoji="1" lang="en-US" altLang="ja-JP" sz="2800" dirty="0">
-                <a:solidFill>
-                  <a:srgbClr val="FF0000"/>
-                </a:solidFill>
-                <a:highlight>
-                  <a:srgbClr val="FFFF00"/>
-                </a:highlight>
-              </a:rPr>
-              <a:t>Enter</a:t>
-            </a:r>
-            <a:r>
-              <a:rPr lang="ja-JP" altLang="en-US" sz="2800" dirty="0"/>
-              <a:t>を押してください</a:t>
-            </a:r>
-            <a:endParaRPr kumimoji="1" lang="ja-JP" altLang="en-US" sz="2800" dirty="0"/>
-          </a:p>
-        </p:txBody>
-      </p:sp>
-      <p:sp>
-        <p:nvSpPr>
-          <p:cNvPr id="6" name="テキスト ボックス 5">
-            <a:extLst>
-              <a:ext uri="{FF2B5EF4-FFF2-40B4-BE49-F238E27FC236}">
-                <a16:creationId xmlns:a16="http://schemas.microsoft.com/office/drawing/2014/main" id="{1EED7E17-895F-498A-AB79-2986A9065572}"/>
-              </a:ext>
-            </a:extLst>
-          </p:cNvPr>
-          <p:cNvSpPr txBox="1"/>
-          <p:nvPr/>
-        </p:nvSpPr>
-        <p:spPr>
-          <a:xfrm>
-            <a:off x="5515429" y="5136532"/>
-            <a:ext cx="3443515" cy="400110"/>
-          </a:xfrm>
-          <a:prstGeom prst="rect">
-            <a:avLst/>
-          </a:prstGeom>
-          <a:noFill/>
-        </p:spPr>
-        <p:txBody>
-          <a:bodyPr wrap="square" rtlCol="0">
-            <a:spAutoFit/>
-          </a:bodyPr>
-          <a:lstStyle/>
-          <a:p>
-            <a:r>
-              <a:rPr kumimoji="1" lang="ja-JP" altLang="en-US" sz="2000" dirty="0">
-                <a:solidFill>
-                  <a:srgbClr val="FF0000"/>
-                </a:solidFill>
-                <a:highlight>
-                  <a:srgbClr val="FFFF00"/>
-                </a:highlight>
-              </a:rPr>
-              <a:t>生成に約一分掛かります</a:t>
-            </a:r>
-            <a:r>
-              <a:rPr lang="ja-JP" altLang="en-US" sz="2000" dirty="0">
-                <a:solidFill>
-                  <a:srgbClr val="FF0000"/>
-                </a:solidFill>
-                <a:highlight>
-                  <a:srgbClr val="FFFF00"/>
-                </a:highlight>
-              </a:rPr>
-              <a:t>。</a:t>
-            </a:r>
-            <a:endParaRPr kumimoji="1" lang="ja-JP" altLang="en-US" sz="2000" dirty="0">
-              <a:solidFill>
-                <a:srgbClr val="FF0000"/>
-              </a:solidFill>
-              <a:highlight>
-                <a:srgbClr val="FFFF00"/>
-              </a:highlight>
-            </a:endParaRPr>
-          </a:p>
-        </p:txBody>
-      </p:sp>
-    </p:spTree>
-    <p:extLst>
-      <p:ext uri="{BB962C8B-B14F-4D97-AF65-F5344CB8AC3E}">
-        <p14:creationId xmlns:p14="http://schemas.microsoft.com/office/powerpoint/2010/main" val="3830267657"/>
-      </p:ext>
-    </p:extLst>
-  </p:cSld>
-  <p:clrMapOvr>
-    <a:masterClrMapping/>
-  </p:clrMapOvr>
-  <mc:AlternateContent xmlns:mc="http://schemas.openxmlformats.org/markup-compatibility/2006" xmlns:p14="http://schemas.microsoft.com/office/powerpoint/2010/main">
-    <mc:Choice Requires="p14">
-      <p:transition spd="slow" p14:dur="800">
-        <p:circle/>
-      </p:transition>
-    </mc:Choice>
-    <mc:Fallback xmlns="">
-      <p:transition spd="slow">
-        <p:circle/>
-      </p:transition>
-    </mc:Fallback>
-  </mc:AlternateContent>
-</p:sld>
-</file>
-
-<file path=ppt/slides/slide14.xml><?xml version="1.0" encoding="utf-8"?>
-<p:sld xmlns:a="http://schemas.openxmlformats.org/drawingml/2006/main" xmlns:r="http://schemas.openxmlformats.org/officeDocument/2006/relationships" xmlns:p="http://schemas.openxmlformats.org/presentationml/2006/main">
-  <p:cSld>
-    <p:spTree>
-      <p:nvGrpSpPr>
-        <p:cNvPr id="1" name=""/>
-        <p:cNvGrpSpPr/>
-        <p:nvPr/>
-      </p:nvGrpSpPr>
-      <p:grpSpPr>
-        <a:xfrm>
-          <a:off x="0" y="0"/>
-          <a:ext cx="0" cy="0"/>
-          <a:chOff x="0" y="0"/>
-          <a:chExt cx="0" cy="0"/>
-        </a:xfrm>
-      </p:grpSpPr>
-      <p:sp>
-        <p:nvSpPr>
-          <p:cNvPr id="2" name="タイトル 1">
-            <a:extLst>
-              <a:ext uri="{FF2B5EF4-FFF2-40B4-BE49-F238E27FC236}">
-                <a16:creationId xmlns:a16="http://schemas.microsoft.com/office/drawing/2014/main" id="{A28B3ECD-CB6B-4871-9177-75053AF22875}"/>
-              </a:ext>
-            </a:extLst>
-          </p:cNvPr>
-          <p:cNvSpPr>
-            <a:spLocks noGrp="1"/>
-          </p:cNvSpPr>
-          <p:nvPr>
-            <p:ph type="title"/>
-          </p:nvPr>
-        </p:nvSpPr>
-        <p:spPr>
-          <a:xfrm>
-            <a:off x="838200" y="365125"/>
-            <a:ext cx="8799286" cy="1325563"/>
-          </a:xfrm>
-        </p:spPr>
-        <p:txBody>
-          <a:bodyPr>
-            <a:normAutofit/>
-          </a:bodyPr>
-          <a:lstStyle/>
-          <a:p>
-            <a:r>
-              <a:rPr lang="ja-JP" altLang="en-US" sz="4000" b="1" dirty="0"/>
-              <a:t>今後どのようなシステムにしていくか</a:t>
-            </a:r>
-            <a:endParaRPr kumimoji="1" lang="ja-JP" altLang="en-US" sz="4000" b="1" dirty="0"/>
-          </a:p>
-        </p:txBody>
-      </p:sp>
-      <p:sp>
-        <p:nvSpPr>
-          <p:cNvPr id="3" name="テキスト ボックス 2">
-            <a:extLst>
-              <a:ext uri="{FF2B5EF4-FFF2-40B4-BE49-F238E27FC236}">
-                <a16:creationId xmlns:a16="http://schemas.microsoft.com/office/drawing/2014/main" id="{813742B4-FF8E-410D-95A7-5F318CC4E72A}"/>
-              </a:ext>
-            </a:extLst>
-          </p:cNvPr>
-          <p:cNvSpPr txBox="1"/>
-          <p:nvPr/>
-        </p:nvSpPr>
-        <p:spPr>
-          <a:xfrm>
-            <a:off x="740229" y="2394857"/>
-            <a:ext cx="10624457" cy="2062103"/>
-          </a:xfrm>
-          <a:prstGeom prst="rect">
-            <a:avLst/>
-          </a:prstGeom>
-          <a:noFill/>
-        </p:spPr>
-        <p:txBody>
-          <a:bodyPr wrap="square" rtlCol="0">
-            <a:spAutoFit/>
-          </a:bodyPr>
-          <a:lstStyle/>
-          <a:p>
-            <a:r>
-              <a:rPr lang="ja-JP" altLang="en-US" sz="3200" dirty="0"/>
-              <a:t> 　伴奏などを加えたりしてより</a:t>
-            </a:r>
-            <a:r>
-              <a:rPr lang="en-US" altLang="ja-JP" sz="3200" dirty="0"/>
-              <a:t>AI</a:t>
-            </a:r>
-            <a:r>
-              <a:rPr lang="ja-JP" altLang="en-US" sz="3200" dirty="0"/>
-              <a:t>の作曲をよりゲーム音楽に近づけていく</a:t>
-            </a:r>
-            <a:endParaRPr lang="en-US" altLang="ja-JP" sz="3200" dirty="0"/>
-          </a:p>
-          <a:p>
-            <a:r>
-              <a:rPr lang="ja-JP" altLang="en-US" sz="3200" dirty="0"/>
-              <a:t>　</a:t>
-            </a:r>
-            <a:r>
-              <a:rPr lang="en-US" altLang="ja-JP" sz="3200" dirty="0"/>
-              <a:t>Web</a:t>
-            </a:r>
-            <a:r>
-              <a:rPr lang="ja-JP" altLang="en-US" sz="3200" dirty="0"/>
-              <a:t>ページのユーザビリティの向上</a:t>
-            </a:r>
-            <a:endParaRPr lang="en-US" altLang="ja-JP" sz="3200" dirty="0"/>
-          </a:p>
-          <a:p>
-            <a:r>
-              <a:rPr lang="ja-JP" altLang="en-US" sz="3200" dirty="0"/>
-              <a:t>　</a:t>
-            </a:r>
-            <a:r>
-              <a:rPr lang="en-US" altLang="ja-JP" sz="3200" dirty="0"/>
-              <a:t>8</a:t>
-            </a:r>
-            <a:r>
-              <a:rPr lang="ja-JP" altLang="en-US" sz="3200" dirty="0"/>
-              <a:t>分音符以外の入力もできるようにする</a:t>
-            </a:r>
-            <a:endParaRPr kumimoji="1" lang="ja-JP" altLang="en-US" sz="3200" dirty="0"/>
-          </a:p>
-        </p:txBody>
-      </p:sp>
-    </p:spTree>
-    <p:extLst>
-      <p:ext uri="{BB962C8B-B14F-4D97-AF65-F5344CB8AC3E}">
-        <p14:creationId xmlns:p14="http://schemas.microsoft.com/office/powerpoint/2010/main" val="3764951726"/>
-      </p:ext>
-    </p:extLst>
-  </p:cSld>
-  <p:clrMapOvr>
-    <a:masterClrMapping/>
-  </p:clrMapOvr>
-  <mc:AlternateContent xmlns:mc="http://schemas.openxmlformats.org/markup-compatibility/2006" xmlns:p14="http://schemas.microsoft.com/office/powerpoint/2010/main">
-    <mc:Choice Requires="p14">
-      <p:transition spd="slow" p14:dur="800">
-        <p:circle/>
-      </p:transition>
-    </mc:Choice>
-    <mc:Fallback xmlns="">
-      <p:transition spd="slow">
-        <p:circle/>
-      </p:transition>
-    </mc:Fallback>
-  </mc:AlternateContent>
-</p:sld>
-</file>
-
-<file path=ppt/slides/slide15.xml><?xml version="1.0" encoding="utf-8"?>
-<p:sld xmlns:a="http://schemas.openxmlformats.org/drawingml/2006/main" xmlns:r="http://schemas.openxmlformats.org/officeDocument/2006/relationships" xmlns:p="http://schemas.openxmlformats.org/presentationml/2006/main">
-  <p:cSld>
-    <p:spTree>
-      <p:nvGrpSpPr>
-        <p:cNvPr id="1" name=""/>
-        <p:cNvGrpSpPr/>
-        <p:nvPr/>
-      </p:nvGrpSpPr>
-      <p:grpSpPr>
-        <a:xfrm>
-          <a:off x="0" y="0"/>
-          <a:ext cx="0" cy="0"/>
-          <a:chOff x="0" y="0"/>
-          <a:chExt cx="0" cy="0"/>
-        </a:xfrm>
-      </p:grpSpPr>
-      <p:sp>
-        <p:nvSpPr>
-          <p:cNvPr id="2" name="タイトル 1">
-            <a:extLst>
-              <a:ext uri="{FF2B5EF4-FFF2-40B4-BE49-F238E27FC236}">
-                <a16:creationId xmlns:a16="http://schemas.microsoft.com/office/drawing/2014/main" id="{593F4C9F-7FFE-405E-B0F4-B0BFF5299778}"/>
-              </a:ext>
-            </a:extLst>
-          </p:cNvPr>
-          <p:cNvSpPr>
-            <a:spLocks noGrp="1"/>
-          </p:cNvSpPr>
-          <p:nvPr>
-            <p:ph type="title"/>
-          </p:nvPr>
-        </p:nvSpPr>
-        <p:spPr>
-          <a:xfrm>
-            <a:off x="838200" y="365125"/>
-            <a:ext cx="9757229" cy="1325563"/>
-          </a:xfrm>
-        </p:spPr>
-        <p:txBody>
-          <a:bodyPr/>
-          <a:lstStyle/>
-          <a:p>
-            <a:r>
-              <a:rPr kumimoji="1" lang="ja-JP" altLang="en-US" dirty="0"/>
-              <a:t>今後どのようなシステムにしていくか</a:t>
-            </a:r>
-          </a:p>
-        </p:txBody>
-      </p:sp>
-    </p:spTree>
-    <p:extLst>
-      <p:ext uri="{BB962C8B-B14F-4D97-AF65-F5344CB8AC3E}">
-        <p14:creationId xmlns:p14="http://schemas.microsoft.com/office/powerpoint/2010/main" val="3520030592"/>
-      </p:ext>
-    </p:extLst>
-  </p:cSld>
-  <p:clrMapOvr>
-    <a:masterClrMapping/>
-  </p:clrMapOvr>
-  <mc:AlternateContent xmlns:mc="http://schemas.openxmlformats.org/markup-compatibility/2006" xmlns:p14="http://schemas.microsoft.com/office/powerpoint/2010/main">
-    <mc:Choice Requires="p14">
-      <p:transition spd="slow" p14:dur="800">
-        <p:circle/>
-      </p:transition>
-    </mc:Choice>
-    <mc:Fallback xmlns="">
-      <p:transition spd="slow">
-        <p:circle/>
-      </p:transition>
-    </mc:Fallback>
-  </mc:AlternateContent>
-</p:sld>
-</file>
-
-<file path=ppt/slides/slide16.xml><?xml version="1.0" encoding="utf-8"?>
-<p:sld xmlns:a="http://schemas.openxmlformats.org/drawingml/2006/main" xmlns:r="http://schemas.openxmlformats.org/officeDocument/2006/relationships" xmlns:p="http://schemas.openxmlformats.org/presentationml/2006/main">
-  <p:cSld>
-    <p:spTree>
-      <p:nvGrpSpPr>
-        <p:cNvPr id="1" name=""/>
-        <p:cNvGrpSpPr/>
-        <p:nvPr/>
-      </p:nvGrpSpPr>
-      <p:grpSpPr>
-        <a:xfrm>
-          <a:off x="0" y="0"/>
-          <a:ext cx="0" cy="0"/>
-          <a:chOff x="0" y="0"/>
-          <a:chExt cx="0" cy="0"/>
-        </a:xfrm>
-      </p:grpSpPr>
-      <p:sp>
-        <p:nvSpPr>
-          <p:cNvPr id="2" name="タイトル 1">
-            <a:extLst>
-              <a:ext uri="{FF2B5EF4-FFF2-40B4-BE49-F238E27FC236}">
                 <a16:creationId xmlns:a16="http://schemas.microsoft.com/office/drawing/2014/main" id="{6A02AA03-3DED-4449-8542-51D6A9F1532E}"/>
               </a:ext>
             </a:extLst>
@@ -6467,8 +5605,8 @@
         </p:nvSpPr>
         <p:spPr>
           <a:xfrm>
-            <a:off x="680356" y="1512888"/>
-            <a:ext cx="8679544" cy="2031325"/>
+            <a:off x="508000" y="2433729"/>
+            <a:ext cx="10913979" cy="3447098"/>
           </a:xfrm>
           <a:prstGeom prst="rect">
             <a:avLst/>
@@ -6481,27 +5619,55 @@
           </a:bodyPr>
           <a:lstStyle/>
           <a:p>
-            <a:r>
-              <a:rPr lang="en-US" altLang="ja-JP" sz="5400" dirty="0"/>
+            <a:pPr marL="457200" indent="-457200">
+              <a:buFont typeface="Arial" panose="020B0604020202020204" pitchFamily="34" charset="0"/>
+              <a:buChar char="•"/>
+            </a:pPr>
+            <a:r>
+              <a:rPr lang="en-US" altLang="ja-JP" sz="4000" dirty="0"/>
               <a:t>AI</a:t>
             </a:r>
             <a:r>
-              <a:rPr lang="ja-JP" altLang="en-US" sz="5400" dirty="0"/>
-              <a:t>を使った自動作曲</a:t>
-            </a:r>
-            <a:r>
-              <a:rPr lang="en-US" altLang="ja-JP" sz="5400" dirty="0"/>
-              <a:t>Web</a:t>
-            </a:r>
-            <a:r>
-              <a:rPr lang="ja-JP" altLang="en-US" sz="5400" dirty="0"/>
-              <a:t>アプリケーションです</a:t>
-            </a:r>
-            <a:r>
-              <a:rPr lang="ja-JP" altLang="en-US" sz="2800" dirty="0"/>
-              <a:t>。</a:t>
-            </a:r>
-            <a:endParaRPr lang="en-US" altLang="ja-JP" sz="2800" dirty="0"/>
+              <a:rPr lang="ja-JP" altLang="en-US" sz="4000" dirty="0"/>
+              <a:t>を使った自動作曲アプリ</a:t>
+            </a:r>
+            <a:endParaRPr lang="en-US" altLang="ja-JP" sz="4000" dirty="0"/>
+          </a:p>
+          <a:p>
+            <a:pPr marL="457200" indent="-457200">
+              <a:buFont typeface="Arial" panose="020B0604020202020204" pitchFamily="34" charset="0"/>
+              <a:buChar char="•"/>
+            </a:pPr>
+            <a:endParaRPr lang="en-US" altLang="ja-JP" sz="4000" dirty="0"/>
+          </a:p>
+          <a:p>
+            <a:pPr marL="457200" indent="-457200">
+              <a:buFont typeface="Arial" panose="020B0604020202020204" pitchFamily="34" charset="0"/>
+              <a:buChar char="•"/>
+            </a:pPr>
+            <a:r>
+              <a:rPr lang="ja-JP" altLang="en-US" sz="4000" dirty="0"/>
+              <a:t>ゲーム音楽風の曲を作る</a:t>
+            </a:r>
+            <a:endParaRPr lang="en-US" altLang="ja-JP" sz="4000" dirty="0"/>
+          </a:p>
+          <a:p>
+            <a:pPr marL="457200" indent="-457200">
+              <a:buFont typeface="Arial" panose="020B0604020202020204" pitchFamily="34" charset="0"/>
+              <a:buChar char="•"/>
+            </a:pPr>
+            <a:endParaRPr lang="en-US" altLang="ja-JP" sz="4000" dirty="0"/>
+          </a:p>
+          <a:p>
+            <a:pPr marL="457200" indent="-457200">
+              <a:buFont typeface="Arial" panose="020B0604020202020204" pitchFamily="34" charset="0"/>
+              <a:buChar char="•"/>
+            </a:pPr>
+            <a:r>
+              <a:rPr lang="ja-JP" altLang="en-US" sz="4000" dirty="0"/>
+              <a:t>短いメロディをユーザが入力</a:t>
+            </a:r>
+            <a:endParaRPr lang="en-US" altLang="ja-JP" sz="4000" dirty="0"/>
           </a:p>
           <a:p>
             <a:endParaRPr lang="en-US" altLang="ja-JP" dirty="0"/>
@@ -6526,20 +5692,23 @@
         </p:nvSpPr>
         <p:spPr>
           <a:xfrm>
-            <a:off x="0" y="550863"/>
-            <a:ext cx="8678863" cy="962025"/>
+            <a:off x="508000" y="551542"/>
+            <a:ext cx="6879771" cy="961345"/>
           </a:xfrm>
         </p:spPr>
         <p:txBody>
           <a:bodyPr>
-            <a:noAutofit/>
+            <a:normAutofit/>
           </a:bodyPr>
           <a:lstStyle/>
           <a:p>
             <a:r>
-              <a:rPr kumimoji="1" lang="en-US" altLang="ja-JP" sz="8000" kern="1200" dirty="0">
+              <a:rPr kumimoji="1" lang="en-US" altLang="ja-JP" sz="6000" b="1" kern="1200" dirty="0">
                 <a:solidFill>
-                  <a:srgbClr val="000000"/>
+                  <a:schemeClr val="tx1">
+                    <a:lumMod val="65000"/>
+                    <a:lumOff val="35000"/>
+                  </a:schemeClr>
                 </a:solidFill>
                 <a:effectLst/>
                 <a:latin typeface="游ゴシック" panose="020B0400000000000000" pitchFamily="50" charset="-128"/>
@@ -6549,9 +5718,12 @@
               <a:t>bit composer</a:t>
             </a:r>
             <a:r>
-              <a:rPr kumimoji="1" lang="ja-JP" altLang="ja-JP" sz="8000" kern="1200" dirty="0">
+              <a:rPr kumimoji="1" lang="ja-JP" altLang="ja-JP" sz="6000" b="1" kern="1200" dirty="0">
                 <a:solidFill>
-                  <a:srgbClr val="000000"/>
+                  <a:schemeClr val="tx1">
+                    <a:lumMod val="65000"/>
+                    <a:lumOff val="35000"/>
+                  </a:schemeClr>
                 </a:solidFill>
                 <a:effectLst/>
                 <a:latin typeface="游ゴシック" panose="020B0400000000000000" pitchFamily="50" charset="-128"/>
@@ -6560,7 +5732,14 @@
               </a:rPr>
               <a:t>とは</a:t>
             </a:r>
-            <a:endParaRPr kumimoji="1" lang="ja-JP" altLang="en-US" sz="8000" dirty="0"/>
+            <a:endParaRPr kumimoji="1" lang="ja-JP" altLang="en-US" b="1" dirty="0">
+              <a:solidFill>
+                <a:schemeClr val="tx1">
+                  <a:lumMod val="65000"/>
+                  <a:lumOff val="35000"/>
+                </a:schemeClr>
+              </a:solidFill>
+            </a:endParaRPr>
           </a:p>
         </p:txBody>
       </p:sp>
@@ -6611,81 +5790,209 @@
           <p:cNvPr id="2" name="タイトル 1">
             <a:extLst>
               <a:ext uri="{FF2B5EF4-FFF2-40B4-BE49-F238E27FC236}">
-                <a16:creationId xmlns:a16="http://schemas.microsoft.com/office/drawing/2014/main" id="{2205A91A-0F70-4048-9ECA-335240364251}"/>
-              </a:ext>
-            </a:extLst>
-          </p:cNvPr>
-          <p:cNvSpPr>
-            <a:spLocks noGrp="1"/>
-          </p:cNvSpPr>
-          <p:nvPr>
-            <p:ph type="ctrTitle"/>
+                <a16:creationId xmlns:a16="http://schemas.microsoft.com/office/drawing/2014/main" id="{025C00AC-50C2-4AEE-B119-C8EF0488D58A}"/>
+              </a:ext>
+            </a:extLst>
+          </p:cNvPr>
+          <p:cNvSpPr>
+            <a:spLocks noGrp="1"/>
+          </p:cNvSpPr>
+          <p:nvPr>
+            <p:ph type="title"/>
           </p:nvPr>
         </p:nvSpPr>
         <p:spPr>
           <a:xfrm>
-            <a:off x="206828" y="185056"/>
-            <a:ext cx="7362371" cy="1300162"/>
+            <a:off x="838201" y="365125"/>
+            <a:ext cx="7391400" cy="1325563"/>
           </a:xfrm>
         </p:spPr>
         <p:txBody>
           <a:bodyPr>
-            <a:noAutofit/>
+            <a:normAutofit/>
           </a:bodyPr>
           <a:lstStyle/>
           <a:p>
             <a:r>
-              <a:rPr kumimoji="1" lang="en-US" altLang="ja-JP" sz="6600" b="1" dirty="0"/>
-              <a:t>bit composer</a:t>
-            </a:r>
-            <a:r>
-              <a:rPr kumimoji="1" lang="ja-JP" altLang="en-US" sz="6600" b="1" dirty="0"/>
-              <a:t>の概要</a:t>
-            </a:r>
-          </a:p>
-        </p:txBody>
-      </p:sp>
-      <p:sp>
-        <p:nvSpPr>
-          <p:cNvPr id="3" name="字幕 2">
-            <a:extLst>
-              <a:ext uri="{FF2B5EF4-FFF2-40B4-BE49-F238E27FC236}">
-                <a16:creationId xmlns:a16="http://schemas.microsoft.com/office/drawing/2014/main" id="{77E1CBC3-310D-41D7-B3BF-75C630EA9476}"/>
-              </a:ext>
-            </a:extLst>
-          </p:cNvPr>
-          <p:cNvSpPr>
-            <a:spLocks noGrp="1"/>
-          </p:cNvSpPr>
-          <p:nvPr>
-            <p:ph type="subTitle" idx="1"/>
-          </p:nvPr>
+              <a:rPr kumimoji="1" lang="ja-JP" altLang="en-US" sz="3200" b="1" dirty="0"/>
+              <a:t>アプリの使い方</a:t>
+            </a:r>
+            <a:r>
+              <a:rPr kumimoji="1" lang="en-US" altLang="ja-JP" sz="3200" b="1" dirty="0"/>
+              <a:t>(</a:t>
+            </a:r>
+            <a:r>
+              <a:rPr kumimoji="1" lang="ja-JP" altLang="en-US" sz="3200" b="1" dirty="0"/>
+              <a:t>デモンストレーション</a:t>
+            </a:r>
+            <a:r>
+              <a:rPr kumimoji="1" lang="en-US" altLang="ja-JP" sz="3200" dirty="0"/>
+              <a:t>)</a:t>
+            </a:r>
+            <a:endParaRPr kumimoji="1" lang="ja-JP" altLang="en-US" sz="3200" dirty="0"/>
+          </a:p>
+        </p:txBody>
+      </p:sp>
+      <p:sp>
+        <p:nvSpPr>
+          <p:cNvPr id="3" name="テキスト ボックス 2">
+            <a:extLst>
+              <a:ext uri="{FF2B5EF4-FFF2-40B4-BE49-F238E27FC236}">
+                <a16:creationId xmlns:a16="http://schemas.microsoft.com/office/drawing/2014/main" id="{5A11D7B1-58DD-4CF5-A1C5-3743A5F603E7}"/>
+              </a:ext>
+            </a:extLst>
+          </p:cNvPr>
+          <p:cNvSpPr txBox="1"/>
+          <p:nvPr/>
         </p:nvSpPr>
         <p:spPr>
           <a:xfrm>
-            <a:off x="653143" y="1790018"/>
-            <a:ext cx="9514114" cy="2934381"/>
+            <a:off x="838200" y="2121262"/>
+            <a:ext cx="4677229" cy="584775"/>
           </a:xfrm>
+          <a:prstGeom prst="rect">
+            <a:avLst/>
+          </a:prstGeom>
+          <a:noFill/>
         </p:spPr>
         <p:txBody>
-          <a:bodyPr>
-            <a:noAutofit/>
+          <a:bodyPr wrap="square" rtlCol="0">
+            <a:spAutoFit/>
           </a:bodyPr>
           <a:lstStyle/>
           <a:p>
-            <a:pPr algn="l"/>
-            <a:r>
-              <a:rPr lang="ja-JP" altLang="en-US" sz="5400" dirty="0"/>
-              <a:t>ユーザが作った短いメロディからゲーム音楽風の曲を作曲してくれる。</a:t>
-            </a:r>
-            <a:endParaRPr kumimoji="1" lang="ja-JP" altLang="en-US" sz="5400" dirty="0"/>
+            <a:r>
+              <a:rPr lang="en-US" altLang="ja-JP" sz="3200" b="1" dirty="0"/>
+              <a:t>URL</a:t>
+            </a:r>
+            <a:r>
+              <a:rPr lang="ja-JP" altLang="en-US" sz="3200" b="1" dirty="0"/>
+              <a:t>から参加できます。</a:t>
+            </a:r>
+            <a:endParaRPr kumimoji="1" lang="en-US" altLang="ja-JP" sz="3200" b="1" dirty="0"/>
+          </a:p>
+        </p:txBody>
+      </p:sp>
+      <p:sp>
+        <p:nvSpPr>
+          <p:cNvPr id="5" name="テキスト ボックス 4">
+            <a:extLst>
+              <a:ext uri="{FF2B5EF4-FFF2-40B4-BE49-F238E27FC236}">
+                <a16:creationId xmlns:a16="http://schemas.microsoft.com/office/drawing/2014/main" id="{4BE0FAFE-D088-40D5-95FA-AD210674E3BC}"/>
+              </a:ext>
+            </a:extLst>
+          </p:cNvPr>
+          <p:cNvSpPr txBox="1"/>
+          <p:nvPr/>
+        </p:nvSpPr>
+        <p:spPr>
+          <a:xfrm>
+            <a:off x="838200" y="4151961"/>
+            <a:ext cx="4992915" cy="954107"/>
+          </a:xfrm>
+          <a:prstGeom prst="rect">
+            <a:avLst/>
+          </a:prstGeom>
+          <a:noFill/>
+        </p:spPr>
+        <p:txBody>
+          <a:bodyPr wrap="square" rtlCol="0">
+            <a:spAutoFit/>
+          </a:bodyPr>
+          <a:lstStyle/>
+          <a:p>
+            <a:r>
+              <a:rPr lang="ja-JP" altLang="en-US" sz="2800" dirty="0"/>
+              <a:t>音楽を</a:t>
+            </a:r>
+            <a:r>
+              <a:rPr kumimoji="1" lang="ja-JP" altLang="en-US" sz="2800" dirty="0"/>
+              <a:t>作成できたら</a:t>
+            </a:r>
+            <a:endParaRPr kumimoji="1" lang="en-US" altLang="ja-JP" sz="2800" dirty="0"/>
+          </a:p>
+          <a:p>
+            <a:r>
+              <a:rPr lang="ja-JP" altLang="en-US" sz="2800" dirty="0">
+                <a:solidFill>
+                  <a:srgbClr val="FF0000"/>
+                </a:solidFill>
+              </a:rPr>
+              <a:t>送信ボタン</a:t>
+            </a:r>
+            <a:r>
+              <a:rPr lang="ja-JP" altLang="en-US" sz="2800" dirty="0"/>
+              <a:t>を押してください</a:t>
+            </a:r>
+            <a:endParaRPr kumimoji="1" lang="ja-JP" altLang="en-US" sz="2800" dirty="0"/>
+          </a:p>
+        </p:txBody>
+      </p:sp>
+      <p:sp>
+        <p:nvSpPr>
+          <p:cNvPr id="6" name="テキスト ボックス 5">
+            <a:extLst>
+              <a:ext uri="{FF2B5EF4-FFF2-40B4-BE49-F238E27FC236}">
+                <a16:creationId xmlns:a16="http://schemas.microsoft.com/office/drawing/2014/main" id="{1EED7E17-895F-498A-AB79-2986A9065572}"/>
+              </a:ext>
+            </a:extLst>
+          </p:cNvPr>
+          <p:cNvSpPr txBox="1"/>
+          <p:nvPr/>
+        </p:nvSpPr>
+        <p:spPr>
+          <a:xfrm>
+            <a:off x="5515429" y="5136532"/>
+            <a:ext cx="3443515" cy="400110"/>
+          </a:xfrm>
+          <a:prstGeom prst="rect">
+            <a:avLst/>
+          </a:prstGeom>
+          <a:noFill/>
+        </p:spPr>
+        <p:txBody>
+          <a:bodyPr wrap="square" rtlCol="0">
+            <a:spAutoFit/>
+          </a:bodyPr>
+          <a:lstStyle/>
+          <a:p>
+            <a:r>
+              <a:rPr kumimoji="1" lang="ja-JP" altLang="en-US" sz="2000" dirty="0">
+                <a:solidFill>
+                  <a:srgbClr val="FF0000"/>
+                </a:solidFill>
+                <a:highlight>
+                  <a:srgbClr val="FFFF00"/>
+                </a:highlight>
+              </a:rPr>
+              <a:t>生成に約一分掛かります</a:t>
+            </a:r>
+            <a:r>
+              <a:rPr lang="ja-JP" altLang="en-US" sz="2000" dirty="0">
+                <a:solidFill>
+                  <a:srgbClr val="FF0000"/>
+                </a:solidFill>
+                <a:highlight>
+                  <a:srgbClr val="FFFF00"/>
+                </a:highlight>
+              </a:rPr>
+              <a:t>。</a:t>
+            </a:r>
+            <a:endParaRPr kumimoji="1" lang="ja-JP" altLang="en-US" sz="2000" dirty="0">
+              <a:solidFill>
+                <a:srgbClr val="FF0000"/>
+              </a:solidFill>
+              <a:highlight>
+                <a:srgbClr val="FFFF00"/>
+              </a:highlight>
+            </a:endParaRPr>
           </a:p>
         </p:txBody>
       </p:sp>
     </p:spTree>
     <p:extLst>
       <p:ext uri="{BB962C8B-B14F-4D97-AF65-F5344CB8AC3E}">
-        <p14:creationId xmlns:p14="http://schemas.microsoft.com/office/powerpoint/2010/main" val="3189011380"/>
+        <p14:creationId xmlns:p14="http://schemas.microsoft.com/office/powerpoint/2010/main" val="3562155098"/>
       </p:ext>
     </p:extLst>
   </p:cSld>
@@ -6726,10 +6033,660 @@
       </p:grpSpPr>
       <p:sp>
         <p:nvSpPr>
-          <p:cNvPr id="5" name="正方形/長方形 4">
-            <a:extLst>
-              <a:ext uri="{FF2B5EF4-FFF2-40B4-BE49-F238E27FC236}">
-                <a16:creationId xmlns:a16="http://schemas.microsoft.com/office/drawing/2014/main" id="{B301D2CF-881D-4E48-A3E7-3AAFA19004AC}"/>
+          <p:cNvPr id="4" name="タイトル 3">
+            <a:extLst>
+              <a:ext uri="{FF2B5EF4-FFF2-40B4-BE49-F238E27FC236}">
+                <a16:creationId xmlns:a16="http://schemas.microsoft.com/office/drawing/2014/main" id="{77D4D360-3452-403B-A802-00F2AC9725F0}"/>
+              </a:ext>
+            </a:extLst>
+          </p:cNvPr>
+          <p:cNvSpPr>
+            <a:spLocks noGrp="1"/>
+          </p:cNvSpPr>
+          <p:nvPr>
+            <p:ph type="title"/>
+          </p:nvPr>
+        </p:nvSpPr>
+        <p:spPr>
+          <a:xfrm>
+            <a:off x="977900" y="196980"/>
+            <a:ext cx="3823010" cy="1293028"/>
+          </a:xfrm>
+        </p:spPr>
+        <p:txBody>
+          <a:bodyPr>
+            <a:normAutofit fontScale="90000"/>
+          </a:bodyPr>
+          <a:lstStyle/>
+          <a:p>
+            <a:r>
+              <a:rPr kumimoji="1" lang="ja-JP" altLang="en-US" b="1" dirty="0">
+                <a:solidFill>
+                  <a:schemeClr val="tx1">
+                    <a:lumMod val="65000"/>
+                    <a:lumOff val="35000"/>
+                  </a:schemeClr>
+                </a:solidFill>
+                <a:latin typeface="+mn-lt"/>
+              </a:rPr>
+              <a:t>システムの構成</a:t>
+            </a:r>
+          </a:p>
+        </p:txBody>
+      </p:sp>
+      <p:sp>
+        <p:nvSpPr>
+          <p:cNvPr id="13" name="テキスト ボックス 12">
+            <a:extLst>
+              <a:ext uri="{FF2B5EF4-FFF2-40B4-BE49-F238E27FC236}">
+                <a16:creationId xmlns:a16="http://schemas.microsoft.com/office/drawing/2014/main" id="{D2EC5B4D-3CEA-45D4-8A0C-A52B40544298}"/>
+              </a:ext>
+            </a:extLst>
+          </p:cNvPr>
+          <p:cNvSpPr txBox="1"/>
+          <p:nvPr/>
+        </p:nvSpPr>
+        <p:spPr>
+          <a:xfrm>
+            <a:off x="8500090" y="569071"/>
+            <a:ext cx="2294021" cy="621341"/>
+          </a:xfrm>
+          <a:prstGeom prst="rect">
+            <a:avLst/>
+          </a:prstGeom>
+          <a:noFill/>
+        </p:spPr>
+        <p:txBody>
+          <a:bodyPr wrap="square" rtlCol="0">
+            <a:spAutoFit/>
+          </a:bodyPr>
+          <a:lstStyle/>
+          <a:p>
+            <a:endParaRPr kumimoji="1" lang="ja-JP" altLang="en-US" dirty="0"/>
+          </a:p>
+        </p:txBody>
+      </p:sp>
+      <p:sp>
+        <p:nvSpPr>
+          <p:cNvPr id="6" name="テキスト ボックス 5">
+            <a:extLst>
+              <a:ext uri="{FF2B5EF4-FFF2-40B4-BE49-F238E27FC236}">
+                <a16:creationId xmlns:a16="http://schemas.microsoft.com/office/drawing/2014/main" id="{4560422A-0E17-4CFD-BEB9-7760F9CBBC2F}"/>
+              </a:ext>
+            </a:extLst>
+          </p:cNvPr>
+          <p:cNvSpPr txBox="1"/>
+          <p:nvPr/>
+        </p:nvSpPr>
+        <p:spPr>
+          <a:xfrm>
+            <a:off x="6536746" y="2600875"/>
+            <a:ext cx="1718455" cy="369332"/>
+          </a:xfrm>
+          <a:prstGeom prst="rect">
+            <a:avLst/>
+          </a:prstGeom>
+          <a:noFill/>
+        </p:spPr>
+        <p:txBody>
+          <a:bodyPr wrap="square" rtlCol="0">
+            <a:spAutoFit/>
+          </a:bodyPr>
+          <a:lstStyle/>
+          <a:p>
+            <a:endParaRPr kumimoji="1" lang="ja-JP" altLang="en-US" dirty="0"/>
+          </a:p>
+        </p:txBody>
+      </p:sp>
+      <p:grpSp>
+        <p:nvGrpSpPr>
+          <p:cNvPr id="10" name="グループ化 9">
+            <a:extLst>
+              <a:ext uri="{FF2B5EF4-FFF2-40B4-BE49-F238E27FC236}">
+                <a16:creationId xmlns:a16="http://schemas.microsoft.com/office/drawing/2014/main" id="{BC384ED3-F2CA-4265-81B4-9512F7AFB0AE}"/>
+              </a:ext>
+            </a:extLst>
+          </p:cNvPr>
+          <p:cNvGrpSpPr/>
+          <p:nvPr/>
+        </p:nvGrpSpPr>
+        <p:grpSpPr>
+          <a:xfrm>
+            <a:off x="559244" y="1328639"/>
+            <a:ext cx="9573311" cy="5367990"/>
+            <a:chOff x="981144" y="1836601"/>
+            <a:chExt cx="9573311" cy="4714911"/>
+          </a:xfrm>
+        </p:grpSpPr>
+        <p:cxnSp>
+          <p:nvCxnSpPr>
+            <p:cNvPr id="19" name="直線コネクタ 18">
+              <a:extLst>
+                <a:ext uri="{FF2B5EF4-FFF2-40B4-BE49-F238E27FC236}">
+                  <a16:creationId xmlns:a16="http://schemas.microsoft.com/office/drawing/2014/main" id="{A0D37746-D309-40AE-A0C0-3A39F14887DA}"/>
+                </a:ext>
+              </a:extLst>
+            </p:cNvPr>
+            <p:cNvCxnSpPr>
+              <a:cxnSpLocks/>
+              <a:stCxn id="17" idx="3"/>
+            </p:cNvCxnSpPr>
+            <p:nvPr/>
+          </p:nvCxnSpPr>
+          <p:spPr>
+            <a:xfrm>
+              <a:off x="4917429" y="3415477"/>
+              <a:ext cx="486441" cy="0"/>
+            </a:xfrm>
+            <a:prstGeom prst="line">
+              <a:avLst/>
+            </a:prstGeom>
+          </p:spPr>
+          <p:style>
+            <a:lnRef idx="1">
+              <a:schemeClr val="accent6"/>
+            </a:lnRef>
+            <a:fillRef idx="0">
+              <a:schemeClr val="accent6"/>
+            </a:fillRef>
+            <a:effectRef idx="0">
+              <a:schemeClr val="accent6"/>
+            </a:effectRef>
+            <a:fontRef idx="minor">
+              <a:schemeClr val="tx1"/>
+            </a:fontRef>
+          </p:style>
+        </p:cxnSp>
+        <p:grpSp>
+          <p:nvGrpSpPr>
+            <p:cNvPr id="3" name="グループ化 2">
+              <a:extLst>
+                <a:ext uri="{FF2B5EF4-FFF2-40B4-BE49-F238E27FC236}">
+                  <a16:creationId xmlns:a16="http://schemas.microsoft.com/office/drawing/2014/main" id="{A363515F-582E-486F-8337-D44AC2A6D036}"/>
+                </a:ext>
+              </a:extLst>
+            </p:cNvPr>
+            <p:cNvGrpSpPr/>
+            <p:nvPr/>
+          </p:nvGrpSpPr>
+          <p:grpSpPr>
+            <a:xfrm>
+              <a:off x="981144" y="1836601"/>
+              <a:ext cx="9573311" cy="4714911"/>
+              <a:chOff x="1053901" y="1731748"/>
+              <a:chExt cx="10001249" cy="4867215"/>
+            </a:xfrm>
+          </p:grpSpPr>
+          <p:pic>
+            <p:nvPicPr>
+              <p:cNvPr id="8" name="図 7">
+                <a:extLst>
+                  <a:ext uri="{FF2B5EF4-FFF2-40B4-BE49-F238E27FC236}">
+                    <a16:creationId xmlns:a16="http://schemas.microsoft.com/office/drawing/2014/main" id="{7ECD8D03-A540-4384-92DB-DC4154AD12EB}"/>
+                  </a:ext>
+                </a:extLst>
+              </p:cNvPr>
+              <p:cNvPicPr>
+                <a:picLocks noChangeAspect="1"/>
+              </p:cNvPicPr>
+              <p:nvPr/>
+            </p:nvPicPr>
+            <p:blipFill>
+              <a:blip r:embed="rId3">
+                <a:extLst>
+                  <a:ext uri="{28A0092B-C50C-407E-A947-70E740481C1C}">
+                    <a14:useLocalDpi xmlns:a14="http://schemas.microsoft.com/office/drawing/2010/main" val="0"/>
+                  </a:ext>
+                </a:extLst>
+              </a:blip>
+              <a:stretch>
+                <a:fillRect/>
+              </a:stretch>
+            </p:blipFill>
+            <p:spPr>
+              <a:xfrm flipH="1">
+                <a:off x="1053901" y="2827390"/>
+                <a:ext cx="1516349" cy="1293028"/>
+              </a:xfrm>
+              <a:prstGeom prst="rect">
+                <a:avLst/>
+              </a:prstGeom>
+            </p:spPr>
+          </p:pic>
+          <p:sp>
+            <p:nvSpPr>
+              <p:cNvPr id="9" name="矢印: 右 8">
+                <a:extLst>
+                  <a:ext uri="{FF2B5EF4-FFF2-40B4-BE49-F238E27FC236}">
+                    <a16:creationId xmlns:a16="http://schemas.microsoft.com/office/drawing/2014/main" id="{22232900-CF15-42ED-B61D-004E36DA459A}"/>
+                  </a:ext>
+                </a:extLst>
+              </p:cNvPr>
+              <p:cNvSpPr/>
+              <p:nvPr/>
+            </p:nvSpPr>
+            <p:spPr>
+              <a:xfrm>
+                <a:off x="3061722" y="3145706"/>
+                <a:ext cx="930442" cy="565484"/>
+              </a:xfrm>
+              <a:prstGeom prst="rightArrow">
+                <a:avLst/>
+              </a:prstGeom>
+              <a:solidFill>
+                <a:srgbClr val="00B050"/>
+              </a:solidFill>
+            </p:spPr>
+            <p:style>
+              <a:lnRef idx="2">
+                <a:schemeClr val="accent1">
+                  <a:shade val="50000"/>
+                </a:schemeClr>
+              </a:lnRef>
+              <a:fillRef idx="1">
+                <a:schemeClr val="accent1"/>
+              </a:fillRef>
+              <a:effectRef idx="0">
+                <a:schemeClr val="accent1"/>
+              </a:effectRef>
+              <a:fontRef idx="minor">
+                <a:schemeClr val="lt1"/>
+              </a:fontRef>
+            </p:style>
+            <p:txBody>
+              <a:bodyPr rtlCol="0" anchor="ctr"/>
+              <a:lstStyle/>
+              <a:p>
+                <a:pPr algn="ctr"/>
+                <a:endParaRPr kumimoji="1" lang="ja-JP" altLang="en-US"/>
+              </a:p>
+            </p:txBody>
+          </p:sp>
+          <p:pic>
+            <p:nvPicPr>
+              <p:cNvPr id="17" name="図 16">
+                <a:extLst>
+                  <a:ext uri="{FF2B5EF4-FFF2-40B4-BE49-F238E27FC236}">
+                    <a16:creationId xmlns:a16="http://schemas.microsoft.com/office/drawing/2014/main" id="{F635ED6F-6CE3-4C81-B91F-622759D54AF4}"/>
+                  </a:ext>
+                </a:extLst>
+              </p:cNvPr>
+              <p:cNvPicPr>
+                <a:picLocks noChangeAspect="1"/>
+              </p:cNvPicPr>
+              <p:nvPr/>
+            </p:nvPicPr>
+            <p:blipFill>
+              <a:blip r:embed="rId4">
+                <a:extLst>
+                  <a:ext uri="{28A0092B-C50C-407E-A947-70E740481C1C}">
+                    <a14:useLocalDpi xmlns:a14="http://schemas.microsoft.com/office/drawing/2010/main" val="0"/>
+                  </a:ext>
+                </a:extLst>
+              </a:blip>
+              <a:stretch>
+                <a:fillRect/>
+              </a:stretch>
+            </p:blipFill>
+            <p:spPr>
+              <a:xfrm>
+                <a:off x="3998279" y="2777694"/>
+                <a:ext cx="1167864" cy="1167864"/>
+              </a:xfrm>
+              <a:prstGeom prst="rect">
+                <a:avLst/>
+              </a:prstGeom>
+            </p:spPr>
+          </p:pic>
+          <p:sp>
+            <p:nvSpPr>
+              <p:cNvPr id="20" name="テキスト ボックス 19">
+                <a:extLst>
+                  <a:ext uri="{FF2B5EF4-FFF2-40B4-BE49-F238E27FC236}">
+                    <a16:creationId xmlns:a16="http://schemas.microsoft.com/office/drawing/2014/main" id="{EE46EACE-71CE-49D5-8C38-4DEC4EDA1C9E}"/>
+                  </a:ext>
+                </a:extLst>
+              </p:cNvPr>
+              <p:cNvSpPr txBox="1"/>
+              <p:nvPr/>
+            </p:nvSpPr>
+            <p:spPr>
+              <a:xfrm>
+                <a:off x="1072255" y="4382578"/>
+                <a:ext cx="1718456" cy="369332"/>
+              </a:xfrm>
+              <a:prstGeom prst="rect">
+                <a:avLst/>
+              </a:prstGeom>
+              <a:noFill/>
+            </p:spPr>
+            <p:txBody>
+              <a:bodyPr wrap="square" rtlCol="0">
+                <a:spAutoFit/>
+              </a:bodyPr>
+              <a:lstStyle/>
+              <a:p>
+                <a:pPr algn="ctr"/>
+                <a:r>
+                  <a:rPr kumimoji="1" lang="ja-JP" altLang="en-US" dirty="0"/>
+                  <a:t>ユーザ</a:t>
+                </a:r>
+              </a:p>
+            </p:txBody>
+          </p:sp>
+          <p:grpSp>
+            <p:nvGrpSpPr>
+              <p:cNvPr id="23" name="グループ化 22">
+                <a:extLst>
+                  <a:ext uri="{FF2B5EF4-FFF2-40B4-BE49-F238E27FC236}">
+                    <a16:creationId xmlns:a16="http://schemas.microsoft.com/office/drawing/2014/main" id="{413CACD0-2EF9-40DA-A533-DF471D753942}"/>
+                  </a:ext>
+                </a:extLst>
+              </p:cNvPr>
+              <p:cNvGrpSpPr/>
+              <p:nvPr/>
+            </p:nvGrpSpPr>
+            <p:grpSpPr>
+              <a:xfrm>
+                <a:off x="5912025" y="1973121"/>
+                <a:ext cx="5143125" cy="4399555"/>
+                <a:chOff x="6168761" y="1712782"/>
+                <a:chExt cx="4796670" cy="4399555"/>
+              </a:xfrm>
+            </p:grpSpPr>
+            <p:grpSp>
+              <p:nvGrpSpPr>
+                <p:cNvPr id="15" name="グループ化 14">
+                  <a:extLst>
+                    <a:ext uri="{FF2B5EF4-FFF2-40B4-BE49-F238E27FC236}">
+                      <a16:creationId xmlns:a16="http://schemas.microsoft.com/office/drawing/2014/main" id="{B130732D-09B9-4E65-ADEE-5983671C3596}"/>
+                    </a:ext>
+                  </a:extLst>
+                </p:cNvPr>
+                <p:cNvGrpSpPr/>
+                <p:nvPr/>
+              </p:nvGrpSpPr>
+              <p:grpSpPr>
+                <a:xfrm>
+                  <a:off x="6245046" y="3581188"/>
+                  <a:ext cx="4720385" cy="2531149"/>
+                  <a:chOff x="6018217" y="3918273"/>
+                  <a:chExt cx="4720385" cy="2531149"/>
+                </a:xfrm>
+              </p:grpSpPr>
+              <p:sp>
+                <p:nvSpPr>
+                  <p:cNvPr id="11" name="四角形: 角を丸くする 10">
+                    <a:extLst>
+                      <a:ext uri="{FF2B5EF4-FFF2-40B4-BE49-F238E27FC236}">
+                        <a16:creationId xmlns:a16="http://schemas.microsoft.com/office/drawing/2014/main" id="{93A19059-D052-447A-924F-5E9291ABD726}"/>
+                      </a:ext>
+                    </a:extLst>
+                  </p:cNvPr>
+                  <p:cNvSpPr/>
+                  <p:nvPr/>
+                </p:nvSpPr>
+                <p:spPr>
+                  <a:xfrm>
+                    <a:off x="6018217" y="4804814"/>
+                    <a:ext cx="2556722" cy="1644608"/>
+                  </a:xfrm>
+                  <a:prstGeom prst="roundRect">
+                    <a:avLst/>
+                  </a:prstGeom>
+                  <a:solidFill>
+                    <a:schemeClr val="accent2"/>
+                  </a:solidFill>
+                </p:spPr>
+                <p:style>
+                  <a:lnRef idx="2">
+                    <a:schemeClr val="accent1">
+                      <a:shade val="50000"/>
+                    </a:schemeClr>
+                  </a:lnRef>
+                  <a:fillRef idx="1">
+                    <a:schemeClr val="accent1"/>
+                  </a:fillRef>
+                  <a:effectRef idx="0">
+                    <a:schemeClr val="accent1"/>
+                  </a:effectRef>
+                  <a:fontRef idx="minor">
+                    <a:schemeClr val="lt1"/>
+                  </a:fontRef>
+                </p:style>
+                <p:txBody>
+                  <a:bodyPr rtlCol="0" anchor="ctr"/>
+                  <a:lstStyle/>
+                  <a:p>
+                    <a:pPr algn="ctr"/>
+                    <a:r>
+                      <a:rPr kumimoji="1" lang="ja-JP" altLang="en-US" sz="3200" dirty="0"/>
+                      <a:t>自動作曲</a:t>
+                    </a:r>
+                    <a:r>
+                      <a:rPr kumimoji="1" lang="en-US" altLang="ja-JP" sz="3200" dirty="0"/>
+                      <a:t>AI</a:t>
+                    </a:r>
+                  </a:p>
+                </p:txBody>
+              </p:sp>
+              <p:sp>
+                <p:nvSpPr>
+                  <p:cNvPr id="12" name="テキスト ボックス 11">
+                    <a:extLst>
+                      <a:ext uri="{FF2B5EF4-FFF2-40B4-BE49-F238E27FC236}">
+                        <a16:creationId xmlns:a16="http://schemas.microsoft.com/office/drawing/2014/main" id="{D0E94323-8F75-4A70-A78E-EEA688500E66}"/>
+                      </a:ext>
+                    </a:extLst>
+                  </p:cNvPr>
+                  <p:cNvSpPr txBox="1"/>
+                  <p:nvPr/>
+                </p:nvSpPr>
+                <p:spPr>
+                  <a:xfrm>
+                    <a:off x="9256848" y="3918273"/>
+                    <a:ext cx="1481754" cy="413036"/>
+                  </a:xfrm>
+                  <a:prstGeom prst="rect">
+                    <a:avLst/>
+                  </a:prstGeom>
+                  <a:noFill/>
+                </p:spPr>
+                <p:txBody>
+                  <a:bodyPr wrap="square" rtlCol="0">
+                    <a:spAutoFit/>
+                  </a:bodyPr>
+                  <a:lstStyle/>
+                  <a:p>
+                    <a:endParaRPr kumimoji="1" lang="ja-JP" altLang="en-US" sz="2000" b="1" dirty="0">
+                      <a:solidFill>
+                        <a:schemeClr val="bg1"/>
+                      </a:solidFill>
+                    </a:endParaRPr>
+                  </a:p>
+                </p:txBody>
+              </p:sp>
+            </p:grpSp>
+            <p:sp>
+              <p:nvSpPr>
+                <p:cNvPr id="21" name="四角形: 角を丸くする 20">
+                  <a:extLst>
+                    <a:ext uri="{FF2B5EF4-FFF2-40B4-BE49-F238E27FC236}">
+                      <a16:creationId xmlns:a16="http://schemas.microsoft.com/office/drawing/2014/main" id="{C29707AB-F090-4A48-B64A-2FF4BBC21EE0}"/>
+                    </a:ext>
+                  </a:extLst>
+                </p:cNvPr>
+                <p:cNvSpPr/>
+                <p:nvPr/>
+              </p:nvSpPr>
+              <p:spPr>
+                <a:xfrm>
+                  <a:off x="6168761" y="1712782"/>
+                  <a:ext cx="2599949" cy="1738069"/>
+                </a:xfrm>
+                <a:prstGeom prst="roundRect">
+                  <a:avLst/>
+                </a:prstGeom>
+                <a:solidFill>
+                  <a:srgbClr val="92D050"/>
+                </a:solidFill>
+              </p:spPr>
+              <p:style>
+                <a:lnRef idx="2">
+                  <a:schemeClr val="accent5">
+                    <a:shade val="50000"/>
+                  </a:schemeClr>
+                </a:lnRef>
+                <a:fillRef idx="1">
+                  <a:schemeClr val="accent5"/>
+                </a:fillRef>
+                <a:effectRef idx="0">
+                  <a:schemeClr val="accent5"/>
+                </a:effectRef>
+                <a:fontRef idx="minor">
+                  <a:schemeClr val="lt1"/>
+                </a:fontRef>
+              </p:style>
+              <p:txBody>
+                <a:bodyPr rtlCol="0" anchor="ctr"/>
+                <a:lstStyle/>
+                <a:p>
+                  <a:pPr algn="ctr"/>
+                  <a:r>
+                    <a:rPr kumimoji="1" lang="en-US" altLang="ja-JP" sz="3200" dirty="0"/>
+                    <a:t>Web</a:t>
+                  </a:r>
+                  <a:r>
+                    <a:rPr kumimoji="1" lang="ja-JP" altLang="en-US" sz="3200" dirty="0"/>
+                    <a:t>ページ</a:t>
+                  </a:r>
+                  <a:endParaRPr kumimoji="1" lang="en-US" altLang="ja-JP" sz="3200" dirty="0"/>
+                </a:p>
+              </p:txBody>
+            </p:sp>
+          </p:grpSp>
+          <p:sp>
+            <p:nvSpPr>
+              <p:cNvPr id="27" name="テキスト ボックス 26">
+                <a:extLst>
+                  <a:ext uri="{FF2B5EF4-FFF2-40B4-BE49-F238E27FC236}">
+                    <a16:creationId xmlns:a16="http://schemas.microsoft.com/office/drawing/2014/main" id="{4BA03AC9-8821-48AC-BA65-0549CDC13148}"/>
+                  </a:ext>
+                </a:extLst>
+              </p:cNvPr>
+              <p:cNvSpPr txBox="1"/>
+              <p:nvPr/>
+            </p:nvSpPr>
+            <p:spPr>
+              <a:xfrm>
+                <a:off x="3783889" y="4405671"/>
+                <a:ext cx="1718456" cy="369332"/>
+              </a:xfrm>
+              <a:prstGeom prst="rect">
+                <a:avLst/>
+              </a:prstGeom>
+              <a:noFill/>
+            </p:spPr>
+            <p:txBody>
+              <a:bodyPr wrap="square" rtlCol="0">
+                <a:spAutoFit/>
+              </a:bodyPr>
+              <a:lstStyle/>
+              <a:p>
+                <a:pPr algn="ctr"/>
+                <a:r>
+                  <a:rPr kumimoji="1" lang="ja-JP" altLang="en-US" dirty="0"/>
+                  <a:t>サーバ</a:t>
+                </a:r>
+              </a:p>
+            </p:txBody>
+          </p:sp>
+          <p:sp>
+            <p:nvSpPr>
+              <p:cNvPr id="2" name="四角形: 角を丸くする 1">
+                <a:extLst>
+                  <a:ext uri="{FF2B5EF4-FFF2-40B4-BE49-F238E27FC236}">
+                    <a16:creationId xmlns:a16="http://schemas.microsoft.com/office/drawing/2014/main" id="{3E4728B6-A949-481A-AA16-4CC4E0B49521}"/>
+                  </a:ext>
+                </a:extLst>
+              </p:cNvPr>
+              <p:cNvSpPr/>
+              <p:nvPr/>
+            </p:nvSpPr>
+            <p:spPr>
+              <a:xfrm>
+                <a:off x="5657617" y="1731748"/>
+                <a:ext cx="3808754" cy="4867215"/>
+              </a:xfrm>
+              <a:prstGeom prst="roundRect">
+                <a:avLst/>
+              </a:prstGeom>
+              <a:noFill/>
+            </p:spPr>
+            <p:style>
+              <a:lnRef idx="2">
+                <a:schemeClr val="accent6"/>
+              </a:lnRef>
+              <a:fillRef idx="1">
+                <a:schemeClr val="lt1"/>
+              </a:fillRef>
+              <a:effectRef idx="0">
+                <a:schemeClr val="accent6"/>
+              </a:effectRef>
+              <a:fontRef idx="minor">
+                <a:schemeClr val="dk1"/>
+              </a:fontRef>
+            </p:style>
+            <p:txBody>
+              <a:bodyPr rtlCol="0" anchor="ctr"/>
+              <a:lstStyle/>
+              <a:p>
+                <a:pPr algn="ctr"/>
+                <a:endParaRPr kumimoji="1" lang="ja-JP" altLang="en-US"/>
+              </a:p>
+            </p:txBody>
+          </p:sp>
+          <p:sp>
+            <p:nvSpPr>
+              <p:cNvPr id="7" name="テキスト ボックス 6">
+                <a:extLst>
+                  <a:ext uri="{FF2B5EF4-FFF2-40B4-BE49-F238E27FC236}">
+                    <a16:creationId xmlns:a16="http://schemas.microsoft.com/office/drawing/2014/main" id="{BF1CD242-3438-41A6-B084-F612C8F20720}"/>
+                  </a:ext>
+                </a:extLst>
+              </p:cNvPr>
+              <p:cNvSpPr txBox="1"/>
+              <p:nvPr/>
+            </p:nvSpPr>
+            <p:spPr>
+              <a:xfrm>
+                <a:off x="5321415" y="2877164"/>
+                <a:ext cx="3628866" cy="381262"/>
+              </a:xfrm>
+              <a:prstGeom prst="rect">
+                <a:avLst/>
+              </a:prstGeom>
+              <a:noFill/>
+            </p:spPr>
+            <p:txBody>
+              <a:bodyPr wrap="square" rtlCol="0">
+                <a:spAutoFit/>
+              </a:bodyPr>
+              <a:lstStyle/>
+              <a:p>
+                <a:pPr algn="ctr"/>
+                <a:endParaRPr lang="en-US" altLang="ja-JP" b="1" dirty="0"/>
+              </a:p>
+            </p:txBody>
+          </p:sp>
+        </p:grpSp>
+      </p:grpSp>
+      <p:sp>
+        <p:nvSpPr>
+          <p:cNvPr id="5" name="矢印: 下 4">
+            <a:extLst>
+              <a:ext uri="{FF2B5EF4-FFF2-40B4-BE49-F238E27FC236}">
+                <a16:creationId xmlns:a16="http://schemas.microsoft.com/office/drawing/2014/main" id="{FCB024A7-5A96-43FB-87BB-5B7A462F3E4C}"/>
               </a:ext>
             </a:extLst>
           </p:cNvPr>
@@ -6738,10 +6695,59 @@
         </p:nvSpPr>
         <p:spPr>
           <a:xfrm>
-            <a:off x="239486" y="1719942"/>
-            <a:ext cx="11800114" cy="4941077"/>
+            <a:off x="5699251" y="3640727"/>
+            <a:ext cx="870857" cy="897936"/>
           </a:xfrm>
-          <a:prstGeom prst="rect">
+          <a:prstGeom prst="downArrow">
+            <a:avLst/>
+          </a:prstGeom>
+          <a:solidFill>
+            <a:srgbClr val="FF0000"/>
+          </a:solidFill>
+        </p:spPr>
+        <p:style>
+          <a:lnRef idx="2">
+            <a:schemeClr val="accent1">
+              <a:shade val="50000"/>
+            </a:schemeClr>
+          </a:lnRef>
+          <a:fillRef idx="1">
+            <a:schemeClr val="accent1"/>
+          </a:fillRef>
+          <a:effectRef idx="0">
+            <a:schemeClr val="accent1"/>
+          </a:effectRef>
+          <a:fontRef idx="minor">
+            <a:schemeClr val="lt1"/>
+          </a:fontRef>
+        </p:style>
+        <p:txBody>
+          <a:bodyPr rtlCol="0" anchor="ctr"/>
+          <a:lstStyle/>
+          <a:p>
+            <a:pPr algn="ctr"/>
+            <a:endParaRPr kumimoji="1" lang="ja-JP" altLang="en-US" dirty="0"/>
+          </a:p>
+        </p:txBody>
+      </p:sp>
+      <p:sp>
+        <p:nvSpPr>
+          <p:cNvPr id="14" name="矢印: 上 13">
+            <a:extLst>
+              <a:ext uri="{FF2B5EF4-FFF2-40B4-BE49-F238E27FC236}">
+                <a16:creationId xmlns:a16="http://schemas.microsoft.com/office/drawing/2014/main" id="{5FE8F1E3-DFBC-4681-AB9C-5DB6E8CA5E85}"/>
+              </a:ext>
+            </a:extLst>
+          </p:cNvPr>
+          <p:cNvSpPr/>
+          <p:nvPr/>
+        </p:nvSpPr>
+        <p:spPr>
+          <a:xfrm>
+            <a:off x="6944981" y="3628951"/>
+            <a:ext cx="827628" cy="867768"/>
+          </a:xfrm>
+          <a:prstGeom prst="upArrow">
             <a:avLst/>
           </a:prstGeom>
         </p:spPr>
@@ -6766,106 +6772,38 @@
           <a:lstStyle/>
           <a:p>
             <a:pPr algn="ctr"/>
-            <a:endParaRPr kumimoji="1" lang="ja-JP" altLang="en-US" dirty="0"/>
-          </a:p>
-        </p:txBody>
-      </p:sp>
-      <p:sp>
-        <p:nvSpPr>
-          <p:cNvPr id="4" name="タイトル 3">
-            <a:extLst>
-              <a:ext uri="{FF2B5EF4-FFF2-40B4-BE49-F238E27FC236}">
-                <a16:creationId xmlns:a16="http://schemas.microsoft.com/office/drawing/2014/main" id="{77D4D360-3452-403B-A802-00F2AC9725F0}"/>
-              </a:ext>
-            </a:extLst>
-          </p:cNvPr>
-          <p:cNvSpPr>
-            <a:spLocks noGrp="1"/>
-          </p:cNvSpPr>
-          <p:nvPr>
-            <p:ph type="title"/>
-          </p:nvPr>
+            <a:endParaRPr kumimoji="1" lang="ja-JP" altLang="en-US"/>
+          </a:p>
+        </p:txBody>
+      </p:sp>
+      <p:sp>
+        <p:nvSpPr>
+          <p:cNvPr id="16" name="吹き出し: 四角形 15">
+            <a:extLst>
+              <a:ext uri="{FF2B5EF4-FFF2-40B4-BE49-F238E27FC236}">
+                <a16:creationId xmlns:a16="http://schemas.microsoft.com/office/drawing/2014/main" id="{292416DE-C061-48BB-8487-20174CC81A10}"/>
+              </a:ext>
+            </a:extLst>
+          </p:cNvPr>
+          <p:cNvSpPr/>
+          <p:nvPr/>
         </p:nvSpPr>
         <p:spPr>
           <a:xfrm>
-            <a:off x="977900" y="196980"/>
-            <a:ext cx="3823010" cy="1293028"/>
+            <a:off x="8309293" y="1925043"/>
+            <a:ext cx="2484818" cy="1661331"/>
           </a:xfrm>
-        </p:spPr>
-        <p:txBody>
-          <a:bodyPr>
-            <a:normAutofit fontScale="90000"/>
-          </a:bodyPr>
-          <a:lstStyle/>
-          <a:p>
-            <a:r>
-              <a:rPr kumimoji="1" lang="ja-JP" altLang="en-US" dirty="0"/>
-              <a:t>システムの構成</a:t>
-            </a:r>
-          </a:p>
-        </p:txBody>
-      </p:sp>
-      <p:sp>
-        <p:nvSpPr>
-          <p:cNvPr id="13" name="テキスト ボックス 12">
-            <a:extLst>
-              <a:ext uri="{FF2B5EF4-FFF2-40B4-BE49-F238E27FC236}">
-                <a16:creationId xmlns:a16="http://schemas.microsoft.com/office/drawing/2014/main" id="{D2EC5B4D-3CEA-45D4-8A0C-A52B40544298}"/>
-              </a:ext>
-            </a:extLst>
-          </p:cNvPr>
-          <p:cNvSpPr txBox="1"/>
-          <p:nvPr/>
-        </p:nvSpPr>
-        <p:spPr>
-          <a:xfrm>
-            <a:off x="8843391" y="3429000"/>
-            <a:ext cx="2294021" cy="621341"/>
-          </a:xfrm>
-          <a:prstGeom prst="rect">
-            <a:avLst/>
-          </a:prstGeom>
-          <a:noFill/>
-        </p:spPr>
-        <p:txBody>
-          <a:bodyPr wrap="square" rtlCol="0">
-            <a:spAutoFit/>
-          </a:bodyPr>
-          <a:lstStyle/>
-          <a:p>
-            <a:endParaRPr kumimoji="1" lang="ja-JP" altLang="en-US" dirty="0"/>
-          </a:p>
-        </p:txBody>
-      </p:sp>
-      <p:sp>
-        <p:nvSpPr>
-          <p:cNvPr id="2" name="正方形/長方形 1">
-            <a:extLst>
-              <a:ext uri="{FF2B5EF4-FFF2-40B4-BE49-F238E27FC236}">
-                <a16:creationId xmlns:a16="http://schemas.microsoft.com/office/drawing/2014/main" id="{8294C958-F9B8-4D3C-A12E-9B965052F961}"/>
-              </a:ext>
-            </a:extLst>
-          </p:cNvPr>
-          <p:cNvSpPr/>
-          <p:nvPr/>
-        </p:nvSpPr>
-        <p:spPr>
-          <a:xfrm>
-            <a:off x="5661974" y="2116810"/>
-            <a:ext cx="6097578" cy="4309355"/>
-          </a:xfrm>
-          <a:prstGeom prst="rect">
-            <a:avLst/>
+          <a:prstGeom prst="wedgeRectCallout">
+            <a:avLst>
+              <a:gd name="adj1" fmla="val -68475"/>
+              <a:gd name="adj2" fmla="val 89005"/>
+            </a:avLst>
           </a:prstGeom>
           <a:solidFill>
-            <a:schemeClr val="tx2">
-              <a:lumMod val="50000"/>
-            </a:schemeClr>
+            <a:schemeClr val="accent1"/>
           </a:solidFill>
           <a:ln>
-            <a:solidFill>
-              <a:schemeClr val="bg1"/>
-            </a:solidFill>
+            <a:noFill/>
           </a:ln>
         </p:spPr>
         <p:style>
@@ -6888,250 +6826,23 @@
           <a:bodyPr rtlCol="0" anchor="ctr"/>
           <a:lstStyle/>
           <a:p>
-            <a:r>
-              <a:rPr lang="en-US" altLang="ja-JP" sz="5400" dirty="0">
+            <a:pPr algn="ctr"/>
+            <a:r>
+              <a:rPr lang="ja-JP" altLang="en-US" dirty="0">
                 <a:solidFill>
                   <a:schemeClr val="bg1"/>
                 </a:solidFill>
               </a:rPr>
-              <a:t>Python</a:t>
-            </a:r>
-            <a:endParaRPr kumimoji="1" lang="en-US" altLang="ja-JP" sz="5400" dirty="0">
+              <a:t>ユーザーから生成されたものが返ってくる</a:t>
+            </a:r>
+            <a:endParaRPr kumimoji="1" lang="ja-JP" altLang="en-US" dirty="0">
               <a:solidFill>
                 <a:schemeClr val="bg1"/>
               </a:solidFill>
             </a:endParaRPr>
           </a:p>
-          <a:p>
-            <a:r>
-              <a:rPr kumimoji="1" lang="en-US" altLang="ja-JP" sz="3600" dirty="0"/>
-              <a:t>TensorFlow</a:t>
-            </a:r>
-            <a:endParaRPr lang="en-US" altLang="ja-JP" sz="3600" dirty="0"/>
-          </a:p>
-          <a:p>
-            <a:r>
-              <a:rPr lang="en-US" altLang="ja-JP" sz="3600" dirty="0"/>
-              <a:t>m</a:t>
-            </a:r>
-            <a:r>
-              <a:rPr kumimoji="1" lang="en-US" altLang="ja-JP" sz="3600" dirty="0"/>
-              <a:t>usic21</a:t>
-            </a:r>
-          </a:p>
-          <a:p>
-            <a:r>
-              <a:rPr lang="en-US" altLang="ja-JP" sz="3600" dirty="0"/>
-              <a:t>Midi2 to mp3</a:t>
-            </a:r>
-          </a:p>
-          <a:p>
-            <a:pPr algn="ctr"/>
-            <a:endParaRPr kumimoji="1" lang="ja-JP" altLang="en-US" dirty="0"/>
-          </a:p>
-        </p:txBody>
-      </p:sp>
-      <p:sp>
-        <p:nvSpPr>
-          <p:cNvPr id="3" name="四角形: 角を丸くする 2">
-            <a:extLst>
-              <a:ext uri="{FF2B5EF4-FFF2-40B4-BE49-F238E27FC236}">
-                <a16:creationId xmlns:a16="http://schemas.microsoft.com/office/drawing/2014/main" id="{F9BFAB24-AA19-418A-BCF7-55AA79F71904}"/>
-              </a:ext>
-            </a:extLst>
-          </p:cNvPr>
-          <p:cNvSpPr/>
-          <p:nvPr/>
-        </p:nvSpPr>
-        <p:spPr>
-          <a:xfrm>
-            <a:off x="561497" y="4271487"/>
-            <a:ext cx="4008136" cy="1872344"/>
-          </a:xfrm>
-          <a:prstGeom prst="roundRect">
-            <a:avLst/>
-          </a:prstGeom>
-          <a:solidFill>
-            <a:schemeClr val="tx1">
-              <a:lumMod val="95000"/>
-              <a:lumOff val="5000"/>
-            </a:schemeClr>
-          </a:solidFill>
-        </p:spPr>
-        <p:style>
-          <a:lnRef idx="2">
-            <a:schemeClr val="accent1">
-              <a:shade val="50000"/>
-            </a:schemeClr>
-          </a:lnRef>
-          <a:fillRef idx="1">
-            <a:schemeClr val="accent1"/>
-          </a:fillRef>
-          <a:effectRef idx="0">
-            <a:schemeClr val="accent1"/>
-          </a:effectRef>
-          <a:fontRef idx="minor">
-            <a:schemeClr val="lt1"/>
-          </a:fontRef>
-        </p:style>
-        <p:txBody>
-          <a:bodyPr rtlCol="0" anchor="ctr"/>
-          <a:lstStyle/>
-          <a:p>
-            <a:r>
-              <a:rPr kumimoji="1" lang="en-US" altLang="ja-JP" sz="4400" dirty="0"/>
-              <a:t>JavaScript</a:t>
-            </a:r>
-          </a:p>
-          <a:p>
-            <a:r>
-              <a:rPr lang="en-US" altLang="ja-JP" sz="3600" dirty="0"/>
-              <a:t>abc.js</a:t>
-            </a:r>
-          </a:p>
-        </p:txBody>
-      </p:sp>
-      <p:pic>
-        <p:nvPicPr>
-          <p:cNvPr id="1026" name="Picture 2" descr="Flaskへようこそ — Flask Documentation (2.0.x)">
-            <a:extLst>
-              <a:ext uri="{FF2B5EF4-FFF2-40B4-BE49-F238E27FC236}">
-                <a16:creationId xmlns:a16="http://schemas.microsoft.com/office/drawing/2014/main" id="{8BCA5665-EFC2-4062-8FC9-AF6E97AC2CBE}"/>
-              </a:ext>
-            </a:extLst>
-          </p:cNvPr>
-          <p:cNvPicPr>
-            <a:picLocks noChangeAspect="1" noChangeArrowheads="1"/>
-          </p:cNvPicPr>
-          <p:nvPr/>
-        </p:nvPicPr>
-        <p:blipFill>
-          <a:blip r:embed="rId3">
-            <a:extLst>
-              <a:ext uri="{28A0092B-C50C-407E-A947-70E740481C1C}">
-                <a14:useLocalDpi xmlns:a14="http://schemas.microsoft.com/office/drawing/2010/main" val="0"/>
-              </a:ext>
-            </a:extLst>
-          </a:blip>
-          <a:srcRect/>
-          <a:stretch>
-            <a:fillRect/>
-          </a:stretch>
-        </p:blipFill>
-        <p:spPr bwMode="auto">
-          <a:xfrm>
-            <a:off x="855827" y="2406170"/>
-            <a:ext cx="3419475" cy="1333500"/>
-          </a:xfrm>
-          <a:prstGeom prst="rect">
-            <a:avLst/>
-          </a:prstGeom>
-          <a:noFill/>
-          <a:extLst>
-            <a:ext uri="{909E8E84-426E-40DD-AFC4-6F175D3DCCD1}">
-              <a14:hiddenFill xmlns:a14="http://schemas.microsoft.com/office/drawing/2010/main">
-                <a:solidFill>
-                  <a:srgbClr val="FFFFFF"/>
-                </a:solidFill>
-              </a14:hiddenFill>
-            </a:ext>
-          </a:extLst>
-        </p:spPr>
-      </p:pic>
-      <p:pic>
-        <p:nvPicPr>
-          <p:cNvPr id="1030" name="Picture 6" descr="tf_logo_social.png?hl=ja">
-            <a:extLst>
-              <a:ext uri="{FF2B5EF4-FFF2-40B4-BE49-F238E27FC236}">
-                <a16:creationId xmlns:a16="http://schemas.microsoft.com/office/drawing/2014/main" id="{B608E2C0-C4E1-4194-8C74-7708D8DBB3D4}"/>
-              </a:ext>
-            </a:extLst>
-          </p:cNvPr>
-          <p:cNvPicPr>
-            <a:picLocks noChangeAspect="1" noChangeArrowheads="1"/>
-          </p:cNvPicPr>
-          <p:nvPr/>
-        </p:nvPicPr>
-        <p:blipFill>
-          <a:blip r:embed="rId4">
-            <a:extLst>
-              <a:ext uri="{28A0092B-C50C-407E-A947-70E740481C1C}">
-                <a14:useLocalDpi xmlns:a14="http://schemas.microsoft.com/office/drawing/2010/main" val="0"/>
-              </a:ext>
-            </a:extLst>
-          </a:blip>
-          <a:srcRect/>
-          <a:stretch>
-            <a:fillRect/>
-          </a:stretch>
-        </p:blipFill>
-        <p:spPr bwMode="auto">
-          <a:xfrm>
-            <a:off x="8795251" y="2504109"/>
-            <a:ext cx="2256249" cy="1702192"/>
-          </a:xfrm>
-          <a:prstGeom prst="rect">
-            <a:avLst/>
-          </a:prstGeom>
-          <a:noFill/>
-          <a:extLst>
-            <a:ext uri="{909E8E84-426E-40DD-AFC4-6F175D3DCCD1}">
-              <a14:hiddenFill xmlns:a14="http://schemas.microsoft.com/office/drawing/2010/main">
-                <a:solidFill>
-                  <a:srgbClr val="FFFFFF"/>
-                </a:solidFill>
-              </a14:hiddenFill>
-            </a:ext>
-          </a:extLst>
-        </p:spPr>
-      </p:pic>
-      <p:pic>
-        <p:nvPicPr>
-          <p:cNvPr id="1032" name="Picture 8" descr="Music21.com (@music21com) | Twitter">
-            <a:extLst>
-              <a:ext uri="{FF2B5EF4-FFF2-40B4-BE49-F238E27FC236}">
-                <a16:creationId xmlns:a16="http://schemas.microsoft.com/office/drawing/2014/main" id="{9973C0B2-5232-4036-AD05-7E2E889F8ED3}"/>
-              </a:ext>
-            </a:extLst>
-          </p:cNvPr>
-          <p:cNvPicPr>
-            <a:picLocks noChangeAspect="1" noChangeArrowheads="1"/>
-          </p:cNvPicPr>
-          <p:nvPr/>
-        </p:nvPicPr>
-        <p:blipFill>
-          <a:blip r:embed="rId5">
-            <a:extLst>
-              <a:ext uri="{28A0092B-C50C-407E-A947-70E740481C1C}">
-                <a14:useLocalDpi xmlns:a14="http://schemas.microsoft.com/office/drawing/2010/main" val="0"/>
-              </a:ext>
-            </a:extLst>
-          </a:blip>
-          <a:srcRect/>
-          <a:stretch>
-            <a:fillRect/>
-          </a:stretch>
-        </p:blipFill>
-        <p:spPr bwMode="auto">
-          <a:xfrm>
-            <a:off x="8749023" y="4606107"/>
-            <a:ext cx="2256249" cy="1512847"/>
-          </a:xfrm>
-          <a:prstGeom prst="rect">
-            <a:avLst/>
-          </a:prstGeom>
-          <a:noFill/>
-          <a:extLst>
-            <a:ext uri="{909E8E84-426E-40DD-AFC4-6F175D3DCCD1}">
-              <a14:hiddenFill xmlns:a14="http://schemas.microsoft.com/office/drawing/2010/main">
-                <a:solidFill>
-                  <a:srgbClr val="FFFFFF"/>
-                </a:solidFill>
-              </a14:hiddenFill>
-            </a:ext>
-          </a:extLst>
-        </p:spPr>
-      </p:pic>
+        </p:txBody>
+      </p:sp>
     </p:spTree>
     <p:extLst>
       <p:ext uri="{BB962C8B-B14F-4D97-AF65-F5344CB8AC3E}">
@@ -7221,8 +6932,8 @@
         </p:nvSpPr>
         <p:spPr>
           <a:xfrm>
-            <a:off x="841829" y="1944914"/>
-            <a:ext cx="5355771" cy="1384995"/>
+            <a:off x="841828" y="1944914"/>
+            <a:ext cx="9172327" cy="954107"/>
           </a:xfrm>
           <a:prstGeom prst="rect">
             <a:avLst/>
@@ -7236,8 +6947,12 @@
           <a:lstStyle/>
           <a:p>
             <a:r>
+              <a:rPr lang="ja-JP" altLang="en-US" sz="2800" dirty="0"/>
+              <a:t>リカレントニューラルネットワーク</a:t>
+            </a:r>
+            <a:r>
               <a:rPr lang="en-US" altLang="ja-JP" sz="2800" dirty="0"/>
-              <a:t>RNN</a:t>
+              <a:t>(RNN)</a:t>
             </a:r>
             <a:r>
               <a:rPr lang="ja-JP" altLang="en-US" sz="2800" dirty="0"/>
@@ -7272,7 +6987,7 @@
           <p:nvPr/>
         </p:nvPicPr>
         <p:blipFill>
-          <a:blip r:embed="rId2">
+          <a:blip r:embed="rId3">
             <a:extLst>
               <a:ext uri="{28A0092B-C50C-407E-A947-70E740481C1C}">
                 <a14:useLocalDpi xmlns:a14="http://schemas.microsoft.com/office/drawing/2010/main" val="0"/>
@@ -7286,7 +7001,7 @@
         </p:blipFill>
         <p:spPr bwMode="auto">
           <a:xfrm>
-            <a:off x="1701799" y="3164114"/>
+            <a:off x="841828" y="3285664"/>
             <a:ext cx="7398658" cy="3410857"/>
           </a:xfrm>
           <a:prstGeom prst="rect">
@@ -7351,7 +7066,7 @@
           <p:cNvPr id="2" name="タイトル 1">
             <a:extLst>
               <a:ext uri="{FF2B5EF4-FFF2-40B4-BE49-F238E27FC236}">
-                <a16:creationId xmlns:a16="http://schemas.microsoft.com/office/drawing/2014/main" id="{561E2F2A-38C3-4B00-B326-851C4881AE03}"/>
+                <a16:creationId xmlns:a16="http://schemas.microsoft.com/office/drawing/2014/main" id="{D51E3965-A530-4102-8752-1AA7020ACD8C}"/>
               </a:ext>
             </a:extLst>
           </p:cNvPr>
@@ -7364,24 +7079,30 @@
         </p:nvSpPr>
         <p:spPr/>
         <p:txBody>
-          <a:bodyPr>
-            <a:normAutofit/>
-          </a:bodyPr>
-          <a:lstStyle/>
-          <a:p>
-            <a:r>
-              <a:rPr kumimoji="1" lang="ja-JP" altLang="en-US" sz="6600" dirty="0"/>
-              <a:t>学習データの作り方</a:t>
-            </a:r>
-          </a:p>
-        </p:txBody>
-      </p:sp>
-      <p:sp>
-        <p:nvSpPr>
-          <p:cNvPr id="7" name="テキスト ボックス 6">
-            <a:extLst>
-              <a:ext uri="{FF2B5EF4-FFF2-40B4-BE49-F238E27FC236}">
-                <a16:creationId xmlns:a16="http://schemas.microsoft.com/office/drawing/2014/main" id="{80684AC9-3C35-4A89-989F-ADE63A16DA23}"/>
+          <a:bodyPr/>
+          <a:lstStyle/>
+          <a:p>
+            <a:r>
+              <a:rPr kumimoji="1" lang="ja-JP" altLang="en-US" b="1" dirty="0">
+                <a:solidFill>
+                  <a:schemeClr val="tx1">
+                    <a:lumMod val="65000"/>
+                    <a:lumOff val="35000"/>
+                  </a:schemeClr>
+                </a:solidFill>
+                <a:latin typeface="+mn-lt"/>
+              </a:rPr>
+              <a:t>単語の予測の例</a:t>
+            </a:r>
+          </a:p>
+        </p:txBody>
+      </p:sp>
+      <p:sp>
+        <p:nvSpPr>
+          <p:cNvPr id="4" name="テキスト ボックス 3">
+            <a:extLst>
+              <a:ext uri="{FF2B5EF4-FFF2-40B4-BE49-F238E27FC236}">
+                <a16:creationId xmlns:a16="http://schemas.microsoft.com/office/drawing/2014/main" id="{8E354F14-52B1-454E-AF25-7900CAB26773}"/>
               </a:ext>
             </a:extLst>
           </p:cNvPr>
@@ -7390,8 +7111,8 @@
         </p:nvSpPr>
         <p:spPr>
           <a:xfrm>
-            <a:off x="1066800" y="1460500"/>
-            <a:ext cx="7175500" cy="4832092"/>
+            <a:off x="838200" y="1424763"/>
+            <a:ext cx="10751288" cy="4893647"/>
           </a:xfrm>
           <a:prstGeom prst="rect">
             <a:avLst/>
@@ -7405,44 +7126,175 @@
           <a:lstStyle/>
           <a:p>
             <a:r>
-              <a:rPr kumimoji="1" lang="ja-JP" altLang="en-US" sz="4400" dirty="0"/>
-              <a:t>音の種類ラベルづくり</a:t>
-            </a:r>
-            <a:endParaRPr kumimoji="1" lang="en-US" altLang="ja-JP" sz="4400" dirty="0"/>
-          </a:p>
-          <a:p>
-            <a:endParaRPr kumimoji="1" lang="en-US" altLang="ja-JP" sz="4400" dirty="0"/>
-          </a:p>
-          <a:p>
-            <a:r>
-              <a:rPr lang="ja-JP" altLang="en-US" sz="4400" dirty="0"/>
-              <a:t>出てくる音を</a:t>
-            </a:r>
-            <a:endParaRPr lang="en-US" altLang="ja-JP" sz="4400" dirty="0"/>
-          </a:p>
-          <a:p>
-            <a:r>
-              <a:rPr lang="ja-JP" altLang="en-US" sz="4400" dirty="0"/>
-              <a:t>一定の長さに区切って</a:t>
-            </a:r>
-            <a:endParaRPr lang="en-US" altLang="ja-JP" sz="4400" dirty="0"/>
-          </a:p>
-          <a:p>
-            <a:r>
-              <a:rPr lang="ja-JP" altLang="en-US" sz="4400" dirty="0"/>
-              <a:t>学習データと正解データを作る</a:t>
-            </a:r>
-            <a:endParaRPr kumimoji="1" lang="en-US" altLang="ja-JP" sz="4400" dirty="0"/>
-          </a:p>
-          <a:p>
-            <a:endParaRPr lang="en-US" altLang="ja-JP" sz="4400" dirty="0"/>
+              <a:rPr lang="en-US" altLang="ja-JP" sz="3600" dirty="0"/>
+              <a:t>[</a:t>
+            </a:r>
+            <a:r>
+              <a:rPr lang="en-US" altLang="ja-JP" sz="3600" b="1" dirty="0"/>
+              <a:t>I have </a:t>
+            </a:r>
+            <a:r>
+              <a:rPr lang="en-US" altLang="ja-JP" sz="3600" b="1" dirty="0">
+                <a:solidFill>
+                  <a:srgbClr val="FF0000"/>
+                </a:solidFill>
+              </a:rPr>
+              <a:t>a</a:t>
+            </a:r>
+            <a:r>
+              <a:rPr lang="en-US" altLang="ja-JP" sz="3600" b="1" dirty="0"/>
+              <a:t> Dream </a:t>
+            </a:r>
+            <a:r>
+              <a:rPr lang="en-US" altLang="ja-JP" sz="3600" dirty="0"/>
+              <a:t>.]</a:t>
+            </a:r>
+          </a:p>
+          <a:p>
+            <a:r>
+              <a:rPr lang="en-US" altLang="ja-JP" sz="3600" dirty="0"/>
+              <a:t>[</a:t>
+            </a:r>
+            <a:r>
+              <a:rPr lang="en-US" altLang="ja-JP" sz="3600" b="1" dirty="0"/>
+              <a:t>Every day is </a:t>
+            </a:r>
+            <a:r>
+              <a:rPr lang="en-US" altLang="ja-JP" sz="3600" b="1" dirty="0">
+                <a:solidFill>
+                  <a:srgbClr val="FF0000"/>
+                </a:solidFill>
+              </a:rPr>
+              <a:t>a </a:t>
+            </a:r>
+            <a:r>
+              <a:rPr lang="en-US" altLang="ja-JP" sz="3600" b="1" dirty="0"/>
+              <a:t>new day</a:t>
+            </a:r>
+            <a:r>
+              <a:rPr lang="en-US" altLang="ja-JP" sz="3600" dirty="0"/>
+              <a:t> .]</a:t>
+            </a:r>
+          </a:p>
+          <a:p>
+            <a:endParaRPr lang="en-US" altLang="ja-JP" sz="3600" dirty="0"/>
+          </a:p>
+          <a:p>
+            <a:r>
+              <a:rPr lang="en-US" altLang="ja-JP" sz="3600" dirty="0"/>
+              <a:t>[</a:t>
+            </a:r>
+            <a:r>
+              <a:rPr lang="en-US" altLang="ja-JP" sz="3600" b="1" dirty="0"/>
+              <a:t>Every day is </a:t>
+            </a:r>
+            <a:r>
+              <a:rPr lang="en-US" altLang="ja-JP" sz="3600" b="1" dirty="0">
+                <a:solidFill>
+                  <a:srgbClr val="FF0000"/>
+                </a:solidFill>
+              </a:rPr>
+              <a:t>a  </a:t>
+            </a:r>
+            <a:r>
+              <a:rPr lang="en-US" altLang="ja-JP" sz="3600" b="1" dirty="0"/>
+              <a:t>???</a:t>
+            </a:r>
+            <a:r>
+              <a:rPr lang="en-US" altLang="ja-JP" sz="3600" dirty="0"/>
+              <a:t>]</a:t>
+            </a:r>
+          </a:p>
+          <a:p>
+            <a:r>
+              <a:rPr lang="en-US" altLang="ja-JP" sz="3600" dirty="0">
+                <a:solidFill>
+                  <a:srgbClr val="FF0000"/>
+                </a:solidFill>
+              </a:rPr>
+              <a:t> a</a:t>
+            </a:r>
+            <a:r>
+              <a:rPr lang="en-US" altLang="ja-JP" sz="3600" dirty="0"/>
+              <a:t> → new day, </a:t>
+            </a:r>
+            <a:r>
+              <a:rPr lang="ja-JP" altLang="en-US" sz="3600" dirty="0"/>
+              <a:t>か　</a:t>
+            </a:r>
+            <a:r>
+              <a:rPr lang="en-US" altLang="ja-JP" sz="3600" dirty="0"/>
+              <a:t>Dream </a:t>
+            </a:r>
+          </a:p>
+          <a:p>
+            <a:endParaRPr lang="en-US" altLang="ja-JP" sz="2400" dirty="0"/>
+          </a:p>
+          <a:p>
+            <a:r>
+              <a:rPr lang="ja-JP" altLang="en-US" sz="3600" dirty="0"/>
+              <a:t>前の入力を現在の入力に加えることで</a:t>
+            </a:r>
+          </a:p>
+          <a:p>
+            <a:r>
+              <a:rPr lang="en-US" altLang="ja-JP" sz="3600" b="1" dirty="0"/>
+              <a:t>‘Every ‘ , ‘day ‘ , ‘is ‘,’</a:t>
+            </a:r>
+            <a:r>
+              <a:rPr lang="en-US" altLang="ja-JP" sz="3600" b="1" dirty="0">
+                <a:solidFill>
+                  <a:srgbClr val="FF0000"/>
+                </a:solidFill>
+              </a:rPr>
+              <a:t>a</a:t>
+            </a:r>
+            <a:r>
+              <a:rPr lang="en-US" altLang="ja-JP" sz="3600" b="1" dirty="0"/>
+              <a:t>’ </a:t>
+            </a:r>
+            <a:r>
+              <a:rPr lang="ja-JP" altLang="en-US" sz="3600" b="1" dirty="0"/>
+              <a:t>➡</a:t>
+            </a:r>
+            <a:r>
+              <a:rPr lang="en-US" altLang="ja-JP" sz="3600" dirty="0"/>
+              <a:t>‘</a:t>
+            </a:r>
+            <a:r>
+              <a:rPr lang="en-US" altLang="ja-JP" sz="3600" b="1" dirty="0"/>
+              <a:t>new’</a:t>
+            </a:r>
+            <a:r>
+              <a:rPr lang="en-US" altLang="ja-JP" sz="3600" dirty="0"/>
+              <a:t> </a:t>
+            </a:r>
+            <a:r>
+              <a:rPr lang="ja-JP" altLang="en-US" sz="3600" dirty="0"/>
+              <a:t>と予測できる。</a:t>
+            </a:r>
+            <a:endParaRPr lang="en-US" altLang="ja-JP" sz="3600" dirty="0"/>
+          </a:p>
+          <a:p>
+            <a:r>
+              <a:rPr lang="ja-JP" altLang="en-US" sz="3600" dirty="0"/>
+              <a:t>繰り返すと</a:t>
+            </a:r>
+            <a:r>
+              <a:rPr lang="en-US" altLang="ja-JP" sz="3600" b="1" dirty="0"/>
+              <a:t>Every’,  ‘day’.  ‘is‘, a ,‘new’,  ‘ day’</a:t>
+            </a:r>
+            <a:r>
+              <a:rPr lang="en-US" altLang="ja-JP" sz="3600" dirty="0"/>
+              <a:t> </a:t>
+            </a:r>
           </a:p>
         </p:txBody>
       </p:sp>
     </p:spTree>
     <p:extLst>
       <p:ext uri="{BB962C8B-B14F-4D97-AF65-F5344CB8AC3E}">
-        <p14:creationId xmlns:p14="http://schemas.microsoft.com/office/powerpoint/2010/main" val="3100620085"/>
+        <p14:creationId xmlns:p14="http://schemas.microsoft.com/office/powerpoint/2010/main" val="1295552973"/>
       </p:ext>
     </p:extLst>
   </p:cSld>
@@ -7483,181 +7335,95 @@
       </p:grpSpPr>
       <p:sp>
         <p:nvSpPr>
-          <p:cNvPr id="27" name="正方形/長方形 26">
-            <a:extLst>
-              <a:ext uri="{FF2B5EF4-FFF2-40B4-BE49-F238E27FC236}">
-                <a16:creationId xmlns:a16="http://schemas.microsoft.com/office/drawing/2014/main" id="{E6E27108-A58C-4FF6-AECE-A6B8AE04330D}"/>
-              </a:ext>
-            </a:extLst>
-          </p:cNvPr>
-          <p:cNvSpPr/>
-          <p:nvPr/>
-        </p:nvSpPr>
+          <p:cNvPr id="2" name="タイトル 1">
+            <a:extLst>
+              <a:ext uri="{FF2B5EF4-FFF2-40B4-BE49-F238E27FC236}">
+                <a16:creationId xmlns:a16="http://schemas.microsoft.com/office/drawing/2014/main" id="{3C38C6E0-D8E5-4DEB-AC30-7CA3744F23AE}"/>
+              </a:ext>
+            </a:extLst>
+          </p:cNvPr>
+          <p:cNvSpPr>
+            <a:spLocks noGrp="1"/>
+          </p:cNvSpPr>
+          <p:nvPr>
+            <p:ph type="title"/>
+          </p:nvPr>
+        </p:nvSpPr>
+        <p:spPr/>
+        <p:txBody>
+          <a:bodyPr/>
+          <a:lstStyle/>
+          <a:p>
+            <a:r>
+              <a:rPr lang="ja-JP" altLang="en-US" dirty="0"/>
+              <a:t>ショパンを</a:t>
+            </a:r>
+            <a:r>
+              <a:rPr kumimoji="1" lang="ja-JP" altLang="en-US" dirty="0"/>
+              <a:t>学習させたもの</a:t>
+            </a:r>
+            <a:r>
+              <a:rPr kumimoji="1" lang="en-US" altLang="ja-JP" dirty="0"/>
+              <a:t>1</a:t>
+            </a:r>
+            <a:endParaRPr kumimoji="1" lang="ja-JP" altLang="en-US" dirty="0"/>
+          </a:p>
+        </p:txBody>
+      </p:sp>
+      <p:pic>
+        <p:nvPicPr>
+          <p:cNvPr id="3" name="test_output2">
+            <a:hlinkClick r:id="" action="ppaction://media"/>
+            <a:extLst>
+              <a:ext uri="{FF2B5EF4-FFF2-40B4-BE49-F238E27FC236}">
+                <a16:creationId xmlns:a16="http://schemas.microsoft.com/office/drawing/2014/main" id="{E9B2DACC-FB14-44D9-9610-A625C2FB4D52}"/>
+              </a:ext>
+            </a:extLst>
+          </p:cNvPr>
+          <p:cNvPicPr>
+            <a:picLocks noChangeAspect="1"/>
+          </p:cNvPicPr>
+          <p:nvPr>
+            <a:audioFile r:link="rId2"/>
+            <p:extLst>
+              <p:ext uri="{DAA4B4D4-6D71-4841-9C94-3DE7FCFB9230}">
+                <p14:media xmlns:p14="http://schemas.microsoft.com/office/powerpoint/2010/main" r:embed="rId1"/>
+              </p:ext>
+            </p:extLst>
+          </p:nvPr>
+        </p:nvPicPr>
+        <p:blipFill>
+          <a:blip r:embed="rId5"/>
+          <a:stretch>
+            <a:fillRect/>
+          </a:stretch>
+        </p:blipFill>
         <p:spPr>
           <a:xfrm>
-            <a:off x="478971" y="1383768"/>
-            <a:ext cx="7779657" cy="5245631"/>
+            <a:off x="1066800" y="3680818"/>
+            <a:ext cx="2286000" cy="1575026"/>
           </a:xfrm>
           <a:prstGeom prst="rect">
             <a:avLst/>
           </a:prstGeom>
         </p:spPr>
-        <p:style>
-          <a:lnRef idx="1">
-            <a:schemeClr val="accent6"/>
-          </a:lnRef>
-          <a:fillRef idx="2">
-            <a:schemeClr val="accent6"/>
-          </a:fillRef>
-          <a:effectRef idx="1">
-            <a:schemeClr val="accent6"/>
-          </a:effectRef>
-          <a:fontRef idx="minor">
-            <a:schemeClr val="dk1"/>
-          </a:fontRef>
-        </p:style>
-        <p:txBody>
-          <a:bodyPr rtlCol="0" anchor="ctr"/>
-          <a:lstStyle/>
-          <a:p>
-            <a:pPr algn="ctr"/>
-            <a:endParaRPr kumimoji="1" lang="ja-JP" altLang="en-US" dirty="0"/>
-          </a:p>
-        </p:txBody>
-      </p:sp>
-      <p:sp>
-        <p:nvSpPr>
-          <p:cNvPr id="2" name="タイトル 1">
-            <a:extLst>
-              <a:ext uri="{FF2B5EF4-FFF2-40B4-BE49-F238E27FC236}">
-                <a16:creationId xmlns:a16="http://schemas.microsoft.com/office/drawing/2014/main" id="{D9F77B6B-16E5-4BE4-BBFF-17BEEABCFAB2}"/>
-              </a:ext>
-            </a:extLst>
-          </p:cNvPr>
-          <p:cNvSpPr>
-            <a:spLocks noGrp="1"/>
-          </p:cNvSpPr>
-          <p:nvPr>
-            <p:ph type="title"/>
-          </p:nvPr>
+      </p:pic>
+      <p:sp>
+        <p:nvSpPr>
+          <p:cNvPr id="4" name="テキスト ボックス 3">
+            <a:extLst>
+              <a:ext uri="{FF2B5EF4-FFF2-40B4-BE49-F238E27FC236}">
+                <a16:creationId xmlns:a16="http://schemas.microsoft.com/office/drawing/2014/main" id="{7CAAB8D8-9C97-478D-9AC1-80210D958EE4}"/>
+              </a:ext>
+            </a:extLst>
+          </p:cNvPr>
+          <p:cNvSpPr txBox="1"/>
+          <p:nvPr/>
         </p:nvSpPr>
         <p:spPr>
           <a:xfrm>
-            <a:off x="250371" y="228601"/>
-            <a:ext cx="9111343" cy="1107996"/>
-          </a:xfrm>
-        </p:spPr>
-        <p:txBody>
-          <a:bodyPr>
-            <a:noAutofit/>
-          </a:bodyPr>
-          <a:lstStyle/>
-          <a:p>
-            <a:r>
-              <a:rPr lang="ja-JP" altLang="en-US" sz="5400" dirty="0"/>
-              <a:t>これを音の予測に対応すると</a:t>
-            </a:r>
-            <a:endParaRPr kumimoji="1" lang="ja-JP" altLang="en-US" sz="5400" dirty="0"/>
-          </a:p>
-        </p:txBody>
-      </p:sp>
-      <p:sp>
-        <p:nvSpPr>
-          <p:cNvPr id="28" name="テキスト ボックス 27">
-            <a:extLst>
-              <a:ext uri="{FF2B5EF4-FFF2-40B4-BE49-F238E27FC236}">
-                <a16:creationId xmlns:a16="http://schemas.microsoft.com/office/drawing/2014/main" id="{EC601037-F89D-4003-AC3A-FDE20FFDDA37}"/>
-              </a:ext>
-            </a:extLst>
-          </p:cNvPr>
-          <p:cNvSpPr txBox="1"/>
-          <p:nvPr/>
-        </p:nvSpPr>
-        <p:spPr>
-          <a:xfrm>
-            <a:off x="1219465" y="1606008"/>
-            <a:ext cx="4122058" cy="584775"/>
-          </a:xfrm>
-          <a:prstGeom prst="rect">
-            <a:avLst/>
-          </a:prstGeom>
-          <a:solidFill>
-            <a:schemeClr val="bg1"/>
-          </a:solidFill>
-        </p:spPr>
-        <p:txBody>
-          <a:bodyPr wrap="square" rtlCol="0">
-            <a:spAutoFit/>
-          </a:bodyPr>
-          <a:lstStyle/>
-          <a:p>
-            <a:r>
-              <a:rPr lang="ja-JP" altLang="en-US" sz="3200" dirty="0"/>
-              <a:t>ユーザーが入力</a:t>
-            </a:r>
-            <a:endParaRPr kumimoji="1" lang="ja-JP" altLang="en-US" sz="3200" dirty="0"/>
-          </a:p>
-        </p:txBody>
-      </p:sp>
-      <p:sp>
-        <p:nvSpPr>
-          <p:cNvPr id="53" name="テキスト ボックス 52">
-            <a:extLst>
-              <a:ext uri="{FF2B5EF4-FFF2-40B4-BE49-F238E27FC236}">
-                <a16:creationId xmlns:a16="http://schemas.microsoft.com/office/drawing/2014/main" id="{3C93B009-FBD3-4B4D-80C4-2DA7D46C4F8F}"/>
-              </a:ext>
-            </a:extLst>
-          </p:cNvPr>
-          <p:cNvSpPr txBox="1"/>
-          <p:nvPr/>
-        </p:nvSpPr>
-        <p:spPr>
-          <a:xfrm>
-            <a:off x="934931" y="4484914"/>
-            <a:ext cx="2613811" cy="584775"/>
-          </a:xfrm>
-          <a:prstGeom prst="rect">
-            <a:avLst/>
-          </a:prstGeom>
-          <a:solidFill>
-            <a:schemeClr val="bg1"/>
-          </a:solidFill>
-        </p:spPr>
-        <p:txBody>
-          <a:bodyPr wrap="square" rtlCol="0">
-            <a:spAutoFit/>
-          </a:bodyPr>
-          <a:lstStyle/>
-          <a:p>
-            <a:pPr lvl="1"/>
-            <a:r>
-              <a:rPr lang="en-US" altLang="ja-JP" sz="3200" dirty="0"/>
-              <a:t>AI</a:t>
-            </a:r>
-            <a:r>
-              <a:rPr lang="ja-JP" altLang="en-US" sz="3200" dirty="0"/>
-              <a:t>が予測</a:t>
-            </a:r>
-            <a:endParaRPr kumimoji="1" lang="ja-JP" altLang="en-US" sz="3200" dirty="0"/>
-          </a:p>
-        </p:txBody>
-      </p:sp>
-      <p:sp>
-        <p:nvSpPr>
-          <p:cNvPr id="54" name="正方形/長方形 53">
-            <a:extLst>
-              <a:ext uri="{FF2B5EF4-FFF2-40B4-BE49-F238E27FC236}">
-                <a16:creationId xmlns:a16="http://schemas.microsoft.com/office/drawing/2014/main" id="{0366B6C1-9ED5-4547-9BE0-E8268D201C96}"/>
-              </a:ext>
-            </a:extLst>
-          </p:cNvPr>
-          <p:cNvSpPr/>
-          <p:nvPr/>
-        </p:nvSpPr>
-        <p:spPr>
-          <a:xfrm>
-            <a:off x="398784" y="2368843"/>
-            <a:ext cx="7859844" cy="1015663"/>
+            <a:off x="838200" y="1690688"/>
+            <a:ext cx="5638800" cy="923330"/>
           </a:xfrm>
           <a:prstGeom prst="rect">
             <a:avLst/>
@@ -7665,450 +7431,14 @@
           <a:noFill/>
         </p:spPr>
         <p:txBody>
-          <a:bodyPr wrap="square" lIns="91440" tIns="45720" rIns="91440" bIns="45720">
-            <a:spAutoFit/>
-          </a:bodyPr>
-          <a:lstStyle/>
-          <a:p>
-            <a:pPr algn="ctr"/>
-            <a:r>
-              <a:rPr lang="ja-JP" altLang="en-US" sz="6000" b="1" dirty="0">
-                <a:ln w="6600">
-                  <a:solidFill>
-                    <a:schemeClr val="accent2"/>
-                  </a:solidFill>
-                  <a:prstDash val="solid"/>
-                </a:ln>
-                <a:solidFill>
-                  <a:srgbClr val="FFFFFF"/>
-                </a:solidFill>
-                <a:effectLst>
-                  <a:outerShdw dist="38100" dir="2700000" algn="tl" rotWithShape="0">
-                    <a:schemeClr val="accent2"/>
-                  </a:outerShdw>
-                </a:effectLst>
-              </a:rPr>
-              <a:t>ドレミファソラシド</a:t>
-            </a:r>
-            <a:endParaRPr lang="ja-JP" altLang="en-US" sz="6000" b="1" cap="none" spc="0" dirty="0">
-              <a:ln w="6600">
-                <a:solidFill>
-                  <a:schemeClr val="accent2"/>
-                </a:solidFill>
-                <a:prstDash val="solid"/>
-              </a:ln>
-              <a:solidFill>
-                <a:srgbClr val="FFFFFF"/>
-              </a:solidFill>
-              <a:effectLst>
-                <a:outerShdw dist="38100" dir="2700000" algn="tl" rotWithShape="0">
-                  <a:schemeClr val="accent2"/>
-                </a:outerShdw>
-              </a:effectLst>
-            </a:endParaRPr>
-          </a:p>
-        </p:txBody>
-      </p:sp>
-      <p:sp>
-        <p:nvSpPr>
-          <p:cNvPr id="30" name="正方形/長方形 29">
-            <a:extLst>
-              <a:ext uri="{FF2B5EF4-FFF2-40B4-BE49-F238E27FC236}">
-                <a16:creationId xmlns:a16="http://schemas.microsoft.com/office/drawing/2014/main" id="{FD67B9DA-CBBD-4250-B071-9D24B668CFBE}"/>
-              </a:ext>
-            </a:extLst>
-          </p:cNvPr>
-          <p:cNvSpPr/>
-          <p:nvPr/>
-        </p:nvSpPr>
-        <p:spPr>
-          <a:xfrm>
-            <a:off x="398783" y="5215990"/>
-            <a:ext cx="7606763" cy="1015663"/>
-          </a:xfrm>
-          <a:prstGeom prst="rect">
-            <a:avLst/>
-          </a:prstGeom>
-          <a:noFill/>
-        </p:spPr>
-        <p:txBody>
-          <a:bodyPr wrap="square" lIns="91440" tIns="45720" rIns="91440" bIns="45720">
-            <a:spAutoFit/>
-          </a:bodyPr>
-          <a:lstStyle/>
-          <a:p>
-            <a:pPr algn="ctr"/>
-            <a:r>
-              <a:rPr lang="ja-JP" altLang="en-US" sz="6000" b="1" cap="none" spc="50" dirty="0">
-                <a:ln w="9525" cmpd="sng">
-                  <a:solidFill>
-                    <a:schemeClr val="accent1"/>
-                  </a:solidFill>
-                  <a:prstDash val="solid"/>
-                </a:ln>
-                <a:solidFill>
-                  <a:srgbClr val="70AD47">
-                    <a:tint val="1000"/>
-                  </a:srgbClr>
-                </a:solidFill>
-                <a:effectLst>
-                  <a:glow rad="38100">
-                    <a:schemeClr val="accent1">
-                      <a:alpha val="40000"/>
-                    </a:schemeClr>
-                  </a:glow>
-                </a:effectLst>
-              </a:rPr>
-              <a:t>ドシラソファミレド</a:t>
-            </a:r>
-          </a:p>
-        </p:txBody>
-      </p:sp>
-    </p:spTree>
-    <p:extLst>
-      <p:ext uri="{BB962C8B-B14F-4D97-AF65-F5344CB8AC3E}">
-        <p14:creationId xmlns:p14="http://schemas.microsoft.com/office/powerpoint/2010/main" val="1421512690"/>
-      </p:ext>
-    </p:extLst>
-  </p:cSld>
-  <p:clrMapOvr>
-    <a:masterClrMapping/>
-  </p:clrMapOvr>
-  <mc:AlternateContent xmlns:mc="http://schemas.openxmlformats.org/markup-compatibility/2006" xmlns:p14="http://schemas.microsoft.com/office/powerpoint/2010/main">
-    <mc:Choice Requires="p14">
-      <p:transition spd="slow" p14:dur="800">
-        <p:circle/>
-      </p:transition>
-    </mc:Choice>
-    <mc:Fallback xmlns="">
-      <p:transition spd="slow">
-        <p:circle/>
-      </p:transition>
-    </mc:Fallback>
-  </mc:AlternateContent>
-</p:sld>
-</file>
-
-<file path=ppt/slides/slide8.xml><?xml version="1.0" encoding="utf-8"?>
-<p:sld xmlns:a="http://schemas.openxmlformats.org/drawingml/2006/main" xmlns:r="http://schemas.openxmlformats.org/officeDocument/2006/relationships" xmlns:p="http://schemas.openxmlformats.org/presentationml/2006/main">
-  <p:cSld>
-    <p:spTree>
-      <p:nvGrpSpPr>
-        <p:cNvPr id="1" name=""/>
-        <p:cNvGrpSpPr/>
-        <p:nvPr/>
-      </p:nvGrpSpPr>
-      <p:grpSpPr>
-        <a:xfrm>
-          <a:off x="0" y="0"/>
-          <a:ext cx="0" cy="0"/>
-          <a:chOff x="0" y="0"/>
-          <a:chExt cx="0" cy="0"/>
-        </a:xfrm>
-      </p:grpSpPr>
-      <p:sp>
-        <p:nvSpPr>
-          <p:cNvPr id="2" name="タイトル 1">
-            <a:extLst>
-              <a:ext uri="{FF2B5EF4-FFF2-40B4-BE49-F238E27FC236}">
-                <a16:creationId xmlns:a16="http://schemas.microsoft.com/office/drawing/2014/main" id="{D51E3965-A530-4102-8752-1AA7020ACD8C}"/>
-              </a:ext>
-            </a:extLst>
-          </p:cNvPr>
-          <p:cNvSpPr>
-            <a:spLocks noGrp="1"/>
-          </p:cNvSpPr>
-          <p:nvPr>
-            <p:ph type="title"/>
-          </p:nvPr>
-        </p:nvSpPr>
-        <p:spPr/>
-        <p:txBody>
-          <a:bodyPr/>
-          <a:lstStyle/>
-          <a:p>
-            <a:r>
-              <a:rPr kumimoji="1" lang="ja-JP" altLang="en-US" dirty="0"/>
-              <a:t>単語の予測の例</a:t>
-            </a:r>
-          </a:p>
-        </p:txBody>
-      </p:sp>
-      <p:sp>
-        <p:nvSpPr>
-          <p:cNvPr id="4" name="テキスト ボックス 3">
-            <a:extLst>
-              <a:ext uri="{FF2B5EF4-FFF2-40B4-BE49-F238E27FC236}">
-                <a16:creationId xmlns:a16="http://schemas.microsoft.com/office/drawing/2014/main" id="{8E354F14-52B1-454E-AF25-7900CAB26773}"/>
-              </a:ext>
-            </a:extLst>
-          </p:cNvPr>
-          <p:cNvSpPr txBox="1"/>
-          <p:nvPr/>
-        </p:nvSpPr>
-        <p:spPr>
-          <a:xfrm>
-            <a:off x="838201" y="1480457"/>
-            <a:ext cx="5678714" cy="3416320"/>
-          </a:xfrm>
-          <a:prstGeom prst="rect">
-            <a:avLst/>
-          </a:prstGeom>
-          <a:noFill/>
-        </p:spPr>
-        <p:txBody>
           <a:bodyPr wrap="square" rtlCol="0">
             <a:spAutoFit/>
           </a:bodyPr>
           <a:lstStyle/>
           <a:p>
             <a:r>
-              <a:rPr lang="en-US" altLang="ja-JP" sz="4000" dirty="0"/>
-              <a:t>[</a:t>
-            </a:r>
-            <a:r>
-              <a:rPr lang="en-US" altLang="ja-JP" sz="3200" b="1" dirty="0"/>
-              <a:t>I have a Dream </a:t>
-            </a:r>
-            <a:r>
-              <a:rPr lang="en-US" altLang="ja-JP" sz="3200" dirty="0"/>
-              <a:t>.]</a:t>
-            </a:r>
-          </a:p>
-          <a:p>
-            <a:r>
-              <a:rPr lang="en-US" altLang="ja-JP" sz="3200" dirty="0"/>
-              <a:t>[</a:t>
-            </a:r>
-            <a:r>
-              <a:rPr lang="en-US" altLang="ja-JP" sz="2800" b="1" dirty="0"/>
-              <a:t>Every day is a new day</a:t>
-            </a:r>
-            <a:r>
-              <a:rPr lang="en-US" altLang="ja-JP" sz="2800" dirty="0"/>
-              <a:t> </a:t>
-            </a:r>
-            <a:r>
-              <a:rPr lang="en-US" altLang="ja-JP" sz="3200" dirty="0"/>
-              <a:t>.]</a:t>
-            </a:r>
-          </a:p>
-          <a:p>
-            <a:br>
-              <a:rPr lang="en-US" altLang="ja-JP" sz="2400" dirty="0"/>
-            </a:br>
-            <a:r>
-              <a:rPr lang="en-US" altLang="ja-JP" sz="2400" dirty="0"/>
-              <a:t>[a → Dream </a:t>
-            </a:r>
-            <a:r>
-              <a:rPr lang="ja-JP" altLang="en-US" sz="2400" dirty="0"/>
-              <a:t>か</a:t>
-            </a:r>
-            <a:r>
-              <a:rPr lang="en-US" altLang="ja-JP" sz="2400" dirty="0"/>
-              <a:t>,  new day]</a:t>
-            </a:r>
-          </a:p>
-          <a:p>
-            <a:endParaRPr lang="en-US" altLang="ja-JP" sz="2400" dirty="0"/>
-          </a:p>
-          <a:p>
-            <a:r>
-              <a:rPr lang="ja-JP" altLang="en-US" sz="2400" dirty="0"/>
-              <a:t>前の入力を現在の入力に加えることで</a:t>
-            </a:r>
-          </a:p>
-          <a:p>
-            <a:r>
-              <a:rPr lang="en-US" altLang="ja-JP" sz="2400" b="1" dirty="0"/>
-              <a:t>‘I' , ‘have' , ‘a' </a:t>
-            </a:r>
-            <a:r>
-              <a:rPr lang="en-US" altLang="ja-JP" sz="2400" dirty="0"/>
-              <a:t>→ ‘</a:t>
-            </a:r>
-            <a:r>
-              <a:rPr lang="en-US" altLang="ja-JP" sz="2400" b="1" dirty="0"/>
-              <a:t>Dream</a:t>
-            </a:r>
-            <a:r>
-              <a:rPr lang="en-US" altLang="ja-JP" sz="2400" dirty="0"/>
-              <a:t>' </a:t>
-            </a:r>
-            <a:r>
-              <a:rPr lang="ja-JP" altLang="en-US" sz="2400" dirty="0"/>
-              <a:t>と予測できる</a:t>
-            </a:r>
-            <a:endParaRPr kumimoji="1" lang="en-US" altLang="ja-JP" sz="2400" dirty="0"/>
-          </a:p>
-        </p:txBody>
-      </p:sp>
-    </p:spTree>
-    <p:extLst>
-      <p:ext uri="{BB962C8B-B14F-4D97-AF65-F5344CB8AC3E}">
-        <p14:creationId xmlns:p14="http://schemas.microsoft.com/office/powerpoint/2010/main" val="1295552973"/>
-      </p:ext>
-    </p:extLst>
-  </p:cSld>
-  <p:clrMapOvr>
-    <a:masterClrMapping/>
-  </p:clrMapOvr>
-  <mc:AlternateContent xmlns:mc="http://schemas.openxmlformats.org/markup-compatibility/2006" xmlns:p14="http://schemas.microsoft.com/office/powerpoint/2010/main">
-    <mc:Choice Requires="p14">
-      <p:transition spd="slow" p14:dur="800">
-        <p:circle/>
-      </p:transition>
-    </mc:Choice>
-    <mc:Fallback xmlns="">
-      <p:transition spd="slow">
-        <p:circle/>
-      </p:transition>
-    </mc:Fallback>
-  </mc:AlternateContent>
-</p:sld>
-</file>
-
-<file path=ppt/slides/slide9.xml><?xml version="1.0" encoding="utf-8"?>
-<p:sld xmlns:a="http://schemas.openxmlformats.org/drawingml/2006/main" xmlns:r="http://schemas.openxmlformats.org/officeDocument/2006/relationships" xmlns:p="http://schemas.openxmlformats.org/presentationml/2006/main">
-  <p:cSld>
-    <p:spTree>
-      <p:nvGrpSpPr>
-        <p:cNvPr id="1" name=""/>
-        <p:cNvGrpSpPr/>
-        <p:nvPr/>
-      </p:nvGrpSpPr>
-      <p:grpSpPr>
-        <a:xfrm>
-          <a:off x="0" y="0"/>
-          <a:ext cx="0" cy="0"/>
-          <a:chOff x="0" y="0"/>
-          <a:chExt cx="0" cy="0"/>
-        </a:xfrm>
-      </p:grpSpPr>
-      <p:sp>
-        <p:nvSpPr>
-          <p:cNvPr id="2" name="タイトル 1">
-            <a:extLst>
-              <a:ext uri="{FF2B5EF4-FFF2-40B4-BE49-F238E27FC236}">
-                <a16:creationId xmlns:a16="http://schemas.microsoft.com/office/drawing/2014/main" id="{3C38C6E0-D8E5-4DEB-AC30-7CA3744F23AE}"/>
-              </a:ext>
-            </a:extLst>
-          </p:cNvPr>
-          <p:cNvSpPr>
-            <a:spLocks noGrp="1"/>
-          </p:cNvSpPr>
-          <p:nvPr>
-            <p:ph type="title"/>
-          </p:nvPr>
-        </p:nvSpPr>
-        <p:spPr/>
-        <p:txBody>
-          <a:bodyPr>
-            <a:noAutofit/>
-          </a:bodyPr>
-          <a:lstStyle/>
-          <a:p>
-            <a:r>
-              <a:rPr kumimoji="1" lang="ja-JP" altLang="en-US" sz="6000" dirty="0"/>
-              <a:t>実際に学習させたもの</a:t>
-            </a:r>
-            <a:r>
-              <a:rPr kumimoji="1" lang="en-US" altLang="ja-JP" sz="6000" dirty="0"/>
-              <a:t>1</a:t>
-            </a:r>
-            <a:endParaRPr kumimoji="1" lang="ja-JP" altLang="en-US" sz="6000" dirty="0"/>
-          </a:p>
-        </p:txBody>
-      </p:sp>
-      <p:pic>
-        <p:nvPicPr>
-          <p:cNvPr id="3" name="test_output2">
-            <a:hlinkClick r:id="" action="ppaction://media"/>
-            <a:extLst>
-              <a:ext uri="{FF2B5EF4-FFF2-40B4-BE49-F238E27FC236}">
-                <a16:creationId xmlns:a16="http://schemas.microsoft.com/office/drawing/2014/main" id="{E9B2DACC-FB14-44D9-9610-A625C2FB4D52}"/>
-              </a:ext>
-            </a:extLst>
-          </p:cNvPr>
-          <p:cNvPicPr>
-            <a:picLocks noChangeAspect="1"/>
-          </p:cNvPicPr>
-          <p:nvPr>
-            <a:audioFile r:link="rId2"/>
-            <p:extLst>
-              <p:ext uri="{DAA4B4D4-6D71-4841-9C94-3DE7FCFB9230}">
-                <p14:media xmlns:p14="http://schemas.microsoft.com/office/powerpoint/2010/main" r:embed="rId1"/>
-              </p:ext>
-            </p:extLst>
-          </p:nvPr>
-        </p:nvPicPr>
-        <p:blipFill>
-          <a:blip r:embed="rId4"/>
-          <a:stretch>
-            <a:fillRect/>
-          </a:stretch>
-        </p:blipFill>
-        <p:spPr>
-          <a:xfrm>
-            <a:off x="838201" y="3824288"/>
-            <a:ext cx="2140974" cy="1575026"/>
-          </a:xfrm>
-          <a:prstGeom prst="rect">
-            <a:avLst/>
-          </a:prstGeom>
-        </p:spPr>
-      </p:pic>
-      <p:sp>
-        <p:nvSpPr>
-          <p:cNvPr id="4" name="テキスト ボックス 3">
-            <a:extLst>
-              <a:ext uri="{FF2B5EF4-FFF2-40B4-BE49-F238E27FC236}">
-                <a16:creationId xmlns:a16="http://schemas.microsoft.com/office/drawing/2014/main" id="{7CAAB8D8-9C97-478D-9AC1-80210D958EE4}"/>
-              </a:ext>
-            </a:extLst>
-          </p:cNvPr>
-          <p:cNvSpPr txBox="1"/>
-          <p:nvPr/>
-        </p:nvSpPr>
-        <p:spPr>
-          <a:xfrm>
-            <a:off x="838200" y="1752600"/>
-            <a:ext cx="5638800" cy="1754326"/>
-          </a:xfrm>
-          <a:prstGeom prst="rect">
-            <a:avLst/>
-          </a:prstGeom>
-          <a:noFill/>
-        </p:spPr>
-        <p:txBody>
-          <a:bodyPr wrap="square" rtlCol="0">
-            <a:spAutoFit/>
-          </a:bodyPr>
-          <a:lstStyle/>
-          <a:p>
-            <a:r>
-              <a:rPr kumimoji="1" lang="en-US" altLang="ja-JP" sz="5400" dirty="0"/>
-              <a:t>11</a:t>
-            </a:r>
-            <a:r>
               <a:rPr kumimoji="1" lang="ja-JP" altLang="en-US" sz="5400" dirty="0"/>
-              <a:t>月</a:t>
-            </a:r>
-            <a:r>
-              <a:rPr kumimoji="1" lang="en-US" altLang="ja-JP" sz="5400" dirty="0"/>
-              <a:t>17</a:t>
-            </a:r>
-            <a:r>
-              <a:rPr kumimoji="1" lang="ja-JP" altLang="en-US" sz="5400" dirty="0"/>
-              <a:t>日</a:t>
-            </a:r>
-            <a:endParaRPr kumimoji="1" lang="en-US" altLang="ja-JP" sz="5400" dirty="0"/>
-          </a:p>
-          <a:p>
-            <a:r>
-              <a:rPr kumimoji="1" lang="ja-JP" altLang="en-US" sz="5400" dirty="0"/>
-              <a:t>プロトタイプ</a:t>
+              <a:t>音程のみ</a:t>
             </a:r>
           </a:p>
         </p:txBody>
@@ -8225,10 +7555,387 @@
 </p:sld>
 </file>
 
+<file path=ppt/slides/slide8.xml><?xml version="1.0" encoding="utf-8"?>
+<p:sld xmlns:a="http://schemas.openxmlformats.org/drawingml/2006/main" xmlns:r="http://schemas.openxmlformats.org/officeDocument/2006/relationships" xmlns:p="http://schemas.openxmlformats.org/presentationml/2006/main">
+  <p:cSld>
+    <p:spTree>
+      <p:nvGrpSpPr>
+        <p:cNvPr id="1" name=""/>
+        <p:cNvGrpSpPr/>
+        <p:nvPr/>
+      </p:nvGrpSpPr>
+      <p:grpSpPr>
+        <a:xfrm>
+          <a:off x="0" y="0"/>
+          <a:ext cx="0" cy="0"/>
+          <a:chOff x="0" y="0"/>
+          <a:chExt cx="0" cy="0"/>
+        </a:xfrm>
+      </p:grpSpPr>
+      <p:sp>
+        <p:nvSpPr>
+          <p:cNvPr id="2" name="タイトル 1">
+            <a:extLst>
+              <a:ext uri="{FF2B5EF4-FFF2-40B4-BE49-F238E27FC236}">
+                <a16:creationId xmlns:a16="http://schemas.microsoft.com/office/drawing/2014/main" id="{18F0CC66-E5ED-4F1F-9896-8EB2C725114E}"/>
+              </a:ext>
+            </a:extLst>
+          </p:cNvPr>
+          <p:cNvSpPr>
+            <a:spLocks noGrp="1"/>
+          </p:cNvSpPr>
+          <p:nvPr>
+            <p:ph type="title"/>
+          </p:nvPr>
+        </p:nvSpPr>
+        <p:spPr/>
+        <p:txBody>
+          <a:bodyPr/>
+          <a:lstStyle/>
+          <a:p>
+            <a:r>
+              <a:rPr kumimoji="1" lang="ja-JP" altLang="en-US" dirty="0"/>
+              <a:t>ショパンに学習させたもの</a:t>
+            </a:r>
+            <a:r>
+              <a:rPr kumimoji="1" lang="en-US" altLang="ja-JP" dirty="0"/>
+              <a:t>2</a:t>
+            </a:r>
+            <a:endParaRPr kumimoji="1" lang="ja-JP" altLang="en-US" dirty="0"/>
+          </a:p>
+        </p:txBody>
+      </p:sp>
+      <p:pic>
+        <p:nvPicPr>
+          <p:cNvPr id="3" name="test_output2">
+            <a:hlinkClick r:id="" action="ppaction://media"/>
+            <a:extLst>
+              <a:ext uri="{FF2B5EF4-FFF2-40B4-BE49-F238E27FC236}">
+                <a16:creationId xmlns:a16="http://schemas.microsoft.com/office/drawing/2014/main" id="{FE06A747-B449-4823-9B78-1E25F9C859B9}"/>
+              </a:ext>
+            </a:extLst>
+          </p:cNvPr>
+          <p:cNvPicPr>
+            <a:picLocks noChangeAspect="1"/>
+          </p:cNvPicPr>
+          <p:nvPr>
+            <a:audioFile r:link="rId2"/>
+            <p:extLst>
+              <p:ext uri="{DAA4B4D4-6D71-4841-9C94-3DE7FCFB9230}">
+                <p14:media xmlns:p14="http://schemas.microsoft.com/office/powerpoint/2010/main" r:embed="rId1"/>
+              </p:ext>
+            </p:extLst>
+          </p:nvPr>
+        </p:nvPicPr>
+        <p:blipFill>
+          <a:blip r:embed="rId5"/>
+          <a:stretch>
+            <a:fillRect/>
+          </a:stretch>
+        </p:blipFill>
+        <p:spPr>
+          <a:xfrm>
+            <a:off x="1150375" y="3989438"/>
+            <a:ext cx="2252044" cy="1629696"/>
+          </a:xfrm>
+          <a:prstGeom prst="rect">
+            <a:avLst/>
+          </a:prstGeom>
+        </p:spPr>
+      </p:pic>
+      <p:sp>
+        <p:nvSpPr>
+          <p:cNvPr id="4" name="テキスト ボックス 3">
+            <a:extLst>
+              <a:ext uri="{FF2B5EF4-FFF2-40B4-BE49-F238E27FC236}">
+                <a16:creationId xmlns:a16="http://schemas.microsoft.com/office/drawing/2014/main" id="{D3BFC2FA-6912-4A9A-B878-15BFDC33F917}"/>
+              </a:ext>
+            </a:extLst>
+          </p:cNvPr>
+          <p:cNvSpPr txBox="1"/>
+          <p:nvPr/>
+        </p:nvSpPr>
+        <p:spPr>
+          <a:xfrm>
+            <a:off x="838200" y="1690688"/>
+            <a:ext cx="3690257" cy="923330"/>
+          </a:xfrm>
+          <a:prstGeom prst="rect">
+            <a:avLst/>
+          </a:prstGeom>
+          <a:noFill/>
+        </p:spPr>
+        <p:txBody>
+          <a:bodyPr wrap="square" rtlCol="0">
+            <a:spAutoFit/>
+          </a:bodyPr>
+          <a:lstStyle/>
+          <a:p>
+            <a:r>
+              <a:rPr kumimoji="1" lang="ja-JP" altLang="en-US" sz="5400" dirty="0"/>
+              <a:t>音程と長さ</a:t>
+            </a:r>
+            <a:endParaRPr kumimoji="1" lang="en-US" altLang="ja-JP" sz="5400" dirty="0"/>
+          </a:p>
+        </p:txBody>
+      </p:sp>
+    </p:spTree>
+    <p:extLst>
+      <p:ext uri="{BB962C8B-B14F-4D97-AF65-F5344CB8AC3E}">
+        <p14:creationId xmlns:p14="http://schemas.microsoft.com/office/powerpoint/2010/main" val="3285759774"/>
+      </p:ext>
+    </p:extLst>
+  </p:cSld>
+  <p:clrMapOvr>
+    <a:masterClrMapping/>
+  </p:clrMapOvr>
+  <mc:AlternateContent xmlns:mc="http://schemas.openxmlformats.org/markup-compatibility/2006" xmlns:p14="http://schemas.microsoft.com/office/powerpoint/2010/main">
+    <mc:Choice Requires="p14">
+      <p:transition spd="slow" p14:dur="800">
+        <p:circle/>
+      </p:transition>
+    </mc:Choice>
+    <mc:Fallback xmlns="">
+      <p:transition spd="slow">
+        <p:circle/>
+      </p:transition>
+    </mc:Fallback>
+  </mc:AlternateContent>
+  <p:timing>
+    <p:tnLst>
+      <p:par>
+        <p:cTn id="1" dur="indefinite" restart="never" nodeType="tmRoot">
+          <p:childTnLst>
+            <p:seq concurrent="1" nextAc="seek">
+              <p:cTn id="2" dur="indefinite" nodeType="mainSeq">
+                <p:childTnLst>
+                  <p:par>
+                    <p:cTn id="3" fill="hold">
+                      <p:stCondLst>
+                        <p:cond delay="indefinite"/>
+                      </p:stCondLst>
+                      <p:childTnLst>
+                        <p:par>
+                          <p:cTn id="4" fill="hold">
+                            <p:stCondLst>
+                              <p:cond delay="0"/>
+                            </p:stCondLst>
+                            <p:childTnLst>
+                              <p:par>
+                                <p:cTn id="5" presetID="1" presetClass="mediacall" presetSubtype="0" fill="hold" nodeType="clickEffect">
+                                  <p:stCondLst>
+                                    <p:cond delay="0"/>
+                                  </p:stCondLst>
+                                  <p:childTnLst>
+                                    <p:cmd type="call" cmd="playFrom(0.0)">
+                                      <p:cBhvr>
+                                        <p:cTn id="6" dur="1" fill="hold"/>
+                                        <p:tgtEl>
+                                          <p:spTgt spid="3"/>
+                                        </p:tgtEl>
+                                      </p:cBhvr>
+                                    </p:cmd>
+                                  </p:childTnLst>
+                                </p:cTn>
+                              </p:par>
+                            </p:childTnLst>
+                          </p:cTn>
+                        </p:par>
+                      </p:childTnLst>
+                    </p:cTn>
+                  </p:par>
+                </p:childTnLst>
+              </p:cTn>
+              <p:prevCondLst>
+                <p:cond evt="onPrev" delay="0">
+                  <p:tgtEl>
+                    <p:sldTgt/>
+                  </p:tgtEl>
+                </p:cond>
+              </p:prevCondLst>
+              <p:nextCondLst>
+                <p:cond evt="onNext" delay="0">
+                  <p:tgtEl>
+                    <p:sldTgt/>
+                  </p:tgtEl>
+                </p:cond>
+              </p:nextCondLst>
+            </p:seq>
+            <p:audio>
+              <p:cMediaNode vol="80000">
+                <p:cTn id="7" fill="hold" display="0">
+                  <p:stCondLst>
+                    <p:cond delay="indefinite"/>
+                  </p:stCondLst>
+                  <p:endCondLst>
+                    <p:cond evt="onStopAudio" delay="0">
+                      <p:tgtEl>
+                        <p:sldTgt/>
+                      </p:tgtEl>
+                    </p:cond>
+                  </p:endCondLst>
+                </p:cTn>
+                <p:tgtEl>
+                  <p:spTgt spid="3"/>
+                </p:tgtEl>
+              </p:cMediaNode>
+            </p:audio>
+          </p:childTnLst>
+        </p:cTn>
+      </p:par>
+    </p:tnLst>
+  </p:timing>
+</p:sld>
+</file>
+
+<file path=ppt/slides/slide9.xml><?xml version="1.0" encoding="utf-8"?>
+<p:sld xmlns:a="http://schemas.openxmlformats.org/drawingml/2006/main" xmlns:r="http://schemas.openxmlformats.org/officeDocument/2006/relationships" xmlns:p="http://schemas.openxmlformats.org/presentationml/2006/main">
+  <p:cSld>
+    <p:spTree>
+      <p:nvGrpSpPr>
+        <p:cNvPr id="1" name=""/>
+        <p:cNvGrpSpPr/>
+        <p:nvPr/>
+      </p:nvGrpSpPr>
+      <p:grpSpPr>
+        <a:xfrm>
+          <a:off x="0" y="0"/>
+          <a:ext cx="0" cy="0"/>
+          <a:chOff x="0" y="0"/>
+          <a:chExt cx="0" cy="0"/>
+        </a:xfrm>
+      </p:grpSpPr>
+      <p:sp>
+        <p:nvSpPr>
+          <p:cNvPr id="2" name="タイトル 1">
+            <a:extLst>
+              <a:ext uri="{FF2B5EF4-FFF2-40B4-BE49-F238E27FC236}">
+                <a16:creationId xmlns:a16="http://schemas.microsoft.com/office/drawing/2014/main" id="{A28B3ECD-CB6B-4871-9177-75053AF22875}"/>
+              </a:ext>
+            </a:extLst>
+          </p:cNvPr>
+          <p:cNvSpPr>
+            <a:spLocks noGrp="1"/>
+          </p:cNvSpPr>
+          <p:nvPr>
+            <p:ph type="title"/>
+          </p:nvPr>
+        </p:nvSpPr>
+        <p:spPr>
+          <a:xfrm>
+            <a:off x="838200" y="365125"/>
+            <a:ext cx="8799286" cy="1325563"/>
+          </a:xfrm>
+        </p:spPr>
+        <p:txBody>
+          <a:bodyPr>
+            <a:normAutofit/>
+          </a:bodyPr>
+          <a:lstStyle/>
+          <a:p>
+            <a:r>
+              <a:rPr lang="ja-JP" altLang="en-US" sz="4000" b="1" dirty="0"/>
+              <a:t>今後どのようなシステムにしていくか</a:t>
+            </a:r>
+            <a:endParaRPr kumimoji="1" lang="ja-JP" altLang="en-US" sz="4000" b="1" dirty="0"/>
+          </a:p>
+        </p:txBody>
+      </p:sp>
+      <p:sp>
+        <p:nvSpPr>
+          <p:cNvPr id="3" name="テキスト ボックス 2">
+            <a:extLst>
+              <a:ext uri="{FF2B5EF4-FFF2-40B4-BE49-F238E27FC236}">
+                <a16:creationId xmlns:a16="http://schemas.microsoft.com/office/drawing/2014/main" id="{813742B4-FF8E-410D-95A7-5F318CC4E72A}"/>
+              </a:ext>
+            </a:extLst>
+          </p:cNvPr>
+          <p:cNvSpPr txBox="1"/>
+          <p:nvPr/>
+        </p:nvSpPr>
+        <p:spPr>
+          <a:xfrm>
+            <a:off x="762000" y="1947021"/>
+            <a:ext cx="8875486" cy="2554545"/>
+          </a:xfrm>
+          <a:prstGeom prst="rect">
+            <a:avLst/>
+          </a:prstGeom>
+          <a:noFill/>
+        </p:spPr>
+        <p:txBody>
+          <a:bodyPr wrap="square" rtlCol="0">
+            <a:spAutoFit/>
+          </a:bodyPr>
+          <a:lstStyle/>
+          <a:p>
+            <a:r>
+              <a:rPr lang="ja-JP" altLang="en-US" sz="4000" dirty="0"/>
+              <a:t>・伴奏を加えて音楽風に近づける。</a:t>
+            </a:r>
+            <a:endParaRPr lang="en-US" altLang="ja-JP" sz="4000" dirty="0"/>
+          </a:p>
+          <a:p>
+            <a:r>
+              <a:rPr lang="ja-JP" altLang="en-US" sz="4000" dirty="0"/>
+              <a:t>・</a:t>
+            </a:r>
+            <a:r>
+              <a:rPr lang="en-US" altLang="ja-JP" sz="4000" dirty="0"/>
+              <a:t>Web</a:t>
+            </a:r>
+            <a:r>
+              <a:rPr lang="ja-JP" altLang="en-US" sz="4000" dirty="0"/>
+              <a:t>ページのユーザビリティの向上</a:t>
+            </a:r>
+            <a:endParaRPr lang="en-US" altLang="ja-JP" sz="4000" dirty="0"/>
+          </a:p>
+          <a:p>
+            <a:r>
+              <a:rPr lang="ja-JP" altLang="en-US" sz="4000" dirty="0"/>
+              <a:t>・</a:t>
+            </a:r>
+            <a:r>
+              <a:rPr lang="en-US" altLang="ja-JP" sz="4000" dirty="0"/>
+              <a:t>8</a:t>
+            </a:r>
+            <a:r>
+              <a:rPr lang="ja-JP" altLang="en-US" sz="4000" dirty="0"/>
+              <a:t>分音符以外の入力もできるようにする</a:t>
+            </a:r>
+            <a:endParaRPr kumimoji="1" lang="ja-JP" altLang="en-US" sz="4000" dirty="0"/>
+          </a:p>
+        </p:txBody>
+      </p:sp>
+    </p:spTree>
+    <p:extLst>
+      <p:ext uri="{BB962C8B-B14F-4D97-AF65-F5344CB8AC3E}">
+        <p14:creationId xmlns:p14="http://schemas.microsoft.com/office/powerpoint/2010/main" val="4137186957"/>
+      </p:ext>
+    </p:extLst>
+  </p:cSld>
+  <p:clrMapOvr>
+    <a:masterClrMapping/>
+  </p:clrMapOvr>
+  <mc:AlternateContent xmlns:mc="http://schemas.openxmlformats.org/markup-compatibility/2006" xmlns:p14="http://schemas.microsoft.com/office/powerpoint/2010/main">
+    <mc:Choice Requires="p14">
+      <p:transition spd="slow" p14:dur="800">
+        <p:circle/>
+      </p:transition>
+    </mc:Choice>
+    <mc:Fallback xmlns="">
+      <p:transition spd="slow">
+        <p:circle/>
+      </p:transition>
+    </mc:Fallback>
+  </mc:AlternateContent>
+</p:sld>
+</file>
+
 <file path=ppt/theme/theme1.xml><?xml version="1.0" encoding="utf-8"?>
 <a:theme xmlns:a="http://schemas.openxmlformats.org/drawingml/2006/main" name="Office テーマ">
   <a:themeElements>
-    <a:clrScheme name="青">
+    <a:clrScheme name="Office">
       <a:dk1>
         <a:sysClr val="windowText" lastClr="000000"/>
       </a:dk1>
@@ -8236,34 +7943,34 @@
         <a:sysClr val="window" lastClr="FFFFFF"/>
       </a:lt1>
       <a:dk2>
-        <a:srgbClr val="17406D"/>
+        <a:srgbClr val="44546A"/>
       </a:dk2>
       <a:lt2>
-        <a:srgbClr val="DBEFF9"/>
+        <a:srgbClr val="E7E6E6"/>
       </a:lt2>
       <a:accent1>
-        <a:srgbClr val="0F6FC6"/>
+        <a:srgbClr val="4472C4"/>
       </a:accent1>
       <a:accent2>
-        <a:srgbClr val="009DD9"/>
+        <a:srgbClr val="ED7D31"/>
       </a:accent2>
       <a:accent3>
-        <a:srgbClr val="0BD0D9"/>
+        <a:srgbClr val="A5A5A5"/>
       </a:accent3>
       <a:accent4>
-        <a:srgbClr val="10CF9B"/>
+        <a:srgbClr val="FFC000"/>
       </a:accent4>
       <a:accent5>
-        <a:srgbClr val="7CCA62"/>
+        <a:srgbClr val="5B9BD5"/>
       </a:accent5>
       <a:accent6>
-        <a:srgbClr val="A5C249"/>
+        <a:srgbClr val="70AD47"/>
       </a:accent6>
       <a:hlink>
-        <a:srgbClr val="F49100"/>
+        <a:srgbClr val="0563C1"/>
       </a:hlink>
       <a:folHlink>
-        <a:srgbClr val="85DFD0"/>
+        <a:srgbClr val="954F72"/>
       </a:folHlink>
     </a:clrScheme>
     <a:fontScheme name="Office">

--- a/presentation/bit Composer2.pptx
+++ b/presentation/bit Composer2.pptx
@@ -1292,7 +1292,7 @@
           <a:p>
             <a:r>
               <a:rPr lang="en-US" altLang="ja-JP" sz="1200" b="1" dirty="0"/>
-              <a:t>Every` , `day` , `is ` </a:t>
+              <a:t>Every` , `day` , `is `,`a` </a:t>
             </a:r>
             <a:r>
               <a:rPr lang="ja-JP" altLang="en-US" sz="1200" b="1" dirty="0"/>
@@ -1310,32 +1310,25 @@
           </a:p>
           <a:p>
             <a:r>
-              <a:rPr kumimoji="1" lang="ja-JP" altLang="en-US" dirty="0"/>
-              <a:t>これを繰り返すと</a:t>
-            </a:r>
-            <a:r>
-              <a:rPr lang="en-US" altLang="ja-JP" sz="1200" b="1" dirty="0"/>
-              <a:t>Every day is </a:t>
-            </a:r>
-            <a:r>
-              <a:rPr lang="en-US" altLang="ja-JP" sz="1200" b="1" dirty="0">
-                <a:solidFill>
-                  <a:srgbClr val="FF0000"/>
-                </a:solidFill>
-              </a:rPr>
-              <a:t>a </a:t>
-            </a:r>
-            <a:r>
-              <a:rPr lang="en-US" altLang="ja-JP" sz="1200" b="1" dirty="0"/>
-              <a:t>new day</a:t>
-            </a:r>
-            <a:r>
-              <a:rPr lang="en-US" altLang="ja-JP" sz="1200" dirty="0"/>
+              <a:rPr kumimoji="1" lang="en-US" altLang="ja-JP" dirty="0"/>
+              <a:t>Every` , `day` , `is `,`a`</a:t>
+            </a:r>
+            <a:r>
+              <a:rPr lang="ja-JP" altLang="en-US" sz="1200" b="1" dirty="0"/>
+              <a:t>の</a:t>
+            </a:r>
+            <a:r>
+              <a:rPr lang="ja-JP" altLang="en-US" sz="1200" b="1"/>
+              <a:t>単語で</a:t>
+            </a:r>
+            <a:r>
+              <a:rPr lang="en-US" altLang="ja-JP" sz="1200" b="1"/>
+              <a:t>day</a:t>
+            </a:r>
+            <a:r>
+              <a:rPr lang="en-US" altLang="ja-JP" sz="1200"/>
               <a:t> </a:t>
             </a:r>
-            <a:endParaRPr kumimoji="1" lang="en-US" altLang="ja-JP" dirty="0"/>
-          </a:p>
-          <a:p>
             <a:r>
               <a:rPr kumimoji="1" lang="ja-JP" altLang="en-US" dirty="0"/>
               <a:t>と予測できます。</a:t>
@@ -7111,8 +7104,8 @@
         </p:nvSpPr>
         <p:spPr>
           <a:xfrm>
-            <a:off x="838200" y="1424763"/>
-            <a:ext cx="10751288" cy="4893647"/>
+            <a:off x="602512" y="1443841"/>
+            <a:ext cx="10751288" cy="4524315"/>
           </a:xfrm>
           <a:prstGeom prst="rect">
             <a:avLst/>
@@ -7216,7 +7209,7 @@
             </a:r>
             <a:r>
               <a:rPr lang="en-US" altLang="ja-JP" sz="3600" dirty="0"/>
-              <a:t> → new day, </a:t>
+              <a:t> → new  </a:t>
             </a:r>
             <a:r>
               <a:rPr lang="ja-JP" altLang="en-US" sz="3600" dirty="0"/>
@@ -7228,18 +7221,12 @@
             </a:r>
           </a:p>
           <a:p>
-            <a:endParaRPr lang="en-US" altLang="ja-JP" sz="2400" dirty="0"/>
-          </a:p>
-          <a:p>
-            <a:r>
-              <a:rPr lang="ja-JP" altLang="en-US" sz="3600" dirty="0"/>
-              <a:t>前の入力を現在の入力に加えることで</a:t>
-            </a:r>
+            <a:endParaRPr lang="en-US" altLang="ja-JP" sz="3600" dirty="0"/>
           </a:p>
           <a:p>
             <a:r>
               <a:rPr lang="en-US" altLang="ja-JP" sz="3600" b="1" dirty="0"/>
-              <a:t>‘Every ‘ , ‘day ‘ , ‘is ‘,’</a:t>
+              <a:t>Every’,  ‘day’.  ‘is‘, a </a:t>
             </a:r>
             <a:r>
               <a:rPr lang="en-US" altLang="ja-JP" sz="3600" b="1" dirty="0">
@@ -7247,46 +7234,21 @@
                   <a:srgbClr val="FF0000"/>
                 </a:solidFill>
               </a:rPr>
-              <a:t>a</a:t>
-            </a:r>
+              <a:t>,‘new’</a:t>
+            </a:r>
+          </a:p>
+          <a:p>
             <a:r>
               <a:rPr lang="en-US" altLang="ja-JP" sz="3600" b="1" dirty="0"/>
-              <a:t>’ </a:t>
-            </a:r>
-            <a:r>
-              <a:rPr lang="ja-JP" altLang="en-US" sz="3600" b="1" dirty="0"/>
-              <a:t>➡</a:t>
-            </a:r>
-            <a:r>
-              <a:rPr lang="en-US" altLang="ja-JP" sz="3600" dirty="0"/>
-              <a:t>‘</a:t>
-            </a:r>
-            <a:r>
-              <a:rPr lang="en-US" altLang="ja-JP" sz="3600" b="1" dirty="0"/>
-              <a:t>new’</a:t>
-            </a:r>
-            <a:r>
-              <a:rPr lang="en-US" altLang="ja-JP" sz="3600" dirty="0"/>
-              <a:t> </a:t>
-            </a:r>
-            <a:r>
-              <a:rPr lang="ja-JP" altLang="en-US" sz="3600" dirty="0"/>
-              <a:t>と予測できる。</a:t>
-            </a:r>
-            <a:endParaRPr lang="en-US" altLang="ja-JP" sz="3600" dirty="0"/>
-          </a:p>
-          <a:p>
-            <a:r>
-              <a:rPr lang="ja-JP" altLang="en-US" sz="3600" dirty="0"/>
-              <a:t>繰り返すと</a:t>
-            </a:r>
-            <a:r>
-              <a:rPr lang="en-US" altLang="ja-JP" sz="3600" b="1" dirty="0"/>
-              <a:t>Every’,  ‘day’.  ‘is‘, a ,‘new’,  ‘ day’</a:t>
-            </a:r>
-            <a:r>
-              <a:rPr lang="en-US" altLang="ja-JP" sz="3600" dirty="0"/>
-              <a:t> </a:t>
+              <a:t>Every’,  ‘day’.  ‘is‘, a ,‘new’, </a:t>
+            </a:r>
+            <a:r>
+              <a:rPr lang="en-US" altLang="ja-JP" sz="3600" b="1" dirty="0">
+                <a:solidFill>
+                  <a:srgbClr val="FF0000"/>
+                </a:solidFill>
+              </a:rPr>
+              <a:t>‘day’</a:t>
             </a:r>
           </a:p>
         </p:txBody>

--- a/presentation/bit Composer2.pptx
+++ b/presentation/bit Composer2.pptx
@@ -232,7 +232,7 @@
           <a:p>
             <a:fld id="{CFE7C3F7-5C92-45C1-81B6-3020317CA2CB}" type="datetimeFigureOut">
               <a:rPr kumimoji="1" lang="ja-JP" altLang="en-US" smtClean="0"/>
-              <a:t>2021/12/8</a:t>
+              <a:t>2021/12/9</a:t>
             </a:fld>
             <a:endParaRPr kumimoji="1" lang="ja-JP" altLang="en-US"/>
           </a:p>
@@ -577,7 +577,7 @@
           <a:p>
             <a:r>
               <a:rPr kumimoji="1" lang="ja-JP" altLang="en-US" dirty="0"/>
-              <a:t>私たちは</a:t>
+              <a:t>私たち</a:t>
             </a:r>
             <a:r>
               <a:rPr kumimoji="1" lang="en-US" altLang="ja-JP" dirty="0"/>
@@ -1144,7 +1144,14 @@
           <a:p>
             <a:r>
               <a:rPr lang="ja-JP" altLang="en-US" sz="1200" dirty="0"/>
-              <a:t>機械学習としてリカレントニューラルネットワーク</a:t>
+              <a:t>どうやって作曲させるのかというと</a:t>
+            </a:r>
+            <a:endParaRPr lang="en-US" altLang="ja-JP" sz="1200" dirty="0"/>
+          </a:p>
+          <a:p>
+            <a:r>
+              <a:rPr lang="ja-JP" altLang="en-US" sz="1200" dirty="0"/>
+              <a:t>リカレントニューラルネットワーク</a:t>
             </a:r>
             <a:r>
               <a:rPr lang="en-US" altLang="ja-JP" sz="1200" dirty="0"/>
@@ -1152,15 +1159,35 @@
             </a:r>
             <a:r>
               <a:rPr lang="ja-JP" altLang="en-US" sz="1200" dirty="0"/>
-              <a:t>を使用しています。</a:t>
-            </a:r>
-            <a:endParaRPr kumimoji="1" lang="en-US" altLang="ja-JP" dirty="0"/>
-          </a:p>
-          <a:p>
-            <a:r>
-              <a:rPr kumimoji="1" lang="ja-JP" altLang="en-US" dirty="0"/>
-              <a:t>中間層から展開をして次の単語を繰り返して予測します。</a:t>
-            </a:r>
+              <a:t>で学習をさせた</a:t>
+            </a:r>
+            <a:r>
+              <a:rPr lang="en-US" altLang="ja-JP" sz="1200" dirty="0"/>
+              <a:t>AI</a:t>
+            </a:r>
+            <a:r>
+              <a:rPr lang="ja-JP" altLang="en-US" sz="1200" dirty="0"/>
+              <a:t>で作曲をします。</a:t>
+            </a:r>
+            <a:endParaRPr lang="en-US" altLang="ja-JP" sz="1200" dirty="0"/>
+          </a:p>
+          <a:p>
+            <a:r>
+              <a:rPr lang="en-US" altLang="ja-JP" sz="1200" dirty="0"/>
+              <a:t>RNN</a:t>
+            </a:r>
+            <a:r>
+              <a:rPr lang="ja-JP" altLang="en-US" sz="1200" dirty="0"/>
+              <a:t>は時系列ごとデータを学習させることができることが特徴です。</a:t>
+            </a:r>
+            <a:endParaRPr lang="en-US" altLang="ja-JP" sz="1200" dirty="0"/>
+          </a:p>
+          <a:p>
+            <a:r>
+              <a:rPr lang="ja-JP" altLang="en-US" sz="1200" dirty="0"/>
+              <a:t>自然言語処理の単語の予測でよく使われます。</a:t>
+            </a:r>
+            <a:endParaRPr lang="en-US" altLang="ja-JP" sz="1200" dirty="0"/>
           </a:p>
         </p:txBody>
       </p:sp>
@@ -1244,6 +1271,18 @@
           <a:bodyPr/>
           <a:lstStyle/>
           <a:p>
+            <a:endParaRPr kumimoji="1" lang="en-US" altLang="ja-JP" dirty="0"/>
+          </a:p>
+          <a:p>
+            <a:endParaRPr kumimoji="1" lang="en-US" altLang="ja-JP" dirty="0"/>
+          </a:p>
+          <a:p>
+            <a:endParaRPr kumimoji="1" lang="en-US" altLang="ja-JP" dirty="0"/>
+          </a:p>
+          <a:p>
+            <a:endParaRPr kumimoji="1" lang="en-US" altLang="ja-JP" dirty="0"/>
+          </a:p>
+          <a:p>
             <a:r>
               <a:rPr kumimoji="1" lang="ja-JP" altLang="en-US" dirty="0"/>
               <a:t>単語の予測で</a:t>
@@ -1304,38 +1343,23 @@
             </a:r>
             <a:r>
               <a:rPr lang="ja-JP" altLang="en-US" sz="1200" b="1" dirty="0"/>
-              <a:t>と予測できます</a:t>
+              <a:t>とその次　</a:t>
+            </a:r>
+            <a:r>
+              <a:rPr lang="en-US" altLang="ja-JP" sz="1200" b="1" dirty="0"/>
+              <a:t>day </a:t>
+            </a:r>
+            <a:r>
+              <a:rPr lang="ja-JP" altLang="en-US" sz="1200" b="1" dirty="0"/>
+              <a:t>を予測できます</a:t>
             </a:r>
             <a:endParaRPr kumimoji="1" lang="en-US" altLang="ja-JP" dirty="0"/>
           </a:p>
           <a:p>
             <a:r>
-              <a:rPr kumimoji="1" lang="en-US" altLang="ja-JP" dirty="0"/>
-              <a:t>Every` , `day` , `is `,`a`</a:t>
-            </a:r>
-            <a:r>
-              <a:rPr lang="ja-JP" altLang="en-US" sz="1200" b="1" dirty="0"/>
-              <a:t>の</a:t>
-            </a:r>
-            <a:r>
-              <a:rPr lang="ja-JP" altLang="en-US" sz="1200" b="1"/>
-              <a:t>単語で</a:t>
-            </a:r>
-            <a:r>
-              <a:rPr lang="en-US" altLang="ja-JP" sz="1200" b="1"/>
-              <a:t>day</a:t>
-            </a:r>
-            <a:r>
-              <a:rPr lang="en-US" altLang="ja-JP" sz="1200"/>
-              <a:t> </a:t>
-            </a:r>
-            <a:r>
               <a:rPr kumimoji="1" lang="ja-JP" altLang="en-US" dirty="0"/>
-              <a:t>と予測できます。</a:t>
-            </a:r>
-            <a:endParaRPr kumimoji="1" lang="en-US" altLang="ja-JP" dirty="0"/>
-          </a:p>
-          <a:p>
+              <a:t>この予測を音程に適応させて学習しています。</a:t>
+            </a:r>
             <a:endParaRPr kumimoji="1" lang="en-US" altLang="ja-JP" dirty="0"/>
           </a:p>
           <a:p>
@@ -1634,12 +1658,61 @@
             <a:endParaRPr lang="en-US" altLang="ja-JP" sz="1200" dirty="0"/>
           </a:p>
           <a:p>
+            <a:pPr marL="0" marR="0" lvl="0" indent="0" algn="l" defTabSz="914400" rtl="0" eaLnBrk="1" fontAlgn="auto" latinLnBrk="0" hangingPunct="1">
+              <a:lnSpc>
+                <a:spcPct val="100000"/>
+              </a:lnSpc>
+              <a:spcBef>
+                <a:spcPts val="0"/>
+              </a:spcBef>
+              <a:spcAft>
+                <a:spcPts val="0"/>
+              </a:spcAft>
+              <a:buClrTx/>
+              <a:buSzTx/>
+              <a:buFontTx/>
+              <a:buNone/>
+              <a:tabLst/>
+              <a:defRPr/>
+            </a:pPr>
             <a:r>
               <a:rPr lang="ja-JP" altLang="en-US" sz="1200" dirty="0"/>
               <a:t>・</a:t>
             </a:r>
             <a:r>
               <a:rPr lang="en-US" altLang="ja-JP" sz="1200" dirty="0"/>
+              <a:t>8</a:t>
+            </a:r>
+            <a:r>
+              <a:rPr lang="ja-JP" altLang="en-US" sz="1200" dirty="0"/>
+              <a:t>分音符以外の入力もできるようにします。</a:t>
+            </a:r>
+            <a:endParaRPr lang="en-US" altLang="ja-JP" sz="1200" dirty="0"/>
+          </a:p>
+          <a:p>
+            <a:pPr marL="0" marR="0" lvl="0" indent="0" algn="l" defTabSz="914400" rtl="0" eaLnBrk="1" fontAlgn="auto" latinLnBrk="0" hangingPunct="1">
+              <a:lnSpc>
+                <a:spcPct val="100000"/>
+              </a:lnSpc>
+              <a:spcBef>
+                <a:spcPts val="0"/>
+              </a:spcBef>
+              <a:spcAft>
+                <a:spcPts val="0"/>
+              </a:spcAft>
+              <a:buClrTx/>
+              <a:buSzTx/>
+              <a:buFontTx/>
+              <a:buNone/>
+              <a:tabLst/>
+              <a:defRPr/>
+            </a:pPr>
+            <a:r>
+              <a:rPr lang="ja-JP" altLang="en-US" sz="1200" dirty="0"/>
+              <a:t>・</a:t>
+            </a:r>
+            <a:r>
+              <a:rPr lang="en-US" altLang="ja-JP" sz="1200" dirty="0"/>
               <a:t>Web</a:t>
             </a:r>
             <a:r>
@@ -1649,22 +1722,7 @@
             <a:endParaRPr lang="en-US" altLang="ja-JP" sz="1200" dirty="0"/>
           </a:p>
           <a:p>
-            <a:r>
-              <a:rPr lang="ja-JP" altLang="en-US" sz="1200" dirty="0"/>
-              <a:t>・</a:t>
-            </a:r>
-            <a:r>
-              <a:rPr lang="en-US" altLang="ja-JP" sz="1200" dirty="0"/>
-              <a:t>8</a:t>
-            </a:r>
-            <a:r>
-              <a:rPr lang="ja-JP" altLang="en-US" sz="1200" dirty="0"/>
-              <a:t>分音符以外の入力もできるようにします。</a:t>
-            </a:r>
             <a:endParaRPr kumimoji="1" lang="ja-JP" altLang="en-US" sz="1200" dirty="0"/>
-          </a:p>
-          <a:p>
-            <a:endParaRPr kumimoji="1" lang="ja-JP" altLang="en-US" dirty="0"/>
           </a:p>
         </p:txBody>
       </p:sp>
@@ -1851,7 +1909,7 @@
           <a:p>
             <a:fld id="{4A6B28F3-BB62-4EA0-99DF-EF5932BC4FCF}" type="datetimeFigureOut">
               <a:rPr kumimoji="1" lang="ja-JP" altLang="en-US" smtClean="0"/>
-              <a:t>2021/12/8</a:t>
+              <a:t>2021/12/9</a:t>
             </a:fld>
             <a:endParaRPr kumimoji="1" lang="ja-JP" altLang="en-US"/>
           </a:p>
@@ -2093,7 +2151,7 @@
           <a:p>
             <a:fld id="{4A6B28F3-BB62-4EA0-99DF-EF5932BC4FCF}" type="datetimeFigureOut">
               <a:rPr kumimoji="1" lang="ja-JP" altLang="en-US" smtClean="0"/>
-              <a:t>2021/12/8</a:t>
+              <a:t>2021/12/9</a:t>
             </a:fld>
             <a:endParaRPr kumimoji="1" lang="ja-JP" altLang="en-US"/>
           </a:p>
@@ -2345,7 +2403,7 @@
           <a:p>
             <a:fld id="{4A6B28F3-BB62-4EA0-99DF-EF5932BC4FCF}" type="datetimeFigureOut">
               <a:rPr kumimoji="1" lang="ja-JP" altLang="en-US" smtClean="0"/>
-              <a:t>2021/12/8</a:t>
+              <a:t>2021/12/9</a:t>
             </a:fld>
             <a:endParaRPr kumimoji="1" lang="ja-JP" altLang="en-US"/>
           </a:p>
@@ -2587,7 +2645,7 @@
           <a:p>
             <a:fld id="{4A6B28F3-BB62-4EA0-99DF-EF5932BC4FCF}" type="datetimeFigureOut">
               <a:rPr kumimoji="1" lang="ja-JP" altLang="en-US" smtClean="0"/>
-              <a:t>2021/12/8</a:t>
+              <a:t>2021/12/9</a:t>
             </a:fld>
             <a:endParaRPr kumimoji="1" lang="ja-JP" altLang="en-US"/>
           </a:p>
@@ -2874,7 +2932,7 @@
           <a:p>
             <a:fld id="{4A6B28F3-BB62-4EA0-99DF-EF5932BC4FCF}" type="datetimeFigureOut">
               <a:rPr kumimoji="1" lang="ja-JP" altLang="en-US" smtClean="0"/>
-              <a:t>2021/12/8</a:t>
+              <a:t>2021/12/9</a:t>
             </a:fld>
             <a:endParaRPr kumimoji="1" lang="ja-JP" altLang="en-US"/>
           </a:p>
@@ -3215,7 +3273,7 @@
           <a:p>
             <a:fld id="{4A6B28F3-BB62-4EA0-99DF-EF5932BC4FCF}" type="datetimeFigureOut">
               <a:rPr kumimoji="1" lang="ja-JP" altLang="en-US" smtClean="0"/>
-              <a:t>2021/12/8</a:t>
+              <a:t>2021/12/9</a:t>
             </a:fld>
             <a:endParaRPr kumimoji="1" lang="ja-JP" altLang="en-US"/>
           </a:p>
@@ -3703,7 +3761,7 @@
           <a:p>
             <a:fld id="{4A6B28F3-BB62-4EA0-99DF-EF5932BC4FCF}" type="datetimeFigureOut">
               <a:rPr kumimoji="1" lang="ja-JP" altLang="en-US" smtClean="0"/>
-              <a:t>2021/12/8</a:t>
+              <a:t>2021/12/9</a:t>
             </a:fld>
             <a:endParaRPr kumimoji="1" lang="ja-JP" altLang="en-US"/>
           </a:p>
@@ -3856,7 +3914,7 @@
           <a:p>
             <a:fld id="{4A6B28F3-BB62-4EA0-99DF-EF5932BC4FCF}" type="datetimeFigureOut">
               <a:rPr kumimoji="1" lang="ja-JP" altLang="en-US" smtClean="0"/>
-              <a:t>2021/12/8</a:t>
+              <a:t>2021/12/9</a:t>
             </a:fld>
             <a:endParaRPr kumimoji="1" lang="ja-JP" altLang="en-US"/>
           </a:p>
@@ -3981,7 +4039,7 @@
           <a:p>
             <a:fld id="{4A6B28F3-BB62-4EA0-99DF-EF5932BC4FCF}" type="datetimeFigureOut">
               <a:rPr kumimoji="1" lang="ja-JP" altLang="en-US" smtClean="0"/>
-              <a:t>2021/12/8</a:t>
+              <a:t>2021/12/9</a:t>
             </a:fld>
             <a:endParaRPr kumimoji="1" lang="ja-JP" altLang="en-US"/>
           </a:p>
@@ -4336,7 +4394,7 @@
           <a:p>
             <a:fld id="{4A6B28F3-BB62-4EA0-99DF-EF5932BC4FCF}" type="datetimeFigureOut">
               <a:rPr kumimoji="1" lang="ja-JP" altLang="en-US" smtClean="0"/>
-              <a:t>2021/12/8</a:t>
+              <a:t>2021/12/9</a:t>
             </a:fld>
             <a:endParaRPr kumimoji="1" lang="ja-JP" altLang="en-US"/>
           </a:p>
@@ -4636,7 +4694,7 @@
           <a:p>
             <a:fld id="{4A6B28F3-BB62-4EA0-99DF-EF5932BC4FCF}" type="datetimeFigureOut">
               <a:rPr kumimoji="1" lang="ja-JP" altLang="en-US" smtClean="0"/>
-              <a:t>2021/12/8</a:t>
+              <a:t>2021/12/9</a:t>
             </a:fld>
             <a:endParaRPr kumimoji="1" lang="ja-JP" altLang="en-US"/>
           </a:p>
@@ -4942,7 +5000,7 @@
           <a:p>
             <a:fld id="{4A6B28F3-BB62-4EA0-99DF-EF5932BC4FCF}" type="datetimeFigureOut">
               <a:rPr kumimoji="1" lang="ja-JP" altLang="en-US" smtClean="0"/>
-              <a:t>2021/12/8</a:t>
+              <a:t>2021/12/9</a:t>
             </a:fld>
             <a:endParaRPr kumimoji="1" lang="ja-JP" altLang="en-US"/>
           </a:p>
@@ -5531,8 +5589,16 @@
           <a:bodyPr/>
           <a:lstStyle/>
           <a:p>
-            <a:r>
-              <a:rPr lang="ja-JP" altLang="en-US" sz="6000" b="1" dirty="0"/>
+            <a:pPr algn="ctr"/>
+            <a:r>
+              <a:rPr lang="ja-JP" altLang="en-US" sz="6000" b="1" dirty="0">
+                <a:solidFill>
+                  <a:schemeClr val="tx1">
+                    <a:lumMod val="65000"/>
+                    <a:lumOff val="35000"/>
+                  </a:schemeClr>
+                </a:solidFill>
+              </a:rPr>
               <a:t>ご清聴ありがとうございました</a:t>
             </a:r>
             <a:br>
@@ -6826,7 +6892,7 @@
                   <a:schemeClr val="bg1"/>
                 </a:solidFill>
               </a:rPr>
-              <a:t>ユーザーから生成されたものが返ってくる</a:t>
+              <a:t>ユーザーのメロディから生成された曲が返ってくる</a:t>
             </a:r>
             <a:endParaRPr kumimoji="1" lang="ja-JP" altLang="en-US" dirty="0">
               <a:solidFill>
@@ -6906,7 +6972,7 @@
           <a:p>
             <a:r>
               <a:rPr kumimoji="1" lang="ja-JP" altLang="en-US" dirty="0"/>
-              <a:t>機械学習の方法について</a:t>
+              <a:t>自動作曲の方法について</a:t>
             </a:r>
           </a:p>
         </p:txBody>
@@ -6926,7 +6992,7 @@
         <p:spPr>
           <a:xfrm>
             <a:off x="841828" y="1944914"/>
-            <a:ext cx="9172327" cy="954107"/>
+            <a:ext cx="9172327" cy="523220"/>
           </a:xfrm>
           <a:prstGeom prst="rect">
             <a:avLst/>
@@ -6949,69 +7015,2417 @@
             </a:r>
             <a:r>
               <a:rPr lang="ja-JP" altLang="en-US" sz="2800" dirty="0"/>
-              <a:t>についての図</a:t>
-            </a:r>
-          </a:p>
-          <a:p>
-            <a:r>
-              <a:rPr lang="ja-JP" altLang="en-US" sz="2800" dirty="0"/>
-              <a:t>文章の単語の予測によく使われます</a:t>
-            </a:r>
-            <a:r>
-              <a:rPr lang="ja-JP" altLang="en-US" dirty="0"/>
-              <a:t>。</a:t>
-            </a:r>
-            <a:endParaRPr kumimoji="1" lang="ja-JP" altLang="en-US" dirty="0"/>
-          </a:p>
-        </p:txBody>
-      </p:sp>
-      <p:pic>
-        <p:nvPicPr>
-          <p:cNvPr id="1026" name="Picture 2" descr="https://user-images.githubusercontent.com/43458963/143048883-7ccfc8c7-33bf-4be4-9133-b6e54f8e240f.PNG">
+              <a:t>を使う</a:t>
+            </a:r>
+          </a:p>
+        </p:txBody>
+      </p:sp>
+      <p:grpSp>
+        <p:nvGrpSpPr>
+          <p:cNvPr id="5" name="グループ化 4">
             <a:extLst>
               <a:ext uri="{FF2B5EF4-FFF2-40B4-BE49-F238E27FC236}">
-                <a16:creationId xmlns:a16="http://schemas.microsoft.com/office/drawing/2014/main" id="{8280CEDF-8458-47AE-B286-F88FA230C245}"/>
+                <a16:creationId xmlns:a16="http://schemas.microsoft.com/office/drawing/2014/main" id="{18740093-7563-426F-BF34-5C0F5142587F}"/>
               </a:ext>
             </a:extLst>
           </p:cNvPr>
-          <p:cNvPicPr>
-            <a:picLocks noChangeAspect="1" noChangeArrowheads="1"/>
-          </p:cNvPicPr>
+          <p:cNvGrpSpPr/>
           <p:nvPr/>
-        </p:nvPicPr>
-        <p:blipFill>
-          <a:blip r:embed="rId3">
+        </p:nvGrpSpPr>
+        <p:grpSpPr>
+          <a:xfrm>
+            <a:off x="5657220" y="3221304"/>
+            <a:ext cx="4260897" cy="2836870"/>
+            <a:chOff x="4753742" y="2059221"/>
+            <a:chExt cx="5683239" cy="3920035"/>
+          </a:xfrm>
+        </p:grpSpPr>
+        <mc:AlternateContent xmlns:mc="http://schemas.openxmlformats.org/markup-compatibility/2006" xmlns:a14="http://schemas.microsoft.com/office/drawing/2010/main">
+          <mc:Choice Requires="a14">
+            <p:sp>
+              <p:nvSpPr>
+                <p:cNvPr id="6" name="フローチャート: 結合子 5">
+                  <a:extLst>
+                    <a:ext uri="{FF2B5EF4-FFF2-40B4-BE49-F238E27FC236}">
+                      <a16:creationId xmlns:a16="http://schemas.microsoft.com/office/drawing/2014/main" id="{4EBE741B-8DBF-4759-A46B-5FC651F8448B}"/>
+                    </a:ext>
+                  </a:extLst>
+                </p:cNvPr>
+                <p:cNvSpPr/>
+                <p:nvPr/>
+              </p:nvSpPr>
+              <p:spPr>
+                <a:xfrm>
+                  <a:off x="6319371" y="2060132"/>
+                  <a:ext cx="742122" cy="742122"/>
+                </a:xfrm>
+                <a:prstGeom prst="flowChartConnector">
+                  <a:avLst/>
+                </a:prstGeom>
+              </p:spPr>
+              <p:style>
+                <a:lnRef idx="2">
+                  <a:schemeClr val="accent6">
+                    <a:shade val="50000"/>
+                  </a:schemeClr>
+                </a:lnRef>
+                <a:fillRef idx="1">
+                  <a:schemeClr val="accent6"/>
+                </a:fillRef>
+                <a:effectRef idx="0">
+                  <a:schemeClr val="accent6"/>
+                </a:effectRef>
+                <a:fontRef idx="minor">
+                  <a:schemeClr val="lt1"/>
+                </a:fontRef>
+              </p:style>
+              <p:txBody>
+                <a:bodyPr rtlCol="0" anchor="ctr"/>
+                <a:lstStyle/>
+                <a:p>
+                  <a:pPr algn="ctr"/>
+                  <a14:m>
+                    <m:oMathPara xmlns:m="http://schemas.openxmlformats.org/officeDocument/2006/math">
+                      <m:oMathParaPr>
+                        <m:jc m:val="centerGroup"/>
+                      </m:oMathParaPr>
+                      <m:oMath xmlns:m="http://schemas.openxmlformats.org/officeDocument/2006/math">
+                        <m:sSub>
+                          <m:sSubPr>
+                            <m:ctrlPr>
+                              <a:rPr lang="en-US" altLang="ja-JP" i="1" smtClean="0">
+                                <a:latin typeface="Cambria Math" panose="02040503050406030204" pitchFamily="18" charset="0"/>
+                              </a:rPr>
+                            </m:ctrlPr>
+                          </m:sSubPr>
+                          <m:e>
+                            <m:r>
+                              <a:rPr lang="en-US" altLang="ja-JP" i="1">
+                                <a:latin typeface="Cambria Math" panose="02040503050406030204" pitchFamily="18" charset="0"/>
+                              </a:rPr>
+                              <m:t>  </m:t>
+                            </m:r>
+                            <m:r>
+                              <a:rPr lang="en-US" altLang="ja-JP" i="1">
+                                <a:latin typeface="Cambria Math" panose="02040503050406030204" pitchFamily="18" charset="0"/>
+                              </a:rPr>
+                              <m:t>𝑦</m:t>
+                            </m:r>
+                          </m:e>
+                          <m:sub>
+                            <m:r>
+                              <a:rPr lang="en-US" altLang="ja-JP" b="0" i="1" smtClean="0">
+                                <a:latin typeface="Cambria Math" panose="02040503050406030204" pitchFamily="18" charset="0"/>
+                              </a:rPr>
+                              <m:t>1</m:t>
+                            </m:r>
+                          </m:sub>
+                        </m:sSub>
+                      </m:oMath>
+                    </m:oMathPara>
+                  </a14:m>
+                  <a:endParaRPr lang="ja-JP" altLang="en-US" dirty="0"/>
+                </a:p>
+              </p:txBody>
+            </p:sp>
+          </mc:Choice>
+          <mc:Fallback xmlns="">
+            <p:sp>
+              <p:nvSpPr>
+                <p:cNvPr id="6" name="フローチャート: 結合子 5">
+                  <a:extLst>
+                    <a:ext uri="{FF2B5EF4-FFF2-40B4-BE49-F238E27FC236}">
+                      <a16:creationId xmlns:a16="http://schemas.microsoft.com/office/drawing/2014/main" id="{4EBE741B-8DBF-4759-A46B-5FC651F8448B}"/>
+                    </a:ext>
+                  </a:extLst>
+                </p:cNvPr>
+                <p:cNvSpPr>
+                  <a:spLocks noRot="1" noChangeAspect="1" noMove="1" noResize="1" noEditPoints="1" noAdjustHandles="1" noChangeArrowheads="1" noChangeShapeType="1" noTextEdit="1"/>
+                </p:cNvSpPr>
+                <p:nvPr/>
+              </p:nvSpPr>
+              <p:spPr>
+                <a:xfrm>
+                  <a:off x="6319371" y="2060132"/>
+                  <a:ext cx="742122" cy="742122"/>
+                </a:xfrm>
+                <a:prstGeom prst="flowChartConnector">
+                  <a:avLst/>
+                </a:prstGeom>
+                <a:blipFill>
+                  <a:blip r:embed="rId3"/>
+                  <a:stretch>
+                    <a:fillRect/>
+                  </a:stretch>
+                </a:blipFill>
+              </p:spPr>
+              <p:txBody>
+                <a:bodyPr/>
+                <a:lstStyle/>
+                <a:p>
+                  <a:r>
+                    <a:rPr lang="ja-JP" altLang="en-US">
+                      <a:noFill/>
+                    </a:rPr>
+                    <a:t> </a:t>
+                  </a:r>
+                </a:p>
+              </p:txBody>
+            </p:sp>
+          </mc:Fallback>
+        </mc:AlternateContent>
+        <mc:AlternateContent xmlns:mc="http://schemas.openxmlformats.org/markup-compatibility/2006" xmlns:a14="http://schemas.microsoft.com/office/drawing/2010/main">
+          <mc:Choice Requires="a14">
+            <p:sp>
+              <p:nvSpPr>
+                <p:cNvPr id="7" name="フローチャート: 結合子 6">
+                  <a:extLst>
+                    <a:ext uri="{FF2B5EF4-FFF2-40B4-BE49-F238E27FC236}">
+                      <a16:creationId xmlns:a16="http://schemas.microsoft.com/office/drawing/2014/main" id="{4E1FA4F6-ACE0-461A-B1F4-D16C2E750FD8}"/>
+                    </a:ext>
+                  </a:extLst>
+                </p:cNvPr>
+                <p:cNvSpPr/>
+                <p:nvPr/>
+              </p:nvSpPr>
+              <p:spPr>
+                <a:xfrm>
+                  <a:off x="6319371" y="3648633"/>
+                  <a:ext cx="742122" cy="742122"/>
+                </a:xfrm>
+                <a:prstGeom prst="flowChartConnector">
+                  <a:avLst/>
+                </a:prstGeom>
+              </p:spPr>
+              <p:style>
+                <a:lnRef idx="2">
+                  <a:schemeClr val="accent1">
+                    <a:shade val="50000"/>
+                  </a:schemeClr>
+                </a:lnRef>
+                <a:fillRef idx="1">
+                  <a:schemeClr val="accent1"/>
+                </a:fillRef>
+                <a:effectRef idx="0">
+                  <a:schemeClr val="accent1"/>
+                </a:effectRef>
+                <a:fontRef idx="minor">
+                  <a:schemeClr val="lt1"/>
+                </a:fontRef>
+              </p:style>
+              <p:txBody>
+                <a:bodyPr rtlCol="0" anchor="ctr"/>
+                <a:lstStyle/>
+                <a:p>
+                  <a:pPr algn="ctr"/>
+                  <a14:m>
+                    <m:oMathPara xmlns:m="http://schemas.openxmlformats.org/officeDocument/2006/math">
+                      <m:oMathParaPr>
+                        <m:jc m:val="centerGroup"/>
+                      </m:oMathParaPr>
+                      <m:oMath xmlns:m="http://schemas.openxmlformats.org/officeDocument/2006/math">
+                        <m:r>
+                          <a:rPr kumimoji="1" lang="en-US" altLang="ja-JP" b="0" i="1" smtClean="0">
+                            <a:latin typeface="Cambria Math" panose="02040503050406030204" pitchFamily="18" charset="0"/>
+                          </a:rPr>
+                          <m:t>  </m:t>
+                        </m:r>
+                        <m:sSub>
+                          <m:sSubPr>
+                            <m:ctrlPr>
+                              <a:rPr kumimoji="1" lang="en-US" altLang="ja-JP" i="1" smtClean="0">
+                                <a:latin typeface="Cambria Math" panose="02040503050406030204" pitchFamily="18" charset="0"/>
+                              </a:rPr>
+                            </m:ctrlPr>
+                          </m:sSubPr>
+                          <m:e>
+                            <m:r>
+                              <a:rPr kumimoji="1" lang="en-US" altLang="ja-JP" b="0" i="1" smtClean="0">
+                                <a:latin typeface="Cambria Math" panose="02040503050406030204" pitchFamily="18" charset="0"/>
+                              </a:rPr>
+                              <m:t>h</m:t>
+                            </m:r>
+                          </m:e>
+                          <m:sub>
+                            <m:r>
+                              <a:rPr kumimoji="1" lang="en-US" altLang="ja-JP" b="0" i="1" smtClean="0">
+                                <a:latin typeface="Cambria Math" panose="02040503050406030204" pitchFamily="18" charset="0"/>
+                              </a:rPr>
+                              <m:t>1</m:t>
+                            </m:r>
+                          </m:sub>
+                        </m:sSub>
+                      </m:oMath>
+                    </m:oMathPara>
+                  </a14:m>
+                  <a:endParaRPr kumimoji="1" lang="ja-JP" altLang="en-US" dirty="0"/>
+                </a:p>
+              </p:txBody>
+            </p:sp>
+          </mc:Choice>
+          <mc:Fallback xmlns="">
+            <p:sp>
+              <p:nvSpPr>
+                <p:cNvPr id="7" name="フローチャート: 結合子 6">
+                  <a:extLst>
+                    <a:ext uri="{FF2B5EF4-FFF2-40B4-BE49-F238E27FC236}">
+                      <a16:creationId xmlns:a16="http://schemas.microsoft.com/office/drawing/2014/main" id="{4E1FA4F6-ACE0-461A-B1F4-D16C2E750FD8}"/>
+                    </a:ext>
+                  </a:extLst>
+                </p:cNvPr>
+                <p:cNvSpPr>
+                  <a:spLocks noRot="1" noChangeAspect="1" noMove="1" noResize="1" noEditPoints="1" noAdjustHandles="1" noChangeArrowheads="1" noChangeShapeType="1" noTextEdit="1"/>
+                </p:cNvSpPr>
+                <p:nvPr/>
+              </p:nvSpPr>
+              <p:spPr>
+                <a:xfrm>
+                  <a:off x="6319371" y="3648633"/>
+                  <a:ext cx="742122" cy="742122"/>
+                </a:xfrm>
+                <a:prstGeom prst="flowChartConnector">
+                  <a:avLst/>
+                </a:prstGeom>
+                <a:blipFill>
+                  <a:blip r:embed="rId4"/>
+                  <a:stretch>
+                    <a:fillRect/>
+                  </a:stretch>
+                </a:blipFill>
+              </p:spPr>
+              <p:txBody>
+                <a:bodyPr/>
+                <a:lstStyle/>
+                <a:p>
+                  <a:r>
+                    <a:rPr lang="ja-JP" altLang="en-US">
+                      <a:noFill/>
+                    </a:rPr>
+                    <a:t> </a:t>
+                  </a:r>
+                </a:p>
+              </p:txBody>
+            </p:sp>
+          </mc:Fallback>
+        </mc:AlternateContent>
+        <mc:AlternateContent xmlns:mc="http://schemas.openxmlformats.org/markup-compatibility/2006" xmlns:a14="http://schemas.microsoft.com/office/drawing/2010/main">
+          <mc:Choice Requires="a14">
+            <p:sp>
+              <p:nvSpPr>
+                <p:cNvPr id="8" name="フローチャート: 結合子 7">
+                  <a:extLst>
+                    <a:ext uri="{FF2B5EF4-FFF2-40B4-BE49-F238E27FC236}">
+                      <a16:creationId xmlns:a16="http://schemas.microsoft.com/office/drawing/2014/main" id="{A608CB45-437C-4573-A936-14D609A46DBE}"/>
+                    </a:ext>
+                  </a:extLst>
+                </p:cNvPr>
+                <p:cNvSpPr/>
+                <p:nvPr/>
+              </p:nvSpPr>
+              <p:spPr>
+                <a:xfrm>
+                  <a:off x="4753742" y="3648633"/>
+                  <a:ext cx="742122" cy="742122"/>
+                </a:xfrm>
+                <a:prstGeom prst="flowChartConnector">
+                  <a:avLst/>
+                </a:prstGeom>
+              </p:spPr>
+              <p:style>
+                <a:lnRef idx="2">
+                  <a:schemeClr val="accent1">
+                    <a:shade val="50000"/>
+                  </a:schemeClr>
+                </a:lnRef>
+                <a:fillRef idx="1">
+                  <a:schemeClr val="accent1"/>
+                </a:fillRef>
+                <a:effectRef idx="0">
+                  <a:schemeClr val="accent1"/>
+                </a:effectRef>
+                <a:fontRef idx="minor">
+                  <a:schemeClr val="lt1"/>
+                </a:fontRef>
+              </p:style>
+              <p:txBody>
+                <a:bodyPr rtlCol="0" anchor="ctr"/>
+                <a:lstStyle/>
+                <a:p>
+                  <a:pPr algn="ctr"/>
+                  <a14:m>
+                    <m:oMathPara xmlns:m="http://schemas.openxmlformats.org/officeDocument/2006/math">
+                      <m:oMathParaPr>
+                        <m:jc m:val="centerGroup"/>
+                      </m:oMathParaPr>
+                      <m:oMath xmlns:m="http://schemas.openxmlformats.org/officeDocument/2006/math">
+                        <m:r>
+                          <a:rPr lang="en-US" altLang="ja-JP" i="1" smtClean="0">
+                            <a:latin typeface="Cambria Math" panose="02040503050406030204" pitchFamily="18" charset="0"/>
+                          </a:rPr>
+                          <m:t> </m:t>
+                        </m:r>
+                        <m:sSub>
+                          <m:sSubPr>
+                            <m:ctrlPr>
+                              <a:rPr lang="en-US" altLang="ja-JP" i="1">
+                                <a:latin typeface="Cambria Math" panose="02040503050406030204" pitchFamily="18" charset="0"/>
+                              </a:rPr>
+                            </m:ctrlPr>
+                          </m:sSubPr>
+                          <m:e>
+                            <m:r>
+                              <a:rPr lang="en-US" altLang="ja-JP" i="1">
+                                <a:latin typeface="Cambria Math" panose="02040503050406030204" pitchFamily="18" charset="0"/>
+                              </a:rPr>
+                              <m:t>h</m:t>
+                            </m:r>
+                          </m:e>
+                          <m:sub>
+                            <m:r>
+                              <a:rPr lang="en-US" altLang="ja-JP" b="0" i="1" smtClean="0">
+                                <a:latin typeface="Cambria Math" panose="02040503050406030204" pitchFamily="18" charset="0"/>
+                              </a:rPr>
+                              <m:t>0</m:t>
+                            </m:r>
+                          </m:sub>
+                        </m:sSub>
+                      </m:oMath>
+                    </m:oMathPara>
+                  </a14:m>
+                  <a:endParaRPr kumimoji="1" lang="ja-JP" altLang="en-US" dirty="0"/>
+                </a:p>
+              </p:txBody>
+            </p:sp>
+          </mc:Choice>
+          <mc:Fallback xmlns="">
+            <p:sp>
+              <p:nvSpPr>
+                <p:cNvPr id="8" name="フローチャート: 結合子 7">
+                  <a:extLst>
+                    <a:ext uri="{FF2B5EF4-FFF2-40B4-BE49-F238E27FC236}">
+                      <a16:creationId xmlns:a16="http://schemas.microsoft.com/office/drawing/2014/main" id="{A608CB45-437C-4573-A936-14D609A46DBE}"/>
+                    </a:ext>
+                  </a:extLst>
+                </p:cNvPr>
+                <p:cNvSpPr>
+                  <a:spLocks noRot="1" noChangeAspect="1" noMove="1" noResize="1" noEditPoints="1" noAdjustHandles="1" noChangeArrowheads="1" noChangeShapeType="1" noTextEdit="1"/>
+                </p:cNvSpPr>
+                <p:nvPr/>
+              </p:nvSpPr>
+              <p:spPr>
+                <a:xfrm>
+                  <a:off x="4753742" y="3648633"/>
+                  <a:ext cx="742122" cy="742122"/>
+                </a:xfrm>
+                <a:prstGeom prst="flowChartConnector">
+                  <a:avLst/>
+                </a:prstGeom>
+                <a:blipFill>
+                  <a:blip r:embed="rId5"/>
+                  <a:stretch>
+                    <a:fillRect/>
+                  </a:stretch>
+                </a:blipFill>
+              </p:spPr>
+              <p:txBody>
+                <a:bodyPr/>
+                <a:lstStyle/>
+                <a:p>
+                  <a:r>
+                    <a:rPr lang="ja-JP" altLang="en-US">
+                      <a:noFill/>
+                    </a:rPr>
+                    <a:t> </a:t>
+                  </a:r>
+                </a:p>
+              </p:txBody>
+            </p:sp>
+          </mc:Fallback>
+        </mc:AlternateContent>
+        <mc:AlternateContent xmlns:mc="http://schemas.openxmlformats.org/markup-compatibility/2006" xmlns:a14="http://schemas.microsoft.com/office/drawing/2010/main">
+          <mc:Choice Requires="a14">
+            <p:sp>
+              <p:nvSpPr>
+                <p:cNvPr id="9" name="フローチャート: 結合子 8">
+                  <a:extLst>
+                    <a:ext uri="{FF2B5EF4-FFF2-40B4-BE49-F238E27FC236}">
+                      <a16:creationId xmlns:a16="http://schemas.microsoft.com/office/drawing/2014/main" id="{61DA2AF9-DBE6-495A-810D-8357044FCA45}"/>
+                    </a:ext>
+                  </a:extLst>
+                </p:cNvPr>
+                <p:cNvSpPr/>
+                <p:nvPr/>
+              </p:nvSpPr>
+              <p:spPr>
+                <a:xfrm>
+                  <a:off x="6319371" y="5237134"/>
+                  <a:ext cx="742122" cy="742122"/>
+                </a:xfrm>
+                <a:prstGeom prst="flowChartConnector">
+                  <a:avLst/>
+                </a:prstGeom>
+              </p:spPr>
+              <p:style>
+                <a:lnRef idx="2">
+                  <a:schemeClr val="accent2">
+                    <a:shade val="50000"/>
+                  </a:schemeClr>
+                </a:lnRef>
+                <a:fillRef idx="1">
+                  <a:schemeClr val="accent2"/>
+                </a:fillRef>
+                <a:effectRef idx="0">
+                  <a:schemeClr val="accent2"/>
+                </a:effectRef>
+                <a:fontRef idx="minor">
+                  <a:schemeClr val="lt1"/>
+                </a:fontRef>
+              </p:style>
+              <p:txBody>
+                <a:bodyPr rtlCol="0" anchor="ctr"/>
+                <a:lstStyle/>
+                <a:p>
+                  <a:pPr algn="ctr"/>
+                  <a14:m>
+                    <m:oMathPara xmlns:m="http://schemas.openxmlformats.org/officeDocument/2006/math">
+                      <m:oMathParaPr>
+                        <m:jc m:val="centerGroup"/>
+                      </m:oMathParaPr>
+                      <m:oMath xmlns:m="http://schemas.openxmlformats.org/officeDocument/2006/math">
+                        <m:sSub>
+                          <m:sSubPr>
+                            <m:ctrlPr>
+                              <a:rPr lang="en-US" altLang="ja-JP" i="1" smtClean="0">
+                                <a:latin typeface="Cambria Math" panose="02040503050406030204" pitchFamily="18" charset="0"/>
+                              </a:rPr>
+                            </m:ctrlPr>
+                          </m:sSubPr>
+                          <m:e>
+                            <m:r>
+                              <a:rPr lang="en-US" altLang="ja-JP" i="1">
+                                <a:latin typeface="Cambria Math" panose="02040503050406030204" pitchFamily="18" charset="0"/>
+                              </a:rPr>
+                              <m:t>  </m:t>
+                            </m:r>
+                            <m:r>
+                              <a:rPr lang="en-US" altLang="ja-JP" i="1">
+                                <a:latin typeface="Cambria Math" panose="02040503050406030204" pitchFamily="18" charset="0"/>
+                              </a:rPr>
+                              <m:t>𝑥</m:t>
+                            </m:r>
+                          </m:e>
+                          <m:sub>
+                            <m:r>
+                              <a:rPr lang="en-US" altLang="ja-JP" b="0" i="1" smtClean="0">
+                                <a:latin typeface="Cambria Math" panose="02040503050406030204" pitchFamily="18" charset="0"/>
+                              </a:rPr>
+                              <m:t>1</m:t>
+                            </m:r>
+                          </m:sub>
+                        </m:sSub>
+                      </m:oMath>
+                    </m:oMathPara>
+                  </a14:m>
+                  <a:endParaRPr kumimoji="1" lang="ja-JP" altLang="en-US" dirty="0"/>
+                </a:p>
+              </p:txBody>
+            </p:sp>
+          </mc:Choice>
+          <mc:Fallback xmlns="">
+            <p:sp>
+              <p:nvSpPr>
+                <p:cNvPr id="9" name="フローチャート: 結合子 8">
+                  <a:extLst>
+                    <a:ext uri="{FF2B5EF4-FFF2-40B4-BE49-F238E27FC236}">
+                      <a16:creationId xmlns:a16="http://schemas.microsoft.com/office/drawing/2014/main" id="{61DA2AF9-DBE6-495A-810D-8357044FCA45}"/>
+                    </a:ext>
+                  </a:extLst>
+                </p:cNvPr>
+                <p:cNvSpPr>
+                  <a:spLocks noRot="1" noChangeAspect="1" noMove="1" noResize="1" noEditPoints="1" noAdjustHandles="1" noChangeArrowheads="1" noChangeShapeType="1" noTextEdit="1"/>
+                </p:cNvSpPr>
+                <p:nvPr/>
+              </p:nvSpPr>
+              <p:spPr>
+                <a:xfrm>
+                  <a:off x="6319371" y="5237134"/>
+                  <a:ext cx="742122" cy="742122"/>
+                </a:xfrm>
+                <a:prstGeom prst="flowChartConnector">
+                  <a:avLst/>
+                </a:prstGeom>
+                <a:blipFill>
+                  <a:blip r:embed="rId6"/>
+                  <a:stretch>
+                    <a:fillRect/>
+                  </a:stretch>
+                </a:blipFill>
+              </p:spPr>
+              <p:txBody>
+                <a:bodyPr/>
+                <a:lstStyle/>
+                <a:p>
+                  <a:r>
+                    <a:rPr lang="ja-JP" altLang="en-US">
+                      <a:noFill/>
+                    </a:rPr>
+                    <a:t> </a:t>
+                  </a:r>
+                </a:p>
+              </p:txBody>
+            </p:sp>
+          </mc:Fallback>
+        </mc:AlternateContent>
+        <mc:AlternateContent xmlns:mc="http://schemas.openxmlformats.org/markup-compatibility/2006" xmlns:a14="http://schemas.microsoft.com/office/drawing/2010/main">
+          <mc:Choice Requires="a14">
+            <p:sp>
+              <p:nvSpPr>
+                <p:cNvPr id="10" name="フローチャート: 結合子 9">
+                  <a:extLst>
+                    <a:ext uri="{FF2B5EF4-FFF2-40B4-BE49-F238E27FC236}">
+                      <a16:creationId xmlns:a16="http://schemas.microsoft.com/office/drawing/2014/main" id="{E10A4FD7-F8EC-4085-859B-3567F61FBE28}"/>
+                    </a:ext>
+                  </a:extLst>
+                </p:cNvPr>
+                <p:cNvSpPr/>
+                <p:nvPr/>
+              </p:nvSpPr>
+              <p:spPr>
+                <a:xfrm>
+                  <a:off x="7966385" y="2068099"/>
+                  <a:ext cx="742122" cy="742122"/>
+                </a:xfrm>
+                <a:prstGeom prst="flowChartConnector">
+                  <a:avLst/>
+                </a:prstGeom>
+              </p:spPr>
+              <p:style>
+                <a:lnRef idx="2">
+                  <a:schemeClr val="accent6">
+                    <a:shade val="50000"/>
+                  </a:schemeClr>
+                </a:lnRef>
+                <a:fillRef idx="1">
+                  <a:schemeClr val="accent6"/>
+                </a:fillRef>
+                <a:effectRef idx="0">
+                  <a:schemeClr val="accent6"/>
+                </a:effectRef>
+                <a:fontRef idx="minor">
+                  <a:schemeClr val="lt1"/>
+                </a:fontRef>
+              </p:style>
+              <p:txBody>
+                <a:bodyPr rtlCol="0" anchor="ctr"/>
+                <a:lstStyle/>
+                <a:p>
+                  <a:pPr algn="ctr"/>
+                  <a14:m>
+                    <m:oMathPara xmlns:m="http://schemas.openxmlformats.org/officeDocument/2006/math">
+                      <m:oMathParaPr>
+                        <m:jc m:val="centerGroup"/>
+                      </m:oMathParaPr>
+                      <m:oMath xmlns:m="http://schemas.openxmlformats.org/officeDocument/2006/math">
+                        <m:sSub>
+                          <m:sSubPr>
+                            <m:ctrlPr>
+                              <a:rPr lang="en-US" altLang="ja-JP" i="1" smtClean="0">
+                                <a:latin typeface="Cambria Math" panose="02040503050406030204" pitchFamily="18" charset="0"/>
+                              </a:rPr>
+                            </m:ctrlPr>
+                          </m:sSubPr>
+                          <m:e>
+                            <m:r>
+                              <a:rPr lang="en-US" altLang="ja-JP" i="1">
+                                <a:latin typeface="Cambria Math" panose="02040503050406030204" pitchFamily="18" charset="0"/>
+                              </a:rPr>
+                              <m:t>  </m:t>
+                            </m:r>
+                            <m:r>
+                              <a:rPr lang="en-US" altLang="ja-JP" i="1">
+                                <a:latin typeface="Cambria Math" panose="02040503050406030204" pitchFamily="18" charset="0"/>
+                              </a:rPr>
+                              <m:t>𝑦</m:t>
+                            </m:r>
+                          </m:e>
+                          <m:sub>
+                            <m:r>
+                              <a:rPr lang="en-US" altLang="ja-JP" b="0" i="1" smtClean="0">
+                                <a:latin typeface="Cambria Math" panose="02040503050406030204" pitchFamily="18" charset="0"/>
+                              </a:rPr>
+                              <m:t>2</m:t>
+                            </m:r>
+                          </m:sub>
+                        </m:sSub>
+                      </m:oMath>
+                    </m:oMathPara>
+                  </a14:m>
+                  <a:endParaRPr kumimoji="1" lang="ja-JP" altLang="en-US" dirty="0"/>
+                </a:p>
+              </p:txBody>
+            </p:sp>
+          </mc:Choice>
+          <mc:Fallback xmlns="">
+            <p:sp>
+              <p:nvSpPr>
+                <p:cNvPr id="10" name="フローチャート: 結合子 9">
+                  <a:extLst>
+                    <a:ext uri="{FF2B5EF4-FFF2-40B4-BE49-F238E27FC236}">
+                      <a16:creationId xmlns:a16="http://schemas.microsoft.com/office/drawing/2014/main" id="{E10A4FD7-F8EC-4085-859B-3567F61FBE28}"/>
+                    </a:ext>
+                  </a:extLst>
+                </p:cNvPr>
+                <p:cNvSpPr>
+                  <a:spLocks noRot="1" noChangeAspect="1" noMove="1" noResize="1" noEditPoints="1" noAdjustHandles="1" noChangeArrowheads="1" noChangeShapeType="1" noTextEdit="1"/>
+                </p:cNvSpPr>
+                <p:nvPr/>
+              </p:nvSpPr>
+              <p:spPr>
+                <a:xfrm>
+                  <a:off x="7966385" y="2068099"/>
+                  <a:ext cx="742122" cy="742122"/>
+                </a:xfrm>
+                <a:prstGeom prst="flowChartConnector">
+                  <a:avLst/>
+                </a:prstGeom>
+                <a:blipFill>
+                  <a:blip r:embed="rId7"/>
+                  <a:stretch>
+                    <a:fillRect/>
+                  </a:stretch>
+                </a:blipFill>
+              </p:spPr>
+              <p:txBody>
+                <a:bodyPr/>
+                <a:lstStyle/>
+                <a:p>
+                  <a:r>
+                    <a:rPr lang="ja-JP" altLang="en-US">
+                      <a:noFill/>
+                    </a:rPr>
+                    <a:t> </a:t>
+                  </a:r>
+                </a:p>
+              </p:txBody>
+            </p:sp>
+          </mc:Fallback>
+        </mc:AlternateContent>
+        <mc:AlternateContent xmlns:mc="http://schemas.openxmlformats.org/markup-compatibility/2006" xmlns:a14="http://schemas.microsoft.com/office/drawing/2010/main">
+          <mc:Choice Requires="a14">
+            <p:sp>
+              <p:nvSpPr>
+                <p:cNvPr id="11" name="フローチャート: 結合子 10">
+                  <a:extLst>
+                    <a:ext uri="{FF2B5EF4-FFF2-40B4-BE49-F238E27FC236}">
+                      <a16:creationId xmlns:a16="http://schemas.microsoft.com/office/drawing/2014/main" id="{13288AD6-4EC8-4E74-8611-A2D6AC5045E1}"/>
+                    </a:ext>
+                  </a:extLst>
+                </p:cNvPr>
+                <p:cNvSpPr/>
+                <p:nvPr/>
+              </p:nvSpPr>
+              <p:spPr>
+                <a:xfrm>
+                  <a:off x="7966385" y="3648633"/>
+                  <a:ext cx="742122" cy="742122"/>
+                </a:xfrm>
+                <a:prstGeom prst="flowChartConnector">
+                  <a:avLst/>
+                </a:prstGeom>
+              </p:spPr>
+              <p:style>
+                <a:lnRef idx="2">
+                  <a:schemeClr val="accent1">
+                    <a:shade val="50000"/>
+                  </a:schemeClr>
+                </a:lnRef>
+                <a:fillRef idx="1">
+                  <a:schemeClr val="accent1"/>
+                </a:fillRef>
+                <a:effectRef idx="0">
+                  <a:schemeClr val="accent1"/>
+                </a:effectRef>
+                <a:fontRef idx="minor">
+                  <a:schemeClr val="lt1"/>
+                </a:fontRef>
+              </p:style>
+              <p:txBody>
+                <a:bodyPr rtlCol="0" anchor="ctr"/>
+                <a:lstStyle/>
+                <a:p>
+                  <a:pPr algn="ctr"/>
+                  <a14:m>
+                    <m:oMathPara xmlns:m="http://schemas.openxmlformats.org/officeDocument/2006/math">
+                      <m:oMathParaPr>
+                        <m:jc m:val="centerGroup"/>
+                      </m:oMathParaPr>
+                      <m:oMath xmlns:m="http://schemas.openxmlformats.org/officeDocument/2006/math">
+                        <m:r>
+                          <a:rPr lang="en-US" altLang="ja-JP" i="1" smtClean="0">
+                            <a:latin typeface="Cambria Math" panose="02040503050406030204" pitchFamily="18" charset="0"/>
+                          </a:rPr>
+                          <m:t> </m:t>
+                        </m:r>
+                        <m:sSub>
+                          <m:sSubPr>
+                            <m:ctrlPr>
+                              <a:rPr lang="en-US" altLang="ja-JP" i="1">
+                                <a:latin typeface="Cambria Math" panose="02040503050406030204" pitchFamily="18" charset="0"/>
+                              </a:rPr>
+                            </m:ctrlPr>
+                          </m:sSubPr>
+                          <m:e>
+                            <m:r>
+                              <a:rPr lang="en-US" altLang="ja-JP" i="1">
+                                <a:latin typeface="Cambria Math" panose="02040503050406030204" pitchFamily="18" charset="0"/>
+                              </a:rPr>
+                              <m:t>h</m:t>
+                            </m:r>
+                          </m:e>
+                          <m:sub>
+                            <m:r>
+                              <a:rPr lang="en-US" altLang="ja-JP" b="0" i="1" smtClean="0">
+                                <a:latin typeface="Cambria Math" panose="02040503050406030204" pitchFamily="18" charset="0"/>
+                              </a:rPr>
+                              <m:t>2</m:t>
+                            </m:r>
+                          </m:sub>
+                        </m:sSub>
+                      </m:oMath>
+                    </m:oMathPara>
+                  </a14:m>
+                  <a:endParaRPr kumimoji="1" lang="ja-JP" altLang="en-US" dirty="0"/>
+                </a:p>
+              </p:txBody>
+            </p:sp>
+          </mc:Choice>
+          <mc:Fallback xmlns="">
+            <p:sp>
+              <p:nvSpPr>
+                <p:cNvPr id="11" name="フローチャート: 結合子 10">
+                  <a:extLst>
+                    <a:ext uri="{FF2B5EF4-FFF2-40B4-BE49-F238E27FC236}">
+                      <a16:creationId xmlns:a16="http://schemas.microsoft.com/office/drawing/2014/main" id="{13288AD6-4EC8-4E74-8611-A2D6AC5045E1}"/>
+                    </a:ext>
+                  </a:extLst>
+                </p:cNvPr>
+                <p:cNvSpPr>
+                  <a:spLocks noRot="1" noChangeAspect="1" noMove="1" noResize="1" noEditPoints="1" noAdjustHandles="1" noChangeArrowheads="1" noChangeShapeType="1" noTextEdit="1"/>
+                </p:cNvSpPr>
+                <p:nvPr/>
+              </p:nvSpPr>
+              <p:spPr>
+                <a:xfrm>
+                  <a:off x="7966385" y="3648633"/>
+                  <a:ext cx="742122" cy="742122"/>
+                </a:xfrm>
+                <a:prstGeom prst="flowChartConnector">
+                  <a:avLst/>
+                </a:prstGeom>
+                <a:blipFill>
+                  <a:blip r:embed="rId8"/>
+                  <a:stretch>
+                    <a:fillRect/>
+                  </a:stretch>
+                </a:blipFill>
+              </p:spPr>
+              <p:txBody>
+                <a:bodyPr/>
+                <a:lstStyle/>
+                <a:p>
+                  <a:r>
+                    <a:rPr lang="ja-JP" altLang="en-US">
+                      <a:noFill/>
+                    </a:rPr>
+                    <a:t> </a:t>
+                  </a:r>
+                </a:p>
+              </p:txBody>
+            </p:sp>
+          </mc:Fallback>
+        </mc:AlternateContent>
+        <mc:AlternateContent xmlns:mc="http://schemas.openxmlformats.org/markup-compatibility/2006" xmlns:a14="http://schemas.microsoft.com/office/drawing/2010/main">
+          <mc:Choice Requires="a14">
+            <p:sp>
+              <p:nvSpPr>
+                <p:cNvPr id="12" name="フローチャート: 結合子 11">
+                  <a:extLst>
+                    <a:ext uri="{FF2B5EF4-FFF2-40B4-BE49-F238E27FC236}">
+                      <a16:creationId xmlns:a16="http://schemas.microsoft.com/office/drawing/2014/main" id="{56A8DCB3-509B-4128-9683-B5F2AC661CB0}"/>
+                    </a:ext>
+                  </a:extLst>
+                </p:cNvPr>
+                <p:cNvSpPr/>
+                <p:nvPr/>
+              </p:nvSpPr>
+              <p:spPr>
+                <a:xfrm>
+                  <a:off x="7966385" y="5237134"/>
+                  <a:ext cx="742122" cy="742122"/>
+                </a:xfrm>
+                <a:prstGeom prst="flowChartConnector">
+                  <a:avLst/>
+                </a:prstGeom>
+              </p:spPr>
+              <p:style>
+                <a:lnRef idx="2">
+                  <a:schemeClr val="accent2">
+                    <a:shade val="50000"/>
+                  </a:schemeClr>
+                </a:lnRef>
+                <a:fillRef idx="1">
+                  <a:schemeClr val="accent2"/>
+                </a:fillRef>
+                <a:effectRef idx="0">
+                  <a:schemeClr val="accent2"/>
+                </a:effectRef>
+                <a:fontRef idx="minor">
+                  <a:schemeClr val="lt1"/>
+                </a:fontRef>
+              </p:style>
+              <p:txBody>
+                <a:bodyPr rtlCol="0" anchor="ctr"/>
+                <a:lstStyle/>
+                <a:p>
+                  <a:pPr algn="ctr"/>
+                  <a14:m>
+                    <m:oMathPara xmlns:m="http://schemas.openxmlformats.org/officeDocument/2006/math">
+                      <m:oMathParaPr>
+                        <m:jc m:val="centerGroup"/>
+                      </m:oMathParaPr>
+                      <m:oMath xmlns:m="http://schemas.openxmlformats.org/officeDocument/2006/math">
+                        <m:sSub>
+                          <m:sSubPr>
+                            <m:ctrlPr>
+                              <a:rPr lang="en-US" altLang="ja-JP" i="1" smtClean="0">
+                                <a:latin typeface="Cambria Math" panose="02040503050406030204" pitchFamily="18" charset="0"/>
+                              </a:rPr>
+                            </m:ctrlPr>
+                          </m:sSubPr>
+                          <m:e>
+                            <m:r>
+                              <a:rPr lang="en-US" altLang="ja-JP" i="1">
+                                <a:latin typeface="Cambria Math" panose="02040503050406030204" pitchFamily="18" charset="0"/>
+                              </a:rPr>
+                              <m:t>  </m:t>
+                            </m:r>
+                            <m:r>
+                              <a:rPr lang="en-US" altLang="ja-JP" i="1">
+                                <a:latin typeface="Cambria Math" panose="02040503050406030204" pitchFamily="18" charset="0"/>
+                              </a:rPr>
+                              <m:t>𝑥</m:t>
+                            </m:r>
+                          </m:e>
+                          <m:sub>
+                            <m:r>
+                              <a:rPr lang="en-US" altLang="ja-JP" b="0" i="1" smtClean="0">
+                                <a:latin typeface="Cambria Math" panose="02040503050406030204" pitchFamily="18" charset="0"/>
+                              </a:rPr>
+                              <m:t>2</m:t>
+                            </m:r>
+                          </m:sub>
+                        </m:sSub>
+                      </m:oMath>
+                    </m:oMathPara>
+                  </a14:m>
+                  <a:endParaRPr kumimoji="1" lang="ja-JP" altLang="en-US" dirty="0"/>
+                </a:p>
+              </p:txBody>
+            </p:sp>
+          </mc:Choice>
+          <mc:Fallback xmlns="">
+            <p:sp>
+              <p:nvSpPr>
+                <p:cNvPr id="12" name="フローチャート: 結合子 11">
+                  <a:extLst>
+                    <a:ext uri="{FF2B5EF4-FFF2-40B4-BE49-F238E27FC236}">
+                      <a16:creationId xmlns:a16="http://schemas.microsoft.com/office/drawing/2014/main" id="{56A8DCB3-509B-4128-9683-B5F2AC661CB0}"/>
+                    </a:ext>
+                  </a:extLst>
+                </p:cNvPr>
+                <p:cNvSpPr>
+                  <a:spLocks noRot="1" noChangeAspect="1" noMove="1" noResize="1" noEditPoints="1" noAdjustHandles="1" noChangeArrowheads="1" noChangeShapeType="1" noTextEdit="1"/>
+                </p:cNvSpPr>
+                <p:nvPr/>
+              </p:nvSpPr>
+              <p:spPr>
+                <a:xfrm>
+                  <a:off x="7966385" y="5237134"/>
+                  <a:ext cx="742122" cy="742122"/>
+                </a:xfrm>
+                <a:prstGeom prst="flowChartConnector">
+                  <a:avLst/>
+                </a:prstGeom>
+                <a:blipFill>
+                  <a:blip r:embed="rId9"/>
+                  <a:stretch>
+                    <a:fillRect/>
+                  </a:stretch>
+                </a:blipFill>
+              </p:spPr>
+              <p:txBody>
+                <a:bodyPr/>
+                <a:lstStyle/>
+                <a:p>
+                  <a:r>
+                    <a:rPr lang="ja-JP" altLang="en-US">
+                      <a:noFill/>
+                    </a:rPr>
+                    <a:t> </a:t>
+                  </a:r>
+                </a:p>
+              </p:txBody>
+            </p:sp>
+          </mc:Fallback>
+        </mc:AlternateContent>
+        <mc:AlternateContent xmlns:mc="http://schemas.openxmlformats.org/markup-compatibility/2006" xmlns:a14="http://schemas.microsoft.com/office/drawing/2010/main">
+          <mc:Choice Requires="a14">
+            <p:sp>
+              <p:nvSpPr>
+                <p:cNvPr id="13" name="フローチャート: 結合子 12">
+                  <a:extLst>
+                    <a:ext uri="{FF2B5EF4-FFF2-40B4-BE49-F238E27FC236}">
+                      <a16:creationId xmlns:a16="http://schemas.microsoft.com/office/drawing/2014/main" id="{E30EEC42-39B1-4C52-9267-D562A3D6D36E}"/>
+                    </a:ext>
+                  </a:extLst>
+                </p:cNvPr>
+                <p:cNvSpPr/>
+                <p:nvPr/>
+              </p:nvSpPr>
+              <p:spPr>
+                <a:xfrm>
+                  <a:off x="9694859" y="2059221"/>
+                  <a:ext cx="742122" cy="742122"/>
+                </a:xfrm>
+                <a:prstGeom prst="flowChartConnector">
+                  <a:avLst/>
+                </a:prstGeom>
+              </p:spPr>
+              <p:style>
+                <a:lnRef idx="2">
+                  <a:schemeClr val="accent6">
+                    <a:shade val="50000"/>
+                  </a:schemeClr>
+                </a:lnRef>
+                <a:fillRef idx="1">
+                  <a:schemeClr val="accent6"/>
+                </a:fillRef>
+                <a:effectRef idx="0">
+                  <a:schemeClr val="accent6"/>
+                </a:effectRef>
+                <a:fontRef idx="minor">
+                  <a:schemeClr val="lt1"/>
+                </a:fontRef>
+              </p:style>
+              <p:txBody>
+                <a:bodyPr rtlCol="0" anchor="ctr"/>
+                <a:lstStyle/>
+                <a:p>
+                  <a:pPr algn="ctr"/>
+                  <a14:m>
+                    <m:oMathPara xmlns:m="http://schemas.openxmlformats.org/officeDocument/2006/math">
+                      <m:oMathParaPr>
+                        <m:jc m:val="centerGroup"/>
+                      </m:oMathParaPr>
+                      <m:oMath xmlns:m="http://schemas.openxmlformats.org/officeDocument/2006/math">
+                        <m:sSub>
+                          <m:sSubPr>
+                            <m:ctrlPr>
+                              <a:rPr lang="en-US" altLang="ja-JP" i="1" smtClean="0">
+                                <a:latin typeface="Cambria Math" panose="02040503050406030204" pitchFamily="18" charset="0"/>
+                              </a:rPr>
+                            </m:ctrlPr>
+                          </m:sSubPr>
+                          <m:e>
+                            <m:r>
+                              <a:rPr lang="en-US" altLang="ja-JP" i="1">
+                                <a:latin typeface="Cambria Math" panose="02040503050406030204" pitchFamily="18" charset="0"/>
+                              </a:rPr>
+                              <m:t>  </m:t>
+                            </m:r>
+                            <m:r>
+                              <a:rPr lang="en-US" altLang="ja-JP" i="1">
+                                <a:latin typeface="Cambria Math" panose="02040503050406030204" pitchFamily="18" charset="0"/>
+                              </a:rPr>
+                              <m:t>𝑦</m:t>
+                            </m:r>
+                          </m:e>
+                          <m:sub>
+                            <m:r>
+                              <a:rPr lang="en-US" altLang="ja-JP" b="0" i="1" smtClean="0">
+                                <a:latin typeface="Cambria Math" panose="02040503050406030204" pitchFamily="18" charset="0"/>
+                              </a:rPr>
+                              <m:t>3</m:t>
+                            </m:r>
+                          </m:sub>
+                        </m:sSub>
+                      </m:oMath>
+                    </m:oMathPara>
+                  </a14:m>
+                  <a:endParaRPr kumimoji="1" lang="ja-JP" altLang="en-US" dirty="0"/>
+                </a:p>
+              </p:txBody>
+            </p:sp>
+          </mc:Choice>
+          <mc:Fallback xmlns="">
+            <p:sp>
+              <p:nvSpPr>
+                <p:cNvPr id="13" name="フローチャート: 結合子 12">
+                  <a:extLst>
+                    <a:ext uri="{FF2B5EF4-FFF2-40B4-BE49-F238E27FC236}">
+                      <a16:creationId xmlns:a16="http://schemas.microsoft.com/office/drawing/2014/main" id="{E30EEC42-39B1-4C52-9267-D562A3D6D36E}"/>
+                    </a:ext>
+                  </a:extLst>
+                </p:cNvPr>
+                <p:cNvSpPr>
+                  <a:spLocks noRot="1" noChangeAspect="1" noMove="1" noResize="1" noEditPoints="1" noAdjustHandles="1" noChangeArrowheads="1" noChangeShapeType="1" noTextEdit="1"/>
+                </p:cNvSpPr>
+                <p:nvPr/>
+              </p:nvSpPr>
+              <p:spPr>
+                <a:xfrm>
+                  <a:off x="9694859" y="2059221"/>
+                  <a:ext cx="742122" cy="742122"/>
+                </a:xfrm>
+                <a:prstGeom prst="flowChartConnector">
+                  <a:avLst/>
+                </a:prstGeom>
+                <a:blipFill>
+                  <a:blip r:embed="rId10"/>
+                  <a:stretch>
+                    <a:fillRect/>
+                  </a:stretch>
+                </a:blipFill>
+              </p:spPr>
+              <p:txBody>
+                <a:bodyPr/>
+                <a:lstStyle/>
+                <a:p>
+                  <a:r>
+                    <a:rPr lang="ja-JP" altLang="en-US">
+                      <a:noFill/>
+                    </a:rPr>
+                    <a:t> </a:t>
+                  </a:r>
+                </a:p>
+              </p:txBody>
+            </p:sp>
+          </mc:Fallback>
+        </mc:AlternateContent>
+        <mc:AlternateContent xmlns:mc="http://schemas.openxmlformats.org/markup-compatibility/2006" xmlns:a14="http://schemas.microsoft.com/office/drawing/2010/main">
+          <mc:Choice Requires="a14">
+            <p:sp>
+              <p:nvSpPr>
+                <p:cNvPr id="14" name="フローチャート: 結合子 13">
+                  <a:extLst>
+                    <a:ext uri="{FF2B5EF4-FFF2-40B4-BE49-F238E27FC236}">
+                      <a16:creationId xmlns:a16="http://schemas.microsoft.com/office/drawing/2014/main" id="{BF59CEF9-D5BB-401C-8F1E-FFFA9B0049A3}"/>
+                    </a:ext>
+                  </a:extLst>
+                </p:cNvPr>
+                <p:cNvSpPr/>
+                <p:nvPr/>
+              </p:nvSpPr>
+              <p:spPr>
+                <a:xfrm>
+                  <a:off x="9694859" y="3648633"/>
+                  <a:ext cx="742122" cy="742122"/>
+                </a:xfrm>
+                <a:prstGeom prst="flowChartConnector">
+                  <a:avLst/>
+                </a:prstGeom>
+              </p:spPr>
+              <p:style>
+                <a:lnRef idx="2">
+                  <a:schemeClr val="accent1">
+                    <a:shade val="50000"/>
+                  </a:schemeClr>
+                </a:lnRef>
+                <a:fillRef idx="1">
+                  <a:schemeClr val="accent1"/>
+                </a:fillRef>
+                <a:effectRef idx="0">
+                  <a:schemeClr val="accent1"/>
+                </a:effectRef>
+                <a:fontRef idx="minor">
+                  <a:schemeClr val="lt1"/>
+                </a:fontRef>
+              </p:style>
+              <p:txBody>
+                <a:bodyPr rtlCol="0" anchor="ctr"/>
+                <a:lstStyle/>
+                <a:p>
+                  <a:pPr algn="ctr"/>
+                  <a14:m>
+                    <m:oMathPara xmlns:m="http://schemas.openxmlformats.org/officeDocument/2006/math">
+                      <m:oMathParaPr>
+                        <m:jc m:val="centerGroup"/>
+                      </m:oMathParaPr>
+                      <m:oMath xmlns:m="http://schemas.openxmlformats.org/officeDocument/2006/math">
+                        <m:r>
+                          <a:rPr lang="en-US" altLang="ja-JP" i="1" smtClean="0">
+                            <a:latin typeface="Cambria Math" panose="02040503050406030204" pitchFamily="18" charset="0"/>
+                          </a:rPr>
+                          <m:t> </m:t>
+                        </m:r>
+                        <m:sSub>
+                          <m:sSubPr>
+                            <m:ctrlPr>
+                              <a:rPr lang="en-US" altLang="ja-JP" i="1">
+                                <a:latin typeface="Cambria Math" panose="02040503050406030204" pitchFamily="18" charset="0"/>
+                              </a:rPr>
+                            </m:ctrlPr>
+                          </m:sSubPr>
+                          <m:e>
+                            <m:r>
+                              <a:rPr lang="en-US" altLang="ja-JP" i="1">
+                                <a:latin typeface="Cambria Math" panose="02040503050406030204" pitchFamily="18" charset="0"/>
+                              </a:rPr>
+                              <m:t>h</m:t>
+                            </m:r>
+                          </m:e>
+                          <m:sub>
+                            <m:r>
+                              <a:rPr lang="en-US" altLang="ja-JP" b="0" i="1" smtClean="0">
+                                <a:latin typeface="Cambria Math" panose="02040503050406030204" pitchFamily="18" charset="0"/>
+                              </a:rPr>
+                              <m:t>3</m:t>
+                            </m:r>
+                          </m:sub>
+                        </m:sSub>
+                      </m:oMath>
+                    </m:oMathPara>
+                  </a14:m>
+                  <a:endParaRPr kumimoji="1" lang="ja-JP" altLang="en-US" dirty="0"/>
+                </a:p>
+              </p:txBody>
+            </p:sp>
+          </mc:Choice>
+          <mc:Fallback xmlns="">
+            <p:sp>
+              <p:nvSpPr>
+                <p:cNvPr id="14" name="フローチャート: 結合子 13">
+                  <a:extLst>
+                    <a:ext uri="{FF2B5EF4-FFF2-40B4-BE49-F238E27FC236}">
+                      <a16:creationId xmlns:a16="http://schemas.microsoft.com/office/drawing/2014/main" id="{BF59CEF9-D5BB-401C-8F1E-FFFA9B0049A3}"/>
+                    </a:ext>
+                  </a:extLst>
+                </p:cNvPr>
+                <p:cNvSpPr>
+                  <a:spLocks noRot="1" noChangeAspect="1" noMove="1" noResize="1" noEditPoints="1" noAdjustHandles="1" noChangeArrowheads="1" noChangeShapeType="1" noTextEdit="1"/>
+                </p:cNvSpPr>
+                <p:nvPr/>
+              </p:nvSpPr>
+              <p:spPr>
+                <a:xfrm>
+                  <a:off x="9694859" y="3648633"/>
+                  <a:ext cx="742122" cy="742122"/>
+                </a:xfrm>
+                <a:prstGeom prst="flowChartConnector">
+                  <a:avLst/>
+                </a:prstGeom>
+                <a:blipFill>
+                  <a:blip r:embed="rId11"/>
+                  <a:stretch>
+                    <a:fillRect/>
+                  </a:stretch>
+                </a:blipFill>
+              </p:spPr>
+              <p:txBody>
+                <a:bodyPr/>
+                <a:lstStyle/>
+                <a:p>
+                  <a:r>
+                    <a:rPr lang="ja-JP" altLang="en-US">
+                      <a:noFill/>
+                    </a:rPr>
+                    <a:t> </a:t>
+                  </a:r>
+                </a:p>
+              </p:txBody>
+            </p:sp>
+          </mc:Fallback>
+        </mc:AlternateContent>
+        <mc:AlternateContent xmlns:mc="http://schemas.openxmlformats.org/markup-compatibility/2006" xmlns:a14="http://schemas.microsoft.com/office/drawing/2010/main">
+          <mc:Choice Requires="a14">
+            <p:sp>
+              <p:nvSpPr>
+                <p:cNvPr id="15" name="フローチャート: 結合子 14">
+                  <a:extLst>
+                    <a:ext uri="{FF2B5EF4-FFF2-40B4-BE49-F238E27FC236}">
+                      <a16:creationId xmlns:a16="http://schemas.microsoft.com/office/drawing/2014/main" id="{8FA58A93-A16C-42C4-872A-C5EC527B5DE3}"/>
+                    </a:ext>
+                  </a:extLst>
+                </p:cNvPr>
+                <p:cNvSpPr/>
+                <p:nvPr/>
+              </p:nvSpPr>
+              <p:spPr>
+                <a:xfrm>
+                  <a:off x="9694859" y="5237134"/>
+                  <a:ext cx="742122" cy="742122"/>
+                </a:xfrm>
+                <a:prstGeom prst="flowChartConnector">
+                  <a:avLst/>
+                </a:prstGeom>
+              </p:spPr>
+              <p:style>
+                <a:lnRef idx="2">
+                  <a:schemeClr val="accent2">
+                    <a:shade val="50000"/>
+                  </a:schemeClr>
+                </a:lnRef>
+                <a:fillRef idx="1">
+                  <a:schemeClr val="accent2"/>
+                </a:fillRef>
+                <a:effectRef idx="0">
+                  <a:schemeClr val="accent2"/>
+                </a:effectRef>
+                <a:fontRef idx="minor">
+                  <a:schemeClr val="lt1"/>
+                </a:fontRef>
+              </p:style>
+              <p:txBody>
+                <a:bodyPr rtlCol="0" anchor="ctr"/>
+                <a:lstStyle/>
+                <a:p>
+                  <a:pPr algn="ctr"/>
+                  <a14:m>
+                    <m:oMathPara xmlns:m="http://schemas.openxmlformats.org/officeDocument/2006/math">
+                      <m:oMathParaPr>
+                        <m:jc m:val="centerGroup"/>
+                      </m:oMathParaPr>
+                      <m:oMath xmlns:m="http://schemas.openxmlformats.org/officeDocument/2006/math">
+                        <m:sSub>
+                          <m:sSubPr>
+                            <m:ctrlPr>
+                              <a:rPr lang="en-US" altLang="ja-JP" i="1" smtClean="0">
+                                <a:latin typeface="Cambria Math" panose="02040503050406030204" pitchFamily="18" charset="0"/>
+                              </a:rPr>
+                            </m:ctrlPr>
+                          </m:sSubPr>
+                          <m:e>
+                            <m:r>
+                              <a:rPr lang="en-US" altLang="ja-JP" i="1">
+                                <a:latin typeface="Cambria Math" panose="02040503050406030204" pitchFamily="18" charset="0"/>
+                              </a:rPr>
+                              <m:t>  </m:t>
+                            </m:r>
+                            <m:r>
+                              <a:rPr lang="en-US" altLang="ja-JP" i="1">
+                                <a:latin typeface="Cambria Math" panose="02040503050406030204" pitchFamily="18" charset="0"/>
+                              </a:rPr>
+                              <m:t>𝑥</m:t>
+                            </m:r>
+                          </m:e>
+                          <m:sub>
+                            <m:r>
+                              <a:rPr lang="en-US" altLang="ja-JP" b="0" i="1" smtClean="0">
+                                <a:latin typeface="Cambria Math" panose="02040503050406030204" pitchFamily="18" charset="0"/>
+                              </a:rPr>
+                              <m:t>3</m:t>
+                            </m:r>
+                          </m:sub>
+                        </m:sSub>
+                      </m:oMath>
+                    </m:oMathPara>
+                  </a14:m>
+                  <a:endParaRPr kumimoji="1" lang="ja-JP" altLang="en-US" dirty="0"/>
+                </a:p>
+              </p:txBody>
+            </p:sp>
+          </mc:Choice>
+          <mc:Fallback xmlns="">
+            <p:sp>
+              <p:nvSpPr>
+                <p:cNvPr id="15" name="フローチャート: 結合子 14">
+                  <a:extLst>
+                    <a:ext uri="{FF2B5EF4-FFF2-40B4-BE49-F238E27FC236}">
+                      <a16:creationId xmlns:a16="http://schemas.microsoft.com/office/drawing/2014/main" id="{8FA58A93-A16C-42C4-872A-C5EC527B5DE3}"/>
+                    </a:ext>
+                  </a:extLst>
+                </p:cNvPr>
+                <p:cNvSpPr>
+                  <a:spLocks noRot="1" noChangeAspect="1" noMove="1" noResize="1" noEditPoints="1" noAdjustHandles="1" noChangeArrowheads="1" noChangeShapeType="1" noTextEdit="1"/>
+                </p:cNvSpPr>
+                <p:nvPr/>
+              </p:nvSpPr>
+              <p:spPr>
+                <a:xfrm>
+                  <a:off x="9694859" y="5237134"/>
+                  <a:ext cx="742122" cy="742122"/>
+                </a:xfrm>
+                <a:prstGeom prst="flowChartConnector">
+                  <a:avLst/>
+                </a:prstGeom>
+                <a:blipFill>
+                  <a:blip r:embed="rId12"/>
+                  <a:stretch>
+                    <a:fillRect/>
+                  </a:stretch>
+                </a:blipFill>
+              </p:spPr>
+              <p:txBody>
+                <a:bodyPr/>
+                <a:lstStyle/>
+                <a:p>
+                  <a:r>
+                    <a:rPr lang="ja-JP" altLang="en-US">
+                      <a:noFill/>
+                    </a:rPr>
+                    <a:t> </a:t>
+                  </a:r>
+                </a:p>
+              </p:txBody>
+            </p:sp>
+          </mc:Fallback>
+        </mc:AlternateContent>
+        <p:sp>
+          <p:nvSpPr>
+            <p:cNvPr id="16" name="矢印: 右 15">
+              <a:extLst>
+                <a:ext uri="{FF2B5EF4-FFF2-40B4-BE49-F238E27FC236}">
+                  <a16:creationId xmlns:a16="http://schemas.microsoft.com/office/drawing/2014/main" id="{E1B2DB39-3376-4335-A8A8-0C6F6C6A6C3A}"/>
+                </a:ext>
+              </a:extLst>
+            </p:cNvPr>
+            <p:cNvSpPr/>
+            <p:nvPr/>
+          </p:nvSpPr>
+          <p:spPr>
+            <a:xfrm>
+              <a:off x="5676849" y="3782487"/>
+              <a:ext cx="461536" cy="522489"/>
+            </a:xfrm>
+            <a:prstGeom prst="rightArrow">
+              <a:avLst/>
+            </a:prstGeom>
+          </p:spPr>
+          <p:style>
+            <a:lnRef idx="2">
+              <a:schemeClr val="accent1">
+                <a:shade val="50000"/>
+              </a:schemeClr>
+            </a:lnRef>
+            <a:fillRef idx="1">
+              <a:schemeClr val="accent1"/>
+            </a:fillRef>
+            <a:effectRef idx="0">
+              <a:schemeClr val="accent1"/>
+            </a:effectRef>
+            <a:fontRef idx="minor">
+              <a:schemeClr val="lt1"/>
+            </a:fontRef>
+          </p:style>
+          <p:txBody>
+            <a:bodyPr rtlCol="0" anchor="ctr"/>
+            <a:lstStyle/>
+            <a:p>
+              <a:pPr algn="ctr"/>
+              <a:endParaRPr kumimoji="1" lang="ja-JP" altLang="en-US"/>
+            </a:p>
+          </p:txBody>
+        </p:sp>
+        <p:sp>
+          <p:nvSpPr>
+            <p:cNvPr id="17" name="矢印: 右 16">
+              <a:extLst>
+                <a:ext uri="{FF2B5EF4-FFF2-40B4-BE49-F238E27FC236}">
+                  <a16:creationId xmlns:a16="http://schemas.microsoft.com/office/drawing/2014/main" id="{8D353070-D5B9-415B-810A-68B888DD67E0}"/>
+                </a:ext>
+              </a:extLst>
+            </p:cNvPr>
+            <p:cNvSpPr/>
+            <p:nvPr/>
+          </p:nvSpPr>
+          <p:spPr>
+            <a:xfrm>
+              <a:off x="8970915" y="3757994"/>
+              <a:ext cx="461536" cy="522489"/>
+            </a:xfrm>
+            <a:prstGeom prst="rightArrow">
+              <a:avLst/>
+            </a:prstGeom>
+          </p:spPr>
+          <p:style>
+            <a:lnRef idx="2">
+              <a:schemeClr val="accent1">
+                <a:shade val="50000"/>
+              </a:schemeClr>
+            </a:lnRef>
+            <a:fillRef idx="1">
+              <a:schemeClr val="accent1"/>
+            </a:fillRef>
+            <a:effectRef idx="0">
+              <a:schemeClr val="accent1"/>
+            </a:effectRef>
+            <a:fontRef idx="minor">
+              <a:schemeClr val="lt1"/>
+            </a:fontRef>
+          </p:style>
+          <p:txBody>
+            <a:bodyPr rtlCol="0" anchor="ctr"/>
+            <a:lstStyle/>
+            <a:p>
+              <a:pPr algn="ctr"/>
+              <a:endParaRPr kumimoji="1" lang="ja-JP" altLang="en-US"/>
+            </a:p>
+          </p:txBody>
+        </p:sp>
+        <p:sp>
+          <p:nvSpPr>
+            <p:cNvPr id="18" name="矢印: 右 17">
+              <a:extLst>
+                <a:ext uri="{FF2B5EF4-FFF2-40B4-BE49-F238E27FC236}">
+                  <a16:creationId xmlns:a16="http://schemas.microsoft.com/office/drawing/2014/main" id="{C94296AF-0EA5-457B-B88E-DB3DC513158D}"/>
+                </a:ext>
+              </a:extLst>
+            </p:cNvPr>
+            <p:cNvSpPr/>
+            <p:nvPr/>
+          </p:nvSpPr>
+          <p:spPr>
+            <a:xfrm rot="16200000">
+              <a:off x="6456333" y="4552699"/>
+              <a:ext cx="461536" cy="522489"/>
+            </a:xfrm>
+            <a:prstGeom prst="rightArrow">
+              <a:avLst/>
+            </a:prstGeom>
+            <a:solidFill>
+              <a:schemeClr val="accent2"/>
+            </a:solidFill>
+          </p:spPr>
+          <p:style>
+            <a:lnRef idx="2">
+              <a:schemeClr val="accent1">
+                <a:shade val="50000"/>
+              </a:schemeClr>
+            </a:lnRef>
+            <a:fillRef idx="1">
+              <a:schemeClr val="accent1"/>
+            </a:fillRef>
+            <a:effectRef idx="0">
+              <a:schemeClr val="accent1"/>
+            </a:effectRef>
+            <a:fontRef idx="minor">
+              <a:schemeClr val="lt1"/>
+            </a:fontRef>
+          </p:style>
+          <p:txBody>
+            <a:bodyPr rtlCol="0" anchor="ctr"/>
+            <a:lstStyle/>
+            <a:p>
+              <a:pPr algn="ctr"/>
+              <a:endParaRPr kumimoji="1" lang="ja-JP" altLang="en-US"/>
+            </a:p>
+          </p:txBody>
+        </p:sp>
+        <p:sp>
+          <p:nvSpPr>
+            <p:cNvPr id="19" name="矢印: 右 18">
+              <a:extLst>
+                <a:ext uri="{FF2B5EF4-FFF2-40B4-BE49-F238E27FC236}">
+                  <a16:creationId xmlns:a16="http://schemas.microsoft.com/office/drawing/2014/main" id="{E5843F8F-DABB-49F6-99E8-81A4710A7886}"/>
+                </a:ext>
+              </a:extLst>
+            </p:cNvPr>
+            <p:cNvSpPr/>
+            <p:nvPr/>
+          </p:nvSpPr>
+          <p:spPr>
+            <a:xfrm rot="16200000">
+              <a:off x="6459664" y="2971898"/>
+              <a:ext cx="461536" cy="522489"/>
+            </a:xfrm>
+            <a:prstGeom prst="rightArrow">
+              <a:avLst/>
+            </a:prstGeom>
+            <a:solidFill>
+              <a:schemeClr val="accent6"/>
+            </a:solidFill>
+          </p:spPr>
+          <p:style>
+            <a:lnRef idx="2">
+              <a:schemeClr val="accent1">
+                <a:shade val="50000"/>
+              </a:schemeClr>
+            </a:lnRef>
+            <a:fillRef idx="1">
+              <a:schemeClr val="accent1"/>
+            </a:fillRef>
+            <a:effectRef idx="0">
+              <a:schemeClr val="accent1"/>
+            </a:effectRef>
+            <a:fontRef idx="minor">
+              <a:schemeClr val="lt1"/>
+            </a:fontRef>
+          </p:style>
+          <p:txBody>
+            <a:bodyPr rtlCol="0" anchor="ctr"/>
+            <a:lstStyle/>
+            <a:p>
+              <a:pPr algn="ctr"/>
+              <a:endParaRPr kumimoji="1" lang="ja-JP" altLang="en-US"/>
+            </a:p>
+          </p:txBody>
+        </p:sp>
+        <p:sp>
+          <p:nvSpPr>
+            <p:cNvPr id="20" name="矢印: 右 19">
+              <a:extLst>
+                <a:ext uri="{FF2B5EF4-FFF2-40B4-BE49-F238E27FC236}">
+                  <a16:creationId xmlns:a16="http://schemas.microsoft.com/office/drawing/2014/main" id="{1DB7A5A2-12D0-4E44-9041-536E881542B9}"/>
+                </a:ext>
+              </a:extLst>
+            </p:cNvPr>
+            <p:cNvSpPr/>
+            <p:nvPr/>
+          </p:nvSpPr>
+          <p:spPr>
+            <a:xfrm rot="16200000">
+              <a:off x="9832470" y="2971898"/>
+              <a:ext cx="461536" cy="522489"/>
+            </a:xfrm>
+            <a:prstGeom prst="rightArrow">
+              <a:avLst/>
+            </a:prstGeom>
+            <a:solidFill>
+              <a:schemeClr val="accent6"/>
+            </a:solidFill>
+          </p:spPr>
+          <p:style>
+            <a:lnRef idx="2">
+              <a:schemeClr val="accent1">
+                <a:shade val="50000"/>
+              </a:schemeClr>
+            </a:lnRef>
+            <a:fillRef idx="1">
+              <a:schemeClr val="accent1"/>
+            </a:fillRef>
+            <a:effectRef idx="0">
+              <a:schemeClr val="accent1"/>
+            </a:effectRef>
+            <a:fontRef idx="minor">
+              <a:schemeClr val="lt1"/>
+            </a:fontRef>
+          </p:style>
+          <p:txBody>
+            <a:bodyPr rtlCol="0" anchor="ctr"/>
+            <a:lstStyle/>
+            <a:p>
+              <a:pPr algn="ctr"/>
+              <a:endParaRPr kumimoji="1" lang="ja-JP" altLang="en-US"/>
+            </a:p>
+          </p:txBody>
+        </p:sp>
+        <p:sp>
+          <p:nvSpPr>
+            <p:cNvPr id="21" name="矢印: 右 20">
+              <a:extLst>
+                <a:ext uri="{FF2B5EF4-FFF2-40B4-BE49-F238E27FC236}">
+                  <a16:creationId xmlns:a16="http://schemas.microsoft.com/office/drawing/2014/main" id="{5773B234-C541-4E3B-BCB5-FC2757BB01BE}"/>
+                </a:ext>
+              </a:extLst>
+            </p:cNvPr>
+            <p:cNvSpPr/>
+            <p:nvPr/>
+          </p:nvSpPr>
+          <p:spPr>
+            <a:xfrm rot="16200000">
+              <a:off x="9832469" y="4552700"/>
+              <a:ext cx="461536" cy="522489"/>
+            </a:xfrm>
+            <a:prstGeom prst="rightArrow">
+              <a:avLst/>
+            </a:prstGeom>
+            <a:solidFill>
+              <a:schemeClr val="accent2"/>
+            </a:solidFill>
+          </p:spPr>
+          <p:style>
+            <a:lnRef idx="2">
+              <a:schemeClr val="accent1">
+                <a:shade val="50000"/>
+              </a:schemeClr>
+            </a:lnRef>
+            <a:fillRef idx="1">
+              <a:schemeClr val="accent1"/>
+            </a:fillRef>
+            <a:effectRef idx="0">
+              <a:schemeClr val="accent1"/>
+            </a:effectRef>
+            <a:fontRef idx="minor">
+              <a:schemeClr val="lt1"/>
+            </a:fontRef>
+          </p:style>
+          <p:txBody>
+            <a:bodyPr rtlCol="0" anchor="ctr"/>
+            <a:lstStyle/>
+            <a:p>
+              <a:pPr algn="ctr"/>
+              <a:endParaRPr kumimoji="1" lang="ja-JP" altLang="en-US"/>
+            </a:p>
+          </p:txBody>
+        </p:sp>
+        <p:sp>
+          <p:nvSpPr>
+            <p:cNvPr id="22" name="矢印: 右 21">
+              <a:extLst>
+                <a:ext uri="{FF2B5EF4-FFF2-40B4-BE49-F238E27FC236}">
+                  <a16:creationId xmlns:a16="http://schemas.microsoft.com/office/drawing/2014/main" id="{388A7E96-88D8-49D4-995F-FCECC79C5BB8}"/>
+                </a:ext>
+              </a:extLst>
+            </p:cNvPr>
+            <p:cNvSpPr/>
+            <p:nvPr/>
+          </p:nvSpPr>
+          <p:spPr>
+            <a:xfrm rot="16200000">
+              <a:off x="8102222" y="4552699"/>
+              <a:ext cx="461536" cy="522489"/>
+            </a:xfrm>
+            <a:prstGeom prst="rightArrow">
+              <a:avLst/>
+            </a:prstGeom>
+            <a:solidFill>
+              <a:schemeClr val="accent2"/>
+            </a:solidFill>
+          </p:spPr>
+          <p:style>
+            <a:lnRef idx="2">
+              <a:schemeClr val="accent1">
+                <a:shade val="50000"/>
+              </a:schemeClr>
+            </a:lnRef>
+            <a:fillRef idx="1">
+              <a:schemeClr val="accent1"/>
+            </a:fillRef>
+            <a:effectRef idx="0">
+              <a:schemeClr val="accent1"/>
+            </a:effectRef>
+            <a:fontRef idx="minor">
+              <a:schemeClr val="lt1"/>
+            </a:fontRef>
+          </p:style>
+          <p:txBody>
+            <a:bodyPr rtlCol="0" anchor="ctr"/>
+            <a:lstStyle/>
+            <a:p>
+              <a:pPr algn="ctr"/>
+              <a:endParaRPr kumimoji="1" lang="ja-JP" altLang="en-US"/>
+            </a:p>
+          </p:txBody>
+        </p:sp>
+      </p:grpSp>
+      <p:grpSp>
+        <p:nvGrpSpPr>
+          <p:cNvPr id="23" name="グループ化 22">
             <a:extLst>
-              <a:ext uri="{28A0092B-C50C-407E-A947-70E740481C1C}">
-                <a14:useLocalDpi xmlns:a14="http://schemas.microsoft.com/office/drawing/2010/main" val="0"/>
+              <a:ext uri="{FF2B5EF4-FFF2-40B4-BE49-F238E27FC236}">
+                <a16:creationId xmlns:a16="http://schemas.microsoft.com/office/drawing/2014/main" id="{391718B8-C84A-4924-9260-5E8D610C84D3}"/>
               </a:ext>
             </a:extLst>
-          </a:blip>
-          <a:srcRect/>
-          <a:stretch>
-            <a:fillRect/>
-          </a:stretch>
-        </p:blipFill>
-        <p:spPr bwMode="auto">
+          </p:cNvPr>
+          <p:cNvGrpSpPr/>
+          <p:nvPr/>
+        </p:nvGrpSpPr>
+        <p:grpSpPr>
           <a:xfrm>
-            <a:off x="841828" y="3285664"/>
-            <a:ext cx="7398658" cy="3410857"/>
+            <a:off x="1378429" y="2460450"/>
+            <a:ext cx="1598831" cy="4199840"/>
+            <a:chOff x="966797" y="1678306"/>
+            <a:chExt cx="1598831" cy="4199840"/>
           </a:xfrm>
-          <a:prstGeom prst="rect">
+        </p:grpSpPr>
+        <mc:AlternateContent xmlns:mc="http://schemas.openxmlformats.org/markup-compatibility/2006" xmlns:a14="http://schemas.microsoft.com/office/drawing/2010/main">
+          <mc:Choice Requires="a14">
+            <p:sp>
+              <p:nvSpPr>
+                <p:cNvPr id="24" name="フローチャート: 結合子 23">
+                  <a:extLst>
+                    <a:ext uri="{FF2B5EF4-FFF2-40B4-BE49-F238E27FC236}">
+                      <a16:creationId xmlns:a16="http://schemas.microsoft.com/office/drawing/2014/main" id="{33EC7030-C6D2-499A-A852-1D563921CE10}"/>
+                    </a:ext>
+                  </a:extLst>
+                </p:cNvPr>
+                <p:cNvSpPr/>
+                <p:nvPr/>
+              </p:nvSpPr>
+              <p:spPr>
+                <a:xfrm>
+                  <a:off x="1755019" y="2068099"/>
+                  <a:ext cx="742122" cy="742122"/>
+                </a:xfrm>
+                <a:prstGeom prst="flowChartConnector">
+                  <a:avLst/>
+                </a:prstGeom>
+              </p:spPr>
+              <p:style>
+                <a:lnRef idx="2">
+                  <a:schemeClr val="accent6">
+                    <a:shade val="50000"/>
+                  </a:schemeClr>
+                </a:lnRef>
+                <a:fillRef idx="1">
+                  <a:schemeClr val="accent6"/>
+                </a:fillRef>
+                <a:effectRef idx="0">
+                  <a:schemeClr val="accent6"/>
+                </a:effectRef>
+                <a:fontRef idx="minor">
+                  <a:schemeClr val="lt1"/>
+                </a:fontRef>
+              </p:style>
+              <p:txBody>
+                <a:bodyPr rtlCol="0" anchor="ctr"/>
+                <a:lstStyle/>
+                <a:p>
+                  <a:pPr algn="ctr"/>
+                  <a14:m>
+                    <m:oMathPara xmlns:m="http://schemas.openxmlformats.org/officeDocument/2006/math">
+                      <m:oMathParaPr>
+                        <m:jc m:val="centerGroup"/>
+                      </m:oMathParaPr>
+                      <m:oMath xmlns:m="http://schemas.openxmlformats.org/officeDocument/2006/math">
+                        <m:sSub>
+                          <m:sSubPr>
+                            <m:ctrlPr>
+                              <a:rPr kumimoji="1" lang="en-US" altLang="ja-JP" i="1" smtClean="0">
+                                <a:latin typeface="Cambria Math" panose="02040503050406030204" pitchFamily="18" charset="0"/>
+                              </a:rPr>
+                            </m:ctrlPr>
+                          </m:sSubPr>
+                          <m:e>
+                            <m:r>
+                              <a:rPr kumimoji="1" lang="en-US" altLang="ja-JP" b="0" i="1" smtClean="0">
+                                <a:latin typeface="Cambria Math" panose="02040503050406030204" pitchFamily="18" charset="0"/>
+                              </a:rPr>
+                              <m:t>    </m:t>
+                            </m:r>
+                            <m:r>
+                              <a:rPr kumimoji="1" lang="en-US" altLang="ja-JP" b="0" i="1" smtClean="0">
+                                <a:latin typeface="Cambria Math" panose="02040503050406030204" pitchFamily="18" charset="0"/>
+                              </a:rPr>
+                              <m:t>𝑦</m:t>
+                            </m:r>
+                          </m:e>
+                          <m:sub/>
+                        </m:sSub>
+                      </m:oMath>
+                    </m:oMathPara>
+                  </a14:m>
+                  <a:endParaRPr kumimoji="1" lang="ja-JP" altLang="en-US" dirty="0"/>
+                </a:p>
+              </p:txBody>
+            </p:sp>
+          </mc:Choice>
+          <mc:Fallback xmlns="">
+            <p:sp>
+              <p:nvSpPr>
+                <p:cNvPr id="15" name="フローチャート: 結合子 14">
+                  <a:extLst>
+                    <a:ext uri="{FF2B5EF4-FFF2-40B4-BE49-F238E27FC236}">
+                      <a16:creationId xmlns:a16="http://schemas.microsoft.com/office/drawing/2014/main" id="{70E2DDBD-0F09-400F-A99E-4B1013EF7FE1}"/>
+                    </a:ext>
+                  </a:extLst>
+                </p:cNvPr>
+                <p:cNvSpPr>
+                  <a:spLocks noRot="1" noChangeAspect="1" noMove="1" noResize="1" noEditPoints="1" noAdjustHandles="1" noChangeArrowheads="1" noChangeShapeType="1" noTextEdit="1"/>
+                </p:cNvSpPr>
+                <p:nvPr/>
+              </p:nvSpPr>
+              <p:spPr>
+                <a:xfrm>
+                  <a:off x="1755019" y="2068099"/>
+                  <a:ext cx="742122" cy="742122"/>
+                </a:xfrm>
+                <a:prstGeom prst="flowChartConnector">
+                  <a:avLst/>
+                </a:prstGeom>
+                <a:blipFill>
+                  <a:blip r:embed="rId13"/>
+                  <a:stretch>
+                    <a:fillRect/>
+                  </a:stretch>
+                </a:blipFill>
+              </p:spPr>
+              <p:txBody>
+                <a:bodyPr/>
+                <a:lstStyle/>
+                <a:p>
+                  <a:r>
+                    <a:rPr lang="ja-JP" altLang="en-US">
+                      <a:noFill/>
+                    </a:rPr>
+                    <a:t> </a:t>
+                  </a:r>
+                </a:p>
+              </p:txBody>
+            </p:sp>
+          </mc:Fallback>
+        </mc:AlternateContent>
+        <mc:AlternateContent xmlns:mc="http://schemas.openxmlformats.org/markup-compatibility/2006" xmlns:a14="http://schemas.microsoft.com/office/drawing/2010/main">
+          <mc:Choice Requires="a14">
+            <p:sp>
+              <p:nvSpPr>
+                <p:cNvPr id="25" name="フローチャート: 結合子 24">
+                  <a:extLst>
+                    <a:ext uri="{FF2B5EF4-FFF2-40B4-BE49-F238E27FC236}">
+                      <a16:creationId xmlns:a16="http://schemas.microsoft.com/office/drawing/2014/main" id="{061BDBE3-5B1B-453F-9E25-CECB6F585275}"/>
+                    </a:ext>
+                  </a:extLst>
+                </p:cNvPr>
+                <p:cNvSpPr/>
+                <p:nvPr/>
+              </p:nvSpPr>
+              <p:spPr>
+                <a:xfrm>
+                  <a:off x="1755019" y="3561336"/>
+                  <a:ext cx="742122" cy="742122"/>
+                </a:xfrm>
+                <a:prstGeom prst="flowChartConnector">
+                  <a:avLst/>
+                </a:prstGeom>
+              </p:spPr>
+              <p:style>
+                <a:lnRef idx="2">
+                  <a:schemeClr val="accent1">
+                    <a:shade val="50000"/>
+                  </a:schemeClr>
+                </a:lnRef>
+                <a:fillRef idx="1">
+                  <a:schemeClr val="accent1"/>
+                </a:fillRef>
+                <a:effectRef idx="0">
+                  <a:schemeClr val="accent1"/>
+                </a:effectRef>
+                <a:fontRef idx="minor">
+                  <a:schemeClr val="lt1"/>
+                </a:fontRef>
+              </p:style>
+              <p:txBody>
+                <a:bodyPr rtlCol="0" anchor="ctr"/>
+                <a:lstStyle/>
+                <a:p>
+                  <a:pPr algn="ctr"/>
+                  <a14:m>
+                    <m:oMathPara xmlns:m="http://schemas.openxmlformats.org/officeDocument/2006/math">
+                      <m:oMathParaPr>
+                        <m:jc m:val="centerGroup"/>
+                      </m:oMathParaPr>
+                      <m:oMath xmlns:m="http://schemas.openxmlformats.org/officeDocument/2006/math">
+                        <m:r>
+                          <a:rPr lang="en-US" altLang="ja-JP" i="1" smtClean="0">
+                            <a:latin typeface="Cambria Math" panose="02040503050406030204" pitchFamily="18" charset="0"/>
+                          </a:rPr>
+                          <m:t> </m:t>
+                        </m:r>
+                        <m:r>
+                          <a:rPr lang="en-US" altLang="ja-JP" b="0" i="1" smtClean="0">
+                            <a:latin typeface="Cambria Math" panose="02040503050406030204" pitchFamily="18" charset="0"/>
+                          </a:rPr>
+                          <m:t>h</m:t>
+                        </m:r>
+                      </m:oMath>
+                    </m:oMathPara>
+                  </a14:m>
+                  <a:endParaRPr kumimoji="1" lang="ja-JP" altLang="en-US" dirty="0"/>
+                </a:p>
+              </p:txBody>
+            </p:sp>
+          </mc:Choice>
+          <mc:Fallback xmlns="">
+            <p:sp>
+              <p:nvSpPr>
+                <p:cNvPr id="16" name="フローチャート: 結合子 15">
+                  <a:extLst>
+                    <a:ext uri="{FF2B5EF4-FFF2-40B4-BE49-F238E27FC236}">
+                      <a16:creationId xmlns:a16="http://schemas.microsoft.com/office/drawing/2014/main" id="{22AA0254-C9DD-42BD-BB4A-246E83E213C0}"/>
+                    </a:ext>
+                  </a:extLst>
+                </p:cNvPr>
+                <p:cNvSpPr>
+                  <a:spLocks noRot="1" noChangeAspect="1" noMove="1" noResize="1" noEditPoints="1" noAdjustHandles="1" noChangeArrowheads="1" noChangeShapeType="1" noTextEdit="1"/>
+                </p:cNvSpPr>
+                <p:nvPr/>
+              </p:nvSpPr>
+              <p:spPr>
+                <a:xfrm>
+                  <a:off x="1755019" y="3561336"/>
+                  <a:ext cx="742122" cy="742122"/>
+                </a:xfrm>
+                <a:prstGeom prst="flowChartConnector">
+                  <a:avLst/>
+                </a:prstGeom>
+                <a:blipFill>
+                  <a:blip r:embed="rId14"/>
+                  <a:stretch>
+                    <a:fillRect/>
+                  </a:stretch>
+                </a:blipFill>
+              </p:spPr>
+              <p:txBody>
+                <a:bodyPr/>
+                <a:lstStyle/>
+                <a:p>
+                  <a:r>
+                    <a:rPr lang="ja-JP" altLang="en-US">
+                      <a:noFill/>
+                    </a:rPr>
+                    <a:t> </a:t>
+                  </a:r>
+                </a:p>
+              </p:txBody>
+            </p:sp>
+          </mc:Fallback>
+        </mc:AlternateContent>
+        <mc:AlternateContent xmlns:mc="http://schemas.openxmlformats.org/markup-compatibility/2006" xmlns:a14="http://schemas.microsoft.com/office/drawing/2010/main">
+          <mc:Choice Requires="a14">
+            <p:sp>
+              <p:nvSpPr>
+                <p:cNvPr id="26" name="フローチャート: 結合子 25">
+                  <a:extLst>
+                    <a:ext uri="{FF2B5EF4-FFF2-40B4-BE49-F238E27FC236}">
+                      <a16:creationId xmlns:a16="http://schemas.microsoft.com/office/drawing/2014/main" id="{6368C4E9-2A48-42E1-8899-6F09A7682B37}"/>
+                    </a:ext>
+                  </a:extLst>
+                </p:cNvPr>
+                <p:cNvSpPr/>
+                <p:nvPr/>
+              </p:nvSpPr>
+              <p:spPr>
+                <a:xfrm>
+                  <a:off x="1755019" y="5136024"/>
+                  <a:ext cx="742122" cy="742122"/>
+                </a:xfrm>
+                <a:prstGeom prst="flowChartConnector">
+                  <a:avLst/>
+                </a:prstGeom>
+              </p:spPr>
+              <p:style>
+                <a:lnRef idx="2">
+                  <a:schemeClr val="accent2">
+                    <a:shade val="50000"/>
+                  </a:schemeClr>
+                </a:lnRef>
+                <a:fillRef idx="1">
+                  <a:schemeClr val="accent2"/>
+                </a:fillRef>
+                <a:effectRef idx="0">
+                  <a:schemeClr val="accent2"/>
+                </a:effectRef>
+                <a:fontRef idx="minor">
+                  <a:schemeClr val="lt1"/>
+                </a:fontRef>
+              </p:style>
+              <p:txBody>
+                <a:bodyPr rtlCol="0" anchor="ctr"/>
+                <a:lstStyle/>
+                <a:p>
+                  <a:pPr algn="ctr"/>
+                  <a14:m>
+                    <m:oMathPara xmlns:m="http://schemas.openxmlformats.org/officeDocument/2006/math">
+                      <m:oMathParaPr>
+                        <m:jc m:val="centerGroup"/>
+                      </m:oMathParaPr>
+                      <m:oMath xmlns:m="http://schemas.openxmlformats.org/officeDocument/2006/math">
+                        <m:r>
+                          <a:rPr kumimoji="1" lang="en-US" altLang="ja-JP" sz="2000" b="0" i="1" smtClean="0">
+                            <a:latin typeface="Cambria Math" panose="02040503050406030204" pitchFamily="18" charset="0"/>
+                          </a:rPr>
+                          <m:t> </m:t>
+                        </m:r>
+                        <m:r>
+                          <a:rPr kumimoji="1" lang="en-US" altLang="ja-JP" sz="2000" b="0" i="1" smtClean="0">
+                            <a:latin typeface="Cambria Math" panose="02040503050406030204" pitchFamily="18" charset="0"/>
+                          </a:rPr>
+                          <m:t>𝑥</m:t>
+                        </m:r>
+                      </m:oMath>
+                    </m:oMathPara>
+                  </a14:m>
+                  <a:endParaRPr kumimoji="1" lang="ja-JP" altLang="en-US" sz="2000" dirty="0"/>
+                </a:p>
+              </p:txBody>
+            </p:sp>
+          </mc:Choice>
+          <mc:Fallback xmlns="">
+            <p:sp>
+              <p:nvSpPr>
+                <p:cNvPr id="26" name="フローチャート: 結合子 25">
+                  <a:extLst>
+                    <a:ext uri="{FF2B5EF4-FFF2-40B4-BE49-F238E27FC236}">
+                      <a16:creationId xmlns:a16="http://schemas.microsoft.com/office/drawing/2014/main" id="{6368C4E9-2A48-42E1-8899-6F09A7682B37}"/>
+                    </a:ext>
+                  </a:extLst>
+                </p:cNvPr>
+                <p:cNvSpPr>
+                  <a:spLocks noRot="1" noChangeAspect="1" noMove="1" noResize="1" noEditPoints="1" noAdjustHandles="1" noChangeArrowheads="1" noChangeShapeType="1" noTextEdit="1"/>
+                </p:cNvSpPr>
+                <p:nvPr/>
+              </p:nvSpPr>
+              <p:spPr>
+                <a:xfrm>
+                  <a:off x="1755019" y="5136024"/>
+                  <a:ext cx="742122" cy="742122"/>
+                </a:xfrm>
+                <a:prstGeom prst="flowChartConnector">
+                  <a:avLst/>
+                </a:prstGeom>
+                <a:blipFill>
+                  <a:blip r:embed="rId15"/>
+                  <a:stretch>
+                    <a:fillRect/>
+                  </a:stretch>
+                </a:blipFill>
+              </p:spPr>
+              <p:txBody>
+                <a:bodyPr/>
+                <a:lstStyle/>
+                <a:p>
+                  <a:r>
+                    <a:rPr lang="ja-JP" altLang="en-US">
+                      <a:noFill/>
+                    </a:rPr>
+                    <a:t> </a:t>
+                  </a:r>
+                </a:p>
+              </p:txBody>
+            </p:sp>
+          </mc:Fallback>
+        </mc:AlternateContent>
+        <p:sp>
+          <p:nvSpPr>
+            <p:cNvPr id="27" name="矢印: 右カーブ 26">
+              <a:extLst>
+                <a:ext uri="{FF2B5EF4-FFF2-40B4-BE49-F238E27FC236}">
+                  <a16:creationId xmlns:a16="http://schemas.microsoft.com/office/drawing/2014/main" id="{4BE64257-4078-4315-AFDE-DC8D987CB3EE}"/>
+                </a:ext>
+              </a:extLst>
+            </p:cNvPr>
+            <p:cNvSpPr/>
+            <p:nvPr/>
+          </p:nvSpPr>
+          <p:spPr>
+            <a:xfrm>
+              <a:off x="966797" y="3308773"/>
+              <a:ext cx="719735" cy="874458"/>
+            </a:xfrm>
+            <a:prstGeom prst="curvedRightArrow">
+              <a:avLst/>
+            </a:prstGeom>
+            <a:solidFill>
+              <a:schemeClr val="accent6"/>
+            </a:solidFill>
+          </p:spPr>
+          <p:style>
+            <a:lnRef idx="2">
+              <a:schemeClr val="accent1">
+                <a:shade val="50000"/>
+              </a:schemeClr>
+            </a:lnRef>
+            <a:fillRef idx="1">
+              <a:schemeClr val="accent1"/>
+            </a:fillRef>
+            <a:effectRef idx="0">
+              <a:schemeClr val="accent1"/>
+            </a:effectRef>
+            <a:fontRef idx="minor">
+              <a:schemeClr val="lt1"/>
+            </a:fontRef>
+          </p:style>
+          <p:txBody>
+            <a:bodyPr rtlCol="0" anchor="ctr"/>
+            <a:lstStyle/>
+            <a:p>
+              <a:pPr algn="ctr"/>
+              <a:endParaRPr kumimoji="1" lang="ja-JP" altLang="en-US">
+                <a:solidFill>
+                  <a:schemeClr val="tx1"/>
+                </a:solidFill>
+              </a:endParaRPr>
+            </a:p>
+          </p:txBody>
+        </p:sp>
+        <p:sp>
+          <p:nvSpPr>
+            <p:cNvPr id="28" name="矢印: 右 27">
+              <a:extLst>
+                <a:ext uri="{FF2B5EF4-FFF2-40B4-BE49-F238E27FC236}">
+                  <a16:creationId xmlns:a16="http://schemas.microsoft.com/office/drawing/2014/main" id="{5E159CB0-C13A-4F35-9052-65550495FE05}"/>
+                </a:ext>
+              </a:extLst>
+            </p:cNvPr>
+            <p:cNvSpPr/>
+            <p:nvPr/>
+          </p:nvSpPr>
+          <p:spPr>
+            <a:xfrm rot="16200000">
+              <a:off x="1845176" y="2911876"/>
+              <a:ext cx="561809" cy="517124"/>
+            </a:xfrm>
+            <a:prstGeom prst="rightArrow">
+              <a:avLst/>
+            </a:prstGeom>
+            <a:solidFill>
+              <a:schemeClr val="accent6"/>
+            </a:solidFill>
+          </p:spPr>
+          <p:style>
+            <a:lnRef idx="2">
+              <a:schemeClr val="accent1">
+                <a:shade val="50000"/>
+              </a:schemeClr>
+            </a:lnRef>
+            <a:fillRef idx="1">
+              <a:schemeClr val="accent1"/>
+            </a:fillRef>
+            <a:effectRef idx="0">
+              <a:schemeClr val="accent1"/>
+            </a:effectRef>
+            <a:fontRef idx="minor">
+              <a:schemeClr val="lt1"/>
+            </a:fontRef>
+          </p:style>
+          <p:txBody>
+            <a:bodyPr rtlCol="0" anchor="ctr"/>
+            <a:lstStyle/>
+            <a:p>
+              <a:pPr algn="ctr"/>
+              <a:endParaRPr kumimoji="1" lang="ja-JP" altLang="en-US"/>
+            </a:p>
+          </p:txBody>
+        </p:sp>
+        <p:sp>
+          <p:nvSpPr>
+            <p:cNvPr id="29" name="矢印: 右 28">
+              <a:extLst>
+                <a:ext uri="{FF2B5EF4-FFF2-40B4-BE49-F238E27FC236}">
+                  <a16:creationId xmlns:a16="http://schemas.microsoft.com/office/drawing/2014/main" id="{37DFA050-E407-4C28-AFC1-52D738AC70AF}"/>
+                </a:ext>
+              </a:extLst>
+            </p:cNvPr>
+            <p:cNvSpPr/>
+            <p:nvPr/>
+          </p:nvSpPr>
+          <p:spPr>
+            <a:xfrm rot="16200000">
+              <a:off x="1845177" y="4407817"/>
+              <a:ext cx="561809" cy="517124"/>
+            </a:xfrm>
+            <a:prstGeom prst="rightArrow">
+              <a:avLst/>
+            </a:prstGeom>
+            <a:solidFill>
+              <a:schemeClr val="accent2"/>
+            </a:solidFill>
+          </p:spPr>
+          <p:style>
+            <a:lnRef idx="2">
+              <a:schemeClr val="accent1">
+                <a:shade val="50000"/>
+              </a:schemeClr>
+            </a:lnRef>
+            <a:fillRef idx="1">
+              <a:schemeClr val="accent1"/>
+            </a:fillRef>
+            <a:effectRef idx="0">
+              <a:schemeClr val="accent1"/>
+            </a:effectRef>
+            <a:fontRef idx="minor">
+              <a:schemeClr val="lt1"/>
+            </a:fontRef>
+          </p:style>
+          <p:txBody>
+            <a:bodyPr rtlCol="0" anchor="ctr"/>
+            <a:lstStyle/>
+            <a:p>
+              <a:pPr algn="ctr"/>
+              <a:endParaRPr kumimoji="1" lang="ja-JP" altLang="en-US"/>
+            </a:p>
+          </p:txBody>
+        </p:sp>
+        <p:sp>
+          <p:nvSpPr>
+            <p:cNvPr id="30" name="テキスト ボックス 29">
+              <a:extLst>
+                <a:ext uri="{FF2B5EF4-FFF2-40B4-BE49-F238E27FC236}">
+                  <a16:creationId xmlns:a16="http://schemas.microsoft.com/office/drawing/2014/main" id="{7CF4B31C-9996-41A4-89AB-E23EEEEC5BF9}"/>
+                </a:ext>
+              </a:extLst>
+            </p:cNvPr>
+            <p:cNvSpPr txBox="1"/>
+            <p:nvPr/>
+          </p:nvSpPr>
+          <p:spPr>
+            <a:xfrm>
+              <a:off x="1755019" y="1678306"/>
+              <a:ext cx="810609" cy="307777"/>
+            </a:xfrm>
+            <a:prstGeom prst="rect">
+              <a:avLst/>
+            </a:prstGeom>
+            <a:noFill/>
+          </p:spPr>
+          <p:txBody>
+            <a:bodyPr wrap="square" rtlCol="0">
+              <a:spAutoFit/>
+            </a:bodyPr>
+            <a:lstStyle/>
+            <a:p>
+              <a:r>
+                <a:rPr kumimoji="1" lang="ja-JP" altLang="en-US" sz="1400" dirty="0"/>
+                <a:t>中間層</a:t>
+              </a:r>
+            </a:p>
+          </p:txBody>
+        </p:sp>
+      </p:grpSp>
+      <p:sp>
+        <p:nvSpPr>
+          <p:cNvPr id="31" name="矢印: 右 30">
+            <a:extLst>
+              <a:ext uri="{FF2B5EF4-FFF2-40B4-BE49-F238E27FC236}">
+                <a16:creationId xmlns:a16="http://schemas.microsoft.com/office/drawing/2014/main" id="{DF2C4F88-7653-4EBE-9411-AB2DDCB47927}"/>
+              </a:ext>
+            </a:extLst>
+          </p:cNvPr>
+          <p:cNvSpPr/>
+          <p:nvPr/>
+        </p:nvSpPr>
+        <p:spPr>
+          <a:xfrm rot="16200000">
+            <a:off x="8206560" y="3869418"/>
+            <a:ext cx="334007" cy="391726"/>
+          </a:xfrm>
+          <a:prstGeom prst="rightArrow">
             <a:avLst/>
           </a:prstGeom>
-          <a:noFill/>
-          <a:extLst>
-            <a:ext uri="{909E8E84-426E-40DD-AFC4-6F175D3DCCD1}">
-              <a14:hiddenFill xmlns:a14="http://schemas.microsoft.com/office/drawing/2010/main">
-                <a:solidFill>
-                  <a:srgbClr val="FFFFFF"/>
-                </a:solidFill>
-              </a14:hiddenFill>
-            </a:ext>
-          </a:extLst>
+          <a:solidFill>
+            <a:schemeClr val="accent6"/>
+          </a:solidFill>
         </p:spPr>
-      </p:pic>
+        <p:style>
+          <a:lnRef idx="2">
+            <a:schemeClr val="accent1">
+              <a:shade val="50000"/>
+            </a:schemeClr>
+          </a:lnRef>
+          <a:fillRef idx="1">
+            <a:schemeClr val="accent1"/>
+          </a:fillRef>
+          <a:effectRef idx="0">
+            <a:schemeClr val="accent1"/>
+          </a:effectRef>
+          <a:fontRef idx="minor">
+            <a:schemeClr val="lt1"/>
+          </a:fontRef>
+        </p:style>
+        <p:txBody>
+          <a:bodyPr rtlCol="0" anchor="ctr"/>
+          <a:lstStyle/>
+          <a:p>
+            <a:pPr algn="ctr"/>
+            <a:endParaRPr kumimoji="1" lang="ja-JP" altLang="en-US"/>
+          </a:p>
+        </p:txBody>
+      </p:sp>
+      <p:sp>
+        <p:nvSpPr>
+          <p:cNvPr id="34" name="矢印: 右 33">
+            <a:extLst>
+              <a:ext uri="{FF2B5EF4-FFF2-40B4-BE49-F238E27FC236}">
+                <a16:creationId xmlns:a16="http://schemas.microsoft.com/office/drawing/2014/main" id="{5AC4ED1D-C881-4BF9-815A-0E3535D7DB02}"/>
+              </a:ext>
+            </a:extLst>
+          </p:cNvPr>
+          <p:cNvSpPr/>
+          <p:nvPr/>
+        </p:nvSpPr>
+        <p:spPr>
+          <a:xfrm>
+            <a:off x="7589308" y="4468406"/>
+            <a:ext cx="346028" cy="378117"/>
+          </a:xfrm>
+          <a:prstGeom prst="rightArrow">
+            <a:avLst/>
+          </a:prstGeom>
+        </p:spPr>
+        <p:style>
+          <a:lnRef idx="2">
+            <a:schemeClr val="accent1">
+              <a:shade val="50000"/>
+            </a:schemeClr>
+          </a:lnRef>
+          <a:fillRef idx="1">
+            <a:schemeClr val="accent1"/>
+          </a:fillRef>
+          <a:effectRef idx="0">
+            <a:schemeClr val="accent1"/>
+          </a:effectRef>
+          <a:fontRef idx="minor">
+            <a:schemeClr val="lt1"/>
+          </a:fontRef>
+        </p:style>
+        <p:txBody>
+          <a:bodyPr rtlCol="0" anchor="ctr"/>
+          <a:lstStyle/>
+          <a:p>
+            <a:pPr algn="ctr"/>
+            <a:endParaRPr kumimoji="1" lang="ja-JP" altLang="en-US"/>
+          </a:p>
+        </p:txBody>
+      </p:sp>
+      <p:sp>
+        <p:nvSpPr>
+          <p:cNvPr id="4" name="矢印: 右 3">
+            <a:extLst>
+              <a:ext uri="{FF2B5EF4-FFF2-40B4-BE49-F238E27FC236}">
+                <a16:creationId xmlns:a16="http://schemas.microsoft.com/office/drawing/2014/main" id="{511DAD3B-B48D-417C-B5A3-55327C0E595A}"/>
+              </a:ext>
+            </a:extLst>
+          </p:cNvPr>
+          <p:cNvSpPr/>
+          <p:nvPr/>
+        </p:nvSpPr>
+        <p:spPr>
+          <a:xfrm>
+            <a:off x="3648272" y="4266026"/>
+            <a:ext cx="1418417" cy="817682"/>
+          </a:xfrm>
+          <a:prstGeom prst="rightArrow">
+            <a:avLst/>
+          </a:prstGeom>
+          <a:solidFill>
+            <a:srgbClr val="00B050"/>
+          </a:solidFill>
+        </p:spPr>
+        <p:style>
+          <a:lnRef idx="2">
+            <a:schemeClr val="accent1">
+              <a:shade val="50000"/>
+            </a:schemeClr>
+          </a:lnRef>
+          <a:fillRef idx="1">
+            <a:schemeClr val="accent1"/>
+          </a:fillRef>
+          <a:effectRef idx="0">
+            <a:schemeClr val="accent1"/>
+          </a:effectRef>
+          <a:fontRef idx="minor">
+            <a:schemeClr val="lt1"/>
+          </a:fontRef>
+        </p:style>
+        <p:txBody>
+          <a:bodyPr rtlCol="0" anchor="ctr"/>
+          <a:lstStyle/>
+          <a:p>
+            <a:pPr algn="ctr"/>
+            <a:endParaRPr kumimoji="1" lang="ja-JP" altLang="en-US" dirty="0"/>
+          </a:p>
+        </p:txBody>
+      </p:sp>
     </p:spTree>
     <p:extLst>
       <p:ext uri="{BB962C8B-B14F-4D97-AF65-F5344CB8AC3E}">
@@ -7034,6 +9448,89 @@
       </p:transition>
     </mc:Fallback>
   </mc:AlternateContent>
+  <p:timing>
+    <p:tnLst>
+      <p:par>
+        <p:cTn id="1" dur="indefinite" restart="never" nodeType="tmRoot">
+          <p:childTnLst>
+            <p:seq concurrent="1" nextAc="seek">
+              <p:cTn id="2" dur="indefinite" nodeType="mainSeq">
+                <p:childTnLst>
+                  <p:par>
+                    <p:cTn id="3" fill="hold">
+                      <p:stCondLst>
+                        <p:cond delay="indefinite"/>
+                      </p:stCondLst>
+                      <p:childTnLst>
+                        <p:par>
+                          <p:cTn id="4" fill="hold">
+                            <p:stCondLst>
+                              <p:cond delay="0"/>
+                            </p:stCondLst>
+                            <p:childTnLst>
+                              <p:par>
+                                <p:cTn id="5" presetID="22" presetClass="entr" presetSubtype="8" fill="hold" nodeType="clickEffect">
+                                  <p:stCondLst>
+                                    <p:cond delay="0"/>
+                                  </p:stCondLst>
+                                  <p:childTnLst>
+                                    <p:set>
+                                      <p:cBhvr>
+                                        <p:cTn id="6" dur="1" fill="hold">
+                                          <p:stCondLst>
+                                            <p:cond delay="0"/>
+                                          </p:stCondLst>
+                                        </p:cTn>
+                                        <p:tgtEl>
+                                          <p:spTgt spid="23"/>
+                                        </p:tgtEl>
+                                        <p:attrNameLst>
+                                          <p:attrName>style.visibility</p:attrName>
+                                        </p:attrNameLst>
+                                      </p:cBhvr>
+                                      <p:to>
+                                        <p:strVal val="visible"/>
+                                      </p:to>
+                                    </p:set>
+                                    <p:animEffect transition="in" filter="wipe(left)">
+                                      <p:cBhvr>
+                                        <p:cTn id="7" dur="500"/>
+                                        <p:tgtEl>
+                                          <p:spTgt spid="23"/>
+                                        </p:tgtEl>
+                                      </p:cBhvr>
+                                    </p:animEffect>
+                                  </p:childTnLst>
+                                </p:cTn>
+                              </p:par>
+                            </p:childTnLst>
+                          </p:cTn>
+                        </p:par>
+                      </p:childTnLst>
+                    </p:cTn>
+                  </p:par>
+                </p:childTnLst>
+              </p:cTn>
+              <p:prevCondLst>
+                <p:cond evt="onPrev" delay="0">
+                  <p:tgtEl>
+                    <p:sldTgt/>
+                  </p:tgtEl>
+                </p:cond>
+              </p:prevCondLst>
+              <p:nextCondLst>
+                <p:cond evt="onNext" delay="0">
+                  <p:tgtEl>
+                    <p:sldTgt/>
+                  </p:tgtEl>
+                </p:cond>
+              </p:nextCondLst>
+            </p:seq>
+          </p:childTnLst>
+        </p:cTn>
+      </p:par>
+    </p:tnLst>
+  </p:timing>
 </p:sld>
 </file>
 
@@ -7085,7 +9582,7 @@
                 </a:solidFill>
                 <a:latin typeface="+mn-lt"/>
               </a:rPr>
-              <a:t>単語の予測の例</a:t>
+              <a:t>単語の予測</a:t>
             </a:r>
           </a:p>
         </p:txBody>
@@ -7332,13 +9829,48 @@
           </a:p>
         </p:txBody>
       </p:sp>
+      <p:sp>
+        <p:nvSpPr>
+          <p:cNvPr id="4" name="テキスト ボックス 3">
+            <a:extLst>
+              <a:ext uri="{FF2B5EF4-FFF2-40B4-BE49-F238E27FC236}">
+                <a16:creationId xmlns:a16="http://schemas.microsoft.com/office/drawing/2014/main" id="{7CAAB8D8-9C97-478D-9AC1-80210D958EE4}"/>
+              </a:ext>
+            </a:extLst>
+          </p:cNvPr>
+          <p:cNvSpPr txBox="1"/>
+          <p:nvPr/>
+        </p:nvSpPr>
+        <p:spPr>
+          <a:xfrm>
+            <a:off x="838200" y="1690688"/>
+            <a:ext cx="5638800" cy="923330"/>
+          </a:xfrm>
+          <a:prstGeom prst="rect">
+            <a:avLst/>
+          </a:prstGeom>
+          <a:noFill/>
+        </p:spPr>
+        <p:txBody>
+          <a:bodyPr wrap="square" rtlCol="0">
+            <a:spAutoFit/>
+          </a:bodyPr>
+          <a:lstStyle/>
+          <a:p>
+            <a:r>
+              <a:rPr kumimoji="1" lang="ja-JP" altLang="en-US" sz="5400" dirty="0"/>
+              <a:t>音程のみ</a:t>
+            </a:r>
+          </a:p>
+        </p:txBody>
+      </p:sp>
       <p:pic>
         <p:nvPicPr>
-          <p:cNvPr id="3" name="test_output2">
+          <p:cNvPr id="5" name="test_output2 (1)">
             <a:hlinkClick r:id="" action="ppaction://media"/>
             <a:extLst>
               <a:ext uri="{FF2B5EF4-FFF2-40B4-BE49-F238E27FC236}">
-                <a16:creationId xmlns:a16="http://schemas.microsoft.com/office/drawing/2014/main" id="{E9B2DACC-FB14-44D9-9610-A625C2FB4D52}"/>
+                <a16:creationId xmlns:a16="http://schemas.microsoft.com/office/drawing/2014/main" id="{7363189F-CA3B-4E79-8C70-541007F9D7AA}"/>
               </a:ext>
             </a:extLst>
           </p:cNvPr>
@@ -7362,49 +9894,14 @@
         </p:blipFill>
         <p:spPr>
           <a:xfrm>
-            <a:off x="1066800" y="3680818"/>
-            <a:ext cx="2286000" cy="1575026"/>
+            <a:off x="838200" y="2614018"/>
+            <a:ext cx="1882698" cy="1629965"/>
           </a:xfrm>
           <a:prstGeom prst="rect">
             <a:avLst/>
           </a:prstGeom>
         </p:spPr>
       </p:pic>
-      <p:sp>
-        <p:nvSpPr>
-          <p:cNvPr id="4" name="テキスト ボックス 3">
-            <a:extLst>
-              <a:ext uri="{FF2B5EF4-FFF2-40B4-BE49-F238E27FC236}">
-                <a16:creationId xmlns:a16="http://schemas.microsoft.com/office/drawing/2014/main" id="{7CAAB8D8-9C97-478D-9AC1-80210D958EE4}"/>
-              </a:ext>
-            </a:extLst>
-          </p:cNvPr>
-          <p:cNvSpPr txBox="1"/>
-          <p:nvPr/>
-        </p:nvSpPr>
-        <p:spPr>
-          <a:xfrm>
-            <a:off x="838200" y="1690688"/>
-            <a:ext cx="5638800" cy="923330"/>
-          </a:xfrm>
-          <a:prstGeom prst="rect">
-            <a:avLst/>
-          </a:prstGeom>
-          <a:noFill/>
-        </p:spPr>
-        <p:txBody>
-          <a:bodyPr wrap="square" rtlCol="0">
-            <a:spAutoFit/>
-          </a:bodyPr>
-          <a:lstStyle/>
-          <a:p>
-            <a:r>
-              <a:rPr kumimoji="1" lang="ja-JP" altLang="en-US" sz="5400" dirty="0"/>
-              <a:t>音程のみ</a:t>
-            </a:r>
-          </a:p>
-        </p:txBody>
-      </p:sp>
     </p:spTree>
     <p:extLst>
       <p:ext uri="{BB962C8B-B14F-4D97-AF65-F5344CB8AC3E}">
@@ -7439,9 +9936,6 @@
                     <p:cTn id="3" fill="hold">
                       <p:stCondLst>
                         <p:cond delay="indefinite"/>
-                        <p:cond evt="onBegin" delay="0">
-                          <p:tn val="2"/>
-                        </p:cond>
                       </p:stCondLst>
                       <p:childTnLst>
                         <p:par>
@@ -7451,16 +9945,16 @@
                             </p:stCondLst>
                             <p:childTnLst>
                               <p:par>
-                                <p:cTn id="5" presetID="1" presetClass="mediacall" presetSubtype="0" fill="hold" nodeType="afterEffect">
+                                <p:cTn id="5" presetID="1" presetClass="mediacall" presetSubtype="0" fill="hold" nodeType="clickEffect">
                                   <p:stCondLst>
                                     <p:cond delay="0"/>
                                   </p:stCondLst>
                                   <p:childTnLst>
                                     <p:cmd type="call" cmd="playFrom(0.0)">
                                       <p:cBhvr>
-                                        <p:cTn id="6" dur="1" fill="hold"/>
+                                        <p:cTn id="6" dur="64824" fill="hold"/>
                                         <p:tgtEl>
-                                          <p:spTgt spid="3"/>
+                                          <p:spTgt spid="5"/>
                                         </p:tgtEl>
                                       </p:cBhvr>
                                     </p:cmd>
@@ -7491,8 +9985,8 @@
               </p:nextCondLst>
             </p:seq>
             <p:audio>
-              <p:cMediaNode vol="80000" numSld="999" showWhenStopped="0">
-                <p:cTn id="7" repeatCount="indefinite" fill="hold" display="0">
+              <p:cMediaNode vol="80000">
+                <p:cTn id="7" fill="hold" display="0">
                   <p:stCondLst>
                     <p:cond delay="indefinite"/>
                   </p:stCondLst>
@@ -7505,7 +9999,7 @@
                   </p:endCondLst>
                 </p:cTn>
                 <p:tgtEl>
-                  <p:spTgt spid="3"/>
+                  <p:spTgt spid="5"/>
                 </p:tgtEl>
               </p:cMediaNode>
             </p:audio>
@@ -7597,8 +10091,8 @@
         </p:blipFill>
         <p:spPr>
           <a:xfrm>
-            <a:off x="1150375" y="3989438"/>
-            <a:ext cx="2252044" cy="1629696"/>
+            <a:off x="838200" y="2614286"/>
+            <a:ext cx="1908314" cy="1645480"/>
           </a:xfrm>
           <a:prstGeom prst="rect">
             <a:avLst/>
@@ -7691,7 +10185,7 @@
                                   <p:childTnLst>
                                     <p:cmd type="call" cmd="playFrom(0.0)">
                                       <p:cBhvr>
-                                        <p:cTn id="6" dur="1" fill="hold"/>
+                                        <p:cTn id="6" dur="64824" fill="hold"/>
                                         <p:tgtEl>
                                           <p:spTgt spid="3"/>
                                         </p:tgtEl>
@@ -7796,10 +10290,24 @@
           <a:lstStyle/>
           <a:p>
             <a:r>
-              <a:rPr lang="ja-JP" altLang="en-US" sz="4000" b="1" dirty="0"/>
+              <a:rPr lang="ja-JP" altLang="en-US" sz="4000" b="1" dirty="0">
+                <a:solidFill>
+                  <a:schemeClr val="tx1">
+                    <a:lumMod val="65000"/>
+                    <a:lumOff val="35000"/>
+                  </a:schemeClr>
+                </a:solidFill>
+              </a:rPr>
               <a:t>今後どのようなシステムにしていくか</a:t>
             </a:r>
-            <a:endParaRPr kumimoji="1" lang="ja-JP" altLang="en-US" sz="4000" b="1" dirty="0"/>
+            <a:endParaRPr kumimoji="1" lang="ja-JP" altLang="en-US" sz="4000" b="1" dirty="0">
+              <a:solidFill>
+                <a:schemeClr val="tx1">
+                  <a:lumMod val="65000"/>
+                  <a:lumOff val="35000"/>
+                </a:schemeClr>
+              </a:solidFill>
+            </a:endParaRPr>
           </a:p>
         </p:txBody>
       </p:sp>
@@ -7817,8 +10325,8 @@
         </p:nvSpPr>
         <p:spPr>
           <a:xfrm>
-            <a:off x="762000" y="1947021"/>
-            <a:ext cx="8875486" cy="2554545"/>
+            <a:off x="838200" y="1995311"/>
+            <a:ext cx="9909858" cy="3477875"/>
           </a:xfrm>
           <a:prstGeom prst="rect">
             <a:avLst/>
@@ -7831,41 +10339,62 @@
           </a:bodyPr>
           <a:lstStyle/>
           <a:p>
-            <a:r>
-              <a:rPr lang="ja-JP" altLang="en-US" sz="4000" dirty="0"/>
-              <a:t>・伴奏を加えて音楽風に近づける。</a:t>
-            </a:r>
+            <a:pPr marL="571500" indent="-571500">
+              <a:buFont typeface="Arial" panose="020B0604020202020204" pitchFamily="34" charset="0"/>
+              <a:buChar char="•"/>
+            </a:pPr>
+            <a:r>
+              <a:rPr lang="ja-JP" altLang="en-US" sz="3600" dirty="0"/>
+              <a:t>よりゲーム音楽らしく</a:t>
+            </a:r>
+            <a:endParaRPr lang="en-US" altLang="ja-JP" sz="3600" dirty="0"/>
+          </a:p>
+          <a:p>
+            <a:pPr marL="571500" indent="-571500">
+              <a:buFont typeface="Arial" panose="020B0604020202020204" pitchFamily="34" charset="0"/>
+              <a:buChar char="•"/>
+            </a:pPr>
+            <a:endParaRPr lang="en-US" altLang="ja-JP" sz="3600" dirty="0"/>
+          </a:p>
+          <a:p>
+            <a:pPr marL="571500" indent="-571500">
+              <a:buFont typeface="Arial" panose="020B0604020202020204" pitchFamily="34" charset="0"/>
+              <a:buChar char="•"/>
+            </a:pPr>
+            <a:r>
+              <a:rPr lang="en-US" altLang="ja-JP" sz="3600" dirty="0"/>
+              <a:t>8</a:t>
+            </a:r>
+            <a:r>
+              <a:rPr lang="ja-JP" altLang="en-US" sz="3600" dirty="0"/>
+              <a:t>分音符以外の入力</a:t>
+            </a:r>
+            <a:endParaRPr lang="en-US" altLang="ja-JP" sz="3600" dirty="0"/>
+          </a:p>
+          <a:p>
+            <a:pPr marL="571500" indent="-571500">
+              <a:buFont typeface="Arial" panose="020B0604020202020204" pitchFamily="34" charset="0"/>
+              <a:buChar char="•"/>
+            </a:pPr>
+            <a:endParaRPr lang="en-US" altLang="ja-JP" sz="3600" dirty="0"/>
+          </a:p>
+          <a:p>
+            <a:pPr marL="571500" indent="-571500">
+              <a:buFont typeface="Arial" panose="020B0604020202020204" pitchFamily="34" charset="0"/>
+              <a:buChar char="•"/>
+            </a:pPr>
+            <a:r>
+              <a:rPr lang="en-US" altLang="ja-JP" sz="3600" dirty="0"/>
+              <a:t>Web</a:t>
+            </a:r>
+            <a:r>
+              <a:rPr lang="ja-JP" altLang="en-US" sz="3600" dirty="0"/>
+              <a:t>ページのユーザビリティの向上</a:t>
+            </a:r>
+            <a:endParaRPr lang="en-US" altLang="ja-JP" sz="3600" dirty="0"/>
+          </a:p>
+          <a:p>
             <a:endParaRPr lang="en-US" altLang="ja-JP" sz="4000" dirty="0"/>
-          </a:p>
-          <a:p>
-            <a:r>
-              <a:rPr lang="ja-JP" altLang="en-US" sz="4000" dirty="0"/>
-              <a:t>・</a:t>
-            </a:r>
-            <a:r>
-              <a:rPr lang="en-US" altLang="ja-JP" sz="4000" dirty="0"/>
-              <a:t>Web</a:t>
-            </a:r>
-            <a:r>
-              <a:rPr lang="ja-JP" altLang="en-US" sz="4000" dirty="0"/>
-              <a:t>ページのユーザビリティの向上</a:t>
-            </a:r>
-            <a:endParaRPr lang="en-US" altLang="ja-JP" sz="4000" dirty="0"/>
-          </a:p>
-          <a:p>
-            <a:r>
-              <a:rPr lang="ja-JP" altLang="en-US" sz="4000" dirty="0"/>
-              <a:t>・</a:t>
-            </a:r>
-            <a:r>
-              <a:rPr lang="en-US" altLang="ja-JP" sz="4000" dirty="0"/>
-              <a:t>8</a:t>
-            </a:r>
-            <a:r>
-              <a:rPr lang="ja-JP" altLang="en-US" sz="4000" dirty="0"/>
-              <a:t>分音符以外の入力もできるようにする</a:t>
-            </a:r>
-            <a:endParaRPr kumimoji="1" lang="ja-JP" altLang="en-US" sz="4000" dirty="0"/>
           </a:p>
         </p:txBody>
       </p:sp>

--- a/presentation/bit Composer2.pptx
+++ b/presentation/bit Composer2.pptx
@@ -232,7 +232,7 @@
           <a:p>
             <a:fld id="{CFE7C3F7-5C92-45C1-81B6-3020317CA2CB}" type="datetimeFigureOut">
               <a:rPr kumimoji="1" lang="ja-JP" altLang="en-US" smtClean="0"/>
-              <a:t>2021/12/9</a:t>
+              <a:t>2021/12/10</a:t>
             </a:fld>
             <a:endParaRPr kumimoji="1" lang="ja-JP" altLang="en-US"/>
           </a:p>
@@ -1909,7 +1909,7 @@
           <a:p>
             <a:fld id="{4A6B28F3-BB62-4EA0-99DF-EF5932BC4FCF}" type="datetimeFigureOut">
               <a:rPr kumimoji="1" lang="ja-JP" altLang="en-US" smtClean="0"/>
-              <a:t>2021/12/9</a:t>
+              <a:t>2021/12/10</a:t>
             </a:fld>
             <a:endParaRPr kumimoji="1" lang="ja-JP" altLang="en-US"/>
           </a:p>
@@ -2151,7 +2151,7 @@
           <a:p>
             <a:fld id="{4A6B28F3-BB62-4EA0-99DF-EF5932BC4FCF}" type="datetimeFigureOut">
               <a:rPr kumimoji="1" lang="ja-JP" altLang="en-US" smtClean="0"/>
-              <a:t>2021/12/9</a:t>
+              <a:t>2021/12/10</a:t>
             </a:fld>
             <a:endParaRPr kumimoji="1" lang="ja-JP" altLang="en-US"/>
           </a:p>
@@ -2403,7 +2403,7 @@
           <a:p>
             <a:fld id="{4A6B28F3-BB62-4EA0-99DF-EF5932BC4FCF}" type="datetimeFigureOut">
               <a:rPr kumimoji="1" lang="ja-JP" altLang="en-US" smtClean="0"/>
-              <a:t>2021/12/9</a:t>
+              <a:t>2021/12/10</a:t>
             </a:fld>
             <a:endParaRPr kumimoji="1" lang="ja-JP" altLang="en-US"/>
           </a:p>
@@ -2645,7 +2645,7 @@
           <a:p>
             <a:fld id="{4A6B28F3-BB62-4EA0-99DF-EF5932BC4FCF}" type="datetimeFigureOut">
               <a:rPr kumimoji="1" lang="ja-JP" altLang="en-US" smtClean="0"/>
-              <a:t>2021/12/9</a:t>
+              <a:t>2021/12/10</a:t>
             </a:fld>
             <a:endParaRPr kumimoji="1" lang="ja-JP" altLang="en-US"/>
           </a:p>
@@ -2932,7 +2932,7 @@
           <a:p>
             <a:fld id="{4A6B28F3-BB62-4EA0-99DF-EF5932BC4FCF}" type="datetimeFigureOut">
               <a:rPr kumimoji="1" lang="ja-JP" altLang="en-US" smtClean="0"/>
-              <a:t>2021/12/9</a:t>
+              <a:t>2021/12/10</a:t>
             </a:fld>
             <a:endParaRPr kumimoji="1" lang="ja-JP" altLang="en-US"/>
           </a:p>
@@ -3273,7 +3273,7 @@
           <a:p>
             <a:fld id="{4A6B28F3-BB62-4EA0-99DF-EF5932BC4FCF}" type="datetimeFigureOut">
               <a:rPr kumimoji="1" lang="ja-JP" altLang="en-US" smtClean="0"/>
-              <a:t>2021/12/9</a:t>
+              <a:t>2021/12/10</a:t>
             </a:fld>
             <a:endParaRPr kumimoji="1" lang="ja-JP" altLang="en-US"/>
           </a:p>
@@ -3761,7 +3761,7 @@
           <a:p>
             <a:fld id="{4A6B28F3-BB62-4EA0-99DF-EF5932BC4FCF}" type="datetimeFigureOut">
               <a:rPr kumimoji="1" lang="ja-JP" altLang="en-US" smtClean="0"/>
-              <a:t>2021/12/9</a:t>
+              <a:t>2021/12/10</a:t>
             </a:fld>
             <a:endParaRPr kumimoji="1" lang="ja-JP" altLang="en-US"/>
           </a:p>
@@ -3914,7 +3914,7 @@
           <a:p>
             <a:fld id="{4A6B28F3-BB62-4EA0-99DF-EF5932BC4FCF}" type="datetimeFigureOut">
               <a:rPr kumimoji="1" lang="ja-JP" altLang="en-US" smtClean="0"/>
-              <a:t>2021/12/9</a:t>
+              <a:t>2021/12/10</a:t>
             </a:fld>
             <a:endParaRPr kumimoji="1" lang="ja-JP" altLang="en-US"/>
           </a:p>
@@ -4039,7 +4039,7 @@
           <a:p>
             <a:fld id="{4A6B28F3-BB62-4EA0-99DF-EF5932BC4FCF}" type="datetimeFigureOut">
               <a:rPr kumimoji="1" lang="ja-JP" altLang="en-US" smtClean="0"/>
-              <a:t>2021/12/9</a:t>
+              <a:t>2021/12/10</a:t>
             </a:fld>
             <a:endParaRPr kumimoji="1" lang="ja-JP" altLang="en-US"/>
           </a:p>
@@ -4394,7 +4394,7 @@
           <a:p>
             <a:fld id="{4A6B28F3-BB62-4EA0-99DF-EF5932BC4FCF}" type="datetimeFigureOut">
               <a:rPr kumimoji="1" lang="ja-JP" altLang="en-US" smtClean="0"/>
-              <a:t>2021/12/9</a:t>
+              <a:t>2021/12/10</a:t>
             </a:fld>
             <a:endParaRPr kumimoji="1" lang="ja-JP" altLang="en-US"/>
           </a:p>
@@ -4694,7 +4694,7 @@
           <a:p>
             <a:fld id="{4A6B28F3-BB62-4EA0-99DF-EF5932BC4FCF}" type="datetimeFigureOut">
               <a:rPr kumimoji="1" lang="ja-JP" altLang="en-US" smtClean="0"/>
-              <a:t>2021/12/9</a:t>
+              <a:t>2021/12/10</a:t>
             </a:fld>
             <a:endParaRPr kumimoji="1" lang="ja-JP" altLang="en-US"/>
           </a:p>
@@ -5000,7 +5000,7 @@
           <a:p>
             <a:fld id="{4A6B28F3-BB62-4EA0-99DF-EF5932BC4FCF}" type="datetimeFigureOut">
               <a:rPr kumimoji="1" lang="ja-JP" altLang="en-US" smtClean="0"/>
-              <a:t>2021/12/9</a:t>
+              <a:t>2021/12/10</a:t>
             </a:fld>
             <a:endParaRPr kumimoji="1" lang="ja-JP" altLang="en-US"/>
           </a:p>
@@ -9737,7 +9737,19 @@
           <a:p>
             <a:r>
               <a:rPr lang="en-US" altLang="ja-JP" sz="3600" b="1" dirty="0"/>
-              <a:t>Every’,  ‘day’.  ‘is‘, a ,‘new’, </a:t>
+              <a:t>Every’,  ‘day’.  ‘is‘, a ,‘</a:t>
+            </a:r>
+            <a:r>
+              <a:rPr lang="en-US" altLang="ja-JP" sz="3600" b="1" dirty="0">
+                <a:solidFill>
+                  <a:srgbClr val="FF0000"/>
+                </a:solidFill>
+              </a:rPr>
+              <a:t>new</a:t>
+            </a:r>
+            <a:r>
+              <a:rPr lang="en-US" altLang="ja-JP" sz="3600" b="1" dirty="0"/>
+              <a:t>’, </a:t>
             </a:r>
             <a:r>
               <a:rPr lang="en-US" altLang="ja-JP" sz="3600" b="1" dirty="0">
@@ -10051,54 +10063,11 @@
           <a:p>
             <a:r>
               <a:rPr kumimoji="1" lang="ja-JP" altLang="en-US" dirty="0"/>
-              <a:t>ショパンに学習させたもの</a:t>
-            </a:r>
-            <a:r>
-              <a:rPr kumimoji="1" lang="en-US" altLang="ja-JP" dirty="0"/>
-              <a:t>2</a:t>
-            </a:r>
-            <a:endParaRPr kumimoji="1" lang="ja-JP" altLang="en-US" dirty="0"/>
-          </a:p>
-        </p:txBody>
-      </p:sp>
-      <p:pic>
-        <p:nvPicPr>
-          <p:cNvPr id="3" name="test_output2">
-            <a:hlinkClick r:id="" action="ppaction://media"/>
-            <a:extLst>
-              <a:ext uri="{FF2B5EF4-FFF2-40B4-BE49-F238E27FC236}">
-                <a16:creationId xmlns:a16="http://schemas.microsoft.com/office/drawing/2014/main" id="{FE06A747-B449-4823-9B78-1E25F9C859B9}"/>
-              </a:ext>
-            </a:extLst>
-          </p:cNvPr>
-          <p:cNvPicPr>
-            <a:picLocks noChangeAspect="1"/>
-          </p:cNvPicPr>
-          <p:nvPr>
-            <a:audioFile r:link="rId2"/>
-            <p:extLst>
-              <p:ext uri="{DAA4B4D4-6D71-4841-9C94-3DE7FCFB9230}">
-                <p14:media xmlns:p14="http://schemas.microsoft.com/office/powerpoint/2010/main" r:embed="rId1"/>
-              </p:ext>
-            </p:extLst>
-          </p:nvPr>
-        </p:nvPicPr>
-        <p:blipFill>
-          <a:blip r:embed="rId5"/>
-          <a:stretch>
-            <a:fillRect/>
-          </a:stretch>
-        </p:blipFill>
-        <p:spPr>
-          <a:xfrm>
-            <a:off x="838200" y="2614286"/>
-            <a:ext cx="1908314" cy="1645480"/>
-          </a:xfrm>
-          <a:prstGeom prst="rect">
-            <a:avLst/>
-          </a:prstGeom>
-        </p:spPr>
-      </p:pic>
+              <a:t>ゲーム音楽を学習させたもの</a:t>
+            </a:r>
+          </a:p>
+        </p:txBody>
+      </p:sp>
       <p:sp>
         <p:nvSpPr>
           <p:cNvPr id="4" name="テキスト ボックス 3">
@@ -10157,90 +10126,6 @@
       </p:transition>
     </mc:Fallback>
   </mc:AlternateContent>
-  <p:timing>
-    <p:tnLst>
-      <p:par>
-        <p:cTn id="1" dur="indefinite" restart="never" nodeType="tmRoot">
-          <p:childTnLst>
-            <p:seq concurrent="1" nextAc="seek">
-              <p:cTn id="2" dur="indefinite" nodeType="mainSeq">
-                <p:childTnLst>
-                  <p:par>
-                    <p:cTn id="3" fill="hold">
-                      <p:stCondLst>
-                        <p:cond delay="indefinite"/>
-                      </p:stCondLst>
-                      <p:childTnLst>
-                        <p:par>
-                          <p:cTn id="4" fill="hold">
-                            <p:stCondLst>
-                              <p:cond delay="0"/>
-                            </p:stCondLst>
-                            <p:childTnLst>
-                              <p:par>
-                                <p:cTn id="5" presetID="1" presetClass="mediacall" presetSubtype="0" fill="hold" nodeType="clickEffect">
-                                  <p:stCondLst>
-                                    <p:cond delay="0"/>
-                                  </p:stCondLst>
-                                  <p:childTnLst>
-                                    <p:cmd type="call" cmd="playFrom(0.0)">
-                                      <p:cBhvr>
-                                        <p:cTn id="6" dur="64824" fill="hold"/>
-                                        <p:tgtEl>
-                                          <p:spTgt spid="3"/>
-                                        </p:tgtEl>
-                                      </p:cBhvr>
-                                    </p:cmd>
-                                  </p:childTnLst>
-                                </p:cTn>
-                              </p:par>
-                            </p:childTnLst>
-                          </p:cTn>
-                        </p:par>
-                      </p:childTnLst>
-                    </p:cTn>
-                  </p:par>
-                </p:childTnLst>
-              </p:cTn>
-              <p:prevCondLst>
-                <p:cond evt="onPrev" delay="0">
-                  <p:tgtEl>
-                    <p:sldTgt/>
-                  </p:tgtEl>
-                </p:cond>
-              </p:prevCondLst>
-              <p:nextCondLst>
-                <p:cond evt="onNext" delay="0">
-                  <p:tgtEl>
-                    <p:sldTgt/>
-                  </p:tgtEl>
-                </p:cond>
-              </p:nextCondLst>
-            </p:seq>
-            <p:audio>
-              <p:cMediaNode vol="80000">
-                <p:cTn id="7" fill="hold" display="0">
-                  <p:stCondLst>
-                    <p:cond delay="indefinite"/>
-                  </p:stCondLst>
-                  <p:endCondLst>
-                    <p:cond evt="onStopAudio" delay="0">
-                      <p:tgtEl>
-                        <p:sldTgt/>
-                      </p:tgtEl>
-                    </p:cond>
-                  </p:endCondLst>
-                </p:cTn>
-                <p:tgtEl>
-                  <p:spTgt spid="3"/>
-                </p:tgtEl>
-              </p:cMediaNode>
-            </p:audio>
-          </p:childTnLst>
-        </p:cTn>
-      </p:par>
-    </p:tnLst>
-  </p:timing>
 </p:sld>
 </file>
 
